--- a/Curriculum/Week_1/Lectures/1.1_Developer_Workflow.pptx
+++ b/Curriculum/Week_1/Lectures/1.1_Developer_Workflow.pptx
@@ -1,43 +1,29 @@
 
 <file path=ppt/presentation.xml><?xml version="1.0" encoding="utf-8"?>
-<p:presentation xmlns:a="http://schemas.openxmlformats.org/drawingml/2006/main" xmlns:r="http://schemas.openxmlformats.org/officeDocument/2006/relationships" xmlns:mc="http://schemas.openxmlformats.org/markup-compatibility/2006" xmlns:mv="urn:schemas-microsoft-com:mac:vml" xmlns:p="http://schemas.openxmlformats.org/presentationml/2006/main" xmlns:c="http://schemas.openxmlformats.org/drawingml/2006/chart" xmlns:dgm="http://schemas.openxmlformats.org/drawingml/2006/diagram" xmlns:o="urn:schemas-microsoft-com:office:office" xmlns:v="urn:schemas-microsoft-com:vml" xmlns:pvml="urn:schemas-microsoft-com:office:powerpoint" xmlns:com="http://schemas.openxmlformats.org/drawingml/2006/compatibility" xmlns:p14="http://schemas.microsoft.com/office/powerpoint/2010/main" autoCompressPictures="0" embedTrueTypeFonts="1" strictFirstAndLastChars="0" saveSubsetFonts="1">
+<p:presentation xmlns:a="http://schemas.openxmlformats.org/drawingml/2006/main" xmlns:r="http://schemas.openxmlformats.org/officeDocument/2006/relationships" xmlns:p="http://schemas.openxmlformats.org/presentationml/2006/main" strictFirstAndLastChars="0" embedTrueTypeFonts="1" saveSubsetFonts="1" autoCompressPictures="0">
   <p:sldMasterIdLst>
-    <p:sldMasterId id="2147483659" r:id="rId4"/>
+    <p:sldMasterId id="2147483659" r:id="rId1"/>
   </p:sldMasterIdLst>
   <p:notesMasterIdLst>
-    <p:notesMasterId r:id="rId5"/>
+    <p:notesMasterId r:id="rId13"/>
   </p:notesMasterIdLst>
   <p:sldIdLst>
-    <p:sldId id="256" r:id="rId6"/>
-    <p:sldId id="257" r:id="rId7"/>
-    <p:sldId id="258" r:id="rId8"/>
-    <p:sldId id="259" r:id="rId9"/>
-    <p:sldId id="260" r:id="rId10"/>
-    <p:sldId id="261" r:id="rId11"/>
-    <p:sldId id="262" r:id="rId12"/>
-    <p:sldId id="263" r:id="rId13"/>
-    <p:sldId id="264" r:id="rId14"/>
-    <p:sldId id="265" r:id="rId15"/>
-    <p:sldId id="266" r:id="rId16"/>
+    <p:sldId id="256" r:id="rId2"/>
+    <p:sldId id="257" r:id="rId3"/>
+    <p:sldId id="258" r:id="rId4"/>
+    <p:sldId id="259" r:id="rId5"/>
+    <p:sldId id="260" r:id="rId6"/>
+    <p:sldId id="261" r:id="rId7"/>
+    <p:sldId id="262" r:id="rId8"/>
+    <p:sldId id="263" r:id="rId9"/>
+    <p:sldId id="264" r:id="rId10"/>
+    <p:sldId id="265" r:id="rId11"/>
+    <p:sldId id="266" r:id="rId12"/>
   </p:sldIdLst>
-  <p:sldSz cy="5143500" cx="9144000"/>
+  <p:sldSz cx="9144000" cy="5143500" type="screen16x9"/>
   <p:notesSz cx="6858000" cy="9144000"/>
-  <p:embeddedFontLst>
-    <p:embeddedFont>
-      <p:font typeface="PT Sans Narrow"/>
-      <p:regular r:id="rId17"/>
-      <p:bold r:id="rId18"/>
-    </p:embeddedFont>
-    <p:embeddedFont>
-      <p:font typeface="Open Sans"/>
-      <p:regular r:id="rId19"/>
-      <p:bold r:id="rId20"/>
-      <p:italic r:id="rId21"/>
-      <p:boldItalic r:id="rId22"/>
-    </p:embeddedFont>
-  </p:embeddedFontLst>
   <p:defaultTextStyle>
-    <a:defPPr lvl="0" marR="0" rtl="0" algn="l">
+    <a:defPPr marR="0" lvl="0" algn="l" rtl="0">
       <a:lnSpc>
         <a:spcPct val="100000"/>
       </a:lnSpc>
@@ -48,7 +34,7 @@
         <a:spcPts val="0"/>
       </a:spcAft>
     </a:defPPr>
-    <a:lvl1pPr lvl="0" marR="0" rtl="0" algn="l">
+    <a:lvl1pPr marR="0" lvl="0" algn="l" rtl="0">
       <a:lnSpc>
         <a:spcPct val="100000"/>
       </a:lnSpc>
@@ -59,7 +45,7 @@
         <a:spcPts val="0"/>
       </a:spcAft>
       <a:buNone/>
-      <a:defRPr b="0" i="0" sz="1400" u="none" cap="none" strike="noStrike">
+      <a:defRPr sz="1400" b="0" i="0" u="none" strike="noStrike" cap="none">
         <a:solidFill>
           <a:srgbClr val="000000"/>
         </a:solidFill>
@@ -69,7 +55,7 @@
         <a:sym typeface="Arial"/>
       </a:defRPr>
     </a:lvl1pPr>
-    <a:lvl2pPr lvl="1" marR="0" rtl="0" algn="l">
+    <a:lvl2pPr marR="0" lvl="1" algn="l" rtl="0">
       <a:lnSpc>
         <a:spcPct val="100000"/>
       </a:lnSpc>
@@ -80,7 +66,7 @@
         <a:spcPts val="0"/>
       </a:spcAft>
       <a:buNone/>
-      <a:defRPr b="0" i="0" sz="1400" u="none" cap="none" strike="noStrike">
+      <a:defRPr sz="1400" b="0" i="0" u="none" strike="noStrike" cap="none">
         <a:solidFill>
           <a:srgbClr val="000000"/>
         </a:solidFill>
@@ -90,7 +76,7 @@
         <a:sym typeface="Arial"/>
       </a:defRPr>
     </a:lvl2pPr>
-    <a:lvl3pPr lvl="2" marR="0" rtl="0" algn="l">
+    <a:lvl3pPr marR="0" lvl="2" algn="l" rtl="0">
       <a:lnSpc>
         <a:spcPct val="100000"/>
       </a:lnSpc>
@@ -101,7 +87,7 @@
         <a:spcPts val="0"/>
       </a:spcAft>
       <a:buNone/>
-      <a:defRPr b="0" i="0" sz="1400" u="none" cap="none" strike="noStrike">
+      <a:defRPr sz="1400" b="0" i="0" u="none" strike="noStrike" cap="none">
         <a:solidFill>
           <a:srgbClr val="000000"/>
         </a:solidFill>
@@ -111,7 +97,7 @@
         <a:sym typeface="Arial"/>
       </a:defRPr>
     </a:lvl3pPr>
-    <a:lvl4pPr lvl="3" marR="0" rtl="0" algn="l">
+    <a:lvl4pPr marR="0" lvl="3" algn="l" rtl="0">
       <a:lnSpc>
         <a:spcPct val="100000"/>
       </a:lnSpc>
@@ -122,7 +108,7 @@
         <a:spcPts val="0"/>
       </a:spcAft>
       <a:buNone/>
-      <a:defRPr b="0" i="0" sz="1400" u="none" cap="none" strike="noStrike">
+      <a:defRPr sz="1400" b="0" i="0" u="none" strike="noStrike" cap="none">
         <a:solidFill>
           <a:srgbClr val="000000"/>
         </a:solidFill>
@@ -132,7 +118,7 @@
         <a:sym typeface="Arial"/>
       </a:defRPr>
     </a:lvl4pPr>
-    <a:lvl5pPr lvl="4" marR="0" rtl="0" algn="l">
+    <a:lvl5pPr marR="0" lvl="4" algn="l" rtl="0">
       <a:lnSpc>
         <a:spcPct val="100000"/>
       </a:lnSpc>
@@ -143,7 +129,7 @@
         <a:spcPts val="0"/>
       </a:spcAft>
       <a:buNone/>
-      <a:defRPr b="0" i="0" sz="1400" u="none" cap="none" strike="noStrike">
+      <a:defRPr sz="1400" b="0" i="0" u="none" strike="noStrike" cap="none">
         <a:solidFill>
           <a:srgbClr val="000000"/>
         </a:solidFill>
@@ -153,7 +139,7 @@
         <a:sym typeface="Arial"/>
       </a:defRPr>
     </a:lvl5pPr>
-    <a:lvl6pPr lvl="5" marR="0" rtl="0" algn="l">
+    <a:lvl6pPr marR="0" lvl="5" algn="l" rtl="0">
       <a:lnSpc>
         <a:spcPct val="100000"/>
       </a:lnSpc>
@@ -164,7 +150,7 @@
         <a:spcPts val="0"/>
       </a:spcAft>
       <a:buNone/>
-      <a:defRPr b="0" i="0" sz="1400" u="none" cap="none" strike="noStrike">
+      <a:defRPr sz="1400" b="0" i="0" u="none" strike="noStrike" cap="none">
         <a:solidFill>
           <a:srgbClr val="000000"/>
         </a:solidFill>
@@ -174,7 +160,7 @@
         <a:sym typeface="Arial"/>
       </a:defRPr>
     </a:lvl6pPr>
-    <a:lvl7pPr lvl="6" marR="0" rtl="0" algn="l">
+    <a:lvl7pPr marR="0" lvl="6" algn="l" rtl="0">
       <a:lnSpc>
         <a:spcPct val="100000"/>
       </a:lnSpc>
@@ -185,7 +171,7 @@
         <a:spcPts val="0"/>
       </a:spcAft>
       <a:buNone/>
-      <a:defRPr b="0" i="0" sz="1400" u="none" cap="none" strike="noStrike">
+      <a:defRPr sz="1400" b="0" i="0" u="none" strike="noStrike" cap="none">
         <a:solidFill>
           <a:srgbClr val="000000"/>
         </a:solidFill>
@@ -195,7 +181,7 @@
         <a:sym typeface="Arial"/>
       </a:defRPr>
     </a:lvl7pPr>
-    <a:lvl8pPr lvl="7" marR="0" rtl="0" algn="l">
+    <a:lvl8pPr marR="0" lvl="7" algn="l" rtl="0">
       <a:lnSpc>
         <a:spcPct val="100000"/>
       </a:lnSpc>
@@ -206,7 +192,7 @@
         <a:spcPts val="0"/>
       </a:spcAft>
       <a:buNone/>
-      <a:defRPr b="0" i="0" sz="1400" u="none" cap="none" strike="noStrike">
+      <a:defRPr sz="1400" b="0" i="0" u="none" strike="noStrike" cap="none">
         <a:solidFill>
           <a:srgbClr val="000000"/>
         </a:solidFill>
@@ -216,7 +202,7 @@
         <a:sym typeface="Arial"/>
       </a:defRPr>
     </a:lvl8pPr>
-    <a:lvl9pPr lvl="8" marR="0" rtl="0" algn="l">
+    <a:lvl9pPr marR="0" lvl="8" algn="l" rtl="0">
       <a:lnSpc>
         <a:spcPct val="100000"/>
       </a:lnSpc>
@@ -227,7 +213,7 @@
         <a:spcPts val="0"/>
       </a:spcAft>
       <a:buNone/>
-      <a:defRPr b="0" i="0" sz="1400" u="none" cap="none" strike="noStrike">
+      <a:defRPr sz="1400" b="0" i="0" u="none" strike="noStrike" cap="none">
         <a:solidFill>
           <a:srgbClr val="000000"/>
         </a:solidFill>
@@ -242,14 +228,14 @@
 </file>
 
 <file path=ppt/commentAuthors.xml><?xml version="1.0" encoding="utf-8"?>
-<p:cmAuthorLst xmlns:a="http://schemas.openxmlformats.org/drawingml/2006/main" xmlns:r="http://schemas.openxmlformats.org/officeDocument/2006/relationships" xmlns:mc="http://schemas.openxmlformats.org/markup-compatibility/2006" xmlns:mv="urn:schemas-microsoft-com:mac:vml" xmlns:p="http://schemas.openxmlformats.org/presentationml/2006/main" xmlns:c="http://schemas.openxmlformats.org/drawingml/2006/chart" xmlns:dgm="http://schemas.openxmlformats.org/drawingml/2006/diagram" xmlns:o="urn:schemas-microsoft-com:office:office" xmlns:v="urn:schemas-microsoft-com:vml" xmlns:pvml="urn:schemas-microsoft-com:office:powerpoint" xmlns:com="http://schemas.openxmlformats.org/drawingml/2006/compatibility" xmlns:p14="http://schemas.microsoft.com/office/powerpoint/2010/main">
-  <p:cmAuthor clrIdx="0" id="0" initials="" lastIdx="1" name="Tiffany Saelinh"/>
+<p:cmAuthorLst xmlns:a="http://schemas.openxmlformats.org/drawingml/2006/main" xmlns:r="http://schemas.openxmlformats.org/officeDocument/2006/relationships" xmlns:p="http://schemas.openxmlformats.org/presentationml/2006/main">
+  <p:cmAuthor id="0" name="Tiffany Saelinh" initials="" lastIdx="1" clrIdx="0"/>
 </p:cmAuthorLst>
 </file>
 
 <file path=ppt/comments/comment1.xml><?xml version="1.0" encoding="utf-8"?>
-<p:cmLst xmlns:a="http://schemas.openxmlformats.org/drawingml/2006/main" xmlns:r="http://schemas.openxmlformats.org/officeDocument/2006/relationships" xmlns:mc="http://schemas.openxmlformats.org/markup-compatibility/2006" xmlns:mv="urn:schemas-microsoft-com:mac:vml" xmlns:p="http://schemas.openxmlformats.org/presentationml/2006/main" xmlns:c="http://schemas.openxmlformats.org/drawingml/2006/chart" xmlns:dgm="http://schemas.openxmlformats.org/drawingml/2006/diagram" xmlns:o="urn:schemas-microsoft-com:office:office" xmlns:v="urn:schemas-microsoft-com:vml" xmlns:pvml="urn:schemas-microsoft-com:office:powerpoint" xmlns:com="http://schemas.openxmlformats.org/drawingml/2006/compatibility" xmlns:p14="http://schemas.microsoft.com/office/powerpoint/2010/main">
-  <p:cm authorId="0" idx="1" dt="2017-04-25T22:17:31.104">
+<p:cmLst xmlns:a="http://schemas.openxmlformats.org/drawingml/2006/main" xmlns:r="http://schemas.openxmlformats.org/officeDocument/2006/relationships" xmlns:p="http://schemas.openxmlformats.org/presentationml/2006/main">
+  <p:cm authorId="0" dt="2017-04-25T22:17:31.104" idx="1">
     <p:pos x="6000" y="0"/>
     <p:text>made a change so that the ending slide matched with the same wording as the title</p:text>
   </p:cm>
@@ -257,18 +243,19 @@
 </file>
 
 <file path=ppt/notesMasters/notesMaster1.xml><?xml version="1.0" encoding="utf-8"?>
-<p:notesMaster xmlns:a="http://schemas.openxmlformats.org/drawingml/2006/main" xmlns:r="http://schemas.openxmlformats.org/officeDocument/2006/relationships" xmlns:mc="http://schemas.openxmlformats.org/markup-compatibility/2006" xmlns:mv="urn:schemas-microsoft-com:mac:vml" xmlns:p="http://schemas.openxmlformats.org/presentationml/2006/main" xmlns:c="http://schemas.openxmlformats.org/drawingml/2006/chart" xmlns:dgm="http://schemas.openxmlformats.org/drawingml/2006/diagram" xmlns:o="urn:schemas-microsoft-com:office:office" xmlns:v="urn:schemas-microsoft-com:vml" xmlns:pvml="urn:schemas-microsoft-com:office:powerpoint" xmlns:com="http://schemas.openxmlformats.org/drawingml/2006/compatibility" xmlns:p14="http://schemas.microsoft.com/office/powerpoint/2010/main">
+<p:notesMaster xmlns:a="http://schemas.openxmlformats.org/drawingml/2006/main" xmlns:r="http://schemas.openxmlformats.org/officeDocument/2006/relationships" xmlns:p="http://schemas.openxmlformats.org/presentationml/2006/main">
   <p:cSld>
     <p:bg>
       <p:bgPr>
         <a:solidFill>
           <a:schemeClr val="lt1"/>
         </a:solidFill>
+        <a:effectLst/>
       </p:bgPr>
     </p:bg>
     <p:spTree>
       <p:nvGrpSpPr>
-        <p:cNvPr id="2" name="Shape 2"/>
+        <p:cNvPr id="1" name="Shape 2"/>
         <p:cNvGrpSpPr/>
         <p:nvPr/>
       </p:nvGrpSpPr>
@@ -283,9 +270,11 @@
       <p:sp>
         <p:nvSpPr>
           <p:cNvPr id="3" name="Shape 3"/>
-          <p:cNvSpPr/>
+          <p:cNvSpPr>
+            <a:spLocks noGrp="1" noRot="1" noChangeAspect="1"/>
+          </p:cNvSpPr>
           <p:nvPr>
-            <p:ph idx="2" type="sldImg"/>
+            <p:ph type="sldImg" idx="2"/>
           </p:nvPr>
         </p:nvSpPr>
         <p:spPr>
@@ -294,8 +283,13 @@
             <a:ext cx="6096000" cy="3429000"/>
           </a:xfrm>
           <a:custGeom>
+            <a:avLst/>
+            <a:gdLst/>
+            <a:ahLst/>
+            <a:cxnLst/>
+            <a:rect l="0" t="0" r="0" b="0"/>
             <a:pathLst>
-              <a:path extrusionOk="0" h="120000" w="120000">
+              <a:path w="120000" h="120000" extrusionOk="0">
                 <a:moveTo>
                   <a:pt x="0" y="0"/>
                 </a:moveTo>
@@ -313,23 +307,25 @@
             </a:pathLst>
           </a:custGeom>
           <a:noFill/>
-          <a:ln cap="flat" cmpd="sng" w="9525">
+          <a:ln w="9525" cap="flat" cmpd="sng">
             <a:solidFill>
               <a:srgbClr val="000000"/>
             </a:solidFill>
             <a:prstDash val="solid"/>
             <a:round/>
-            <a:headEnd len="med" w="med" type="none"/>
-            <a:tailEnd len="med" w="med" type="none"/>
+            <a:headEnd type="none" w="med" len="med"/>
+            <a:tailEnd type="none" w="med" len="med"/>
           </a:ln>
         </p:spPr>
       </p:sp>
       <p:sp>
         <p:nvSpPr>
           <p:cNvPr id="4" name="Shape 4"/>
-          <p:cNvSpPr txBox="1"/>
+          <p:cNvSpPr txBox="1">
+            <a:spLocks noGrp="1"/>
+          </p:cNvSpPr>
           <p:nvPr>
-            <p:ph idx="1" type="body"/>
+            <p:ph type="body" idx="1"/>
           </p:nvPr>
         </p:nvSpPr>
         <p:spPr>
@@ -346,9 +342,9 @@
           </a:ln>
         </p:spPr>
         <p:txBody>
-          <a:bodyPr anchorCtr="0" anchor="t" bIns="91425" lIns="91425" rIns="91425" tIns="91425"/>
+          <a:bodyPr lIns="91425" tIns="91425" rIns="91425" bIns="91425" anchor="t" anchorCtr="0"/>
           <a:lstStyle>
-            <a:lvl1pPr indent="0" lvl="0" marL="0" marR="0" rtl="0" algn="l">
+            <a:lvl1pPr marL="0" marR="0" lvl="0" indent="0" algn="l" rtl="0">
               <a:spcBef>
                 <a:spcPts val="0"/>
               </a:spcBef>
@@ -357,7 +353,7 @@
               </a:buClr>
               <a:buFont typeface="Arial"/>
               <a:buNone/>
-              <a:defRPr b="0" i="0" sz="1100" u="none" cap="none" strike="noStrike">
+              <a:defRPr sz="1100" b="0" i="0" u="none" strike="noStrike" cap="none">
                 <a:solidFill>
                   <a:schemeClr val="dk1"/>
                 </a:solidFill>
@@ -367,7 +363,7 @@
                 <a:sym typeface="Arial"/>
               </a:defRPr>
             </a:lvl1pPr>
-            <a:lvl2pPr indent="0" lvl="1" marL="457200" marR="0" rtl="0" algn="l">
+            <a:lvl2pPr marL="457200" marR="0" lvl="1" indent="0" algn="l" rtl="0">
               <a:spcBef>
                 <a:spcPts val="0"/>
               </a:spcBef>
@@ -376,7 +372,7 @@
               </a:buClr>
               <a:buFont typeface="Arial"/>
               <a:buNone/>
-              <a:defRPr b="0" i="0" sz="1100" u="none" cap="none" strike="noStrike">
+              <a:defRPr sz="1100" b="0" i="0" u="none" strike="noStrike" cap="none">
                 <a:solidFill>
                   <a:schemeClr val="dk1"/>
                 </a:solidFill>
@@ -386,7 +382,7 @@
                 <a:sym typeface="Arial"/>
               </a:defRPr>
             </a:lvl2pPr>
-            <a:lvl3pPr indent="0" lvl="2" marL="914400" marR="0" rtl="0" algn="l">
+            <a:lvl3pPr marL="914400" marR="0" lvl="2" indent="0" algn="l" rtl="0">
               <a:spcBef>
                 <a:spcPts val="0"/>
               </a:spcBef>
@@ -395,7 +391,7 @@
               </a:buClr>
               <a:buFont typeface="Arial"/>
               <a:buNone/>
-              <a:defRPr b="0" i="0" sz="1100" u="none" cap="none" strike="noStrike">
+              <a:defRPr sz="1100" b="0" i="0" u="none" strike="noStrike" cap="none">
                 <a:solidFill>
                   <a:schemeClr val="dk1"/>
                 </a:solidFill>
@@ -405,7 +401,7 @@
                 <a:sym typeface="Arial"/>
               </a:defRPr>
             </a:lvl3pPr>
-            <a:lvl4pPr indent="0" lvl="3" marL="1371600" marR="0" rtl="0" algn="l">
+            <a:lvl4pPr marL="1371600" marR="0" lvl="3" indent="0" algn="l" rtl="0">
               <a:spcBef>
                 <a:spcPts val="0"/>
               </a:spcBef>
@@ -414,7 +410,7 @@
               </a:buClr>
               <a:buFont typeface="Arial"/>
               <a:buNone/>
-              <a:defRPr b="0" i="0" sz="1100" u="none" cap="none" strike="noStrike">
+              <a:defRPr sz="1100" b="0" i="0" u="none" strike="noStrike" cap="none">
                 <a:solidFill>
                   <a:schemeClr val="dk1"/>
                 </a:solidFill>
@@ -424,7 +420,7 @@
                 <a:sym typeface="Arial"/>
               </a:defRPr>
             </a:lvl4pPr>
-            <a:lvl5pPr indent="0" lvl="4" marL="1828800" marR="0" rtl="0" algn="l">
+            <a:lvl5pPr marL="1828800" marR="0" lvl="4" indent="0" algn="l" rtl="0">
               <a:spcBef>
                 <a:spcPts val="0"/>
               </a:spcBef>
@@ -433,7 +429,7 @@
               </a:buClr>
               <a:buFont typeface="Arial"/>
               <a:buNone/>
-              <a:defRPr b="0" i="0" sz="1100" u="none" cap="none" strike="noStrike">
+              <a:defRPr sz="1100" b="0" i="0" u="none" strike="noStrike" cap="none">
                 <a:solidFill>
                   <a:schemeClr val="dk1"/>
                 </a:solidFill>
@@ -443,7 +439,7 @@
                 <a:sym typeface="Arial"/>
               </a:defRPr>
             </a:lvl5pPr>
-            <a:lvl6pPr indent="0" lvl="5" marL="2286000" marR="0" rtl="0" algn="l">
+            <a:lvl6pPr marL="2286000" marR="0" lvl="5" indent="0" algn="l" rtl="0">
               <a:spcBef>
                 <a:spcPts val="0"/>
               </a:spcBef>
@@ -452,7 +448,7 @@
               </a:buClr>
               <a:buFont typeface="Arial"/>
               <a:buNone/>
-              <a:defRPr b="0" i="0" sz="1100" u="none" cap="none" strike="noStrike">
+              <a:defRPr sz="1100" b="0" i="0" u="none" strike="noStrike" cap="none">
                 <a:solidFill>
                   <a:schemeClr val="dk1"/>
                 </a:solidFill>
@@ -462,7 +458,7 @@
                 <a:sym typeface="Arial"/>
               </a:defRPr>
             </a:lvl6pPr>
-            <a:lvl7pPr indent="0" lvl="6" marL="2743200" marR="0" rtl="0" algn="l">
+            <a:lvl7pPr marL="2743200" marR="0" lvl="6" indent="0" algn="l" rtl="0">
               <a:spcBef>
                 <a:spcPts val="0"/>
               </a:spcBef>
@@ -471,7 +467,7 @@
               </a:buClr>
               <a:buFont typeface="Arial"/>
               <a:buNone/>
-              <a:defRPr b="0" i="0" sz="1100" u="none" cap="none" strike="noStrike">
+              <a:defRPr sz="1100" b="0" i="0" u="none" strike="noStrike" cap="none">
                 <a:solidFill>
                   <a:schemeClr val="dk1"/>
                 </a:solidFill>
@@ -481,7 +477,7 @@
                 <a:sym typeface="Arial"/>
               </a:defRPr>
             </a:lvl7pPr>
-            <a:lvl8pPr indent="0" lvl="7" marL="3200400" marR="0" rtl="0" algn="l">
+            <a:lvl8pPr marL="3200400" marR="0" lvl="7" indent="0" algn="l" rtl="0">
               <a:spcBef>
                 <a:spcPts val="0"/>
               </a:spcBef>
@@ -490,7 +486,7 @@
               </a:buClr>
               <a:buFont typeface="Arial"/>
               <a:buNone/>
-              <a:defRPr b="0" i="0" sz="1100" u="none" cap="none" strike="noStrike">
+              <a:defRPr sz="1100" b="0" i="0" u="none" strike="noStrike" cap="none">
                 <a:solidFill>
                   <a:schemeClr val="dk1"/>
                 </a:solidFill>
@@ -500,7 +496,7 @@
                 <a:sym typeface="Arial"/>
               </a:defRPr>
             </a:lvl8pPr>
-            <a:lvl9pPr indent="0" lvl="8" marL="3657600" marR="0" rtl="0" algn="l">
+            <a:lvl9pPr marL="3657600" marR="0" lvl="8" indent="0" algn="l" rtl="0">
               <a:spcBef>
                 <a:spcPts val="0"/>
               </a:spcBef>
@@ -509,7 +505,7 @@
               </a:buClr>
               <a:buFont typeface="Arial"/>
               <a:buNone/>
-              <a:defRPr b="0" i="0" sz="1100" u="none" cap="none" strike="noStrike">
+              <a:defRPr sz="1100" b="0" i="0" u="none" strike="noStrike" cap="none">
                 <a:solidFill>
                   <a:schemeClr val="dk1"/>
                 </a:solidFill>
@@ -520,21 +516,120 @@
               </a:defRPr>
             </a:lvl9pPr>
           </a:lstStyle>
-          <a:p/>
+          <a:p>
+            <a:endParaRPr/>
+          </a:p>
         </p:txBody>
       </p:sp>
     </p:spTree>
+    <p:extLst>
+      <p:ext uri="{BB962C8B-B14F-4D97-AF65-F5344CB8AC3E}">
+        <p14:creationId xmlns:p14="http://schemas.microsoft.com/office/powerpoint/2010/main" val="3825691336"/>
+      </p:ext>
+    </p:extLst>
   </p:cSld>
-  <p:clrMap accent1="accent1" accent2="accent2" accent3="accent3" accent4="accent4" accent5="accent5" accent6="accent6" bg1="lt1" bg2="dk2" tx1="dk1" tx2="lt2" folHlink="folHlink" hlink="hlink"/>
+  <p:clrMap bg1="lt1" tx1="dk1" bg2="dk2" tx2="lt2" accent1="accent1" accent2="accent2" accent3="accent3" accent4="accent4" accent5="accent5" accent6="accent6" hlink="hlink" folHlink="folHlink"/>
+  <p:notesStyle>
+    <a:lvl1pPr marL="0" algn="l" defTabSz="457200" rtl="0" eaLnBrk="1" latinLnBrk="0" hangingPunct="1">
+      <a:defRPr sz="1200" kern="1200">
+        <a:solidFill>
+          <a:schemeClr val="tx1"/>
+        </a:solidFill>
+        <a:latin typeface="+mn-lt"/>
+        <a:ea typeface="+mn-ea"/>
+        <a:cs typeface="+mn-cs"/>
+      </a:defRPr>
+    </a:lvl1pPr>
+    <a:lvl2pPr marL="457200" algn="l" defTabSz="457200" rtl="0" eaLnBrk="1" latinLnBrk="0" hangingPunct="1">
+      <a:defRPr sz="1200" kern="1200">
+        <a:solidFill>
+          <a:schemeClr val="tx1"/>
+        </a:solidFill>
+        <a:latin typeface="+mn-lt"/>
+        <a:ea typeface="+mn-ea"/>
+        <a:cs typeface="+mn-cs"/>
+      </a:defRPr>
+    </a:lvl2pPr>
+    <a:lvl3pPr marL="914400" algn="l" defTabSz="457200" rtl="0" eaLnBrk="1" latinLnBrk="0" hangingPunct="1">
+      <a:defRPr sz="1200" kern="1200">
+        <a:solidFill>
+          <a:schemeClr val="tx1"/>
+        </a:solidFill>
+        <a:latin typeface="+mn-lt"/>
+        <a:ea typeface="+mn-ea"/>
+        <a:cs typeface="+mn-cs"/>
+      </a:defRPr>
+    </a:lvl3pPr>
+    <a:lvl4pPr marL="1371600" algn="l" defTabSz="457200" rtl="0" eaLnBrk="1" latinLnBrk="0" hangingPunct="1">
+      <a:defRPr sz="1200" kern="1200">
+        <a:solidFill>
+          <a:schemeClr val="tx1"/>
+        </a:solidFill>
+        <a:latin typeface="+mn-lt"/>
+        <a:ea typeface="+mn-ea"/>
+        <a:cs typeface="+mn-cs"/>
+      </a:defRPr>
+    </a:lvl4pPr>
+    <a:lvl5pPr marL="1828800" algn="l" defTabSz="457200" rtl="0" eaLnBrk="1" latinLnBrk="0" hangingPunct="1">
+      <a:defRPr sz="1200" kern="1200">
+        <a:solidFill>
+          <a:schemeClr val="tx1"/>
+        </a:solidFill>
+        <a:latin typeface="+mn-lt"/>
+        <a:ea typeface="+mn-ea"/>
+        <a:cs typeface="+mn-cs"/>
+      </a:defRPr>
+    </a:lvl5pPr>
+    <a:lvl6pPr marL="2286000" algn="l" defTabSz="457200" rtl="0" eaLnBrk="1" latinLnBrk="0" hangingPunct="1">
+      <a:defRPr sz="1200" kern="1200">
+        <a:solidFill>
+          <a:schemeClr val="tx1"/>
+        </a:solidFill>
+        <a:latin typeface="+mn-lt"/>
+        <a:ea typeface="+mn-ea"/>
+        <a:cs typeface="+mn-cs"/>
+      </a:defRPr>
+    </a:lvl6pPr>
+    <a:lvl7pPr marL="2743200" algn="l" defTabSz="457200" rtl="0" eaLnBrk="1" latinLnBrk="0" hangingPunct="1">
+      <a:defRPr sz="1200" kern="1200">
+        <a:solidFill>
+          <a:schemeClr val="tx1"/>
+        </a:solidFill>
+        <a:latin typeface="+mn-lt"/>
+        <a:ea typeface="+mn-ea"/>
+        <a:cs typeface="+mn-cs"/>
+      </a:defRPr>
+    </a:lvl7pPr>
+    <a:lvl8pPr marL="3200400" algn="l" defTabSz="457200" rtl="0" eaLnBrk="1" latinLnBrk="0" hangingPunct="1">
+      <a:defRPr sz="1200" kern="1200">
+        <a:solidFill>
+          <a:schemeClr val="tx1"/>
+        </a:solidFill>
+        <a:latin typeface="+mn-lt"/>
+        <a:ea typeface="+mn-ea"/>
+        <a:cs typeface="+mn-cs"/>
+      </a:defRPr>
+    </a:lvl8pPr>
+    <a:lvl9pPr marL="3657600" algn="l" defTabSz="457200" rtl="0" eaLnBrk="1" latinLnBrk="0" hangingPunct="1">
+      <a:defRPr sz="1200" kern="1200">
+        <a:solidFill>
+          <a:schemeClr val="tx1"/>
+        </a:solidFill>
+        <a:latin typeface="+mn-lt"/>
+        <a:ea typeface="+mn-ea"/>
+        <a:cs typeface="+mn-cs"/>
+      </a:defRPr>
+    </a:lvl9pPr>
+  </p:notesStyle>
 </p:notesMaster>
 </file>
 
 <file path=ppt/notesSlides/notesSlide1.xml><?xml version="1.0" encoding="utf-8"?>
-<p:notes xmlns:a="http://schemas.openxmlformats.org/drawingml/2006/main" xmlns:r="http://schemas.openxmlformats.org/officeDocument/2006/relationships" xmlns:mc="http://schemas.openxmlformats.org/markup-compatibility/2006" xmlns:mv="urn:schemas-microsoft-com:mac:vml" xmlns:p="http://schemas.openxmlformats.org/presentationml/2006/main" xmlns:c="http://schemas.openxmlformats.org/drawingml/2006/chart" xmlns:dgm="http://schemas.openxmlformats.org/drawingml/2006/diagram" xmlns:o="urn:schemas-microsoft-com:office:office" xmlns:v="urn:schemas-microsoft-com:vml" xmlns:pvml="urn:schemas-microsoft-com:office:powerpoint" xmlns:com="http://schemas.openxmlformats.org/drawingml/2006/compatibility" xmlns:p14="http://schemas.microsoft.com/office/powerpoint/2010/main" showMasterPhAnim="0" showMasterSp="0">
+<p:notes xmlns:a="http://schemas.openxmlformats.org/drawingml/2006/main" xmlns:r="http://schemas.openxmlformats.org/officeDocument/2006/relationships" xmlns:p="http://schemas.openxmlformats.org/presentationml/2006/main" showMasterSp="0" showMasterPhAnim="0">
   <p:cSld>
     <p:spTree>
       <p:nvGrpSpPr>
-        <p:cNvPr id="62" name="Shape 62"/>
+        <p:cNvPr id="1" name="Shape 62"/>
         <p:cNvGrpSpPr/>
         <p:nvPr/>
       </p:nvGrpSpPr>
@@ -549,9 +644,11 @@
       <p:sp>
         <p:nvSpPr>
           <p:cNvPr id="63" name="Shape 63"/>
-          <p:cNvSpPr/>
+          <p:cNvSpPr>
+            <a:spLocks noGrp="1" noRot="1" noChangeAspect="1"/>
+          </p:cNvSpPr>
           <p:nvPr>
-            <p:ph idx="2" type="sldImg"/>
+            <p:ph type="sldImg" idx="2"/>
           </p:nvPr>
         </p:nvSpPr>
         <p:spPr>
@@ -560,8 +657,13 @@
             <a:ext cx="6096000" cy="3429000"/>
           </a:xfrm>
           <a:custGeom>
+            <a:avLst/>
+            <a:gdLst/>
+            <a:ahLst/>
+            <a:cxnLst/>
+            <a:rect l="0" t="0" r="0" b="0"/>
             <a:pathLst>
-              <a:path extrusionOk="0" h="120000" w="120000">
+              <a:path w="120000" h="120000" extrusionOk="0">
                 <a:moveTo>
                   <a:pt x="0" y="0"/>
                 </a:moveTo>
@@ -579,23 +681,25 @@
             </a:pathLst>
           </a:custGeom>
           <a:noFill/>
-          <a:ln cap="flat" cmpd="sng" w="9525">
+          <a:ln w="9525" cap="flat" cmpd="sng">
             <a:solidFill>
               <a:srgbClr val="000000"/>
             </a:solidFill>
             <a:prstDash val="solid"/>
             <a:round/>
-            <a:headEnd len="med" w="med" type="none"/>
-            <a:tailEnd len="med" w="med" type="none"/>
+            <a:headEnd type="none" w="med" len="med"/>
+            <a:tailEnd type="none" w="med" len="med"/>
           </a:ln>
         </p:spPr>
       </p:sp>
       <p:sp>
         <p:nvSpPr>
           <p:cNvPr id="64" name="Shape 64"/>
-          <p:cNvSpPr txBox="1"/>
+          <p:cNvSpPr txBox="1">
+            <a:spLocks noGrp="1"/>
+          </p:cNvSpPr>
           <p:nvPr>
-            <p:ph idx="1" type="body"/>
+            <p:ph type="body" idx="1"/>
           </p:nvPr>
         </p:nvSpPr>
         <p:spPr>
@@ -612,12 +716,12 @@
           </a:ln>
         </p:spPr>
         <p:txBody>
-          <a:bodyPr anchorCtr="0" anchor="t" bIns="91425" lIns="91425" rIns="91425" tIns="91425">
+          <a:bodyPr lIns="91425" tIns="91425" rIns="91425" bIns="91425" anchor="t" anchorCtr="0">
             <a:noAutofit/>
           </a:bodyPr>
           <a:lstStyle/>
           <a:p>
-            <a:pPr indent="0" lvl="0" marL="0" marR="0" rtl="0" algn="l">
+            <a:pPr marL="0" marR="0" lvl="0" indent="0" algn="l" rtl="0">
               <a:spcBef>
                 <a:spcPts val="0"/>
               </a:spcBef>
@@ -628,10 +732,7 @@
               <a:buFont typeface="Arial"/>
               <a:buNone/>
             </a:pPr>
-            <a:r>
-              <a:t/>
-            </a:r>
-            <a:endParaRPr b="0" i="0" sz="1100" u="none" cap="none" strike="noStrike">
+            <a:endParaRPr sz="1100" b="0" i="0" u="none" strike="noStrike" cap="none">
               <a:solidFill>
                 <a:schemeClr val="dk1"/>
               </a:solidFill>
@@ -652,11 +753,11 @@
 </file>
 
 <file path=ppt/notesSlides/notesSlide10.xml><?xml version="1.0" encoding="utf-8"?>
-<p:notes xmlns:a="http://schemas.openxmlformats.org/drawingml/2006/main" xmlns:r="http://schemas.openxmlformats.org/officeDocument/2006/relationships" xmlns:mc="http://schemas.openxmlformats.org/markup-compatibility/2006" xmlns:mv="urn:schemas-microsoft-com:mac:vml" xmlns:p="http://schemas.openxmlformats.org/presentationml/2006/main" xmlns:c="http://schemas.openxmlformats.org/drawingml/2006/chart" xmlns:dgm="http://schemas.openxmlformats.org/drawingml/2006/diagram" xmlns:o="urn:schemas-microsoft-com:office:office" xmlns:v="urn:schemas-microsoft-com:vml" xmlns:pvml="urn:schemas-microsoft-com:office:powerpoint" xmlns:com="http://schemas.openxmlformats.org/drawingml/2006/compatibility" xmlns:p14="http://schemas.microsoft.com/office/powerpoint/2010/main" showMasterPhAnim="0" showMasterSp="0">
+<p:notes xmlns:a="http://schemas.openxmlformats.org/drawingml/2006/main" xmlns:r="http://schemas.openxmlformats.org/officeDocument/2006/relationships" xmlns:p="http://schemas.openxmlformats.org/presentationml/2006/main" showMasterSp="0" showMasterPhAnim="0">
   <p:cSld>
     <p:spTree>
       <p:nvGrpSpPr>
-        <p:cNvPr id="116" name="Shape 116"/>
+        <p:cNvPr id="1" name="Shape 116"/>
         <p:cNvGrpSpPr/>
         <p:nvPr/>
       </p:nvGrpSpPr>
@@ -671,9 +772,11 @@
       <p:sp>
         <p:nvSpPr>
           <p:cNvPr id="117" name="Shape 117"/>
-          <p:cNvSpPr/>
+          <p:cNvSpPr>
+            <a:spLocks noGrp="1" noRot="1" noChangeAspect="1"/>
+          </p:cNvSpPr>
           <p:nvPr>
-            <p:ph idx="2" type="sldImg"/>
+            <p:ph type="sldImg" idx="2"/>
           </p:nvPr>
         </p:nvSpPr>
         <p:spPr>
@@ -682,8 +785,13 @@
             <a:ext cx="6096000" cy="3429000"/>
           </a:xfrm>
           <a:custGeom>
+            <a:avLst/>
+            <a:gdLst/>
+            <a:ahLst/>
+            <a:cxnLst/>
+            <a:rect l="0" t="0" r="0" b="0"/>
             <a:pathLst>
-              <a:path extrusionOk="0" h="120000" w="120000">
+              <a:path w="120000" h="120000" extrusionOk="0">
                 <a:moveTo>
                   <a:pt x="0" y="0"/>
                 </a:moveTo>
@@ -701,23 +809,25 @@
             </a:pathLst>
           </a:custGeom>
           <a:noFill/>
-          <a:ln cap="flat" cmpd="sng" w="9525">
+          <a:ln w="9525" cap="flat" cmpd="sng">
             <a:solidFill>
               <a:srgbClr val="000000"/>
             </a:solidFill>
             <a:prstDash val="solid"/>
             <a:round/>
-            <a:headEnd len="med" w="med" type="none"/>
-            <a:tailEnd len="med" w="med" type="none"/>
+            <a:headEnd type="none" w="med" len="med"/>
+            <a:tailEnd type="none" w="med" len="med"/>
           </a:ln>
         </p:spPr>
       </p:sp>
       <p:sp>
         <p:nvSpPr>
           <p:cNvPr id="118" name="Shape 118"/>
-          <p:cNvSpPr txBox="1"/>
+          <p:cNvSpPr txBox="1">
+            <a:spLocks noGrp="1"/>
+          </p:cNvSpPr>
           <p:nvPr>
-            <p:ph idx="1" type="body"/>
+            <p:ph type="body" idx="1"/>
           </p:nvPr>
         </p:nvSpPr>
         <p:spPr>
@@ -734,12 +844,12 @@
           </a:ln>
         </p:spPr>
         <p:txBody>
-          <a:bodyPr anchorCtr="0" anchor="t" bIns="91425" lIns="91425" rIns="91425" tIns="91425">
+          <a:bodyPr lIns="91425" tIns="91425" rIns="91425" bIns="91425" anchor="t" anchorCtr="0">
             <a:noAutofit/>
           </a:bodyPr>
           <a:lstStyle/>
           <a:p>
-            <a:pPr indent="0" lvl="0" marL="0" marR="0" rtl="0" algn="l">
+            <a:pPr marL="0" marR="0" lvl="0" indent="0" algn="l" rtl="0">
               <a:spcBef>
                 <a:spcPts val="0"/>
               </a:spcBef>
@@ -754,7 +864,7 @@
               <a:buNone/>
             </a:pPr>
             <a:r>
-              <a:rPr b="0" i="0" lang="en-US" sz="1100" u="none" cap="none" strike="noStrike">
+              <a:rPr lang="en-US" sz="1100" b="0" i="0" u="none" strike="noStrike" cap="none">
                 <a:solidFill>
                   <a:schemeClr val="dk1"/>
                 </a:solidFill>
@@ -767,7 +877,7 @@
             </a:r>
           </a:p>
           <a:p>
-            <a:pPr indent="0" lvl="0" marL="0" marR="0" rtl="0" algn="l">
+            <a:pPr marL="0" marR="0" lvl="0" indent="0" algn="l" rtl="0">
               <a:spcBef>
                 <a:spcPts val="0"/>
               </a:spcBef>
@@ -781,10 +891,7 @@
               <a:buFont typeface="Arial"/>
               <a:buNone/>
             </a:pPr>
-            <a:r>
-              <a:t/>
-            </a:r>
-            <a:endParaRPr b="0" i="0" sz="1100" u="none" cap="none" strike="noStrike">
+            <a:endParaRPr sz="1100" b="0" i="0" u="none" strike="noStrike" cap="none">
               <a:solidFill>
                 <a:schemeClr val="dk1"/>
               </a:solidFill>
@@ -795,7 +902,7 @@
             </a:endParaRPr>
           </a:p>
           <a:p>
-            <a:pPr indent="0" lvl="0" marL="0" marR="0" rtl="0" algn="l">
+            <a:pPr marL="0" marR="0" lvl="0" indent="0" algn="l" rtl="0">
               <a:spcBef>
                 <a:spcPts val="0"/>
               </a:spcBef>
@@ -810,7 +917,7 @@
               <a:buNone/>
             </a:pPr>
             <a:r>
-              <a:rPr b="0" i="0" lang="en-US" sz="1100" u="none" cap="none" strike="noStrike">
+              <a:rPr lang="en-US" sz="1100" b="0" i="0" u="none" strike="noStrike" cap="none">
                 <a:solidFill>
                   <a:schemeClr val="dk1"/>
                 </a:solidFill>
@@ -823,7 +930,7 @@
             </a:r>
           </a:p>
           <a:p>
-            <a:pPr indent="-228600" lvl="0" marL="457200" marR="0" rtl="0" algn="l">
+            <a:pPr marL="457200" marR="0" lvl="0" indent="-228600" algn="l" rtl="0">
               <a:spcBef>
                 <a:spcPts val="0"/>
               </a:spcBef>
@@ -838,7 +945,7 @@
               <a:buChar char="●"/>
             </a:pPr>
             <a:r>
-              <a:rPr b="0" i="0" lang="en-US" sz="1100" u="none" cap="none" strike="noStrike">
+              <a:rPr lang="en-US" sz="1100" b="0" i="0" u="none" strike="noStrike" cap="none">
                 <a:solidFill>
                   <a:schemeClr val="dk1"/>
                 </a:solidFill>
@@ -851,7 +958,7 @@
             </a:r>
           </a:p>
           <a:p>
-            <a:pPr indent="-228600" lvl="0" marL="457200" marR="0" rtl="0" algn="l">
+            <a:pPr marL="457200" marR="0" lvl="0" indent="-228600" algn="l" rtl="0">
               <a:spcBef>
                 <a:spcPts val="0"/>
               </a:spcBef>
@@ -866,7 +973,7 @@
               <a:buChar char="●"/>
             </a:pPr>
             <a:r>
-              <a:rPr b="0" i="0" lang="en-US" sz="1100" u="none" cap="none" strike="noStrike">
+              <a:rPr lang="en-US" sz="1100" b="0" i="0" u="none" strike="noStrike" cap="none">
                 <a:solidFill>
                   <a:schemeClr val="dk1"/>
                 </a:solidFill>
@@ -879,7 +986,7 @@
             </a:r>
           </a:p>
           <a:p>
-            <a:pPr indent="-228600" lvl="0" marL="457200" marR="0" rtl="0" algn="l">
+            <a:pPr marL="457200" marR="0" lvl="0" indent="-228600" algn="l" rtl="0">
               <a:spcBef>
                 <a:spcPts val="0"/>
               </a:spcBef>
@@ -894,7 +1001,7 @@
               <a:buChar char="●"/>
             </a:pPr>
             <a:r>
-              <a:rPr b="0" i="0" lang="en-US" sz="1100" u="none" cap="none" strike="noStrike">
+              <a:rPr lang="en-US" sz="1100" b="0" i="0" u="none" strike="noStrike" cap="none">
                 <a:solidFill>
                   <a:schemeClr val="dk1"/>
                 </a:solidFill>
@@ -907,7 +1014,7 @@
             </a:r>
           </a:p>
           <a:p>
-            <a:pPr indent="-228600" lvl="0" marL="457200" marR="0" rtl="0" algn="l">
+            <a:pPr marL="457200" marR="0" lvl="0" indent="-228600" algn="l" rtl="0">
               <a:spcBef>
                 <a:spcPts val="0"/>
               </a:spcBef>
@@ -922,7 +1029,7 @@
               <a:buChar char="●"/>
             </a:pPr>
             <a:r>
-              <a:rPr b="0" i="0" lang="en-US" sz="1100" u="none" cap="none" strike="noStrike">
+              <a:rPr lang="en-US" sz="1100" b="0" i="0" u="none" strike="noStrike" cap="none">
                 <a:solidFill>
                   <a:schemeClr val="dk1"/>
                 </a:solidFill>
@@ -935,7 +1042,7 @@
             </a:r>
           </a:p>
           <a:p>
-            <a:pPr indent="-228600" lvl="0" marL="457200" marR="0" rtl="0" algn="l">
+            <a:pPr marL="457200" marR="0" lvl="0" indent="-228600" algn="l" rtl="0">
               <a:spcBef>
                 <a:spcPts val="0"/>
               </a:spcBef>
@@ -946,10 +1053,7 @@
               <a:buFont typeface="Arial"/>
               <a:buNone/>
             </a:pPr>
-            <a:r>
-              <a:t/>
-            </a:r>
-            <a:endParaRPr b="0" i="0" sz="1100" u="none" cap="none" strike="noStrike">
+            <a:endParaRPr sz="1100" b="0" i="0" u="none" strike="noStrike" cap="none">
               <a:solidFill>
                 <a:schemeClr val="dk1"/>
               </a:solidFill>
@@ -970,11 +1074,11 @@
 </file>
 
 <file path=ppt/notesSlides/notesSlide11.xml><?xml version="1.0" encoding="utf-8"?>
-<p:notes xmlns:a="http://schemas.openxmlformats.org/drawingml/2006/main" xmlns:r="http://schemas.openxmlformats.org/officeDocument/2006/relationships" xmlns:mc="http://schemas.openxmlformats.org/markup-compatibility/2006" xmlns:mv="urn:schemas-microsoft-com:mac:vml" xmlns:p="http://schemas.openxmlformats.org/presentationml/2006/main" xmlns:c="http://schemas.openxmlformats.org/drawingml/2006/chart" xmlns:dgm="http://schemas.openxmlformats.org/drawingml/2006/diagram" xmlns:o="urn:schemas-microsoft-com:office:office" xmlns:v="urn:schemas-microsoft-com:vml" xmlns:pvml="urn:schemas-microsoft-com:office:powerpoint" xmlns:com="http://schemas.openxmlformats.org/drawingml/2006/compatibility" xmlns:p14="http://schemas.microsoft.com/office/powerpoint/2010/main" showMasterPhAnim="0" showMasterSp="0">
+<p:notes xmlns:a="http://schemas.openxmlformats.org/drawingml/2006/main" xmlns:r="http://schemas.openxmlformats.org/officeDocument/2006/relationships" xmlns:p="http://schemas.openxmlformats.org/presentationml/2006/main" showMasterSp="0" showMasterPhAnim="0">
   <p:cSld>
     <p:spTree>
       <p:nvGrpSpPr>
-        <p:cNvPr id="121" name="Shape 121"/>
+        <p:cNvPr id="1" name="Shape 121"/>
         <p:cNvGrpSpPr/>
         <p:nvPr/>
       </p:nvGrpSpPr>
@@ -989,9 +1093,11 @@
       <p:sp>
         <p:nvSpPr>
           <p:cNvPr id="122" name="Shape 122"/>
-          <p:cNvSpPr/>
+          <p:cNvSpPr>
+            <a:spLocks noGrp="1" noRot="1" noChangeAspect="1"/>
+          </p:cNvSpPr>
           <p:nvPr>
-            <p:ph idx="2" type="sldImg"/>
+            <p:ph type="sldImg" idx="2"/>
           </p:nvPr>
         </p:nvSpPr>
         <p:spPr>
@@ -1000,8 +1106,13 @@
             <a:ext cx="6096000" cy="3429000"/>
           </a:xfrm>
           <a:custGeom>
+            <a:avLst/>
+            <a:gdLst/>
+            <a:ahLst/>
+            <a:cxnLst/>
+            <a:rect l="0" t="0" r="0" b="0"/>
             <a:pathLst>
-              <a:path extrusionOk="0" h="120000" w="120000">
+              <a:path w="120000" h="120000" extrusionOk="0">
                 <a:moveTo>
                   <a:pt x="0" y="0"/>
                 </a:moveTo>
@@ -1019,23 +1130,25 @@
             </a:pathLst>
           </a:custGeom>
           <a:noFill/>
-          <a:ln cap="flat" cmpd="sng" w="9525">
+          <a:ln w="9525" cap="flat" cmpd="sng">
             <a:solidFill>
               <a:srgbClr val="000000"/>
             </a:solidFill>
             <a:prstDash val="solid"/>
             <a:round/>
-            <a:headEnd len="med" w="med" type="none"/>
-            <a:tailEnd len="med" w="med" type="none"/>
+            <a:headEnd type="none" w="med" len="med"/>
+            <a:tailEnd type="none" w="med" len="med"/>
           </a:ln>
         </p:spPr>
       </p:sp>
       <p:sp>
         <p:nvSpPr>
           <p:cNvPr id="123" name="Shape 123"/>
-          <p:cNvSpPr txBox="1"/>
+          <p:cNvSpPr txBox="1">
+            <a:spLocks noGrp="1"/>
+          </p:cNvSpPr>
           <p:nvPr>
-            <p:ph idx="1" type="body"/>
+            <p:ph type="body" idx="1"/>
           </p:nvPr>
         </p:nvSpPr>
         <p:spPr>
@@ -1052,12 +1165,12 @@
           </a:ln>
         </p:spPr>
         <p:txBody>
-          <a:bodyPr anchorCtr="0" anchor="t" bIns="91425" lIns="91425" rIns="91425" tIns="91425">
+          <a:bodyPr lIns="91425" tIns="91425" rIns="91425" bIns="91425" anchor="t" anchorCtr="0">
             <a:noAutofit/>
           </a:bodyPr>
           <a:lstStyle/>
           <a:p>
-            <a:pPr indent="0" lvl="0" marL="0" marR="0" rtl="0" algn="l">
+            <a:pPr marL="0" marR="0" lvl="0" indent="0" algn="l" rtl="0">
               <a:spcBef>
                 <a:spcPts val="0"/>
               </a:spcBef>
@@ -1068,10 +1181,7 @@
               <a:buFont typeface="Arial"/>
               <a:buNone/>
             </a:pPr>
-            <a:r>
-              <a:t/>
-            </a:r>
-            <a:endParaRPr b="0" i="0" sz="1100" u="none" cap="none" strike="noStrike">
+            <a:endParaRPr sz="1100" b="0" i="0" u="none" strike="noStrike" cap="none">
               <a:solidFill>
                 <a:schemeClr val="dk1"/>
               </a:solidFill>
@@ -1086,9 +1196,11 @@
       <p:sp>
         <p:nvSpPr>
           <p:cNvPr id="124" name="Shape 124"/>
-          <p:cNvSpPr txBox="1"/>
+          <p:cNvSpPr txBox="1">
+            <a:spLocks noGrp="1"/>
+          </p:cNvSpPr>
           <p:nvPr>
-            <p:ph idx="12" type="sldNum"/>
+            <p:ph type="sldNum" idx="12"/>
           </p:nvPr>
         </p:nvSpPr>
         <p:spPr>
@@ -1105,12 +1217,12 @@
           </a:ln>
         </p:spPr>
         <p:txBody>
-          <a:bodyPr anchorCtr="0" anchor="b" bIns="45700" lIns="91425" rIns="91425" tIns="45700">
+          <a:bodyPr lIns="91425" tIns="45700" rIns="91425" bIns="45700" anchor="b" anchorCtr="0">
             <a:noAutofit/>
           </a:bodyPr>
           <a:lstStyle/>
           <a:p>
-            <a:pPr indent="0" lvl="0" marL="0" marR="0" rtl="0" algn="l">
+            <a:pPr marL="0" marR="0" lvl="0" indent="0" algn="l" rtl="0">
               <a:lnSpc>
                 <a:spcPct val="100000"/>
               </a:lnSpc>
@@ -1128,7 +1240,7 @@
               <a:buNone/>
             </a:pPr>
             <a:fld id="{00000000-1234-1234-1234-123412341234}" type="slidenum">
-              <a:rPr b="0" i="0" lang="en-US" sz="1400" u="none" cap="none" strike="noStrike">
+              <a:rPr lang="en-US" sz="1400" b="0" i="0" u="none" strike="noStrike" cap="none">
                 <a:solidFill>
                   <a:srgbClr val="000000"/>
                 </a:solidFill>
@@ -1137,8 +1249,17 @@
                 <a:cs typeface="Arial"/>
                 <a:sym typeface="Arial"/>
               </a:rPr>
-              <a:t>‹#›</a:t>
+              <a:t>11</a:t>
             </a:fld>
+            <a:endParaRPr lang="en-US" sz="1400" b="0" i="0" u="none" strike="noStrike" cap="none">
+              <a:solidFill>
+                <a:srgbClr val="000000"/>
+              </a:solidFill>
+              <a:latin typeface="Arial"/>
+              <a:ea typeface="Arial"/>
+              <a:cs typeface="Arial"/>
+              <a:sym typeface="Arial"/>
+            </a:endParaRPr>
           </a:p>
         </p:txBody>
       </p:sp>
@@ -1151,11 +1272,11 @@
 </file>
 
 <file path=ppt/notesSlides/notesSlide2.xml><?xml version="1.0" encoding="utf-8"?>
-<p:notes xmlns:a="http://schemas.openxmlformats.org/drawingml/2006/main" xmlns:r="http://schemas.openxmlformats.org/officeDocument/2006/relationships" xmlns:mc="http://schemas.openxmlformats.org/markup-compatibility/2006" xmlns:mv="urn:schemas-microsoft-com:mac:vml" xmlns:p="http://schemas.openxmlformats.org/presentationml/2006/main" xmlns:c="http://schemas.openxmlformats.org/drawingml/2006/chart" xmlns:dgm="http://schemas.openxmlformats.org/drawingml/2006/diagram" xmlns:o="urn:schemas-microsoft-com:office:office" xmlns:v="urn:schemas-microsoft-com:vml" xmlns:pvml="urn:schemas-microsoft-com:office:powerpoint" xmlns:com="http://schemas.openxmlformats.org/drawingml/2006/compatibility" xmlns:p14="http://schemas.microsoft.com/office/powerpoint/2010/main" showMasterPhAnim="0" showMasterSp="0">
+<p:notes xmlns:a="http://schemas.openxmlformats.org/drawingml/2006/main" xmlns:r="http://schemas.openxmlformats.org/officeDocument/2006/relationships" xmlns:p="http://schemas.openxmlformats.org/presentationml/2006/main" showMasterSp="0" showMasterPhAnim="0">
   <p:cSld>
     <p:spTree>
       <p:nvGrpSpPr>
-        <p:cNvPr id="68" name="Shape 68"/>
+        <p:cNvPr id="1" name="Shape 68"/>
         <p:cNvGrpSpPr/>
         <p:nvPr/>
       </p:nvGrpSpPr>
@@ -1170,9 +1291,11 @@
       <p:sp>
         <p:nvSpPr>
           <p:cNvPr id="69" name="Shape 69"/>
-          <p:cNvSpPr/>
+          <p:cNvSpPr>
+            <a:spLocks noGrp="1" noRot="1" noChangeAspect="1"/>
+          </p:cNvSpPr>
           <p:nvPr>
-            <p:ph idx="2" type="sldImg"/>
+            <p:ph type="sldImg" idx="2"/>
           </p:nvPr>
         </p:nvSpPr>
         <p:spPr>
@@ -1181,8 +1304,13 @@
             <a:ext cx="6096000" cy="3429000"/>
           </a:xfrm>
           <a:custGeom>
+            <a:avLst/>
+            <a:gdLst/>
+            <a:ahLst/>
+            <a:cxnLst/>
+            <a:rect l="0" t="0" r="0" b="0"/>
             <a:pathLst>
-              <a:path extrusionOk="0" h="120000" w="120000">
+              <a:path w="120000" h="120000" extrusionOk="0">
                 <a:moveTo>
                   <a:pt x="0" y="0"/>
                 </a:moveTo>
@@ -1200,23 +1328,25 @@
             </a:pathLst>
           </a:custGeom>
           <a:noFill/>
-          <a:ln cap="flat" cmpd="sng" w="9525">
+          <a:ln w="9525" cap="flat" cmpd="sng">
             <a:solidFill>
               <a:srgbClr val="000000"/>
             </a:solidFill>
             <a:prstDash val="solid"/>
             <a:round/>
-            <a:headEnd len="med" w="med" type="none"/>
-            <a:tailEnd len="med" w="med" type="none"/>
+            <a:headEnd type="none" w="med" len="med"/>
+            <a:tailEnd type="none" w="med" len="med"/>
           </a:ln>
         </p:spPr>
       </p:sp>
       <p:sp>
         <p:nvSpPr>
           <p:cNvPr id="70" name="Shape 70"/>
-          <p:cNvSpPr txBox="1"/>
+          <p:cNvSpPr txBox="1">
+            <a:spLocks noGrp="1"/>
+          </p:cNvSpPr>
           <p:nvPr>
-            <p:ph idx="1" type="body"/>
+            <p:ph type="body" idx="1"/>
           </p:nvPr>
         </p:nvSpPr>
         <p:spPr>
@@ -1233,12 +1363,12 @@
           </a:ln>
         </p:spPr>
         <p:txBody>
-          <a:bodyPr anchorCtr="0" anchor="t" bIns="91425" lIns="91425" rIns="91425" tIns="91425">
+          <a:bodyPr lIns="91425" tIns="91425" rIns="91425" bIns="91425" anchor="t" anchorCtr="0">
             <a:noAutofit/>
           </a:bodyPr>
           <a:lstStyle/>
           <a:p>
-            <a:pPr indent="-304800" lvl="0" marL="457200" marR="0" rtl="0" algn="l">
+            <a:pPr marL="457200" marR="0" lvl="0" indent="-304800" algn="l" rtl="0">
               <a:spcBef>
                 <a:spcPts val="0"/>
               </a:spcBef>
@@ -1253,20 +1383,44 @@
               <a:buChar char="●"/>
             </a:pPr>
             <a:r>
-              <a:rPr b="0" i="0" lang="en-US" sz="1100" u="none" cap="none" strike="noStrike">
+              <a:rPr lang="en-US" sz="2000" b="0" i="0" u="none" strike="noStrike" cap="none" dirty="0">
                 <a:solidFill>
                   <a:schemeClr val="dk1"/>
                 </a:solidFill>
-                <a:latin typeface="Arial"/>
+                <a:latin typeface="Calibri"/>
                 <a:ea typeface="Arial"/>
-                <a:cs typeface="Arial"/>
+                <a:cs typeface="Calibri"/>
                 <a:sym typeface="Arial"/>
               </a:rPr>
-              <a:t>In waterfall, requirements are clear and defined upfront. Minimal back-and-forth between stakeholders (the ones funding and/or asking for the product) and devs.</a:t>
+              <a:t>In waterfall, requirements are clear and defined upfront. Minimal back-and-forth between stakeholders (the ones funding and/or asking for the product) and </a:t>
+            </a:r>
+            <a:r>
+              <a:rPr lang="en-US" sz="2000" b="0" i="0" u="none" strike="noStrike" cap="none" dirty="0" err="1">
+                <a:solidFill>
+                  <a:schemeClr val="dk1"/>
+                </a:solidFill>
+                <a:latin typeface="Calibri"/>
+                <a:ea typeface="Arial"/>
+                <a:cs typeface="Calibri"/>
+                <a:sym typeface="Arial"/>
+              </a:rPr>
+              <a:t>devs</a:t>
+            </a:r>
+            <a:r>
+              <a:rPr lang="en-US" sz="2000" b="0" i="0" u="none" strike="noStrike" cap="none" dirty="0">
+                <a:solidFill>
+                  <a:schemeClr val="dk1"/>
+                </a:solidFill>
+                <a:latin typeface="Calibri"/>
+                <a:ea typeface="Arial"/>
+                <a:cs typeface="Calibri"/>
+                <a:sym typeface="Arial"/>
+              </a:rPr>
+              <a:t>.</a:t>
             </a:r>
           </a:p>
           <a:p>
-            <a:pPr indent="-304800" lvl="0" marL="457200" marR="0" rtl="0" algn="l">
+            <a:pPr marL="457200" marR="0" lvl="0" indent="-304800" algn="l" rtl="0">
               <a:spcBef>
                 <a:spcPts val="0"/>
               </a:spcBef>
@@ -1278,13 +1432,13 @@
               <a:buChar char="●"/>
             </a:pPr>
             <a:r>
-              <a:rPr b="0" i="0" lang="en-US" sz="1100" u="none" cap="none" strike="noStrike">
+              <a:rPr lang="en-US" sz="2000" b="0" i="0" u="none" strike="noStrike" cap="none" dirty="0">
                 <a:solidFill>
                   <a:schemeClr val="dk1"/>
                 </a:solidFill>
-                <a:latin typeface="Arial"/>
+                <a:latin typeface="Calibri"/>
                 <a:ea typeface="Arial"/>
-                <a:cs typeface="Arial"/>
+                <a:cs typeface="Calibri"/>
                 <a:sym typeface="Arial"/>
               </a:rPr>
               <a:t>In software development, waterfall doesn’t work very well since there’s no planned intake of user feedback</a:t>
@@ -1301,11 +1455,11 @@
 </file>
 
 <file path=ppt/notesSlides/notesSlide3.xml><?xml version="1.0" encoding="utf-8"?>
-<p:notes xmlns:a="http://schemas.openxmlformats.org/drawingml/2006/main" xmlns:r="http://schemas.openxmlformats.org/officeDocument/2006/relationships" xmlns:mc="http://schemas.openxmlformats.org/markup-compatibility/2006" xmlns:mv="urn:schemas-microsoft-com:mac:vml" xmlns:p="http://schemas.openxmlformats.org/presentationml/2006/main" xmlns:c="http://schemas.openxmlformats.org/drawingml/2006/chart" xmlns:dgm="http://schemas.openxmlformats.org/drawingml/2006/diagram" xmlns:o="urn:schemas-microsoft-com:office:office" xmlns:v="urn:schemas-microsoft-com:vml" xmlns:pvml="urn:schemas-microsoft-com:office:powerpoint" xmlns:com="http://schemas.openxmlformats.org/drawingml/2006/compatibility" xmlns:p14="http://schemas.microsoft.com/office/powerpoint/2010/main" showMasterPhAnim="0" showMasterSp="0">
+<p:notes xmlns:a="http://schemas.openxmlformats.org/drawingml/2006/main" xmlns:r="http://schemas.openxmlformats.org/officeDocument/2006/relationships" xmlns:p="http://schemas.openxmlformats.org/presentationml/2006/main" showMasterSp="0" showMasterPhAnim="0">
   <p:cSld>
     <p:spTree>
       <p:nvGrpSpPr>
-        <p:cNvPr id="74" name="Shape 74"/>
+        <p:cNvPr id="1" name="Shape 74"/>
         <p:cNvGrpSpPr/>
         <p:nvPr/>
       </p:nvGrpSpPr>
@@ -1320,9 +1474,11 @@
       <p:sp>
         <p:nvSpPr>
           <p:cNvPr id="75" name="Shape 75"/>
-          <p:cNvSpPr/>
+          <p:cNvSpPr>
+            <a:spLocks noGrp="1" noRot="1" noChangeAspect="1"/>
+          </p:cNvSpPr>
           <p:nvPr>
-            <p:ph idx="2" type="sldImg"/>
+            <p:ph type="sldImg" idx="2"/>
           </p:nvPr>
         </p:nvSpPr>
         <p:spPr>
@@ -1331,8 +1487,13 @@
             <a:ext cx="6096000" cy="3429000"/>
           </a:xfrm>
           <a:custGeom>
+            <a:avLst/>
+            <a:gdLst/>
+            <a:ahLst/>
+            <a:cxnLst/>
+            <a:rect l="0" t="0" r="0" b="0"/>
             <a:pathLst>
-              <a:path extrusionOk="0" h="120000" w="120000">
+              <a:path w="120000" h="120000" extrusionOk="0">
                 <a:moveTo>
                   <a:pt x="0" y="0"/>
                 </a:moveTo>
@@ -1350,23 +1511,25 @@
             </a:pathLst>
           </a:custGeom>
           <a:noFill/>
-          <a:ln cap="flat" cmpd="sng" w="9525">
+          <a:ln w="9525" cap="flat" cmpd="sng">
             <a:solidFill>
               <a:srgbClr val="000000"/>
             </a:solidFill>
             <a:prstDash val="solid"/>
             <a:round/>
-            <a:headEnd len="med" w="med" type="none"/>
-            <a:tailEnd len="med" w="med" type="none"/>
+            <a:headEnd type="none" w="med" len="med"/>
+            <a:tailEnd type="none" w="med" len="med"/>
           </a:ln>
         </p:spPr>
       </p:sp>
       <p:sp>
         <p:nvSpPr>
           <p:cNvPr id="76" name="Shape 76"/>
-          <p:cNvSpPr txBox="1"/>
+          <p:cNvSpPr txBox="1">
+            <a:spLocks noGrp="1"/>
+          </p:cNvSpPr>
           <p:nvPr>
-            <p:ph idx="1" type="body"/>
+            <p:ph type="body" idx="1"/>
           </p:nvPr>
         </p:nvSpPr>
         <p:spPr>
@@ -1383,12 +1546,12 @@
           </a:ln>
         </p:spPr>
         <p:txBody>
-          <a:bodyPr anchorCtr="0" anchor="t" bIns="91425" lIns="91425" rIns="91425" tIns="91425">
+          <a:bodyPr lIns="91425" tIns="91425" rIns="91425" bIns="91425" anchor="t" anchorCtr="0">
             <a:noAutofit/>
           </a:bodyPr>
           <a:lstStyle/>
           <a:p>
-            <a:pPr indent="0" lvl="0" marL="0" marR="0" rtl="0" algn="l">
+            <a:pPr marL="0" marR="0" lvl="0" indent="0" algn="l" rtl="0">
               <a:spcBef>
                 <a:spcPts val="0"/>
               </a:spcBef>
@@ -1400,7 +1563,7 @@
               <a:buNone/>
             </a:pPr>
             <a:r>
-              <a:rPr b="0" i="0" lang="en-US" sz="1100" u="none" cap="none" strike="noStrike">
+              <a:rPr lang="en-US" sz="1100" b="0" i="0" u="none" strike="noStrike" cap="none">
                 <a:solidFill>
                   <a:schemeClr val="dk1"/>
                 </a:solidFill>
@@ -1423,11 +1586,11 @@
 </file>
 
 <file path=ppt/notesSlides/notesSlide4.xml><?xml version="1.0" encoding="utf-8"?>
-<p:notes xmlns:a="http://schemas.openxmlformats.org/drawingml/2006/main" xmlns:r="http://schemas.openxmlformats.org/officeDocument/2006/relationships" xmlns:mc="http://schemas.openxmlformats.org/markup-compatibility/2006" xmlns:mv="urn:schemas-microsoft-com:mac:vml" xmlns:p="http://schemas.openxmlformats.org/presentationml/2006/main" xmlns:c="http://schemas.openxmlformats.org/drawingml/2006/chart" xmlns:dgm="http://schemas.openxmlformats.org/drawingml/2006/diagram" xmlns:o="urn:schemas-microsoft-com:office:office" xmlns:v="urn:schemas-microsoft-com:vml" xmlns:pvml="urn:schemas-microsoft-com:office:powerpoint" xmlns:com="http://schemas.openxmlformats.org/drawingml/2006/compatibility" xmlns:p14="http://schemas.microsoft.com/office/powerpoint/2010/main" showMasterPhAnim="0" showMasterSp="0">
+<p:notes xmlns:a="http://schemas.openxmlformats.org/drawingml/2006/main" xmlns:r="http://schemas.openxmlformats.org/officeDocument/2006/relationships" xmlns:p="http://schemas.openxmlformats.org/presentationml/2006/main" showMasterSp="0" showMasterPhAnim="0">
   <p:cSld>
     <p:spTree>
       <p:nvGrpSpPr>
-        <p:cNvPr id="81" name="Shape 81"/>
+        <p:cNvPr id="1" name="Shape 81"/>
         <p:cNvGrpSpPr/>
         <p:nvPr/>
       </p:nvGrpSpPr>
@@ -1442,9 +1605,11 @@
       <p:sp>
         <p:nvSpPr>
           <p:cNvPr id="82" name="Shape 82"/>
-          <p:cNvSpPr/>
+          <p:cNvSpPr>
+            <a:spLocks noGrp="1" noRot="1" noChangeAspect="1"/>
+          </p:cNvSpPr>
           <p:nvPr>
-            <p:ph idx="2" type="sldImg"/>
+            <p:ph type="sldImg" idx="2"/>
           </p:nvPr>
         </p:nvSpPr>
         <p:spPr>
@@ -1453,8 +1618,13 @@
             <a:ext cx="6096000" cy="3429000"/>
           </a:xfrm>
           <a:custGeom>
+            <a:avLst/>
+            <a:gdLst/>
+            <a:ahLst/>
+            <a:cxnLst/>
+            <a:rect l="0" t="0" r="0" b="0"/>
             <a:pathLst>
-              <a:path extrusionOk="0" h="120000" w="120000">
+              <a:path w="120000" h="120000" extrusionOk="0">
                 <a:moveTo>
                   <a:pt x="0" y="0"/>
                 </a:moveTo>
@@ -1472,23 +1642,25 @@
             </a:pathLst>
           </a:custGeom>
           <a:noFill/>
-          <a:ln cap="flat" cmpd="sng" w="9525">
+          <a:ln w="9525" cap="flat" cmpd="sng">
             <a:solidFill>
               <a:srgbClr val="000000"/>
             </a:solidFill>
             <a:prstDash val="solid"/>
             <a:round/>
-            <a:headEnd len="med" w="med" type="none"/>
-            <a:tailEnd len="med" w="med" type="none"/>
+            <a:headEnd type="none" w="med" len="med"/>
+            <a:tailEnd type="none" w="med" len="med"/>
           </a:ln>
         </p:spPr>
       </p:sp>
       <p:sp>
         <p:nvSpPr>
           <p:cNvPr id="83" name="Shape 83"/>
-          <p:cNvSpPr txBox="1"/>
+          <p:cNvSpPr txBox="1">
+            <a:spLocks noGrp="1"/>
+          </p:cNvSpPr>
           <p:nvPr>
-            <p:ph idx="1" type="body"/>
+            <p:ph type="body" idx="1"/>
           </p:nvPr>
         </p:nvSpPr>
         <p:spPr>
@@ -1505,12 +1677,12 @@
           </a:ln>
         </p:spPr>
         <p:txBody>
-          <a:bodyPr anchorCtr="0" anchor="t" bIns="91425" lIns="91425" rIns="91425" tIns="91425">
+          <a:bodyPr lIns="91425" tIns="91425" rIns="91425" bIns="91425" anchor="t" anchorCtr="0">
             <a:noAutofit/>
           </a:bodyPr>
           <a:lstStyle/>
           <a:p>
-            <a:pPr indent="-304800" lvl="0" marL="457200" marR="0" rtl="0" algn="l">
+            <a:pPr marL="457200" marR="0" lvl="0" indent="-304800" algn="l" rtl="0">
               <a:spcBef>
                 <a:spcPts val="0"/>
               </a:spcBef>
@@ -1525,7 +1697,7 @@
               <a:buChar char="●"/>
             </a:pPr>
             <a:r>
-              <a:rPr b="0" i="0" lang="en-US" sz="1100" u="none" cap="none" strike="noStrike">
+              <a:rPr lang="en-US" sz="1100" b="0" i="0" u="none" strike="noStrike" cap="none">
                 <a:solidFill>
                   <a:schemeClr val="dk1"/>
                 </a:solidFill>
@@ -1538,7 +1710,7 @@
             </a:r>
           </a:p>
           <a:p>
-            <a:pPr indent="-304800" lvl="0" marL="457200" marR="0" rtl="0" algn="l">
+            <a:pPr marL="457200" marR="0" lvl="0" indent="-304800" algn="l" rtl="0">
               <a:spcBef>
                 <a:spcPts val="0"/>
               </a:spcBef>
@@ -1553,7 +1725,7 @@
               <a:buChar char="●"/>
             </a:pPr>
             <a:r>
-              <a:rPr b="0" i="0" lang="en-US" sz="1100" u="none" cap="none" strike="noStrike">
+              <a:rPr lang="en-US" sz="1100" b="0" i="0" u="none" strike="noStrike" cap="none">
                 <a:solidFill>
                   <a:schemeClr val="dk1"/>
                 </a:solidFill>
@@ -1566,7 +1738,7 @@
             </a:r>
           </a:p>
           <a:p>
-            <a:pPr indent="-304800" lvl="0" marL="457200" marR="0" rtl="0" algn="l">
+            <a:pPr marL="457200" marR="0" lvl="0" indent="-304800" algn="l" rtl="0">
               <a:spcBef>
                 <a:spcPts val="0"/>
               </a:spcBef>
@@ -1578,7 +1750,7 @@
               <a:buChar char="●"/>
             </a:pPr>
             <a:r>
-              <a:rPr b="0" i="0" lang="en-US" sz="1100" u="none" cap="none" strike="noStrike">
+              <a:rPr lang="en-US" sz="1100" b="0" i="0" u="none" strike="noStrike" cap="none">
                 <a:solidFill>
                   <a:schemeClr val="dk1"/>
                 </a:solidFill>
@@ -1601,11 +1773,11 @@
 </file>
 
 <file path=ppt/notesSlides/notesSlide5.xml><?xml version="1.0" encoding="utf-8"?>
-<p:notes xmlns:a="http://schemas.openxmlformats.org/drawingml/2006/main" xmlns:r="http://schemas.openxmlformats.org/officeDocument/2006/relationships" xmlns:mc="http://schemas.openxmlformats.org/markup-compatibility/2006" xmlns:mv="urn:schemas-microsoft-com:mac:vml" xmlns:p="http://schemas.openxmlformats.org/presentationml/2006/main" xmlns:c="http://schemas.openxmlformats.org/drawingml/2006/chart" xmlns:dgm="http://schemas.openxmlformats.org/drawingml/2006/diagram" xmlns:o="urn:schemas-microsoft-com:office:office" xmlns:v="urn:schemas-microsoft-com:vml" xmlns:pvml="urn:schemas-microsoft-com:office:powerpoint" xmlns:com="http://schemas.openxmlformats.org/drawingml/2006/compatibility" xmlns:p14="http://schemas.microsoft.com/office/powerpoint/2010/main" showMasterPhAnim="0" showMasterSp="0">
+<p:notes xmlns:a="http://schemas.openxmlformats.org/drawingml/2006/main" xmlns:r="http://schemas.openxmlformats.org/officeDocument/2006/relationships" xmlns:p="http://schemas.openxmlformats.org/presentationml/2006/main" showMasterSp="0" showMasterPhAnim="0">
   <p:cSld>
     <p:spTree>
       <p:nvGrpSpPr>
-        <p:cNvPr id="87" name="Shape 87"/>
+        <p:cNvPr id="1" name="Shape 87"/>
         <p:cNvGrpSpPr/>
         <p:nvPr/>
       </p:nvGrpSpPr>
@@ -1620,9 +1792,11 @@
       <p:sp>
         <p:nvSpPr>
           <p:cNvPr id="88" name="Shape 88"/>
-          <p:cNvSpPr/>
+          <p:cNvSpPr>
+            <a:spLocks noGrp="1" noRot="1" noChangeAspect="1"/>
+          </p:cNvSpPr>
           <p:nvPr>
-            <p:ph idx="2" type="sldImg"/>
+            <p:ph type="sldImg" idx="2"/>
           </p:nvPr>
         </p:nvSpPr>
         <p:spPr>
@@ -1631,8 +1805,13 @@
             <a:ext cx="6096000" cy="3429000"/>
           </a:xfrm>
           <a:custGeom>
+            <a:avLst/>
+            <a:gdLst/>
+            <a:ahLst/>
+            <a:cxnLst/>
+            <a:rect l="0" t="0" r="0" b="0"/>
             <a:pathLst>
-              <a:path extrusionOk="0" h="120000" w="120000">
+              <a:path w="120000" h="120000" extrusionOk="0">
                 <a:moveTo>
                   <a:pt x="0" y="0"/>
                 </a:moveTo>
@@ -1650,23 +1829,25 @@
             </a:pathLst>
           </a:custGeom>
           <a:noFill/>
-          <a:ln cap="flat" cmpd="sng" w="9525">
+          <a:ln w="9525" cap="flat" cmpd="sng">
             <a:solidFill>
               <a:srgbClr val="000000"/>
             </a:solidFill>
             <a:prstDash val="solid"/>
             <a:round/>
-            <a:headEnd len="med" w="med" type="none"/>
-            <a:tailEnd len="med" w="med" type="none"/>
+            <a:headEnd type="none" w="med" len="med"/>
+            <a:tailEnd type="none" w="med" len="med"/>
           </a:ln>
         </p:spPr>
       </p:sp>
       <p:sp>
         <p:nvSpPr>
           <p:cNvPr id="89" name="Shape 89"/>
-          <p:cNvSpPr txBox="1"/>
+          <p:cNvSpPr txBox="1">
+            <a:spLocks noGrp="1"/>
+          </p:cNvSpPr>
           <p:nvPr>
-            <p:ph idx="1" type="body"/>
+            <p:ph type="body" idx="1"/>
           </p:nvPr>
         </p:nvSpPr>
         <p:spPr>
@@ -1683,12 +1864,12 @@
           </a:ln>
         </p:spPr>
         <p:txBody>
-          <a:bodyPr anchorCtr="0" anchor="t" bIns="91425" lIns="91425" rIns="91425" tIns="91425">
+          <a:bodyPr lIns="91425" tIns="91425" rIns="91425" bIns="91425" anchor="t" anchorCtr="0">
             <a:noAutofit/>
           </a:bodyPr>
           <a:lstStyle/>
           <a:p>
-            <a:pPr indent="0" lvl="0" marL="0" marR="0" rtl="0" algn="l">
+            <a:pPr marL="0" marR="0" lvl="0" indent="0" algn="l" rtl="0">
               <a:spcBef>
                 <a:spcPts val="0"/>
               </a:spcBef>
@@ -1699,10 +1880,7 @@
               <a:buFont typeface="Arial"/>
               <a:buNone/>
             </a:pPr>
-            <a:r>
-              <a:t/>
-            </a:r>
-            <a:endParaRPr b="0" i="0" sz="1100" u="none" cap="none" strike="noStrike">
+            <a:endParaRPr sz="1100" b="0" i="0" u="none" strike="noStrike" cap="none">
               <a:solidFill>
                 <a:schemeClr val="dk1"/>
               </a:solidFill>
@@ -1723,11 +1901,11 @@
 </file>
 
 <file path=ppt/notesSlides/notesSlide6.xml><?xml version="1.0" encoding="utf-8"?>
-<p:notes xmlns:a="http://schemas.openxmlformats.org/drawingml/2006/main" xmlns:r="http://schemas.openxmlformats.org/officeDocument/2006/relationships" xmlns:mc="http://schemas.openxmlformats.org/markup-compatibility/2006" xmlns:mv="urn:schemas-microsoft-com:mac:vml" xmlns:p="http://schemas.openxmlformats.org/presentationml/2006/main" xmlns:c="http://schemas.openxmlformats.org/drawingml/2006/chart" xmlns:dgm="http://schemas.openxmlformats.org/drawingml/2006/diagram" xmlns:o="urn:schemas-microsoft-com:office:office" xmlns:v="urn:schemas-microsoft-com:vml" xmlns:pvml="urn:schemas-microsoft-com:office:powerpoint" xmlns:com="http://schemas.openxmlformats.org/drawingml/2006/compatibility" xmlns:p14="http://schemas.microsoft.com/office/powerpoint/2010/main" showMasterPhAnim="0" showMasterSp="0">
+<p:notes xmlns:a="http://schemas.openxmlformats.org/drawingml/2006/main" xmlns:r="http://schemas.openxmlformats.org/officeDocument/2006/relationships" xmlns:p="http://schemas.openxmlformats.org/presentationml/2006/main" showMasterSp="0" showMasterPhAnim="0">
   <p:cSld>
     <p:spTree>
       <p:nvGrpSpPr>
-        <p:cNvPr id="92" name="Shape 92"/>
+        <p:cNvPr id="1" name="Shape 92"/>
         <p:cNvGrpSpPr/>
         <p:nvPr/>
       </p:nvGrpSpPr>
@@ -1742,9 +1920,11 @@
       <p:sp>
         <p:nvSpPr>
           <p:cNvPr id="93" name="Shape 93"/>
-          <p:cNvSpPr/>
+          <p:cNvSpPr>
+            <a:spLocks noGrp="1" noRot="1" noChangeAspect="1"/>
+          </p:cNvSpPr>
           <p:nvPr>
-            <p:ph idx="2" type="sldImg"/>
+            <p:ph type="sldImg" idx="2"/>
           </p:nvPr>
         </p:nvSpPr>
         <p:spPr>
@@ -1753,8 +1933,13 @@
             <a:ext cx="6096000" cy="3429000"/>
           </a:xfrm>
           <a:custGeom>
+            <a:avLst/>
+            <a:gdLst/>
+            <a:ahLst/>
+            <a:cxnLst/>
+            <a:rect l="0" t="0" r="0" b="0"/>
             <a:pathLst>
-              <a:path extrusionOk="0" h="120000" w="120000">
+              <a:path w="120000" h="120000" extrusionOk="0">
                 <a:moveTo>
                   <a:pt x="0" y="0"/>
                 </a:moveTo>
@@ -1772,23 +1957,25 @@
             </a:pathLst>
           </a:custGeom>
           <a:noFill/>
-          <a:ln cap="flat" cmpd="sng" w="9525">
+          <a:ln w="9525" cap="flat" cmpd="sng">
             <a:solidFill>
               <a:srgbClr val="000000"/>
             </a:solidFill>
             <a:prstDash val="solid"/>
             <a:round/>
-            <a:headEnd len="med" w="med" type="none"/>
-            <a:tailEnd len="med" w="med" type="none"/>
+            <a:headEnd type="none" w="med" len="med"/>
+            <a:tailEnd type="none" w="med" len="med"/>
           </a:ln>
         </p:spPr>
       </p:sp>
       <p:sp>
         <p:nvSpPr>
           <p:cNvPr id="94" name="Shape 94"/>
-          <p:cNvSpPr txBox="1"/>
+          <p:cNvSpPr txBox="1">
+            <a:spLocks noGrp="1"/>
+          </p:cNvSpPr>
           <p:nvPr>
-            <p:ph idx="1" type="body"/>
+            <p:ph type="body" idx="1"/>
           </p:nvPr>
         </p:nvSpPr>
         <p:spPr>
@@ -1805,12 +1992,12 @@
           </a:ln>
         </p:spPr>
         <p:txBody>
-          <a:bodyPr anchorCtr="0" anchor="t" bIns="91425" lIns="91425" rIns="91425" tIns="91425">
+          <a:bodyPr lIns="91425" tIns="91425" rIns="91425" bIns="91425" anchor="t" anchorCtr="0">
             <a:noAutofit/>
           </a:bodyPr>
           <a:lstStyle/>
           <a:p>
-            <a:pPr indent="0" lvl="0" marL="0" marR="0" rtl="0" algn="l">
+            <a:pPr marL="0" marR="0" lvl="0" indent="0" algn="l" rtl="0">
               <a:spcBef>
                 <a:spcPts val="0"/>
               </a:spcBef>
@@ -1821,10 +2008,7 @@
               <a:buFont typeface="Arial"/>
               <a:buNone/>
             </a:pPr>
-            <a:r>
-              <a:t/>
-            </a:r>
-            <a:endParaRPr b="0" i="0" sz="1100" u="none" cap="none" strike="noStrike">
+            <a:endParaRPr sz="1100" b="0" i="0" u="none" strike="noStrike" cap="none">
               <a:solidFill>
                 <a:schemeClr val="dk1"/>
               </a:solidFill>
@@ -1839,9 +2023,11 @@
       <p:sp>
         <p:nvSpPr>
           <p:cNvPr id="95" name="Shape 95"/>
-          <p:cNvSpPr txBox="1"/>
+          <p:cNvSpPr txBox="1">
+            <a:spLocks noGrp="1"/>
+          </p:cNvSpPr>
           <p:nvPr>
-            <p:ph idx="12" type="sldNum"/>
+            <p:ph type="sldNum" idx="12"/>
           </p:nvPr>
         </p:nvSpPr>
         <p:spPr>
@@ -1858,12 +2044,12 @@
           </a:ln>
         </p:spPr>
         <p:txBody>
-          <a:bodyPr anchorCtr="0" anchor="b" bIns="45700" lIns="91425" rIns="91425" tIns="45700">
+          <a:bodyPr lIns="91425" tIns="45700" rIns="91425" bIns="45700" anchor="b" anchorCtr="0">
             <a:noAutofit/>
           </a:bodyPr>
           <a:lstStyle/>
           <a:p>
-            <a:pPr indent="0" lvl="0" marL="0" marR="0" rtl="0" algn="l">
+            <a:pPr marL="0" marR="0" lvl="0" indent="0" algn="l" rtl="0">
               <a:lnSpc>
                 <a:spcPct val="100000"/>
               </a:lnSpc>
@@ -1881,7 +2067,7 @@
               <a:buNone/>
             </a:pPr>
             <a:fld id="{00000000-1234-1234-1234-123412341234}" type="slidenum">
-              <a:rPr b="0" i="0" lang="en-US" sz="1400" u="none" cap="none" strike="noStrike">
+              <a:rPr lang="en-US" sz="1400" b="0" i="0" u="none" strike="noStrike" cap="none">
                 <a:solidFill>
                   <a:srgbClr val="000000"/>
                 </a:solidFill>
@@ -1890,8 +2076,17 @@
                 <a:cs typeface="Arial"/>
                 <a:sym typeface="Arial"/>
               </a:rPr>
-              <a:t>‹#›</a:t>
+              <a:t>6</a:t>
             </a:fld>
+            <a:endParaRPr lang="en-US" sz="1400" b="0" i="0" u="none" strike="noStrike" cap="none">
+              <a:solidFill>
+                <a:srgbClr val="000000"/>
+              </a:solidFill>
+              <a:latin typeface="Arial"/>
+              <a:ea typeface="Arial"/>
+              <a:cs typeface="Arial"/>
+              <a:sym typeface="Arial"/>
+            </a:endParaRPr>
           </a:p>
         </p:txBody>
       </p:sp>
@@ -1904,11 +2099,11 @@
 </file>
 
 <file path=ppt/notesSlides/notesSlide7.xml><?xml version="1.0" encoding="utf-8"?>
-<p:notes xmlns:a="http://schemas.openxmlformats.org/drawingml/2006/main" xmlns:r="http://schemas.openxmlformats.org/officeDocument/2006/relationships" xmlns:mc="http://schemas.openxmlformats.org/markup-compatibility/2006" xmlns:mv="urn:schemas-microsoft-com:mac:vml" xmlns:p="http://schemas.openxmlformats.org/presentationml/2006/main" xmlns:c="http://schemas.openxmlformats.org/drawingml/2006/chart" xmlns:dgm="http://schemas.openxmlformats.org/drawingml/2006/diagram" xmlns:o="urn:schemas-microsoft-com:office:office" xmlns:v="urn:schemas-microsoft-com:vml" xmlns:pvml="urn:schemas-microsoft-com:office:powerpoint" xmlns:com="http://schemas.openxmlformats.org/drawingml/2006/compatibility" xmlns:p14="http://schemas.microsoft.com/office/powerpoint/2010/main" showMasterPhAnim="0" showMasterSp="0">
+<p:notes xmlns:a="http://schemas.openxmlformats.org/drawingml/2006/main" xmlns:r="http://schemas.openxmlformats.org/officeDocument/2006/relationships" xmlns:p="http://schemas.openxmlformats.org/presentationml/2006/main" showMasterSp="0" showMasterPhAnim="0">
   <p:cSld>
     <p:spTree>
       <p:nvGrpSpPr>
-        <p:cNvPr id="99" name="Shape 99"/>
+        <p:cNvPr id="1" name="Shape 99"/>
         <p:cNvGrpSpPr/>
         <p:nvPr/>
       </p:nvGrpSpPr>
@@ -1923,9 +2118,11 @@
       <p:sp>
         <p:nvSpPr>
           <p:cNvPr id="100" name="Shape 100"/>
-          <p:cNvSpPr/>
+          <p:cNvSpPr>
+            <a:spLocks noGrp="1" noRot="1" noChangeAspect="1"/>
+          </p:cNvSpPr>
           <p:nvPr>
-            <p:ph idx="2" type="sldImg"/>
+            <p:ph type="sldImg" idx="2"/>
           </p:nvPr>
         </p:nvSpPr>
         <p:spPr>
@@ -1934,8 +2131,13 @@
             <a:ext cx="6096000" cy="3429000"/>
           </a:xfrm>
           <a:custGeom>
+            <a:avLst/>
+            <a:gdLst/>
+            <a:ahLst/>
+            <a:cxnLst/>
+            <a:rect l="0" t="0" r="0" b="0"/>
             <a:pathLst>
-              <a:path extrusionOk="0" h="120000" w="120000">
+              <a:path w="120000" h="120000" extrusionOk="0">
                 <a:moveTo>
                   <a:pt x="0" y="0"/>
                 </a:moveTo>
@@ -1953,23 +2155,25 @@
             </a:pathLst>
           </a:custGeom>
           <a:noFill/>
-          <a:ln cap="flat" cmpd="sng" w="9525">
+          <a:ln w="9525" cap="flat" cmpd="sng">
             <a:solidFill>
               <a:srgbClr val="000000"/>
             </a:solidFill>
             <a:prstDash val="solid"/>
             <a:round/>
-            <a:headEnd len="med" w="med" type="none"/>
-            <a:tailEnd len="med" w="med" type="none"/>
+            <a:headEnd type="none" w="med" len="med"/>
+            <a:tailEnd type="none" w="med" len="med"/>
           </a:ln>
         </p:spPr>
       </p:sp>
       <p:sp>
         <p:nvSpPr>
           <p:cNvPr id="101" name="Shape 101"/>
-          <p:cNvSpPr txBox="1"/>
+          <p:cNvSpPr txBox="1">
+            <a:spLocks noGrp="1"/>
+          </p:cNvSpPr>
           <p:nvPr>
-            <p:ph idx="1" type="body"/>
+            <p:ph type="body" idx="1"/>
           </p:nvPr>
         </p:nvSpPr>
         <p:spPr>
@@ -1986,12 +2190,12 @@
           </a:ln>
         </p:spPr>
         <p:txBody>
-          <a:bodyPr anchorCtr="0" anchor="t" bIns="91425" lIns="91425" rIns="91425" tIns="91425">
+          <a:bodyPr lIns="91425" tIns="91425" rIns="91425" bIns="91425" anchor="t" anchorCtr="0">
             <a:noAutofit/>
           </a:bodyPr>
           <a:lstStyle/>
           <a:p>
-            <a:pPr indent="0" lvl="0" marL="0" marR="0" rtl="0" algn="l">
+            <a:pPr marL="0" marR="0" lvl="0" indent="0" algn="l" rtl="0">
               <a:spcBef>
                 <a:spcPts val="0"/>
               </a:spcBef>
@@ -2002,10 +2206,7 @@
               <a:buFont typeface="Arial"/>
               <a:buNone/>
             </a:pPr>
-            <a:r>
-              <a:t/>
-            </a:r>
-            <a:endParaRPr b="0" i="0" sz="1100" u="none" cap="none" strike="noStrike">
+            <a:endParaRPr sz="1100" b="0" i="0" u="none" strike="noStrike" cap="none">
               <a:solidFill>
                 <a:schemeClr val="dk1"/>
               </a:solidFill>
@@ -2026,11 +2227,11 @@
 </file>
 
 <file path=ppt/notesSlides/notesSlide8.xml><?xml version="1.0" encoding="utf-8"?>
-<p:notes xmlns:a="http://schemas.openxmlformats.org/drawingml/2006/main" xmlns:r="http://schemas.openxmlformats.org/officeDocument/2006/relationships" xmlns:mc="http://schemas.openxmlformats.org/markup-compatibility/2006" xmlns:mv="urn:schemas-microsoft-com:mac:vml" xmlns:p="http://schemas.openxmlformats.org/presentationml/2006/main" xmlns:c="http://schemas.openxmlformats.org/drawingml/2006/chart" xmlns:dgm="http://schemas.openxmlformats.org/drawingml/2006/diagram" xmlns:o="urn:schemas-microsoft-com:office:office" xmlns:v="urn:schemas-microsoft-com:vml" xmlns:pvml="urn:schemas-microsoft-com:office:powerpoint" xmlns:com="http://schemas.openxmlformats.org/drawingml/2006/compatibility" xmlns:p14="http://schemas.microsoft.com/office/powerpoint/2010/main" showMasterPhAnim="0" showMasterSp="0">
+<p:notes xmlns:a="http://schemas.openxmlformats.org/drawingml/2006/main" xmlns:r="http://schemas.openxmlformats.org/officeDocument/2006/relationships" xmlns:p="http://schemas.openxmlformats.org/presentationml/2006/main" showMasterSp="0" showMasterPhAnim="0">
   <p:cSld>
     <p:spTree>
       <p:nvGrpSpPr>
-        <p:cNvPr id="105" name="Shape 105"/>
+        <p:cNvPr id="1" name="Shape 105"/>
         <p:cNvGrpSpPr/>
         <p:nvPr/>
       </p:nvGrpSpPr>
@@ -2045,9 +2246,11 @@
       <p:sp>
         <p:nvSpPr>
           <p:cNvPr id="106" name="Shape 106"/>
-          <p:cNvSpPr/>
+          <p:cNvSpPr>
+            <a:spLocks noGrp="1" noRot="1" noChangeAspect="1"/>
+          </p:cNvSpPr>
           <p:nvPr>
-            <p:ph idx="2" type="sldImg"/>
+            <p:ph type="sldImg" idx="2"/>
           </p:nvPr>
         </p:nvSpPr>
         <p:spPr>
@@ -2056,8 +2259,13 @@
             <a:ext cx="6096000" cy="3429000"/>
           </a:xfrm>
           <a:custGeom>
+            <a:avLst/>
+            <a:gdLst/>
+            <a:ahLst/>
+            <a:cxnLst/>
+            <a:rect l="0" t="0" r="0" b="0"/>
             <a:pathLst>
-              <a:path extrusionOk="0" h="120000" w="120000">
+              <a:path w="120000" h="120000" extrusionOk="0">
                 <a:moveTo>
                   <a:pt x="0" y="0"/>
                 </a:moveTo>
@@ -2075,23 +2283,25 @@
             </a:pathLst>
           </a:custGeom>
           <a:noFill/>
-          <a:ln cap="flat" cmpd="sng" w="9525">
+          <a:ln w="9525" cap="flat" cmpd="sng">
             <a:solidFill>
               <a:srgbClr val="000000"/>
             </a:solidFill>
             <a:prstDash val="solid"/>
             <a:round/>
-            <a:headEnd len="med" w="med" type="none"/>
-            <a:tailEnd len="med" w="med" type="none"/>
+            <a:headEnd type="none" w="med" len="med"/>
+            <a:tailEnd type="none" w="med" len="med"/>
           </a:ln>
         </p:spPr>
       </p:sp>
       <p:sp>
         <p:nvSpPr>
           <p:cNvPr id="107" name="Shape 107"/>
-          <p:cNvSpPr txBox="1"/>
+          <p:cNvSpPr txBox="1">
+            <a:spLocks noGrp="1"/>
+          </p:cNvSpPr>
           <p:nvPr>
-            <p:ph idx="1" type="body"/>
+            <p:ph type="body" idx="1"/>
           </p:nvPr>
         </p:nvSpPr>
         <p:spPr>
@@ -2108,12 +2318,12 @@
           </a:ln>
         </p:spPr>
         <p:txBody>
-          <a:bodyPr anchorCtr="0" anchor="t" bIns="91425" lIns="91425" rIns="91425" tIns="91425">
+          <a:bodyPr lIns="91425" tIns="91425" rIns="91425" bIns="91425" anchor="t" anchorCtr="0">
             <a:noAutofit/>
           </a:bodyPr>
           <a:lstStyle/>
           <a:p>
-            <a:pPr indent="-304800" lvl="0" marL="457200" marR="0" rtl="0" algn="l">
+            <a:pPr marL="457200" marR="0" lvl="0" indent="-304800" algn="l" rtl="0">
               <a:spcBef>
                 <a:spcPts val="0"/>
               </a:spcBef>
@@ -2128,7 +2338,7 @@
               <a:buChar char="●"/>
             </a:pPr>
             <a:r>
-              <a:rPr b="0" i="0" lang="en-US" sz="1100" u="none" cap="none" strike="noStrike">
+              <a:rPr lang="en-US" sz="1100" b="0" i="0" u="none" strike="noStrike" cap="none">
                 <a:solidFill>
                   <a:schemeClr val="dk1"/>
                 </a:solidFill>
@@ -2141,7 +2351,7 @@
             </a:r>
           </a:p>
           <a:p>
-            <a:pPr indent="-304800" lvl="0" marL="457200" marR="0" rtl="0" algn="l">
+            <a:pPr marL="457200" marR="0" lvl="0" indent="-304800" algn="l" rtl="0">
               <a:spcBef>
                 <a:spcPts val="0"/>
               </a:spcBef>
@@ -2156,7 +2366,7 @@
               <a:buChar char="●"/>
             </a:pPr>
             <a:r>
-              <a:rPr b="0" i="0" lang="en-US" sz="1100" u="none" cap="none" strike="noStrike">
+              <a:rPr lang="en-US" sz="1100" b="0" i="0" u="none" strike="noStrike" cap="none">
                 <a:solidFill>
                   <a:schemeClr val="dk1"/>
                 </a:solidFill>
@@ -2169,7 +2379,7 @@
             </a:r>
           </a:p>
           <a:p>
-            <a:pPr indent="-304800" lvl="0" marL="457200" marR="0" rtl="0" algn="l">
+            <a:pPr marL="457200" marR="0" lvl="0" indent="-304800" algn="l" rtl="0">
               <a:spcBef>
                 <a:spcPts val="0"/>
               </a:spcBef>
@@ -2184,7 +2394,7 @@
               <a:buChar char="●"/>
             </a:pPr>
             <a:r>
-              <a:rPr b="0" i="0" lang="en-US" sz="1100" u="none" cap="none" strike="noStrike">
+              <a:rPr lang="en-US" sz="1100" b="0" i="0" u="none" strike="noStrike" cap="none">
                 <a:solidFill>
                   <a:schemeClr val="dk1"/>
                 </a:solidFill>
@@ -2207,11 +2417,11 @@
 </file>
 
 <file path=ppt/notesSlides/notesSlide9.xml><?xml version="1.0" encoding="utf-8"?>
-<p:notes xmlns:a="http://schemas.openxmlformats.org/drawingml/2006/main" xmlns:r="http://schemas.openxmlformats.org/officeDocument/2006/relationships" xmlns:mc="http://schemas.openxmlformats.org/markup-compatibility/2006" xmlns:mv="urn:schemas-microsoft-com:mac:vml" xmlns:p="http://schemas.openxmlformats.org/presentationml/2006/main" xmlns:c="http://schemas.openxmlformats.org/drawingml/2006/chart" xmlns:dgm="http://schemas.openxmlformats.org/drawingml/2006/diagram" xmlns:o="urn:schemas-microsoft-com:office:office" xmlns:v="urn:schemas-microsoft-com:vml" xmlns:pvml="urn:schemas-microsoft-com:office:powerpoint" xmlns:com="http://schemas.openxmlformats.org/drawingml/2006/compatibility" xmlns:p14="http://schemas.microsoft.com/office/powerpoint/2010/main" showMasterPhAnim="0" showMasterSp="0">
+<p:notes xmlns:a="http://schemas.openxmlformats.org/drawingml/2006/main" xmlns:r="http://schemas.openxmlformats.org/officeDocument/2006/relationships" xmlns:p="http://schemas.openxmlformats.org/presentationml/2006/main" showMasterSp="0" showMasterPhAnim="0">
   <p:cSld>
     <p:spTree>
       <p:nvGrpSpPr>
-        <p:cNvPr id="111" name="Shape 111"/>
+        <p:cNvPr id="1" name="Shape 111"/>
         <p:cNvGrpSpPr/>
         <p:nvPr/>
       </p:nvGrpSpPr>
@@ -2226,9 +2436,11 @@
       <p:sp>
         <p:nvSpPr>
           <p:cNvPr id="112" name="Shape 112"/>
-          <p:cNvSpPr/>
+          <p:cNvSpPr>
+            <a:spLocks noGrp="1" noRot="1" noChangeAspect="1"/>
+          </p:cNvSpPr>
           <p:nvPr>
-            <p:ph idx="2" type="sldImg"/>
+            <p:ph type="sldImg" idx="2"/>
           </p:nvPr>
         </p:nvSpPr>
         <p:spPr>
@@ -2237,8 +2449,13 @@
             <a:ext cx="6096000" cy="3429000"/>
           </a:xfrm>
           <a:custGeom>
+            <a:avLst/>
+            <a:gdLst/>
+            <a:ahLst/>
+            <a:cxnLst/>
+            <a:rect l="0" t="0" r="0" b="0"/>
             <a:pathLst>
-              <a:path extrusionOk="0" h="120000" w="120000">
+              <a:path w="120000" h="120000" extrusionOk="0">
                 <a:moveTo>
                   <a:pt x="0" y="0"/>
                 </a:moveTo>
@@ -2256,23 +2473,25 @@
             </a:pathLst>
           </a:custGeom>
           <a:noFill/>
-          <a:ln cap="flat" cmpd="sng" w="9525">
+          <a:ln w="9525" cap="flat" cmpd="sng">
             <a:solidFill>
               <a:srgbClr val="000000"/>
             </a:solidFill>
             <a:prstDash val="solid"/>
             <a:round/>
-            <a:headEnd len="med" w="med" type="none"/>
-            <a:tailEnd len="med" w="med" type="none"/>
+            <a:headEnd type="none" w="med" len="med"/>
+            <a:tailEnd type="none" w="med" len="med"/>
           </a:ln>
         </p:spPr>
       </p:sp>
       <p:sp>
         <p:nvSpPr>
           <p:cNvPr id="113" name="Shape 113"/>
-          <p:cNvSpPr txBox="1"/>
+          <p:cNvSpPr txBox="1">
+            <a:spLocks noGrp="1"/>
+          </p:cNvSpPr>
           <p:nvPr>
-            <p:ph idx="1" type="body"/>
+            <p:ph type="body" idx="1"/>
           </p:nvPr>
         </p:nvSpPr>
         <p:spPr>
@@ -2289,12 +2508,12 @@
           </a:ln>
         </p:spPr>
         <p:txBody>
-          <a:bodyPr anchorCtr="0" anchor="t" bIns="91425" lIns="91425" rIns="91425" tIns="91425">
+          <a:bodyPr lIns="91425" tIns="91425" rIns="91425" bIns="91425" anchor="t" anchorCtr="0">
             <a:noAutofit/>
           </a:bodyPr>
           <a:lstStyle/>
           <a:p>
-            <a:pPr indent="0" lvl="0" marL="0" marR="0" rtl="0" algn="l">
+            <a:pPr marL="0" marR="0" lvl="0" indent="0" algn="l" rtl="0">
               <a:spcBef>
                 <a:spcPts val="0"/>
               </a:spcBef>
@@ -2309,7 +2528,7 @@
               <a:buNone/>
             </a:pPr>
             <a:r>
-              <a:rPr b="0" i="0" lang="en-US" sz="1100" u="none" cap="none" strike="noStrike">
+              <a:rPr lang="en-US" sz="1100" b="0" i="0" u="none" strike="noStrike" cap="none" dirty="0">
                 <a:solidFill>
                   <a:schemeClr val="dk1"/>
                 </a:solidFill>
@@ -2322,7 +2541,7 @@
             </a:r>
           </a:p>
           <a:p>
-            <a:pPr indent="0" lvl="0" marL="0" marR="0" rtl="0" algn="l">
+            <a:pPr marL="0" marR="0" lvl="0" indent="0" algn="l" rtl="0">
               <a:spcBef>
                 <a:spcPts val="0"/>
               </a:spcBef>
@@ -2336,10 +2555,7 @@
               <a:buFont typeface="Arial"/>
               <a:buNone/>
             </a:pPr>
-            <a:r>
-              <a:t/>
-            </a:r>
-            <a:endParaRPr b="0" i="0" sz="1100" u="none" cap="none" strike="noStrike">
+            <a:endParaRPr sz="1100" b="0" i="0" u="none" strike="noStrike" cap="none" dirty="0">
               <a:solidFill>
                 <a:schemeClr val="dk1"/>
               </a:solidFill>
@@ -2350,7 +2566,7 @@
             </a:endParaRPr>
           </a:p>
           <a:p>
-            <a:pPr indent="0" lvl="0" marL="0" marR="0" rtl="0" algn="l">
+            <a:pPr marL="0" marR="0" lvl="0" indent="0" algn="l" rtl="0">
               <a:spcBef>
                 <a:spcPts val="0"/>
               </a:spcBef>
@@ -2365,7 +2581,7 @@
               <a:buNone/>
             </a:pPr>
             <a:r>
-              <a:rPr b="0" i="0" lang="en-US" sz="1100" u="none" cap="none" strike="noStrike">
+              <a:rPr lang="en-US" sz="1100" b="0" i="0" u="none" strike="noStrike" cap="none" dirty="0">
                 <a:solidFill>
                   <a:schemeClr val="dk1"/>
                 </a:solidFill>
@@ -2374,11 +2590,35 @@
                 <a:cs typeface="Arial"/>
                 <a:sym typeface="Arial"/>
               </a:rPr>
-              <a:t>This is what a sprint in JIRA looks like. </a:t>
+              <a:t>This is what a sprint in JIRA </a:t>
+            </a:r>
+            <a:r>
+              <a:rPr lang="en-US" sz="1100" b="0" i="0" u="none" strike="noStrike" cap="none" dirty="0" smtClean="0">
+                <a:solidFill>
+                  <a:schemeClr val="dk1"/>
+                </a:solidFill>
+                <a:latin typeface="Arial"/>
+                <a:ea typeface="Arial"/>
+                <a:cs typeface="Arial"/>
+                <a:sym typeface="Arial"/>
+              </a:rPr>
+              <a:t>generally looks </a:t>
+            </a:r>
+            <a:r>
+              <a:rPr lang="en-US" sz="1100" b="0" i="0" u="none" strike="noStrike" cap="none" dirty="0">
+                <a:solidFill>
+                  <a:schemeClr val="dk1"/>
+                </a:solidFill>
+                <a:latin typeface="Arial"/>
+                <a:ea typeface="Arial"/>
+                <a:cs typeface="Arial"/>
+                <a:sym typeface="Arial"/>
+              </a:rPr>
+              <a:t>like. </a:t>
             </a:r>
           </a:p>
           <a:p>
-            <a:pPr indent="-228600" lvl="0" marL="457200" marR="0" rtl="0" algn="l">
+            <a:pPr marL="457200" marR="0" lvl="0" indent="-228600" algn="l" rtl="0">
               <a:spcBef>
                 <a:spcPts val="0"/>
               </a:spcBef>
@@ -2393,7 +2633,7 @@
               <a:buChar char="●"/>
             </a:pPr>
             <a:r>
-              <a:rPr b="0" i="0" lang="en-US" sz="1100" u="none" cap="none" strike="noStrike">
+              <a:rPr lang="en-US" sz="1100" b="0" i="0" u="none" strike="noStrike" cap="none" dirty="0" smtClean="0">
                 <a:solidFill>
                   <a:schemeClr val="dk1"/>
                 </a:solidFill>
@@ -2402,11 +2642,92 @@
                 <a:cs typeface="Arial"/>
                 <a:sym typeface="Arial"/>
               </a:rPr>
-              <a:t>Tickets are organized by assignee, in horizontal slices</a:t>
+              <a:t>Each </a:t>
             </a:r>
+            <a:r>
+              <a:rPr lang="en-US" sz="1100" b="0" i="0" u="none" strike="noStrike" cap="none" dirty="0">
+                <a:solidFill>
+                  <a:schemeClr val="dk1"/>
+                </a:solidFill>
+                <a:latin typeface="Arial"/>
+                <a:ea typeface="Arial"/>
+                <a:cs typeface="Arial"/>
+                <a:sym typeface="Arial"/>
+              </a:rPr>
+              <a:t>column is called a “</a:t>
+            </a:r>
+            <a:r>
+              <a:rPr lang="en-US" sz="1100" b="0" i="0" u="none" strike="noStrike" cap="none" dirty="0" err="1">
+                <a:solidFill>
+                  <a:schemeClr val="dk1"/>
+                </a:solidFill>
+                <a:latin typeface="Arial"/>
+                <a:ea typeface="Arial"/>
+                <a:cs typeface="Arial"/>
+                <a:sym typeface="Arial"/>
+              </a:rPr>
+              <a:t>swimlane</a:t>
+            </a:r>
+            <a:r>
+              <a:rPr lang="en-US" sz="1100" b="0" i="0" u="none" strike="noStrike" cap="none" dirty="0">
+                <a:solidFill>
+                  <a:schemeClr val="dk1"/>
+                </a:solidFill>
+                <a:latin typeface="Arial"/>
+                <a:ea typeface="Arial"/>
+                <a:cs typeface="Arial"/>
+                <a:sym typeface="Arial"/>
+              </a:rPr>
+              <a:t>,” and is used to denote what stage of development the ticket is in. </a:t>
+            </a:r>
+            <a:r>
+              <a:rPr lang="en-US" sz="1100" b="0" i="0" u="none" strike="noStrike" cap="none" dirty="0" err="1">
+                <a:solidFill>
+                  <a:schemeClr val="dk1"/>
+                </a:solidFill>
+                <a:latin typeface="Arial"/>
+                <a:ea typeface="Arial"/>
+                <a:cs typeface="Arial"/>
+                <a:sym typeface="Arial"/>
+              </a:rPr>
+              <a:t>Swimlanes</a:t>
+            </a:r>
+            <a:r>
+              <a:rPr lang="en-US" sz="1100" b="0" i="0" u="none" strike="noStrike" cap="none" dirty="0">
+                <a:solidFill>
+                  <a:schemeClr val="dk1"/>
+                </a:solidFill>
+                <a:latin typeface="Arial"/>
+                <a:ea typeface="Arial"/>
+                <a:cs typeface="Arial"/>
+                <a:sym typeface="Arial"/>
+              </a:rPr>
+              <a:t> can be customized to a team’s </a:t>
+            </a:r>
+            <a:r>
+              <a:rPr lang="en-US" sz="1100" b="0" i="0" u="none" strike="noStrike" cap="none" dirty="0" smtClean="0">
+                <a:solidFill>
+                  <a:schemeClr val="dk1"/>
+                </a:solidFill>
+                <a:latin typeface="Arial"/>
+                <a:ea typeface="Arial"/>
+                <a:cs typeface="Arial"/>
+                <a:sym typeface="Arial"/>
+              </a:rPr>
+              <a:t>need.</a:t>
+            </a:r>
+            <a:endParaRPr lang="en-US" sz="1100" b="0" i="0" u="none" strike="noStrike" cap="none" dirty="0">
+              <a:solidFill>
+                <a:schemeClr val="dk1"/>
+              </a:solidFill>
+              <a:latin typeface="Arial"/>
+              <a:ea typeface="Arial"/>
+              <a:cs typeface="Arial"/>
+              <a:sym typeface="Arial"/>
+            </a:endParaRPr>
           </a:p>
           <a:p>
-            <a:pPr indent="-228600" lvl="0" marL="457200" marR="0" rtl="0" algn="l">
+            <a:pPr marL="457200" marR="0" lvl="0" indent="-228600" algn="l" rtl="0">
               <a:spcBef>
                 <a:spcPts val="0"/>
               </a:spcBef>
@@ -2421,7 +2742,7 @@
               <a:buChar char="●"/>
             </a:pPr>
             <a:r>
-              <a:rPr b="0" i="0" lang="en-US" sz="1100" u="none" cap="none" strike="noStrike">
+              <a:rPr lang="en-US" sz="1100" b="0" i="0" u="none" strike="noStrike" cap="none" dirty="0">
                 <a:solidFill>
                   <a:schemeClr val="dk1"/>
                 </a:solidFill>
@@ -2430,11 +2751,95 @@
                 <a:cs typeface="Arial"/>
                 <a:sym typeface="Arial"/>
               </a:rPr>
-              <a:t>Each column is called a “swimlane,” and is used to denote what stage of development the ticket is in. Swimlanes can be customized to a team’s need</a:t>
+              <a:t>Tickets have a ticket number (e.g., TIS</a:t>
+            </a:r>
+            <a:r>
+              <a:rPr lang="en-US" sz="1100" b="0" i="0" u="none" strike="noStrike" cap="none" dirty="0" smtClean="0">
+                <a:solidFill>
+                  <a:schemeClr val="dk1"/>
+                </a:solidFill>
+                <a:latin typeface="Arial"/>
+                <a:ea typeface="Arial"/>
+                <a:cs typeface="Arial"/>
+                <a:sym typeface="Arial"/>
+              </a:rPr>
+              <a:t>-28)</a:t>
+            </a:r>
+            <a:r>
+              <a:rPr lang="en-US" sz="1100" b="0" i="0" u="none" strike="noStrike" cap="none" dirty="0">
+                <a:solidFill>
+                  <a:schemeClr val="dk1"/>
+                </a:solidFill>
+                <a:latin typeface="Arial"/>
+                <a:ea typeface="Arial"/>
+                <a:cs typeface="Arial"/>
+                <a:sym typeface="Arial"/>
+              </a:rPr>
+              <a:t>, a short description (e.g., </a:t>
+            </a:r>
+            <a:r>
+              <a:rPr lang="en-US" sz="1100" b="0" i="0" u="none" strike="noStrike" cap="none" dirty="0" smtClean="0">
+                <a:solidFill>
+                  <a:schemeClr val="dk1"/>
+                </a:solidFill>
+                <a:latin typeface="Arial"/>
+                <a:ea typeface="Arial"/>
+                <a:cs typeface="Arial"/>
+                <a:sym typeface="Arial"/>
+              </a:rPr>
+              <a:t>“Research options to travel </a:t>
+            </a:r>
+            <a:r>
+              <a:rPr lang="en-US" sz="1100" b="0" i="0" u="none" strike="noStrike" cap="none" smtClean="0">
+                <a:solidFill>
+                  <a:schemeClr val="dk1"/>
+                </a:solidFill>
+                <a:latin typeface="Arial"/>
+                <a:ea typeface="Arial"/>
+                <a:cs typeface="Arial"/>
+                <a:sym typeface="Arial"/>
+              </a:rPr>
+              <a:t>to Pluto”</a:t>
+            </a:r>
+            <a:r>
+              <a:rPr lang="en-US" sz="1100" b="0" i="0" u="none" strike="noStrike" cap="none" dirty="0">
+                <a:solidFill>
+                  <a:schemeClr val="dk1"/>
+                </a:solidFill>
+                <a:latin typeface="Arial"/>
+                <a:ea typeface="Arial"/>
+                <a:cs typeface="Arial"/>
+                <a:sym typeface="Arial"/>
+              </a:rPr>
+              <a:t>), story points, and maybe an epic label. Tickets can also be Bugs (red dot icon) or User Stories (</a:t>
+            </a:r>
+            <a:r>
+              <a:rPr lang="en-US" sz="1100" b="0" i="0" u="none" strike="noStrike" cap="none" dirty="0" err="1">
+                <a:solidFill>
+                  <a:schemeClr val="dk1"/>
+                </a:solidFill>
+                <a:latin typeface="Arial"/>
+                <a:ea typeface="Arial"/>
+                <a:cs typeface="Arial"/>
+                <a:sym typeface="Arial"/>
+              </a:rPr>
+              <a:t>lightbulb</a:t>
+            </a:r>
+            <a:r>
+              <a:rPr lang="en-US" sz="1100" b="0" i="0" u="none" strike="noStrike" cap="none" dirty="0">
+                <a:solidFill>
+                  <a:schemeClr val="dk1"/>
+                </a:solidFill>
+                <a:latin typeface="Arial"/>
+                <a:ea typeface="Arial"/>
+                <a:cs typeface="Arial"/>
+                <a:sym typeface="Arial"/>
+              </a:rPr>
+              <a:t> icon). Here is where we already diverge from Agile; not all tickets are defined as User Stories.</a:t>
             </a:r>
           </a:p>
           <a:p>
-            <a:pPr indent="-228600" lvl="0" marL="457200" marR="0" rtl="0" algn="l">
+            <a:pPr marL="457200" marR="0" lvl="0" indent="-228600" algn="l" rtl="0">
               <a:spcBef>
                 <a:spcPts val="0"/>
               </a:spcBef>
@@ -2449,35 +2854,7 @@
               <a:buChar char="●"/>
             </a:pPr>
             <a:r>
-              <a:rPr b="0" i="0" lang="en-US" sz="1100" u="none" cap="none" strike="noStrike">
-                <a:solidFill>
-                  <a:schemeClr val="dk1"/>
-                </a:solidFill>
-                <a:latin typeface="Arial"/>
-                <a:ea typeface="Arial"/>
-                <a:cs typeface="Arial"/>
-                <a:sym typeface="Arial"/>
-              </a:rPr>
-              <a:t>Tickets have a ticket number (e.g., TIS-45), a short description (e.g., “Email non registered users to signin”), story points, and maybe an epic label. Tickets can also be Bugs (red dot icon) or User Stories (lightbulb icon). Here is where we already diverge from Agile; not all tickets are defined as User Stories.</a:t>
-            </a:r>
-          </a:p>
-          <a:p>
-            <a:pPr indent="-228600" lvl="0" marL="457200" marR="0" rtl="0" algn="l">
-              <a:spcBef>
-                <a:spcPts val="0"/>
-              </a:spcBef>
-              <a:spcAft>
-                <a:spcPts val="0"/>
-              </a:spcAft>
-              <a:buClr>
-                <a:schemeClr val="dk1"/>
-              </a:buClr>
-              <a:buSzPct val="100000"/>
-              <a:buFont typeface="Arial"/>
-              <a:buChar char="●"/>
-            </a:pPr>
-            <a:r>
-              <a:rPr b="0" i="0" lang="en-US" sz="1100" u="none" cap="none" strike="noStrike">
+              <a:rPr lang="en-US" sz="1100" b="0" i="0" u="none" strike="noStrike" cap="none" dirty="0">
                 <a:solidFill>
                   <a:schemeClr val="dk1"/>
                 </a:solidFill>
@@ -2490,7 +2867,7 @@
             </a:r>
           </a:p>
           <a:p>
-            <a:pPr indent="0" lvl="0" marL="0" marR="0" rtl="0" algn="l">
+            <a:pPr marL="0" marR="0" lvl="0" indent="0" algn="l" rtl="0">
               <a:spcBef>
                 <a:spcPts val="0"/>
               </a:spcBef>
@@ -2501,10 +2878,7 @@
               <a:buFont typeface="Arial"/>
               <a:buNone/>
             </a:pPr>
-            <a:r>
-              <a:t/>
-            </a:r>
-            <a:endParaRPr b="0" i="0" sz="1100" u="none" cap="none" strike="noStrike">
+            <a:endParaRPr sz="1100" b="0" i="0" u="none" strike="noStrike" cap="none" dirty="0">
               <a:solidFill>
                 <a:schemeClr val="dk1"/>
               </a:solidFill>
@@ -2525,11 +2899,11 @@
 </file>
 
 <file path=ppt/slideLayouts/slideLayout1.xml><?xml version="1.0" encoding="utf-8"?>
-<p:sldLayout xmlns:a="http://schemas.openxmlformats.org/drawingml/2006/main" xmlns:r="http://schemas.openxmlformats.org/officeDocument/2006/relationships" xmlns:mc="http://schemas.openxmlformats.org/markup-compatibility/2006" xmlns:mv="urn:schemas-microsoft-com:mac:vml" xmlns:p="http://schemas.openxmlformats.org/presentationml/2006/main" xmlns:c="http://schemas.openxmlformats.org/drawingml/2006/chart" xmlns:dgm="http://schemas.openxmlformats.org/drawingml/2006/diagram" xmlns:o="urn:schemas-microsoft-com:office:office" xmlns:v="urn:schemas-microsoft-com:vml" xmlns:pvml="urn:schemas-microsoft-com:office:powerpoint" xmlns:com="http://schemas.openxmlformats.org/drawingml/2006/compatibility" xmlns:p14="http://schemas.microsoft.com/office/powerpoint/2010/main" type="title">
+<p:sldLayout xmlns:a="http://schemas.openxmlformats.org/drawingml/2006/main" xmlns:r="http://schemas.openxmlformats.org/officeDocument/2006/relationships" xmlns:p="http://schemas.openxmlformats.org/presentationml/2006/main" type="title">
   <p:cSld name="Title slide">
     <p:spTree>
       <p:nvGrpSpPr>
-        <p:cNvPr id="9" name="Shape 9"/>
+        <p:cNvPr id="1" name="Shape 9"/>
         <p:cNvGrpSpPr/>
         <p:nvPr/>
       </p:nvGrpSpPr>
@@ -2556,14 +2930,14 @@
             <a:avLst/>
           </a:prstGeom>
           <a:noFill/>
-          <a:ln cap="flat" cmpd="sng" w="76200">
+          <a:ln w="76200" cap="flat" cmpd="sng">
             <a:solidFill>
               <a:schemeClr val="lt2"/>
             </a:solidFill>
             <a:prstDash val="solid"/>
             <a:round/>
-            <a:headEnd len="med" w="med" type="none"/>
-            <a:tailEnd len="med" w="med" type="none"/>
+            <a:headEnd type="none" w="med" len="med"/>
+            <a:tailEnd type="none" w="med" len="med"/>
           </a:ln>
         </p:spPr>
       </p:cxnSp>
@@ -2582,14 +2956,14 @@
             <a:avLst/>
           </a:prstGeom>
           <a:noFill/>
-          <a:ln cap="flat" cmpd="sng" w="76200">
+          <a:ln w="76200" cap="flat" cmpd="sng">
             <a:solidFill>
               <a:schemeClr val="lt2"/>
             </a:solidFill>
             <a:prstDash val="solid"/>
             <a:round/>
-            <a:headEnd len="med" w="med" type="none"/>
-            <a:tailEnd len="med" w="med" type="none"/>
+            <a:headEnd type="none" w="med" len="med"/>
+            <a:tailEnd type="none" w="med" len="med"/>
           </a:ln>
         </p:spPr>
       </p:cxnSp>
@@ -2622,14 +2996,14 @@
               <a:avLst/>
             </a:prstGeom>
             <a:noFill/>
-            <a:ln cap="flat" cmpd="sng" w="76200">
+            <a:ln w="76200" cap="flat" cmpd="sng">
               <a:solidFill>
                 <a:schemeClr val="accent3"/>
               </a:solidFill>
               <a:prstDash val="solid"/>
               <a:round/>
-              <a:headEnd len="med" w="med" type="none"/>
-              <a:tailEnd len="med" w="med" type="none"/>
+              <a:headEnd type="none" w="med" len="med"/>
+              <a:tailEnd type="none" w="med" len="med"/>
             </a:ln>
           </p:spPr>
         </p:cxnSp>
@@ -2648,14 +3022,14 @@
               <a:avLst/>
             </a:prstGeom>
             <a:noFill/>
-            <a:ln cap="flat" cmpd="sng" w="9525">
+            <a:ln w="9525" cap="flat" cmpd="sng">
               <a:solidFill>
                 <a:schemeClr val="accent3"/>
               </a:solidFill>
               <a:prstDash val="solid"/>
               <a:round/>
-              <a:headEnd len="med" w="med" type="none"/>
-              <a:tailEnd len="med" w="med" type="none"/>
+              <a:headEnd type="none" w="med" len="med"/>
+              <a:tailEnd type="none" w="med" len="med"/>
             </a:ln>
           </p:spPr>
         </p:cxnSp>
@@ -2689,14 +3063,14 @@
               <a:avLst/>
             </a:prstGeom>
             <a:noFill/>
-            <a:ln cap="flat" cmpd="sng" w="76200">
+            <a:ln w="76200" cap="flat" cmpd="sng">
               <a:solidFill>
                 <a:schemeClr val="accent3"/>
               </a:solidFill>
               <a:prstDash val="solid"/>
               <a:round/>
-              <a:headEnd len="med" w="med" type="none"/>
-              <a:tailEnd len="med" w="med" type="none"/>
+              <a:headEnd type="none" w="med" len="med"/>
+              <a:tailEnd type="none" w="med" len="med"/>
             </a:ln>
           </p:spPr>
         </p:cxnSp>
@@ -2715,14 +3089,14 @@
               <a:avLst/>
             </a:prstGeom>
             <a:noFill/>
-            <a:ln cap="flat" cmpd="sng" w="9525">
+            <a:ln w="9525" cap="flat" cmpd="sng">
               <a:solidFill>
                 <a:schemeClr val="accent3"/>
               </a:solidFill>
               <a:prstDash val="solid"/>
               <a:round/>
-              <a:headEnd len="med" w="med" type="none"/>
-              <a:tailEnd len="med" w="med" type="none"/>
+              <a:headEnd type="none" w="med" len="med"/>
+              <a:tailEnd type="none" w="med" len="med"/>
             </a:ln>
           </p:spPr>
         </p:cxnSp>
@@ -2730,7 +3104,9 @@
       <p:sp>
         <p:nvSpPr>
           <p:cNvPr id="18" name="Shape 18"/>
-          <p:cNvSpPr txBox="1"/>
+          <p:cNvSpPr txBox="1">
+            <a:spLocks noGrp="1"/>
+          </p:cNvSpPr>
           <p:nvPr>
             <p:ph type="ctrTitle"/>
           </p:nvPr>
@@ -2749,9 +3125,9 @@
           </a:ln>
         </p:spPr>
         <p:txBody>
-          <a:bodyPr anchorCtr="0" anchor="b" bIns="91425" lIns="91425" rIns="91425" tIns="91425"/>
+          <a:bodyPr lIns="91425" tIns="91425" rIns="91425" bIns="91425" anchor="b" anchorCtr="0"/>
           <a:lstStyle>
-            <a:lvl1pPr indent="0" lvl="0" marL="0" marR="0" rtl="0" algn="ctr">
+            <a:lvl1pPr marL="0" marR="0" lvl="0" indent="0" algn="ctr" rtl="0">
               <a:lnSpc>
                 <a:spcPct val="100000"/>
               </a:lnSpc>
@@ -2766,7 +3142,7 @@
               </a:buClr>
               <a:buFont typeface="PT Sans Narrow"/>
               <a:buNone/>
-              <a:defRPr b="1" i="0" sz="5400" u="none" cap="none" strike="noStrike">
+              <a:defRPr sz="5400" b="1" i="0" u="none" strike="noStrike" cap="none">
                 <a:solidFill>
                   <a:schemeClr val="accent1"/>
                 </a:solidFill>
@@ -2776,7 +3152,7 @@
                 <a:sym typeface="PT Sans Narrow"/>
               </a:defRPr>
             </a:lvl1pPr>
-            <a:lvl2pPr indent="0" lvl="1" algn="ctr">
+            <a:lvl2pPr lvl="1" indent="0" algn="ctr">
               <a:spcBef>
                 <a:spcPts val="0"/>
               </a:spcBef>
@@ -2785,7 +3161,7 @@
               </a:buClr>
               <a:buFont typeface="PT Sans Narrow"/>
               <a:buNone/>
-              <a:defRPr b="1" sz="5400">
+              <a:defRPr sz="5400" b="1">
                 <a:solidFill>
                   <a:schemeClr val="accent1"/>
                 </a:solidFill>
@@ -2795,7 +3171,7 @@
                 <a:sym typeface="PT Sans Narrow"/>
               </a:defRPr>
             </a:lvl2pPr>
-            <a:lvl3pPr indent="0" lvl="2" algn="ctr">
+            <a:lvl3pPr lvl="2" indent="0" algn="ctr">
               <a:spcBef>
                 <a:spcPts val="0"/>
               </a:spcBef>
@@ -2804,7 +3180,7 @@
               </a:buClr>
               <a:buFont typeface="PT Sans Narrow"/>
               <a:buNone/>
-              <a:defRPr b="1" sz="5400">
+              <a:defRPr sz="5400" b="1">
                 <a:solidFill>
                   <a:schemeClr val="accent1"/>
                 </a:solidFill>
@@ -2814,7 +3190,7 @@
                 <a:sym typeface="PT Sans Narrow"/>
               </a:defRPr>
             </a:lvl3pPr>
-            <a:lvl4pPr indent="0" lvl="3" algn="ctr">
+            <a:lvl4pPr lvl="3" indent="0" algn="ctr">
               <a:spcBef>
                 <a:spcPts val="0"/>
               </a:spcBef>
@@ -2823,7 +3199,7 @@
               </a:buClr>
               <a:buFont typeface="PT Sans Narrow"/>
               <a:buNone/>
-              <a:defRPr b="1" sz="5400">
+              <a:defRPr sz="5400" b="1">
                 <a:solidFill>
                   <a:schemeClr val="accent1"/>
                 </a:solidFill>
@@ -2833,7 +3209,7 @@
                 <a:sym typeface="PT Sans Narrow"/>
               </a:defRPr>
             </a:lvl4pPr>
-            <a:lvl5pPr indent="0" lvl="4" algn="ctr">
+            <a:lvl5pPr lvl="4" indent="0" algn="ctr">
               <a:spcBef>
                 <a:spcPts val="0"/>
               </a:spcBef>
@@ -2842,7 +3218,7 @@
               </a:buClr>
               <a:buFont typeface="PT Sans Narrow"/>
               <a:buNone/>
-              <a:defRPr b="1" sz="5400">
+              <a:defRPr sz="5400" b="1">
                 <a:solidFill>
                   <a:schemeClr val="accent1"/>
                 </a:solidFill>
@@ -2852,7 +3228,7 @@
                 <a:sym typeface="PT Sans Narrow"/>
               </a:defRPr>
             </a:lvl5pPr>
-            <a:lvl6pPr indent="0" lvl="5" algn="ctr">
+            <a:lvl6pPr lvl="5" indent="0" algn="ctr">
               <a:spcBef>
                 <a:spcPts val="0"/>
               </a:spcBef>
@@ -2861,7 +3237,7 @@
               </a:buClr>
               <a:buFont typeface="PT Sans Narrow"/>
               <a:buNone/>
-              <a:defRPr b="1" sz="5400">
+              <a:defRPr sz="5400" b="1">
                 <a:solidFill>
                   <a:schemeClr val="accent1"/>
                 </a:solidFill>
@@ -2871,7 +3247,7 @@
                 <a:sym typeface="PT Sans Narrow"/>
               </a:defRPr>
             </a:lvl6pPr>
-            <a:lvl7pPr indent="0" lvl="6" algn="ctr">
+            <a:lvl7pPr lvl="6" indent="0" algn="ctr">
               <a:spcBef>
                 <a:spcPts val="0"/>
               </a:spcBef>
@@ -2880,7 +3256,7 @@
               </a:buClr>
               <a:buFont typeface="PT Sans Narrow"/>
               <a:buNone/>
-              <a:defRPr b="1" sz="5400">
+              <a:defRPr sz="5400" b="1">
                 <a:solidFill>
                   <a:schemeClr val="accent1"/>
                 </a:solidFill>
@@ -2890,7 +3266,7 @@
                 <a:sym typeface="PT Sans Narrow"/>
               </a:defRPr>
             </a:lvl7pPr>
-            <a:lvl8pPr indent="0" lvl="7" algn="ctr">
+            <a:lvl8pPr lvl="7" indent="0" algn="ctr">
               <a:spcBef>
                 <a:spcPts val="0"/>
               </a:spcBef>
@@ -2899,7 +3275,7 @@
               </a:buClr>
               <a:buFont typeface="PT Sans Narrow"/>
               <a:buNone/>
-              <a:defRPr b="1" sz="5400">
+              <a:defRPr sz="5400" b="1">
                 <a:solidFill>
                   <a:schemeClr val="accent1"/>
                 </a:solidFill>
@@ -2909,7 +3285,7 @@
                 <a:sym typeface="PT Sans Narrow"/>
               </a:defRPr>
             </a:lvl8pPr>
-            <a:lvl9pPr indent="0" lvl="8" algn="ctr">
+            <a:lvl9pPr lvl="8" indent="0" algn="ctr">
               <a:spcBef>
                 <a:spcPts val="0"/>
               </a:spcBef>
@@ -2918,7 +3294,7 @@
               </a:buClr>
               <a:buFont typeface="PT Sans Narrow"/>
               <a:buNone/>
-              <a:defRPr b="1" sz="5400">
+              <a:defRPr sz="5400" b="1">
                 <a:solidFill>
                   <a:schemeClr val="accent1"/>
                 </a:solidFill>
@@ -2929,15 +3305,19 @@
               </a:defRPr>
             </a:lvl9pPr>
           </a:lstStyle>
-          <a:p/>
+          <a:p>
+            <a:endParaRPr/>
+          </a:p>
         </p:txBody>
       </p:sp>
       <p:sp>
         <p:nvSpPr>
           <p:cNvPr id="19" name="Shape 19"/>
-          <p:cNvSpPr txBox="1"/>
+          <p:cNvSpPr txBox="1">
+            <a:spLocks noGrp="1"/>
+          </p:cNvSpPr>
           <p:nvPr>
-            <p:ph idx="1" type="subTitle"/>
+            <p:ph type="subTitle" idx="1"/>
           </p:nvPr>
         </p:nvSpPr>
         <p:spPr>
@@ -2954,9 +3334,9 @@
           </a:ln>
         </p:spPr>
         <p:txBody>
-          <a:bodyPr anchorCtr="0" anchor="t" bIns="91425" lIns="91425" rIns="91425" tIns="91425"/>
+          <a:bodyPr lIns="91425" tIns="91425" rIns="91425" bIns="91425" anchor="t" anchorCtr="0"/>
           <a:lstStyle>
-            <a:lvl1pPr indent="0" lvl="0" marL="0" marR="0" rtl="0" algn="ctr">
+            <a:lvl1pPr marL="0" marR="0" lvl="0" indent="0" algn="ctr" rtl="0">
               <a:lnSpc>
                 <a:spcPct val="100000"/>
               </a:lnSpc>
@@ -2971,7 +3351,7 @@
               </a:buClr>
               <a:buFont typeface="Open Sans"/>
               <a:buNone/>
-              <a:defRPr b="0" i="0" sz="2400" u="none" cap="none" strike="noStrike">
+              <a:defRPr sz="2400" b="0" i="0" u="none" strike="noStrike" cap="none">
                 <a:solidFill>
                   <a:schemeClr val="dk2"/>
                 </a:solidFill>
@@ -2981,7 +3361,7 @@
                 <a:sym typeface="Open Sans"/>
               </a:defRPr>
             </a:lvl1pPr>
-            <a:lvl2pPr indent="0" lvl="1" marL="457200" marR="0" rtl="0" algn="ctr">
+            <a:lvl2pPr marL="457200" marR="0" lvl="1" indent="0" algn="ctr" rtl="0">
               <a:lnSpc>
                 <a:spcPct val="100000"/>
               </a:lnSpc>
@@ -2996,7 +3376,7 @@
               </a:buClr>
               <a:buFont typeface="Open Sans"/>
               <a:buNone/>
-              <a:defRPr b="0" i="0" sz="2400" u="none" cap="none" strike="noStrike">
+              <a:defRPr sz="2400" b="0" i="0" u="none" strike="noStrike" cap="none">
                 <a:solidFill>
                   <a:schemeClr val="dk2"/>
                 </a:solidFill>
@@ -3006,7 +3386,7 @@
                 <a:sym typeface="Open Sans"/>
               </a:defRPr>
             </a:lvl2pPr>
-            <a:lvl3pPr indent="0" lvl="2" marL="914400" marR="0" rtl="0" algn="ctr">
+            <a:lvl3pPr marL="914400" marR="0" lvl="2" indent="0" algn="ctr" rtl="0">
               <a:lnSpc>
                 <a:spcPct val="100000"/>
               </a:lnSpc>
@@ -3021,7 +3401,7 @@
               </a:buClr>
               <a:buFont typeface="Open Sans"/>
               <a:buNone/>
-              <a:defRPr b="0" i="0" sz="2400" u="none" cap="none" strike="noStrike">
+              <a:defRPr sz="2400" b="0" i="0" u="none" strike="noStrike" cap="none">
                 <a:solidFill>
                   <a:schemeClr val="dk2"/>
                 </a:solidFill>
@@ -3031,7 +3411,7 @@
                 <a:sym typeface="Open Sans"/>
               </a:defRPr>
             </a:lvl3pPr>
-            <a:lvl4pPr indent="0" lvl="3" marL="1371600" marR="0" rtl="0" algn="ctr">
+            <a:lvl4pPr marL="1371600" marR="0" lvl="3" indent="0" algn="ctr" rtl="0">
               <a:lnSpc>
                 <a:spcPct val="100000"/>
               </a:lnSpc>
@@ -3046,7 +3426,7 @@
               </a:buClr>
               <a:buFont typeface="Open Sans"/>
               <a:buNone/>
-              <a:defRPr b="0" i="0" sz="2400" u="none" cap="none" strike="noStrike">
+              <a:defRPr sz="2400" b="0" i="0" u="none" strike="noStrike" cap="none">
                 <a:solidFill>
                   <a:schemeClr val="dk2"/>
                 </a:solidFill>
@@ -3056,7 +3436,7 @@
                 <a:sym typeface="Open Sans"/>
               </a:defRPr>
             </a:lvl4pPr>
-            <a:lvl5pPr indent="0" lvl="4" marL="1828800" marR="0" rtl="0" algn="ctr">
+            <a:lvl5pPr marL="1828800" marR="0" lvl="4" indent="0" algn="ctr" rtl="0">
               <a:lnSpc>
                 <a:spcPct val="100000"/>
               </a:lnSpc>
@@ -3071,7 +3451,7 @@
               </a:buClr>
               <a:buFont typeface="Open Sans"/>
               <a:buNone/>
-              <a:defRPr b="0" i="0" sz="2400" u="none" cap="none" strike="noStrike">
+              <a:defRPr sz="2400" b="0" i="0" u="none" strike="noStrike" cap="none">
                 <a:solidFill>
                   <a:schemeClr val="dk2"/>
                 </a:solidFill>
@@ -3081,7 +3461,7 @@
                 <a:sym typeface="Open Sans"/>
               </a:defRPr>
             </a:lvl5pPr>
-            <a:lvl6pPr indent="0" lvl="5" marL="2286000" marR="0" rtl="0" algn="ctr">
+            <a:lvl6pPr marL="2286000" marR="0" lvl="5" indent="0" algn="ctr" rtl="0">
               <a:lnSpc>
                 <a:spcPct val="100000"/>
               </a:lnSpc>
@@ -3096,7 +3476,7 @@
               </a:buClr>
               <a:buFont typeface="Open Sans"/>
               <a:buNone/>
-              <a:defRPr b="0" i="0" sz="2400" u="none" cap="none" strike="noStrike">
+              <a:defRPr sz="2400" b="0" i="0" u="none" strike="noStrike" cap="none">
                 <a:solidFill>
                   <a:schemeClr val="dk2"/>
                 </a:solidFill>
@@ -3106,7 +3486,7 @@
                 <a:sym typeface="Open Sans"/>
               </a:defRPr>
             </a:lvl6pPr>
-            <a:lvl7pPr indent="0" lvl="6" marL="2743200" marR="0" rtl="0" algn="ctr">
+            <a:lvl7pPr marL="2743200" marR="0" lvl="6" indent="0" algn="ctr" rtl="0">
               <a:lnSpc>
                 <a:spcPct val="100000"/>
               </a:lnSpc>
@@ -3121,7 +3501,7 @@
               </a:buClr>
               <a:buFont typeface="Open Sans"/>
               <a:buNone/>
-              <a:defRPr b="0" i="0" sz="2400" u="none" cap="none" strike="noStrike">
+              <a:defRPr sz="2400" b="0" i="0" u="none" strike="noStrike" cap="none">
                 <a:solidFill>
                   <a:schemeClr val="dk2"/>
                 </a:solidFill>
@@ -3131,7 +3511,7 @@
                 <a:sym typeface="Open Sans"/>
               </a:defRPr>
             </a:lvl7pPr>
-            <a:lvl8pPr indent="0" lvl="7" marL="3200400" marR="0" rtl="0" algn="ctr">
+            <a:lvl8pPr marL="3200400" marR="0" lvl="7" indent="0" algn="ctr" rtl="0">
               <a:lnSpc>
                 <a:spcPct val="100000"/>
               </a:lnSpc>
@@ -3146,7 +3526,7 @@
               </a:buClr>
               <a:buFont typeface="Open Sans"/>
               <a:buNone/>
-              <a:defRPr b="0" i="0" sz="2400" u="none" cap="none" strike="noStrike">
+              <a:defRPr sz="2400" b="0" i="0" u="none" strike="noStrike" cap="none">
                 <a:solidFill>
                   <a:schemeClr val="dk2"/>
                 </a:solidFill>
@@ -3156,7 +3536,7 @@
                 <a:sym typeface="Open Sans"/>
               </a:defRPr>
             </a:lvl8pPr>
-            <a:lvl9pPr indent="0" lvl="8" marL="3657600" marR="0" rtl="0" algn="ctr">
+            <a:lvl9pPr marL="3657600" marR="0" lvl="8" indent="0" algn="ctr" rtl="0">
               <a:lnSpc>
                 <a:spcPct val="100000"/>
               </a:lnSpc>
@@ -3171,7 +3551,7 @@
               </a:buClr>
               <a:buFont typeface="Open Sans"/>
               <a:buNone/>
-              <a:defRPr b="0" i="0" sz="2400" u="none" cap="none" strike="noStrike">
+              <a:defRPr sz="2400" b="0" i="0" u="none" strike="noStrike" cap="none">
                 <a:solidFill>
                   <a:schemeClr val="dk2"/>
                 </a:solidFill>
@@ -3182,15 +3562,19 @@
               </a:defRPr>
             </a:lvl9pPr>
           </a:lstStyle>
-          <a:p/>
+          <a:p>
+            <a:endParaRPr/>
+          </a:p>
         </p:txBody>
       </p:sp>
       <p:sp>
         <p:nvSpPr>
           <p:cNvPr id="20" name="Shape 20"/>
-          <p:cNvSpPr txBox="1"/>
+          <p:cNvSpPr txBox="1">
+            <a:spLocks noGrp="1"/>
+          </p:cNvSpPr>
           <p:nvPr>
-            <p:ph idx="12" type="sldNum"/>
+            <p:ph type="sldNum" idx="12"/>
           </p:nvPr>
         </p:nvSpPr>
         <p:spPr>
@@ -3207,12 +3591,12 @@
           </a:ln>
         </p:spPr>
         <p:txBody>
-          <a:bodyPr anchorCtr="0" anchor="ctr" bIns="91425" lIns="91425" rIns="91425" tIns="91425">
+          <a:bodyPr lIns="91425" tIns="91425" rIns="91425" bIns="91425" anchor="ctr" anchorCtr="0">
             <a:noAutofit/>
           </a:bodyPr>
           <a:lstStyle/>
           <a:p>
-            <a:pPr indent="0" lvl="0" marL="0" marR="0" rtl="0" algn="l">
+            <a:pPr marL="0" marR="0" lvl="0" indent="0" algn="l" rtl="0">
               <a:lnSpc>
                 <a:spcPct val="100000"/>
               </a:lnSpc>
@@ -3230,7 +3614,7 @@
               <a:buNone/>
             </a:pPr>
             <a:fld id="{00000000-1234-1234-1234-123412341234}" type="slidenum">
-              <a:rPr b="0" i="0" lang="en-US" sz="1400" u="none" cap="none" strike="noStrike">
+              <a:rPr lang="en-US" sz="1400" b="0" i="0" u="none" strike="noStrike" cap="none">
                 <a:solidFill>
                   <a:srgbClr val="000000"/>
                 </a:solidFill>
@@ -3241,6 +3625,15 @@
               </a:rPr>
               <a:t>‹#›</a:t>
             </a:fld>
+            <a:endParaRPr lang="en-US" sz="1400" b="0" i="0" u="none" strike="noStrike" cap="none">
+              <a:solidFill>
+                <a:srgbClr val="000000"/>
+              </a:solidFill>
+              <a:latin typeface="Arial"/>
+              <a:ea typeface="Arial"/>
+              <a:cs typeface="Arial"/>
+              <a:sym typeface="Arial"/>
+            </a:endParaRPr>
           </a:p>
         </p:txBody>
       </p:sp>
@@ -3253,11 +3646,11 @@
 </file>
 
 <file path=ppt/slideLayouts/slideLayout10.xml><?xml version="1.0" encoding="utf-8"?>
-<p:sldLayout xmlns:a="http://schemas.openxmlformats.org/drawingml/2006/main" xmlns:r="http://schemas.openxmlformats.org/officeDocument/2006/relationships" xmlns:mc="http://schemas.openxmlformats.org/markup-compatibility/2006" xmlns:mv="urn:schemas-microsoft-com:mac:vml" xmlns:p="http://schemas.openxmlformats.org/presentationml/2006/main" xmlns:c="http://schemas.openxmlformats.org/drawingml/2006/chart" xmlns:dgm="http://schemas.openxmlformats.org/drawingml/2006/diagram" xmlns:o="urn:schemas-microsoft-com:office:office" xmlns:v="urn:schemas-microsoft-com:vml" xmlns:pvml="urn:schemas-microsoft-com:office:powerpoint" xmlns:com="http://schemas.openxmlformats.org/drawingml/2006/compatibility" xmlns:p14="http://schemas.microsoft.com/office/powerpoint/2010/main">
+<p:sldLayout xmlns:a="http://schemas.openxmlformats.org/drawingml/2006/main" xmlns:r="http://schemas.openxmlformats.org/officeDocument/2006/relationships" xmlns:p="http://schemas.openxmlformats.org/presentationml/2006/main">
   <p:cSld name="Big number">
     <p:spTree>
       <p:nvGrpSpPr>
-        <p:cNvPr id="55" name="Shape 55"/>
+        <p:cNvPr id="1" name="Shape 55"/>
         <p:cNvGrpSpPr/>
         <p:nvPr/>
       </p:nvGrpSpPr>
@@ -3291,12 +3684,12 @@
           </a:ln>
         </p:spPr>
         <p:txBody>
-          <a:bodyPr anchorCtr="0" anchor="ctr" bIns="91425" lIns="91425" rIns="91425" tIns="91425">
+          <a:bodyPr lIns="91425" tIns="91425" rIns="91425" bIns="91425" anchor="ctr" anchorCtr="0">
             <a:noAutofit/>
           </a:bodyPr>
           <a:lstStyle/>
           <a:p>
-            <a:pPr indent="0" lvl="0" marL="0" marR="0" rtl="0" algn="l">
+            <a:pPr marL="0" marR="0" lvl="0" indent="0" algn="l" rtl="0">
               <a:lnSpc>
                 <a:spcPct val="100000"/>
               </a:lnSpc>
@@ -3312,10 +3705,7 @@
               <a:buFont typeface="Arial"/>
               <a:buNone/>
             </a:pPr>
-            <a:r>
-              <a:t/>
-            </a:r>
-            <a:endParaRPr b="0" i="0" sz="1400" u="none" cap="none" strike="noStrike">
+            <a:endParaRPr sz="1400" b="0" i="0" u="none" strike="noStrike" cap="none">
               <a:solidFill>
                 <a:srgbClr val="000000"/>
               </a:solidFill>
@@ -3330,7 +3720,9 @@
       <p:sp>
         <p:nvSpPr>
           <p:cNvPr id="57" name="Shape 57"/>
-          <p:cNvSpPr txBox="1"/>
+          <p:cNvSpPr txBox="1">
+            <a:spLocks noGrp="1"/>
+          </p:cNvSpPr>
           <p:nvPr>
             <p:ph type="title"/>
           </p:nvPr>
@@ -3349,9 +3741,9 @@
           </a:ln>
         </p:spPr>
         <p:txBody>
-          <a:bodyPr anchorCtr="0" anchor="ctr" bIns="91425" lIns="91425" rIns="91425" tIns="91425"/>
+          <a:bodyPr lIns="91425" tIns="91425" rIns="91425" bIns="91425" anchor="ctr" anchorCtr="0"/>
           <a:lstStyle>
-            <a:lvl1pPr indent="0" lvl="0" marL="0" marR="0" rtl="0" algn="ctr">
+            <a:lvl1pPr marL="0" marR="0" lvl="0" indent="0" algn="ctr" rtl="0">
               <a:lnSpc>
                 <a:spcPct val="100000"/>
               </a:lnSpc>
@@ -3366,7 +3758,7 @@
               </a:buClr>
               <a:buFont typeface="PT Sans Narrow"/>
               <a:buNone/>
-              <a:defRPr b="1" i="0" sz="13000" u="none" cap="none" strike="noStrike">
+              <a:defRPr sz="13000" b="1" i="0" u="none" strike="noStrike" cap="none">
                 <a:solidFill>
                   <a:schemeClr val="accent3"/>
                 </a:solidFill>
@@ -3376,7 +3768,7 @@
                 <a:sym typeface="PT Sans Narrow"/>
               </a:defRPr>
             </a:lvl1pPr>
-            <a:lvl2pPr indent="0" lvl="1" algn="ctr">
+            <a:lvl2pPr lvl="1" indent="0" algn="ctr">
               <a:spcBef>
                 <a:spcPts val="0"/>
               </a:spcBef>
@@ -3385,7 +3777,7 @@
               </a:buClr>
               <a:buFont typeface="PT Sans Narrow"/>
               <a:buNone/>
-              <a:defRPr b="1" sz="13000">
+              <a:defRPr sz="13000" b="1">
                 <a:solidFill>
                   <a:schemeClr val="accent3"/>
                 </a:solidFill>
@@ -3395,7 +3787,7 @@
                 <a:sym typeface="PT Sans Narrow"/>
               </a:defRPr>
             </a:lvl2pPr>
-            <a:lvl3pPr indent="0" lvl="2" algn="ctr">
+            <a:lvl3pPr lvl="2" indent="0" algn="ctr">
               <a:spcBef>
                 <a:spcPts val="0"/>
               </a:spcBef>
@@ -3404,7 +3796,7 @@
               </a:buClr>
               <a:buFont typeface="PT Sans Narrow"/>
               <a:buNone/>
-              <a:defRPr b="1" sz="13000">
+              <a:defRPr sz="13000" b="1">
                 <a:solidFill>
                   <a:schemeClr val="accent3"/>
                 </a:solidFill>
@@ -3414,7 +3806,7 @@
                 <a:sym typeface="PT Sans Narrow"/>
               </a:defRPr>
             </a:lvl3pPr>
-            <a:lvl4pPr indent="0" lvl="3" algn="ctr">
+            <a:lvl4pPr lvl="3" indent="0" algn="ctr">
               <a:spcBef>
                 <a:spcPts val="0"/>
               </a:spcBef>
@@ -3423,7 +3815,7 @@
               </a:buClr>
               <a:buFont typeface="PT Sans Narrow"/>
               <a:buNone/>
-              <a:defRPr b="1" sz="13000">
+              <a:defRPr sz="13000" b="1">
                 <a:solidFill>
                   <a:schemeClr val="accent3"/>
                 </a:solidFill>
@@ -3433,7 +3825,7 @@
                 <a:sym typeface="PT Sans Narrow"/>
               </a:defRPr>
             </a:lvl4pPr>
-            <a:lvl5pPr indent="0" lvl="4" algn="ctr">
+            <a:lvl5pPr lvl="4" indent="0" algn="ctr">
               <a:spcBef>
                 <a:spcPts val="0"/>
               </a:spcBef>
@@ -3442,7 +3834,7 @@
               </a:buClr>
               <a:buFont typeface="PT Sans Narrow"/>
               <a:buNone/>
-              <a:defRPr b="1" sz="13000">
+              <a:defRPr sz="13000" b="1">
                 <a:solidFill>
                   <a:schemeClr val="accent3"/>
                 </a:solidFill>
@@ -3452,7 +3844,7 @@
                 <a:sym typeface="PT Sans Narrow"/>
               </a:defRPr>
             </a:lvl5pPr>
-            <a:lvl6pPr indent="0" lvl="5" algn="ctr">
+            <a:lvl6pPr lvl="5" indent="0" algn="ctr">
               <a:spcBef>
                 <a:spcPts val="0"/>
               </a:spcBef>
@@ -3461,7 +3853,7 @@
               </a:buClr>
               <a:buFont typeface="PT Sans Narrow"/>
               <a:buNone/>
-              <a:defRPr b="1" sz="13000">
+              <a:defRPr sz="13000" b="1">
                 <a:solidFill>
                   <a:schemeClr val="accent3"/>
                 </a:solidFill>
@@ -3471,7 +3863,7 @@
                 <a:sym typeface="PT Sans Narrow"/>
               </a:defRPr>
             </a:lvl6pPr>
-            <a:lvl7pPr indent="0" lvl="6" algn="ctr">
+            <a:lvl7pPr lvl="6" indent="0" algn="ctr">
               <a:spcBef>
                 <a:spcPts val="0"/>
               </a:spcBef>
@@ -3480,7 +3872,7 @@
               </a:buClr>
               <a:buFont typeface="PT Sans Narrow"/>
               <a:buNone/>
-              <a:defRPr b="1" sz="13000">
+              <a:defRPr sz="13000" b="1">
                 <a:solidFill>
                   <a:schemeClr val="accent3"/>
                 </a:solidFill>
@@ -3490,7 +3882,7 @@
                 <a:sym typeface="PT Sans Narrow"/>
               </a:defRPr>
             </a:lvl7pPr>
-            <a:lvl8pPr indent="0" lvl="7" algn="ctr">
+            <a:lvl8pPr lvl="7" indent="0" algn="ctr">
               <a:spcBef>
                 <a:spcPts val="0"/>
               </a:spcBef>
@@ -3499,7 +3891,7 @@
               </a:buClr>
               <a:buFont typeface="PT Sans Narrow"/>
               <a:buNone/>
-              <a:defRPr b="1" sz="13000">
+              <a:defRPr sz="13000" b="1">
                 <a:solidFill>
                   <a:schemeClr val="accent3"/>
                 </a:solidFill>
@@ -3509,7 +3901,7 @@
                 <a:sym typeface="PT Sans Narrow"/>
               </a:defRPr>
             </a:lvl8pPr>
-            <a:lvl9pPr indent="0" lvl="8" algn="ctr">
+            <a:lvl9pPr lvl="8" indent="0" algn="ctr">
               <a:spcBef>
                 <a:spcPts val="0"/>
               </a:spcBef>
@@ -3518,7 +3910,7 @@
               </a:buClr>
               <a:buFont typeface="PT Sans Narrow"/>
               <a:buNone/>
-              <a:defRPr b="1" sz="13000">
+              <a:defRPr sz="13000" b="1">
                 <a:solidFill>
                   <a:schemeClr val="accent3"/>
                 </a:solidFill>
@@ -3529,15 +3921,19 @@
               </a:defRPr>
             </a:lvl9pPr>
           </a:lstStyle>
-          <a:p/>
+          <a:p>
+            <a:endParaRPr/>
+          </a:p>
         </p:txBody>
       </p:sp>
       <p:sp>
         <p:nvSpPr>
           <p:cNvPr id="58" name="Shape 58"/>
-          <p:cNvSpPr txBox="1"/>
+          <p:cNvSpPr txBox="1">
+            <a:spLocks noGrp="1"/>
+          </p:cNvSpPr>
           <p:nvPr>
-            <p:ph idx="1" type="body"/>
+            <p:ph type="body" idx="1"/>
           </p:nvPr>
         </p:nvSpPr>
         <p:spPr>
@@ -3554,9 +3950,9 @@
           </a:ln>
         </p:spPr>
         <p:txBody>
-          <a:bodyPr anchorCtr="0" anchor="t" bIns="91425" lIns="91425" rIns="91425" tIns="91425"/>
+          <a:bodyPr lIns="91425" tIns="91425" rIns="91425" bIns="91425" anchor="t" anchorCtr="0"/>
           <a:lstStyle>
-            <a:lvl1pPr indent="0" lvl="0" marL="0" marR="0" rtl="0" algn="ctr">
+            <a:lvl1pPr marL="0" marR="0" lvl="0" indent="0" algn="ctr" rtl="0">
               <a:lnSpc>
                 <a:spcPct val="115000"/>
               </a:lnSpc>
@@ -3571,7 +3967,7 @@
               </a:buClr>
               <a:buFont typeface="Open Sans"/>
               <a:buNone/>
-              <a:defRPr b="0" i="0" sz="1800" u="none" cap="none" strike="noStrike">
+              <a:defRPr sz="1800" b="0" i="0" u="none" strike="noStrike" cap="none">
                 <a:solidFill>
                   <a:schemeClr val="dk2"/>
                 </a:solidFill>
@@ -3581,7 +3977,7 @@
                 <a:sym typeface="Open Sans"/>
               </a:defRPr>
             </a:lvl1pPr>
-            <a:lvl2pPr indent="0" lvl="1" marL="457200" marR="0" rtl="0" algn="ctr">
+            <a:lvl2pPr marL="457200" marR="0" lvl="1" indent="0" algn="ctr" rtl="0">
               <a:lnSpc>
                 <a:spcPct val="115000"/>
               </a:lnSpc>
@@ -3596,7 +3992,7 @@
               </a:buClr>
               <a:buFont typeface="Open Sans"/>
               <a:buNone/>
-              <a:defRPr b="0" i="0" sz="1400" u="none" cap="none" strike="noStrike">
+              <a:defRPr sz="1400" b="0" i="0" u="none" strike="noStrike" cap="none">
                 <a:solidFill>
                   <a:schemeClr val="dk2"/>
                 </a:solidFill>
@@ -3606,7 +4002,7 @@
                 <a:sym typeface="Open Sans"/>
               </a:defRPr>
             </a:lvl2pPr>
-            <a:lvl3pPr indent="0" lvl="2" marL="914400" marR="0" rtl="0" algn="ctr">
+            <a:lvl3pPr marL="914400" marR="0" lvl="2" indent="0" algn="ctr" rtl="0">
               <a:lnSpc>
                 <a:spcPct val="115000"/>
               </a:lnSpc>
@@ -3621,7 +4017,7 @@
               </a:buClr>
               <a:buFont typeface="Open Sans"/>
               <a:buNone/>
-              <a:defRPr b="0" i="0" sz="1400" u="none" cap="none" strike="noStrike">
+              <a:defRPr sz="1400" b="0" i="0" u="none" strike="noStrike" cap="none">
                 <a:solidFill>
                   <a:schemeClr val="dk2"/>
                 </a:solidFill>
@@ -3631,7 +4027,7 @@
                 <a:sym typeface="Open Sans"/>
               </a:defRPr>
             </a:lvl3pPr>
-            <a:lvl4pPr indent="0" lvl="3" marL="1371600" marR="0" rtl="0" algn="ctr">
+            <a:lvl4pPr marL="1371600" marR="0" lvl="3" indent="0" algn="ctr" rtl="0">
               <a:lnSpc>
                 <a:spcPct val="115000"/>
               </a:lnSpc>
@@ -3646,7 +4042,7 @@
               </a:buClr>
               <a:buFont typeface="Open Sans"/>
               <a:buNone/>
-              <a:defRPr b="0" i="0" sz="1400" u="none" cap="none" strike="noStrike">
+              <a:defRPr sz="1400" b="0" i="0" u="none" strike="noStrike" cap="none">
                 <a:solidFill>
                   <a:schemeClr val="dk2"/>
                 </a:solidFill>
@@ -3656,7 +4052,7 @@
                 <a:sym typeface="Open Sans"/>
               </a:defRPr>
             </a:lvl4pPr>
-            <a:lvl5pPr indent="0" lvl="4" marL="1828800" marR="0" rtl="0" algn="ctr">
+            <a:lvl5pPr marL="1828800" marR="0" lvl="4" indent="0" algn="ctr" rtl="0">
               <a:lnSpc>
                 <a:spcPct val="115000"/>
               </a:lnSpc>
@@ -3671,7 +4067,7 @@
               </a:buClr>
               <a:buFont typeface="Open Sans"/>
               <a:buNone/>
-              <a:defRPr b="0" i="0" sz="1400" u="none" cap="none" strike="noStrike">
+              <a:defRPr sz="1400" b="0" i="0" u="none" strike="noStrike" cap="none">
                 <a:solidFill>
                   <a:schemeClr val="dk2"/>
                 </a:solidFill>
@@ -3681,7 +4077,7 @@
                 <a:sym typeface="Open Sans"/>
               </a:defRPr>
             </a:lvl5pPr>
-            <a:lvl6pPr indent="0" lvl="5" marL="2286000" marR="0" rtl="0" algn="ctr">
+            <a:lvl6pPr marL="2286000" marR="0" lvl="5" indent="0" algn="ctr" rtl="0">
               <a:lnSpc>
                 <a:spcPct val="115000"/>
               </a:lnSpc>
@@ -3696,7 +4092,7 @@
               </a:buClr>
               <a:buFont typeface="Open Sans"/>
               <a:buNone/>
-              <a:defRPr b="0" i="0" sz="1400" u="none" cap="none" strike="noStrike">
+              <a:defRPr sz="1400" b="0" i="0" u="none" strike="noStrike" cap="none">
                 <a:solidFill>
                   <a:schemeClr val="dk2"/>
                 </a:solidFill>
@@ -3706,7 +4102,7 @@
                 <a:sym typeface="Open Sans"/>
               </a:defRPr>
             </a:lvl6pPr>
-            <a:lvl7pPr indent="0" lvl="6" marL="2743200" marR="0" rtl="0" algn="ctr">
+            <a:lvl7pPr marL="2743200" marR="0" lvl="6" indent="0" algn="ctr" rtl="0">
               <a:lnSpc>
                 <a:spcPct val="115000"/>
               </a:lnSpc>
@@ -3721,7 +4117,7 @@
               </a:buClr>
               <a:buFont typeface="Open Sans"/>
               <a:buNone/>
-              <a:defRPr b="0" i="0" sz="1400" u="none" cap="none" strike="noStrike">
+              <a:defRPr sz="1400" b="0" i="0" u="none" strike="noStrike" cap="none">
                 <a:solidFill>
                   <a:schemeClr val="dk2"/>
                 </a:solidFill>
@@ -3731,7 +4127,7 @@
                 <a:sym typeface="Open Sans"/>
               </a:defRPr>
             </a:lvl7pPr>
-            <a:lvl8pPr indent="0" lvl="7" marL="3200400" marR="0" rtl="0" algn="ctr">
+            <a:lvl8pPr marL="3200400" marR="0" lvl="7" indent="0" algn="ctr" rtl="0">
               <a:lnSpc>
                 <a:spcPct val="115000"/>
               </a:lnSpc>
@@ -3746,7 +4142,7 @@
               </a:buClr>
               <a:buFont typeface="Open Sans"/>
               <a:buNone/>
-              <a:defRPr b="0" i="0" sz="1400" u="none" cap="none" strike="noStrike">
+              <a:defRPr sz="1400" b="0" i="0" u="none" strike="noStrike" cap="none">
                 <a:solidFill>
                   <a:schemeClr val="dk2"/>
                 </a:solidFill>
@@ -3756,7 +4152,7 @@
                 <a:sym typeface="Open Sans"/>
               </a:defRPr>
             </a:lvl8pPr>
-            <a:lvl9pPr indent="0" lvl="8" marL="3657600" marR="0" rtl="0" algn="ctr">
+            <a:lvl9pPr marL="3657600" marR="0" lvl="8" indent="0" algn="ctr" rtl="0">
               <a:lnSpc>
                 <a:spcPct val="115000"/>
               </a:lnSpc>
@@ -3771,7 +4167,7 @@
               </a:buClr>
               <a:buFont typeface="Open Sans"/>
               <a:buNone/>
-              <a:defRPr b="0" i="0" sz="1400" u="none" cap="none" strike="noStrike">
+              <a:defRPr sz="1400" b="0" i="0" u="none" strike="noStrike" cap="none">
                 <a:solidFill>
                   <a:schemeClr val="dk2"/>
                 </a:solidFill>
@@ -3782,15 +4178,19 @@
               </a:defRPr>
             </a:lvl9pPr>
           </a:lstStyle>
-          <a:p/>
+          <a:p>
+            <a:endParaRPr/>
+          </a:p>
         </p:txBody>
       </p:sp>
       <p:sp>
         <p:nvSpPr>
           <p:cNvPr id="59" name="Shape 59"/>
-          <p:cNvSpPr txBox="1"/>
+          <p:cNvSpPr txBox="1">
+            <a:spLocks noGrp="1"/>
+          </p:cNvSpPr>
           <p:nvPr>
-            <p:ph idx="12" type="sldNum"/>
+            <p:ph type="sldNum" idx="12"/>
           </p:nvPr>
         </p:nvSpPr>
         <p:spPr>
@@ -3807,12 +4207,12 @@
           </a:ln>
         </p:spPr>
         <p:txBody>
-          <a:bodyPr anchorCtr="0" anchor="ctr" bIns="91425" lIns="91425" rIns="91425" tIns="91425">
+          <a:bodyPr lIns="91425" tIns="91425" rIns="91425" bIns="91425" anchor="ctr" anchorCtr="0">
             <a:noAutofit/>
           </a:bodyPr>
           <a:lstStyle/>
           <a:p>
-            <a:pPr indent="0" lvl="0" marL="0" marR="0" rtl="0" algn="l">
+            <a:pPr marL="0" marR="0" lvl="0" indent="0" algn="l" rtl="0">
               <a:lnSpc>
                 <a:spcPct val="100000"/>
               </a:lnSpc>
@@ -3830,7 +4230,7 @@
               <a:buNone/>
             </a:pPr>
             <a:fld id="{00000000-1234-1234-1234-123412341234}" type="slidenum">
-              <a:rPr b="0" i="0" lang="en-US" sz="1400" u="none" cap="none" strike="noStrike">
+              <a:rPr lang="en-US" sz="1400" b="0" i="0" u="none" strike="noStrike" cap="none">
                 <a:solidFill>
                   <a:srgbClr val="000000"/>
                 </a:solidFill>
@@ -3841,6 +4241,15 @@
               </a:rPr>
               <a:t>‹#›</a:t>
             </a:fld>
+            <a:endParaRPr lang="en-US" sz="1400" b="0" i="0" u="none" strike="noStrike" cap="none">
+              <a:solidFill>
+                <a:srgbClr val="000000"/>
+              </a:solidFill>
+              <a:latin typeface="Arial"/>
+              <a:ea typeface="Arial"/>
+              <a:cs typeface="Arial"/>
+              <a:sym typeface="Arial"/>
+            </a:endParaRPr>
           </a:p>
         </p:txBody>
       </p:sp>
@@ -3853,11 +4262,11 @@
 </file>
 
 <file path=ppt/slideLayouts/slideLayout11.xml><?xml version="1.0" encoding="utf-8"?>
-<p:sldLayout xmlns:a="http://schemas.openxmlformats.org/drawingml/2006/main" xmlns:r="http://schemas.openxmlformats.org/officeDocument/2006/relationships" xmlns:mc="http://schemas.openxmlformats.org/markup-compatibility/2006" xmlns:mv="urn:schemas-microsoft-com:mac:vml" xmlns:p="http://schemas.openxmlformats.org/presentationml/2006/main" xmlns:c="http://schemas.openxmlformats.org/drawingml/2006/chart" xmlns:dgm="http://schemas.openxmlformats.org/drawingml/2006/diagram" xmlns:o="urn:schemas-microsoft-com:office:office" xmlns:v="urn:schemas-microsoft-com:vml" xmlns:pvml="urn:schemas-microsoft-com:office:powerpoint" xmlns:com="http://schemas.openxmlformats.org/drawingml/2006/compatibility" xmlns:p14="http://schemas.microsoft.com/office/powerpoint/2010/main" type="blank">
+<p:sldLayout xmlns:a="http://schemas.openxmlformats.org/drawingml/2006/main" xmlns:r="http://schemas.openxmlformats.org/officeDocument/2006/relationships" xmlns:p="http://schemas.openxmlformats.org/presentationml/2006/main" type="blank">
   <p:cSld name="Blank">
     <p:spTree>
       <p:nvGrpSpPr>
-        <p:cNvPr id="60" name="Shape 60"/>
+        <p:cNvPr id="1" name="Shape 60"/>
         <p:cNvGrpSpPr/>
         <p:nvPr/>
       </p:nvGrpSpPr>
@@ -3872,9 +4281,11 @@
       <p:sp>
         <p:nvSpPr>
           <p:cNvPr id="61" name="Shape 61"/>
-          <p:cNvSpPr txBox="1"/>
+          <p:cNvSpPr txBox="1">
+            <a:spLocks noGrp="1"/>
+          </p:cNvSpPr>
           <p:nvPr>
-            <p:ph idx="12" type="sldNum"/>
+            <p:ph type="sldNum" idx="12"/>
           </p:nvPr>
         </p:nvSpPr>
         <p:spPr>
@@ -3891,12 +4302,12 @@
           </a:ln>
         </p:spPr>
         <p:txBody>
-          <a:bodyPr anchorCtr="0" anchor="ctr" bIns="91425" lIns="91425" rIns="91425" tIns="91425">
+          <a:bodyPr lIns="91425" tIns="91425" rIns="91425" bIns="91425" anchor="ctr" anchorCtr="0">
             <a:noAutofit/>
           </a:bodyPr>
           <a:lstStyle/>
           <a:p>
-            <a:pPr indent="0" lvl="0" marL="0" marR="0" rtl="0" algn="l">
+            <a:pPr marL="0" marR="0" lvl="0" indent="0" algn="l" rtl="0">
               <a:lnSpc>
                 <a:spcPct val="100000"/>
               </a:lnSpc>
@@ -3914,7 +4325,7 @@
               <a:buNone/>
             </a:pPr>
             <a:fld id="{00000000-1234-1234-1234-123412341234}" type="slidenum">
-              <a:rPr b="0" i="0" lang="en-US" sz="1400" u="none" cap="none" strike="noStrike">
+              <a:rPr lang="en-US" sz="1400" b="0" i="0" u="none" strike="noStrike" cap="none">
                 <a:solidFill>
                   <a:srgbClr val="000000"/>
                 </a:solidFill>
@@ -3925,6 +4336,15 @@
               </a:rPr>
               <a:t>‹#›</a:t>
             </a:fld>
+            <a:endParaRPr lang="en-US" sz="1400" b="0" i="0" u="none" strike="noStrike" cap="none">
+              <a:solidFill>
+                <a:srgbClr val="000000"/>
+              </a:solidFill>
+              <a:latin typeface="Arial"/>
+              <a:ea typeface="Arial"/>
+              <a:cs typeface="Arial"/>
+              <a:sym typeface="Arial"/>
+            </a:endParaRPr>
           </a:p>
         </p:txBody>
       </p:sp>
@@ -3937,11 +4357,11 @@
 </file>
 
 <file path=ppt/slideLayouts/slideLayout2.xml><?xml version="1.0" encoding="utf-8"?>
-<p:sldLayout xmlns:a="http://schemas.openxmlformats.org/drawingml/2006/main" xmlns:r="http://schemas.openxmlformats.org/officeDocument/2006/relationships" xmlns:mc="http://schemas.openxmlformats.org/markup-compatibility/2006" xmlns:mv="urn:schemas-microsoft-com:mac:vml" xmlns:p="http://schemas.openxmlformats.org/presentationml/2006/main" xmlns:c="http://schemas.openxmlformats.org/drawingml/2006/chart" xmlns:dgm="http://schemas.openxmlformats.org/drawingml/2006/diagram" xmlns:o="urn:schemas-microsoft-com:office:office" xmlns:v="urn:schemas-microsoft-com:vml" xmlns:pvml="urn:schemas-microsoft-com:office:powerpoint" xmlns:com="http://schemas.openxmlformats.org/drawingml/2006/compatibility" xmlns:p14="http://schemas.microsoft.com/office/powerpoint/2010/main" type="tx">
+<p:sldLayout xmlns:a="http://schemas.openxmlformats.org/drawingml/2006/main" xmlns:r="http://schemas.openxmlformats.org/officeDocument/2006/relationships" xmlns:p="http://schemas.openxmlformats.org/presentationml/2006/main" type="tx">
   <p:cSld name="Title and body">
     <p:spTree>
       <p:nvGrpSpPr>
-        <p:cNvPr id="21" name="Shape 21"/>
+        <p:cNvPr id="1" name="Shape 21"/>
         <p:cNvGrpSpPr/>
         <p:nvPr/>
       </p:nvGrpSpPr>
@@ -3975,12 +4395,12 @@
           </a:ln>
         </p:spPr>
         <p:txBody>
-          <a:bodyPr anchorCtr="0" anchor="ctr" bIns="91425" lIns="91425" rIns="91425" tIns="91425">
+          <a:bodyPr lIns="91425" tIns="91425" rIns="91425" bIns="91425" anchor="ctr" anchorCtr="0">
             <a:noAutofit/>
           </a:bodyPr>
           <a:lstStyle/>
           <a:p>
-            <a:pPr indent="0" lvl="0" marL="0" marR="0" rtl="0" algn="l">
+            <a:pPr marL="0" marR="0" lvl="0" indent="0" algn="l" rtl="0">
               <a:lnSpc>
                 <a:spcPct val="100000"/>
               </a:lnSpc>
@@ -3996,10 +4416,7 @@
               <a:buFont typeface="Arial"/>
               <a:buNone/>
             </a:pPr>
-            <a:r>
-              <a:t/>
-            </a:r>
-            <a:endParaRPr b="0" i="0" sz="1400" u="none" cap="none" strike="noStrike">
+            <a:endParaRPr sz="1400" b="0" i="0" u="none" strike="noStrike" cap="none">
               <a:solidFill>
                 <a:srgbClr val="000000"/>
               </a:solidFill>
@@ -4014,7 +4431,9 @@
       <p:sp>
         <p:nvSpPr>
           <p:cNvPr id="23" name="Shape 23"/>
-          <p:cNvSpPr txBox="1"/>
+          <p:cNvSpPr txBox="1">
+            <a:spLocks noGrp="1"/>
+          </p:cNvSpPr>
           <p:nvPr>
             <p:ph type="title"/>
           </p:nvPr>
@@ -4033,9 +4452,9 @@
           </a:ln>
         </p:spPr>
         <p:txBody>
-          <a:bodyPr anchorCtr="0" anchor="t" bIns="91425" lIns="91425" rIns="91425" tIns="91425"/>
+          <a:bodyPr lIns="91425" tIns="91425" rIns="91425" bIns="91425" anchor="t" anchorCtr="0"/>
           <a:lstStyle>
-            <a:lvl1pPr indent="0" lvl="0" marL="0" marR="0" rtl="0" algn="l">
+            <a:lvl1pPr marL="0" marR="0" lvl="0" indent="0" algn="l" rtl="0">
               <a:lnSpc>
                 <a:spcPct val="100000"/>
               </a:lnSpc>
@@ -4050,7 +4469,7 @@
               </a:buClr>
               <a:buFont typeface="PT Sans Narrow"/>
               <a:buNone/>
-              <a:defRPr b="1" i="0" sz="3600" u="none" cap="none" strike="noStrike">
+              <a:defRPr sz="3600" b="1" i="0" u="none" strike="noStrike" cap="none">
                 <a:solidFill>
                   <a:schemeClr val="accent1"/>
                 </a:solidFill>
@@ -4060,7 +4479,7 @@
                 <a:sym typeface="PT Sans Narrow"/>
               </a:defRPr>
             </a:lvl1pPr>
-            <a:lvl2pPr indent="0" lvl="1">
+            <a:lvl2pPr lvl="1" indent="0">
               <a:spcBef>
                 <a:spcPts val="0"/>
               </a:spcBef>
@@ -4069,7 +4488,7 @@
               </a:buClr>
               <a:buFont typeface="PT Sans Narrow"/>
               <a:buNone/>
-              <a:defRPr b="1" sz="3600">
+              <a:defRPr sz="3600" b="1">
                 <a:solidFill>
                   <a:schemeClr val="accent1"/>
                 </a:solidFill>
@@ -4079,7 +4498,7 @@
                 <a:sym typeface="PT Sans Narrow"/>
               </a:defRPr>
             </a:lvl2pPr>
-            <a:lvl3pPr indent="0" lvl="2">
+            <a:lvl3pPr lvl="2" indent="0">
               <a:spcBef>
                 <a:spcPts val="0"/>
               </a:spcBef>
@@ -4088,7 +4507,7 @@
               </a:buClr>
               <a:buFont typeface="PT Sans Narrow"/>
               <a:buNone/>
-              <a:defRPr b="1" sz="3600">
+              <a:defRPr sz="3600" b="1">
                 <a:solidFill>
                   <a:schemeClr val="accent1"/>
                 </a:solidFill>
@@ -4098,7 +4517,7 @@
                 <a:sym typeface="PT Sans Narrow"/>
               </a:defRPr>
             </a:lvl3pPr>
-            <a:lvl4pPr indent="0" lvl="3">
+            <a:lvl4pPr lvl="3" indent="0">
               <a:spcBef>
                 <a:spcPts val="0"/>
               </a:spcBef>
@@ -4107,7 +4526,7 @@
               </a:buClr>
               <a:buFont typeface="PT Sans Narrow"/>
               <a:buNone/>
-              <a:defRPr b="1" sz="3600">
+              <a:defRPr sz="3600" b="1">
                 <a:solidFill>
                   <a:schemeClr val="accent1"/>
                 </a:solidFill>
@@ -4117,7 +4536,7 @@
                 <a:sym typeface="PT Sans Narrow"/>
               </a:defRPr>
             </a:lvl4pPr>
-            <a:lvl5pPr indent="0" lvl="4">
+            <a:lvl5pPr lvl="4" indent="0">
               <a:spcBef>
                 <a:spcPts val="0"/>
               </a:spcBef>
@@ -4126,7 +4545,7 @@
               </a:buClr>
               <a:buFont typeface="PT Sans Narrow"/>
               <a:buNone/>
-              <a:defRPr b="1" sz="3600">
+              <a:defRPr sz="3600" b="1">
                 <a:solidFill>
                   <a:schemeClr val="accent1"/>
                 </a:solidFill>
@@ -4136,7 +4555,7 @@
                 <a:sym typeface="PT Sans Narrow"/>
               </a:defRPr>
             </a:lvl5pPr>
-            <a:lvl6pPr indent="0" lvl="5">
+            <a:lvl6pPr lvl="5" indent="0">
               <a:spcBef>
                 <a:spcPts val="0"/>
               </a:spcBef>
@@ -4145,7 +4564,7 @@
               </a:buClr>
               <a:buFont typeface="PT Sans Narrow"/>
               <a:buNone/>
-              <a:defRPr b="1" sz="3600">
+              <a:defRPr sz="3600" b="1">
                 <a:solidFill>
                   <a:schemeClr val="accent1"/>
                 </a:solidFill>
@@ -4155,7 +4574,7 @@
                 <a:sym typeface="PT Sans Narrow"/>
               </a:defRPr>
             </a:lvl6pPr>
-            <a:lvl7pPr indent="0" lvl="6">
+            <a:lvl7pPr lvl="6" indent="0">
               <a:spcBef>
                 <a:spcPts val="0"/>
               </a:spcBef>
@@ -4164,7 +4583,7 @@
               </a:buClr>
               <a:buFont typeface="PT Sans Narrow"/>
               <a:buNone/>
-              <a:defRPr b="1" sz="3600">
+              <a:defRPr sz="3600" b="1">
                 <a:solidFill>
                   <a:schemeClr val="accent1"/>
                 </a:solidFill>
@@ -4174,7 +4593,7 @@
                 <a:sym typeface="PT Sans Narrow"/>
               </a:defRPr>
             </a:lvl7pPr>
-            <a:lvl8pPr indent="0" lvl="7">
+            <a:lvl8pPr lvl="7" indent="0">
               <a:spcBef>
                 <a:spcPts val="0"/>
               </a:spcBef>
@@ -4183,7 +4602,7 @@
               </a:buClr>
               <a:buFont typeface="PT Sans Narrow"/>
               <a:buNone/>
-              <a:defRPr b="1" sz="3600">
+              <a:defRPr sz="3600" b="1">
                 <a:solidFill>
                   <a:schemeClr val="accent1"/>
                 </a:solidFill>
@@ -4193,7 +4612,7 @@
                 <a:sym typeface="PT Sans Narrow"/>
               </a:defRPr>
             </a:lvl8pPr>
-            <a:lvl9pPr indent="0" lvl="8">
+            <a:lvl9pPr lvl="8" indent="0">
               <a:spcBef>
                 <a:spcPts val="0"/>
               </a:spcBef>
@@ -4202,7 +4621,7 @@
               </a:buClr>
               <a:buFont typeface="PT Sans Narrow"/>
               <a:buNone/>
-              <a:defRPr b="1" sz="3600">
+              <a:defRPr sz="3600" b="1">
                 <a:solidFill>
                   <a:schemeClr val="accent1"/>
                 </a:solidFill>
@@ -4213,15 +4632,19 @@
               </a:defRPr>
             </a:lvl9pPr>
           </a:lstStyle>
-          <a:p/>
+          <a:p>
+            <a:endParaRPr/>
+          </a:p>
         </p:txBody>
       </p:sp>
       <p:sp>
         <p:nvSpPr>
           <p:cNvPr id="24" name="Shape 24"/>
-          <p:cNvSpPr txBox="1"/>
+          <p:cNvSpPr txBox="1">
+            <a:spLocks noGrp="1"/>
+          </p:cNvSpPr>
           <p:nvPr>
-            <p:ph idx="1" type="body"/>
+            <p:ph type="body" idx="1"/>
           </p:nvPr>
         </p:nvSpPr>
         <p:spPr>
@@ -4238,9 +4661,9 @@
           </a:ln>
         </p:spPr>
         <p:txBody>
-          <a:bodyPr anchorCtr="0" anchor="t" bIns="91425" lIns="91425" rIns="91425" tIns="91425"/>
+          <a:bodyPr lIns="91425" tIns="91425" rIns="91425" bIns="91425" anchor="t" anchorCtr="0"/>
           <a:lstStyle>
-            <a:lvl1pPr indent="0" lvl="0" marL="0" marR="0" rtl="0" algn="l">
+            <a:lvl1pPr marL="0" marR="0" lvl="0" indent="0" algn="l" rtl="0">
               <a:lnSpc>
                 <a:spcPct val="115000"/>
               </a:lnSpc>
@@ -4255,7 +4678,7 @@
               </a:buClr>
               <a:buFont typeface="Open Sans"/>
               <a:buNone/>
-              <a:defRPr b="0" i="0" sz="1800" u="none" cap="none" strike="noStrike">
+              <a:defRPr sz="1800" b="0" i="0" u="none" strike="noStrike" cap="none">
                 <a:solidFill>
                   <a:schemeClr val="dk2"/>
                 </a:solidFill>
@@ -4265,7 +4688,7 @@
                 <a:sym typeface="Open Sans"/>
               </a:defRPr>
             </a:lvl1pPr>
-            <a:lvl2pPr indent="0" lvl="1" marL="457200" marR="0" rtl="0" algn="l">
+            <a:lvl2pPr marL="457200" marR="0" lvl="1" indent="0" algn="l" rtl="0">
               <a:lnSpc>
                 <a:spcPct val="115000"/>
               </a:lnSpc>
@@ -4280,7 +4703,7 @@
               </a:buClr>
               <a:buFont typeface="Open Sans"/>
               <a:buNone/>
-              <a:defRPr b="0" i="0" sz="1400" u="none" cap="none" strike="noStrike">
+              <a:defRPr sz="1400" b="0" i="0" u="none" strike="noStrike" cap="none">
                 <a:solidFill>
                   <a:schemeClr val="dk2"/>
                 </a:solidFill>
@@ -4290,7 +4713,7 @@
                 <a:sym typeface="Open Sans"/>
               </a:defRPr>
             </a:lvl2pPr>
-            <a:lvl3pPr indent="0" lvl="2" marL="914400" marR="0" rtl="0" algn="l">
+            <a:lvl3pPr marL="914400" marR="0" lvl="2" indent="0" algn="l" rtl="0">
               <a:lnSpc>
                 <a:spcPct val="115000"/>
               </a:lnSpc>
@@ -4305,7 +4728,7 @@
               </a:buClr>
               <a:buFont typeface="Open Sans"/>
               <a:buNone/>
-              <a:defRPr b="0" i="0" sz="1400" u="none" cap="none" strike="noStrike">
+              <a:defRPr sz="1400" b="0" i="0" u="none" strike="noStrike" cap="none">
                 <a:solidFill>
                   <a:schemeClr val="dk2"/>
                 </a:solidFill>
@@ -4315,7 +4738,7 @@
                 <a:sym typeface="Open Sans"/>
               </a:defRPr>
             </a:lvl3pPr>
-            <a:lvl4pPr indent="0" lvl="3" marL="1371600" marR="0" rtl="0" algn="l">
+            <a:lvl4pPr marL="1371600" marR="0" lvl="3" indent="0" algn="l" rtl="0">
               <a:lnSpc>
                 <a:spcPct val="115000"/>
               </a:lnSpc>
@@ -4330,7 +4753,7 @@
               </a:buClr>
               <a:buFont typeface="Open Sans"/>
               <a:buNone/>
-              <a:defRPr b="0" i="0" sz="1400" u="none" cap="none" strike="noStrike">
+              <a:defRPr sz="1400" b="0" i="0" u="none" strike="noStrike" cap="none">
                 <a:solidFill>
                   <a:schemeClr val="dk2"/>
                 </a:solidFill>
@@ -4340,7 +4763,7 @@
                 <a:sym typeface="Open Sans"/>
               </a:defRPr>
             </a:lvl4pPr>
-            <a:lvl5pPr indent="0" lvl="4" marL="1828800" marR="0" rtl="0" algn="l">
+            <a:lvl5pPr marL="1828800" marR="0" lvl="4" indent="0" algn="l" rtl="0">
               <a:lnSpc>
                 <a:spcPct val="115000"/>
               </a:lnSpc>
@@ -4355,7 +4778,7 @@
               </a:buClr>
               <a:buFont typeface="Open Sans"/>
               <a:buNone/>
-              <a:defRPr b="0" i="0" sz="1400" u="none" cap="none" strike="noStrike">
+              <a:defRPr sz="1400" b="0" i="0" u="none" strike="noStrike" cap="none">
                 <a:solidFill>
                   <a:schemeClr val="dk2"/>
                 </a:solidFill>
@@ -4365,7 +4788,7 @@
                 <a:sym typeface="Open Sans"/>
               </a:defRPr>
             </a:lvl5pPr>
-            <a:lvl6pPr indent="0" lvl="5" marL="2286000" marR="0" rtl="0" algn="l">
+            <a:lvl6pPr marL="2286000" marR="0" lvl="5" indent="0" algn="l" rtl="0">
               <a:lnSpc>
                 <a:spcPct val="115000"/>
               </a:lnSpc>
@@ -4380,7 +4803,7 @@
               </a:buClr>
               <a:buFont typeface="Open Sans"/>
               <a:buNone/>
-              <a:defRPr b="0" i="0" sz="1400" u="none" cap="none" strike="noStrike">
+              <a:defRPr sz="1400" b="0" i="0" u="none" strike="noStrike" cap="none">
                 <a:solidFill>
                   <a:schemeClr val="dk2"/>
                 </a:solidFill>
@@ -4390,7 +4813,7 @@
                 <a:sym typeface="Open Sans"/>
               </a:defRPr>
             </a:lvl6pPr>
-            <a:lvl7pPr indent="0" lvl="6" marL="2743200" marR="0" rtl="0" algn="l">
+            <a:lvl7pPr marL="2743200" marR="0" lvl="6" indent="0" algn="l" rtl="0">
               <a:lnSpc>
                 <a:spcPct val="115000"/>
               </a:lnSpc>
@@ -4405,7 +4828,7 @@
               </a:buClr>
               <a:buFont typeface="Open Sans"/>
               <a:buNone/>
-              <a:defRPr b="0" i="0" sz="1400" u="none" cap="none" strike="noStrike">
+              <a:defRPr sz="1400" b="0" i="0" u="none" strike="noStrike" cap="none">
                 <a:solidFill>
                   <a:schemeClr val="dk2"/>
                 </a:solidFill>
@@ -4415,7 +4838,7 @@
                 <a:sym typeface="Open Sans"/>
               </a:defRPr>
             </a:lvl7pPr>
-            <a:lvl8pPr indent="0" lvl="7" marL="3200400" marR="0" rtl="0" algn="l">
+            <a:lvl8pPr marL="3200400" marR="0" lvl="7" indent="0" algn="l" rtl="0">
               <a:lnSpc>
                 <a:spcPct val="115000"/>
               </a:lnSpc>
@@ -4430,7 +4853,7 @@
               </a:buClr>
               <a:buFont typeface="Open Sans"/>
               <a:buNone/>
-              <a:defRPr b="0" i="0" sz="1400" u="none" cap="none" strike="noStrike">
+              <a:defRPr sz="1400" b="0" i="0" u="none" strike="noStrike" cap="none">
                 <a:solidFill>
                   <a:schemeClr val="dk2"/>
                 </a:solidFill>
@@ -4440,7 +4863,7 @@
                 <a:sym typeface="Open Sans"/>
               </a:defRPr>
             </a:lvl8pPr>
-            <a:lvl9pPr indent="0" lvl="8" marL="3657600" marR="0" rtl="0" algn="l">
+            <a:lvl9pPr marL="3657600" marR="0" lvl="8" indent="0" algn="l" rtl="0">
               <a:lnSpc>
                 <a:spcPct val="115000"/>
               </a:lnSpc>
@@ -4455,7 +4878,7 @@
               </a:buClr>
               <a:buFont typeface="Open Sans"/>
               <a:buNone/>
-              <a:defRPr b="0" i="0" sz="1400" u="none" cap="none" strike="noStrike">
+              <a:defRPr sz="1400" b="0" i="0" u="none" strike="noStrike" cap="none">
                 <a:solidFill>
                   <a:schemeClr val="dk2"/>
                 </a:solidFill>
@@ -4466,15 +4889,19 @@
               </a:defRPr>
             </a:lvl9pPr>
           </a:lstStyle>
-          <a:p/>
+          <a:p>
+            <a:endParaRPr/>
+          </a:p>
         </p:txBody>
       </p:sp>
       <p:sp>
         <p:nvSpPr>
           <p:cNvPr id="25" name="Shape 25"/>
-          <p:cNvSpPr txBox="1"/>
+          <p:cNvSpPr txBox="1">
+            <a:spLocks noGrp="1"/>
+          </p:cNvSpPr>
           <p:nvPr>
-            <p:ph idx="12" type="sldNum"/>
+            <p:ph type="sldNum" idx="12"/>
           </p:nvPr>
         </p:nvSpPr>
         <p:spPr>
@@ -4491,12 +4918,12 @@
           </a:ln>
         </p:spPr>
         <p:txBody>
-          <a:bodyPr anchorCtr="0" anchor="ctr" bIns="91425" lIns="91425" rIns="91425" tIns="91425">
+          <a:bodyPr lIns="91425" tIns="91425" rIns="91425" bIns="91425" anchor="ctr" anchorCtr="0">
             <a:noAutofit/>
           </a:bodyPr>
           <a:lstStyle/>
           <a:p>
-            <a:pPr indent="0" lvl="0" marL="0" marR="0" rtl="0" algn="l">
+            <a:pPr marL="0" marR="0" lvl="0" indent="0" algn="l" rtl="0">
               <a:lnSpc>
                 <a:spcPct val="100000"/>
               </a:lnSpc>
@@ -4514,7 +4941,7 @@
               <a:buNone/>
             </a:pPr>
             <a:fld id="{00000000-1234-1234-1234-123412341234}" type="slidenum">
-              <a:rPr b="0" i="0" lang="en-US" sz="1400" u="none" cap="none" strike="noStrike">
+              <a:rPr lang="en-US" sz="1400" b="0" i="0" u="none" strike="noStrike" cap="none">
                 <a:solidFill>
                   <a:srgbClr val="000000"/>
                 </a:solidFill>
@@ -4525,6 +4952,15 @@
               </a:rPr>
               <a:t>‹#›</a:t>
             </a:fld>
+            <a:endParaRPr lang="en-US" sz="1400" b="0" i="0" u="none" strike="noStrike" cap="none">
+              <a:solidFill>
+                <a:srgbClr val="000000"/>
+              </a:solidFill>
+              <a:latin typeface="Arial"/>
+              <a:ea typeface="Arial"/>
+              <a:cs typeface="Arial"/>
+              <a:sym typeface="Arial"/>
+            </a:endParaRPr>
           </a:p>
         </p:txBody>
       </p:sp>
@@ -4537,11 +4973,11 @@
 </file>
 
 <file path=ppt/slideLayouts/slideLayout3.xml><?xml version="1.0" encoding="utf-8"?>
-<p:sldLayout xmlns:a="http://schemas.openxmlformats.org/drawingml/2006/main" xmlns:r="http://schemas.openxmlformats.org/officeDocument/2006/relationships" xmlns:mc="http://schemas.openxmlformats.org/markup-compatibility/2006" xmlns:mv="urn:schemas-microsoft-com:mac:vml" xmlns:p="http://schemas.openxmlformats.org/presentationml/2006/main" xmlns:c="http://schemas.openxmlformats.org/drawingml/2006/chart" xmlns:dgm="http://schemas.openxmlformats.org/drawingml/2006/diagram" xmlns:o="urn:schemas-microsoft-com:office:office" xmlns:v="urn:schemas-microsoft-com:vml" xmlns:pvml="urn:schemas-microsoft-com:office:powerpoint" xmlns:com="http://schemas.openxmlformats.org/drawingml/2006/compatibility" xmlns:p14="http://schemas.microsoft.com/office/powerpoint/2010/main" type="secHead">
+<p:sldLayout xmlns:a="http://schemas.openxmlformats.org/drawingml/2006/main" xmlns:r="http://schemas.openxmlformats.org/officeDocument/2006/relationships" xmlns:p="http://schemas.openxmlformats.org/presentationml/2006/main" type="secHead">
   <p:cSld name="Section header">
     <p:spTree>
       <p:nvGrpSpPr>
-        <p:cNvPr id="26" name="Shape 26"/>
+        <p:cNvPr id="1" name="Shape 26"/>
         <p:cNvGrpSpPr/>
         <p:nvPr/>
       </p:nvGrpSpPr>
@@ -4575,12 +5011,12 @@
           </a:ln>
         </p:spPr>
         <p:txBody>
-          <a:bodyPr anchorCtr="0" anchor="ctr" bIns="91425" lIns="91425" rIns="91425" tIns="91425">
+          <a:bodyPr lIns="91425" tIns="91425" rIns="91425" bIns="91425" anchor="ctr" anchorCtr="0">
             <a:noAutofit/>
           </a:bodyPr>
           <a:lstStyle/>
           <a:p>
-            <a:pPr indent="0" lvl="0" marL="0" marR="0" rtl="0" algn="l">
+            <a:pPr marL="0" marR="0" lvl="0" indent="0" algn="l" rtl="0">
               <a:lnSpc>
                 <a:spcPct val="100000"/>
               </a:lnSpc>
@@ -4596,10 +5032,7 @@
               <a:buFont typeface="Arial"/>
               <a:buNone/>
             </a:pPr>
-            <a:r>
-              <a:t/>
-            </a:r>
-            <a:endParaRPr b="0" i="0" sz="1400" u="none" cap="none" strike="noStrike">
+            <a:endParaRPr sz="1400" b="0" i="0" u="none" strike="noStrike" cap="none">
               <a:solidFill>
                 <a:srgbClr val="000000"/>
               </a:solidFill>
@@ -4614,7 +5047,9 @@
       <p:sp>
         <p:nvSpPr>
           <p:cNvPr id="28" name="Shape 28"/>
-          <p:cNvSpPr txBox="1"/>
+          <p:cNvSpPr txBox="1">
+            <a:spLocks noGrp="1"/>
+          </p:cNvSpPr>
           <p:nvPr>
             <p:ph type="title"/>
           </p:nvPr>
@@ -4633,9 +5068,9 @@
           </a:ln>
         </p:spPr>
         <p:txBody>
-          <a:bodyPr anchorCtr="0" anchor="ctr" bIns="91425" lIns="91425" rIns="91425" tIns="91425"/>
+          <a:bodyPr lIns="91425" tIns="91425" rIns="91425" bIns="91425" anchor="ctr" anchorCtr="0"/>
           <a:lstStyle>
-            <a:lvl1pPr indent="0" lvl="0" marL="0" marR="0" rtl="0" algn="ctr">
+            <a:lvl1pPr marL="0" marR="0" lvl="0" indent="0" algn="ctr" rtl="0">
               <a:lnSpc>
                 <a:spcPct val="100000"/>
               </a:lnSpc>
@@ -4650,7 +5085,7 @@
               </a:buClr>
               <a:buFont typeface="PT Sans Narrow"/>
               <a:buNone/>
-              <a:defRPr b="1" i="0" sz="3600" u="none" cap="none" strike="noStrike">
+              <a:defRPr sz="3600" b="1" i="0" u="none" strike="noStrike" cap="none">
                 <a:solidFill>
                   <a:schemeClr val="accent1"/>
                 </a:solidFill>
@@ -4660,7 +5095,7 @@
                 <a:sym typeface="PT Sans Narrow"/>
               </a:defRPr>
             </a:lvl1pPr>
-            <a:lvl2pPr indent="0" lvl="1" algn="ctr">
+            <a:lvl2pPr lvl="1" indent="0" algn="ctr">
               <a:spcBef>
                 <a:spcPts val="0"/>
               </a:spcBef>
@@ -4669,7 +5104,7 @@
               </a:buClr>
               <a:buFont typeface="PT Sans Narrow"/>
               <a:buNone/>
-              <a:defRPr b="1" sz="3600">
+              <a:defRPr sz="3600" b="1">
                 <a:solidFill>
                   <a:schemeClr val="accent1"/>
                 </a:solidFill>
@@ -4679,7 +5114,7 @@
                 <a:sym typeface="PT Sans Narrow"/>
               </a:defRPr>
             </a:lvl2pPr>
-            <a:lvl3pPr indent="0" lvl="2" algn="ctr">
+            <a:lvl3pPr lvl="2" indent="0" algn="ctr">
               <a:spcBef>
                 <a:spcPts val="0"/>
               </a:spcBef>
@@ -4688,7 +5123,7 @@
               </a:buClr>
               <a:buFont typeface="PT Sans Narrow"/>
               <a:buNone/>
-              <a:defRPr b="1" sz="3600">
+              <a:defRPr sz="3600" b="1">
                 <a:solidFill>
                   <a:schemeClr val="accent1"/>
                 </a:solidFill>
@@ -4698,7 +5133,7 @@
                 <a:sym typeface="PT Sans Narrow"/>
               </a:defRPr>
             </a:lvl3pPr>
-            <a:lvl4pPr indent="0" lvl="3" algn="ctr">
+            <a:lvl4pPr lvl="3" indent="0" algn="ctr">
               <a:spcBef>
                 <a:spcPts val="0"/>
               </a:spcBef>
@@ -4707,7 +5142,7 @@
               </a:buClr>
               <a:buFont typeface="PT Sans Narrow"/>
               <a:buNone/>
-              <a:defRPr b="1" sz="3600">
+              <a:defRPr sz="3600" b="1">
                 <a:solidFill>
                   <a:schemeClr val="accent1"/>
                 </a:solidFill>
@@ -4717,7 +5152,7 @@
                 <a:sym typeface="PT Sans Narrow"/>
               </a:defRPr>
             </a:lvl4pPr>
-            <a:lvl5pPr indent="0" lvl="4" algn="ctr">
+            <a:lvl5pPr lvl="4" indent="0" algn="ctr">
               <a:spcBef>
                 <a:spcPts val="0"/>
               </a:spcBef>
@@ -4726,7 +5161,7 @@
               </a:buClr>
               <a:buFont typeface="PT Sans Narrow"/>
               <a:buNone/>
-              <a:defRPr b="1" sz="3600">
+              <a:defRPr sz="3600" b="1">
                 <a:solidFill>
                   <a:schemeClr val="accent1"/>
                 </a:solidFill>
@@ -4736,7 +5171,7 @@
                 <a:sym typeface="PT Sans Narrow"/>
               </a:defRPr>
             </a:lvl5pPr>
-            <a:lvl6pPr indent="0" lvl="5" algn="ctr">
+            <a:lvl6pPr lvl="5" indent="0" algn="ctr">
               <a:spcBef>
                 <a:spcPts val="0"/>
               </a:spcBef>
@@ -4745,7 +5180,7 @@
               </a:buClr>
               <a:buFont typeface="PT Sans Narrow"/>
               <a:buNone/>
-              <a:defRPr b="1" sz="3600">
+              <a:defRPr sz="3600" b="1">
                 <a:solidFill>
                   <a:schemeClr val="accent1"/>
                 </a:solidFill>
@@ -4755,7 +5190,7 @@
                 <a:sym typeface="PT Sans Narrow"/>
               </a:defRPr>
             </a:lvl6pPr>
-            <a:lvl7pPr indent="0" lvl="6" algn="ctr">
+            <a:lvl7pPr lvl="6" indent="0" algn="ctr">
               <a:spcBef>
                 <a:spcPts val="0"/>
               </a:spcBef>
@@ -4764,7 +5199,7 @@
               </a:buClr>
               <a:buFont typeface="PT Sans Narrow"/>
               <a:buNone/>
-              <a:defRPr b="1" sz="3600">
+              <a:defRPr sz="3600" b="1">
                 <a:solidFill>
                   <a:schemeClr val="accent1"/>
                 </a:solidFill>
@@ -4774,7 +5209,7 @@
                 <a:sym typeface="PT Sans Narrow"/>
               </a:defRPr>
             </a:lvl7pPr>
-            <a:lvl8pPr indent="0" lvl="7" algn="ctr">
+            <a:lvl8pPr lvl="7" indent="0" algn="ctr">
               <a:spcBef>
                 <a:spcPts val="0"/>
               </a:spcBef>
@@ -4783,7 +5218,7 @@
               </a:buClr>
               <a:buFont typeface="PT Sans Narrow"/>
               <a:buNone/>
-              <a:defRPr b="1" sz="3600">
+              <a:defRPr sz="3600" b="1">
                 <a:solidFill>
                   <a:schemeClr val="accent1"/>
                 </a:solidFill>
@@ -4793,7 +5228,7 @@
                 <a:sym typeface="PT Sans Narrow"/>
               </a:defRPr>
             </a:lvl8pPr>
-            <a:lvl9pPr indent="0" lvl="8" algn="ctr">
+            <a:lvl9pPr lvl="8" indent="0" algn="ctr">
               <a:spcBef>
                 <a:spcPts val="0"/>
               </a:spcBef>
@@ -4802,7 +5237,7 @@
               </a:buClr>
               <a:buFont typeface="PT Sans Narrow"/>
               <a:buNone/>
-              <a:defRPr b="1" sz="3600">
+              <a:defRPr sz="3600" b="1">
                 <a:solidFill>
                   <a:schemeClr val="accent1"/>
                 </a:solidFill>
@@ -4813,15 +5248,19 @@
               </a:defRPr>
             </a:lvl9pPr>
           </a:lstStyle>
-          <a:p/>
+          <a:p>
+            <a:endParaRPr/>
+          </a:p>
         </p:txBody>
       </p:sp>
       <p:sp>
         <p:nvSpPr>
           <p:cNvPr id="29" name="Shape 29"/>
-          <p:cNvSpPr txBox="1"/>
+          <p:cNvSpPr txBox="1">
+            <a:spLocks noGrp="1"/>
+          </p:cNvSpPr>
           <p:nvPr>
-            <p:ph idx="12" type="sldNum"/>
+            <p:ph type="sldNum" idx="12"/>
           </p:nvPr>
         </p:nvSpPr>
         <p:spPr>
@@ -4838,12 +5277,12 @@
           </a:ln>
         </p:spPr>
         <p:txBody>
-          <a:bodyPr anchorCtr="0" anchor="ctr" bIns="91425" lIns="91425" rIns="91425" tIns="91425">
+          <a:bodyPr lIns="91425" tIns="91425" rIns="91425" bIns="91425" anchor="ctr" anchorCtr="0">
             <a:noAutofit/>
           </a:bodyPr>
           <a:lstStyle/>
           <a:p>
-            <a:pPr indent="0" lvl="0" marL="0" marR="0" rtl="0" algn="l">
+            <a:pPr marL="0" marR="0" lvl="0" indent="0" algn="l" rtl="0">
               <a:lnSpc>
                 <a:spcPct val="100000"/>
               </a:lnSpc>
@@ -4861,7 +5300,7 @@
               <a:buNone/>
             </a:pPr>
             <a:fld id="{00000000-1234-1234-1234-123412341234}" type="slidenum">
-              <a:rPr b="0" i="0" lang="en-US" sz="1400" u="none" cap="none" strike="noStrike">
+              <a:rPr lang="en-US" sz="1400" b="0" i="0" u="none" strike="noStrike" cap="none">
                 <a:solidFill>
                   <a:schemeClr val="lt1"/>
                 </a:solidFill>
@@ -4872,6 +5311,15 @@
               </a:rPr>
               <a:t>‹#›</a:t>
             </a:fld>
+            <a:endParaRPr lang="en-US" sz="1400" b="0" i="0" u="none" strike="noStrike" cap="none">
+              <a:solidFill>
+                <a:schemeClr val="lt1"/>
+              </a:solidFill>
+              <a:latin typeface="Arial"/>
+              <a:ea typeface="Arial"/>
+              <a:cs typeface="Arial"/>
+              <a:sym typeface="Arial"/>
+            </a:endParaRPr>
           </a:p>
         </p:txBody>
       </p:sp>
@@ -4884,11 +5332,11 @@
 </file>
 
 <file path=ppt/slideLayouts/slideLayout4.xml><?xml version="1.0" encoding="utf-8"?>
-<p:sldLayout xmlns:a="http://schemas.openxmlformats.org/drawingml/2006/main" xmlns:r="http://schemas.openxmlformats.org/officeDocument/2006/relationships" xmlns:mc="http://schemas.openxmlformats.org/markup-compatibility/2006" xmlns:mv="urn:schemas-microsoft-com:mac:vml" xmlns:p="http://schemas.openxmlformats.org/presentationml/2006/main" xmlns:c="http://schemas.openxmlformats.org/drawingml/2006/chart" xmlns:dgm="http://schemas.openxmlformats.org/drawingml/2006/diagram" xmlns:o="urn:schemas-microsoft-com:office:office" xmlns:v="urn:schemas-microsoft-com:vml" xmlns:pvml="urn:schemas-microsoft-com:office:powerpoint" xmlns:com="http://schemas.openxmlformats.org/drawingml/2006/compatibility" xmlns:p14="http://schemas.microsoft.com/office/powerpoint/2010/main" type="twoColTx">
+<p:sldLayout xmlns:a="http://schemas.openxmlformats.org/drawingml/2006/main" xmlns:r="http://schemas.openxmlformats.org/officeDocument/2006/relationships" xmlns:p="http://schemas.openxmlformats.org/presentationml/2006/main" type="twoColTx">
   <p:cSld name="Title and two columns">
     <p:spTree>
       <p:nvGrpSpPr>
-        <p:cNvPr id="30" name="Shape 30"/>
+        <p:cNvPr id="1" name="Shape 30"/>
         <p:cNvGrpSpPr/>
         <p:nvPr/>
       </p:nvGrpSpPr>
@@ -4903,7 +5351,9 @@
       <p:sp>
         <p:nvSpPr>
           <p:cNvPr id="31" name="Shape 31"/>
-          <p:cNvSpPr txBox="1"/>
+          <p:cNvSpPr txBox="1">
+            <a:spLocks noGrp="1"/>
+          </p:cNvSpPr>
           <p:nvPr>
             <p:ph type="title"/>
           </p:nvPr>
@@ -4922,9 +5372,9 @@
           </a:ln>
         </p:spPr>
         <p:txBody>
-          <a:bodyPr anchorCtr="0" anchor="t" bIns="91425" lIns="91425" rIns="91425" tIns="91425"/>
+          <a:bodyPr lIns="91425" tIns="91425" rIns="91425" bIns="91425" anchor="t" anchorCtr="0"/>
           <a:lstStyle>
-            <a:lvl1pPr indent="0" lvl="0" marL="0" marR="0" rtl="0" algn="l">
+            <a:lvl1pPr marL="0" marR="0" lvl="0" indent="0" algn="l" rtl="0">
               <a:lnSpc>
                 <a:spcPct val="100000"/>
               </a:lnSpc>
@@ -4939,7 +5389,7 @@
               </a:buClr>
               <a:buFont typeface="PT Sans Narrow"/>
               <a:buNone/>
-              <a:defRPr b="1" i="0" sz="3600" u="none" cap="none" strike="noStrike">
+              <a:defRPr sz="3600" b="1" i="0" u="none" strike="noStrike" cap="none">
                 <a:solidFill>
                   <a:schemeClr val="accent1"/>
                 </a:solidFill>
@@ -4949,7 +5399,7 @@
                 <a:sym typeface="PT Sans Narrow"/>
               </a:defRPr>
             </a:lvl1pPr>
-            <a:lvl2pPr indent="0" lvl="1">
+            <a:lvl2pPr lvl="1" indent="0">
               <a:spcBef>
                 <a:spcPts val="0"/>
               </a:spcBef>
@@ -4958,7 +5408,7 @@
               </a:buClr>
               <a:buFont typeface="PT Sans Narrow"/>
               <a:buNone/>
-              <a:defRPr b="1" sz="3600">
+              <a:defRPr sz="3600" b="1">
                 <a:solidFill>
                   <a:schemeClr val="accent1"/>
                 </a:solidFill>
@@ -4968,7 +5418,7 @@
                 <a:sym typeface="PT Sans Narrow"/>
               </a:defRPr>
             </a:lvl2pPr>
-            <a:lvl3pPr indent="0" lvl="2">
+            <a:lvl3pPr lvl="2" indent="0">
               <a:spcBef>
                 <a:spcPts val="0"/>
               </a:spcBef>
@@ -4977,7 +5427,7 @@
               </a:buClr>
               <a:buFont typeface="PT Sans Narrow"/>
               <a:buNone/>
-              <a:defRPr b="1" sz="3600">
+              <a:defRPr sz="3600" b="1">
                 <a:solidFill>
                   <a:schemeClr val="accent1"/>
                 </a:solidFill>
@@ -4987,7 +5437,7 @@
                 <a:sym typeface="PT Sans Narrow"/>
               </a:defRPr>
             </a:lvl3pPr>
-            <a:lvl4pPr indent="0" lvl="3">
+            <a:lvl4pPr lvl="3" indent="0">
               <a:spcBef>
                 <a:spcPts val="0"/>
               </a:spcBef>
@@ -4996,7 +5446,7 @@
               </a:buClr>
               <a:buFont typeface="PT Sans Narrow"/>
               <a:buNone/>
-              <a:defRPr b="1" sz="3600">
+              <a:defRPr sz="3600" b="1">
                 <a:solidFill>
                   <a:schemeClr val="accent1"/>
                 </a:solidFill>
@@ -5006,7 +5456,7 @@
                 <a:sym typeface="PT Sans Narrow"/>
               </a:defRPr>
             </a:lvl4pPr>
-            <a:lvl5pPr indent="0" lvl="4">
+            <a:lvl5pPr lvl="4" indent="0">
               <a:spcBef>
                 <a:spcPts val="0"/>
               </a:spcBef>
@@ -5015,7 +5465,7 @@
               </a:buClr>
               <a:buFont typeface="PT Sans Narrow"/>
               <a:buNone/>
-              <a:defRPr b="1" sz="3600">
+              <a:defRPr sz="3600" b="1">
                 <a:solidFill>
                   <a:schemeClr val="accent1"/>
                 </a:solidFill>
@@ -5025,7 +5475,7 @@
                 <a:sym typeface="PT Sans Narrow"/>
               </a:defRPr>
             </a:lvl5pPr>
-            <a:lvl6pPr indent="0" lvl="5">
+            <a:lvl6pPr lvl="5" indent="0">
               <a:spcBef>
                 <a:spcPts val="0"/>
               </a:spcBef>
@@ -5034,7 +5484,7 @@
               </a:buClr>
               <a:buFont typeface="PT Sans Narrow"/>
               <a:buNone/>
-              <a:defRPr b="1" sz="3600">
+              <a:defRPr sz="3600" b="1">
                 <a:solidFill>
                   <a:schemeClr val="accent1"/>
                 </a:solidFill>
@@ -5044,7 +5494,7 @@
                 <a:sym typeface="PT Sans Narrow"/>
               </a:defRPr>
             </a:lvl6pPr>
-            <a:lvl7pPr indent="0" lvl="6">
+            <a:lvl7pPr lvl="6" indent="0">
               <a:spcBef>
                 <a:spcPts val="0"/>
               </a:spcBef>
@@ -5053,7 +5503,7 @@
               </a:buClr>
               <a:buFont typeface="PT Sans Narrow"/>
               <a:buNone/>
-              <a:defRPr b="1" sz="3600">
+              <a:defRPr sz="3600" b="1">
                 <a:solidFill>
                   <a:schemeClr val="accent1"/>
                 </a:solidFill>
@@ -5063,7 +5513,7 @@
                 <a:sym typeface="PT Sans Narrow"/>
               </a:defRPr>
             </a:lvl7pPr>
-            <a:lvl8pPr indent="0" lvl="7">
+            <a:lvl8pPr lvl="7" indent="0">
               <a:spcBef>
                 <a:spcPts val="0"/>
               </a:spcBef>
@@ -5072,7 +5522,7 @@
               </a:buClr>
               <a:buFont typeface="PT Sans Narrow"/>
               <a:buNone/>
-              <a:defRPr b="1" sz="3600">
+              <a:defRPr sz="3600" b="1">
                 <a:solidFill>
                   <a:schemeClr val="accent1"/>
                 </a:solidFill>
@@ -5082,7 +5532,7 @@
                 <a:sym typeface="PT Sans Narrow"/>
               </a:defRPr>
             </a:lvl8pPr>
-            <a:lvl9pPr indent="0" lvl="8">
+            <a:lvl9pPr lvl="8" indent="0">
               <a:spcBef>
                 <a:spcPts val="0"/>
               </a:spcBef>
@@ -5091,7 +5541,7 @@
               </a:buClr>
               <a:buFont typeface="PT Sans Narrow"/>
               <a:buNone/>
-              <a:defRPr b="1" sz="3600">
+              <a:defRPr sz="3600" b="1">
                 <a:solidFill>
                   <a:schemeClr val="accent1"/>
                 </a:solidFill>
@@ -5102,15 +5552,19 @@
               </a:defRPr>
             </a:lvl9pPr>
           </a:lstStyle>
-          <a:p/>
+          <a:p>
+            <a:endParaRPr/>
+          </a:p>
         </p:txBody>
       </p:sp>
       <p:sp>
         <p:nvSpPr>
           <p:cNvPr id="32" name="Shape 32"/>
-          <p:cNvSpPr txBox="1"/>
+          <p:cNvSpPr txBox="1">
+            <a:spLocks noGrp="1"/>
+          </p:cNvSpPr>
           <p:nvPr>
-            <p:ph idx="1" type="body"/>
+            <p:ph type="body" idx="1"/>
           </p:nvPr>
         </p:nvSpPr>
         <p:spPr>
@@ -5127,9 +5581,9 @@
           </a:ln>
         </p:spPr>
         <p:txBody>
-          <a:bodyPr anchorCtr="0" anchor="t" bIns="91425" lIns="91425" rIns="91425" tIns="91425"/>
+          <a:bodyPr lIns="91425" tIns="91425" rIns="91425" bIns="91425" anchor="t" anchorCtr="0"/>
           <a:lstStyle>
-            <a:lvl1pPr indent="0" lvl="0" marL="0" marR="0" rtl="0" algn="l">
+            <a:lvl1pPr marL="0" marR="0" lvl="0" indent="0" algn="l" rtl="0">
               <a:lnSpc>
                 <a:spcPct val="115000"/>
               </a:lnSpc>
@@ -5144,7 +5598,7 @@
               </a:buClr>
               <a:buFont typeface="Open Sans"/>
               <a:buNone/>
-              <a:defRPr b="0" i="0" sz="1400" u="none" cap="none" strike="noStrike">
+              <a:defRPr sz="1400" b="0" i="0" u="none" strike="noStrike" cap="none">
                 <a:solidFill>
                   <a:schemeClr val="dk2"/>
                 </a:solidFill>
@@ -5154,7 +5608,7 @@
                 <a:sym typeface="Open Sans"/>
               </a:defRPr>
             </a:lvl1pPr>
-            <a:lvl2pPr indent="0" lvl="1" marL="457200" marR="0" rtl="0" algn="l">
+            <a:lvl2pPr marL="457200" marR="0" lvl="1" indent="0" algn="l" rtl="0">
               <a:lnSpc>
                 <a:spcPct val="115000"/>
               </a:lnSpc>
@@ -5169,7 +5623,7 @@
               </a:buClr>
               <a:buFont typeface="Open Sans"/>
               <a:buNone/>
-              <a:defRPr b="0" i="0" sz="1200" u="none" cap="none" strike="noStrike">
+              <a:defRPr sz="1200" b="0" i="0" u="none" strike="noStrike" cap="none">
                 <a:solidFill>
                   <a:schemeClr val="dk2"/>
                 </a:solidFill>
@@ -5179,7 +5633,7 @@
                 <a:sym typeface="Open Sans"/>
               </a:defRPr>
             </a:lvl2pPr>
-            <a:lvl3pPr indent="0" lvl="2" marL="914400" marR="0" rtl="0" algn="l">
+            <a:lvl3pPr marL="914400" marR="0" lvl="2" indent="0" algn="l" rtl="0">
               <a:lnSpc>
                 <a:spcPct val="115000"/>
               </a:lnSpc>
@@ -5194,7 +5648,7 @@
               </a:buClr>
               <a:buFont typeface="Open Sans"/>
               <a:buNone/>
-              <a:defRPr b="0" i="0" sz="1200" u="none" cap="none" strike="noStrike">
+              <a:defRPr sz="1200" b="0" i="0" u="none" strike="noStrike" cap="none">
                 <a:solidFill>
                   <a:schemeClr val="dk2"/>
                 </a:solidFill>
@@ -5204,7 +5658,7 @@
                 <a:sym typeface="Open Sans"/>
               </a:defRPr>
             </a:lvl3pPr>
-            <a:lvl4pPr indent="0" lvl="3" marL="1371600" marR="0" rtl="0" algn="l">
+            <a:lvl4pPr marL="1371600" marR="0" lvl="3" indent="0" algn="l" rtl="0">
               <a:lnSpc>
                 <a:spcPct val="115000"/>
               </a:lnSpc>
@@ -5219,7 +5673,7 @@
               </a:buClr>
               <a:buFont typeface="Open Sans"/>
               <a:buNone/>
-              <a:defRPr b="0" i="0" sz="1200" u="none" cap="none" strike="noStrike">
+              <a:defRPr sz="1200" b="0" i="0" u="none" strike="noStrike" cap="none">
                 <a:solidFill>
                   <a:schemeClr val="dk2"/>
                 </a:solidFill>
@@ -5229,7 +5683,7 @@
                 <a:sym typeface="Open Sans"/>
               </a:defRPr>
             </a:lvl4pPr>
-            <a:lvl5pPr indent="0" lvl="4" marL="1828800" marR="0" rtl="0" algn="l">
+            <a:lvl5pPr marL="1828800" marR="0" lvl="4" indent="0" algn="l" rtl="0">
               <a:lnSpc>
                 <a:spcPct val="115000"/>
               </a:lnSpc>
@@ -5244,7 +5698,7 @@
               </a:buClr>
               <a:buFont typeface="Open Sans"/>
               <a:buNone/>
-              <a:defRPr b="0" i="0" sz="1200" u="none" cap="none" strike="noStrike">
+              <a:defRPr sz="1200" b="0" i="0" u="none" strike="noStrike" cap="none">
                 <a:solidFill>
                   <a:schemeClr val="dk2"/>
                 </a:solidFill>
@@ -5254,7 +5708,7 @@
                 <a:sym typeface="Open Sans"/>
               </a:defRPr>
             </a:lvl5pPr>
-            <a:lvl6pPr indent="0" lvl="5" marL="2286000" marR="0" rtl="0" algn="l">
+            <a:lvl6pPr marL="2286000" marR="0" lvl="5" indent="0" algn="l" rtl="0">
               <a:lnSpc>
                 <a:spcPct val="115000"/>
               </a:lnSpc>
@@ -5269,7 +5723,7 @@
               </a:buClr>
               <a:buFont typeface="Open Sans"/>
               <a:buNone/>
-              <a:defRPr b="0" i="0" sz="1200" u="none" cap="none" strike="noStrike">
+              <a:defRPr sz="1200" b="0" i="0" u="none" strike="noStrike" cap="none">
                 <a:solidFill>
                   <a:schemeClr val="dk2"/>
                 </a:solidFill>
@@ -5279,7 +5733,7 @@
                 <a:sym typeface="Open Sans"/>
               </a:defRPr>
             </a:lvl6pPr>
-            <a:lvl7pPr indent="0" lvl="6" marL="2743200" marR="0" rtl="0" algn="l">
+            <a:lvl7pPr marL="2743200" marR="0" lvl="6" indent="0" algn="l" rtl="0">
               <a:lnSpc>
                 <a:spcPct val="115000"/>
               </a:lnSpc>
@@ -5294,7 +5748,7 @@
               </a:buClr>
               <a:buFont typeface="Open Sans"/>
               <a:buNone/>
-              <a:defRPr b="0" i="0" sz="1200" u="none" cap="none" strike="noStrike">
+              <a:defRPr sz="1200" b="0" i="0" u="none" strike="noStrike" cap="none">
                 <a:solidFill>
                   <a:schemeClr val="dk2"/>
                 </a:solidFill>
@@ -5304,7 +5758,7 @@
                 <a:sym typeface="Open Sans"/>
               </a:defRPr>
             </a:lvl7pPr>
-            <a:lvl8pPr indent="0" lvl="7" marL="3200400" marR="0" rtl="0" algn="l">
+            <a:lvl8pPr marL="3200400" marR="0" lvl="7" indent="0" algn="l" rtl="0">
               <a:lnSpc>
                 <a:spcPct val="115000"/>
               </a:lnSpc>
@@ -5319,7 +5773,7 @@
               </a:buClr>
               <a:buFont typeface="Open Sans"/>
               <a:buNone/>
-              <a:defRPr b="0" i="0" sz="1200" u="none" cap="none" strike="noStrike">
+              <a:defRPr sz="1200" b="0" i="0" u="none" strike="noStrike" cap="none">
                 <a:solidFill>
                   <a:schemeClr val="dk2"/>
                 </a:solidFill>
@@ -5329,7 +5783,7 @@
                 <a:sym typeface="Open Sans"/>
               </a:defRPr>
             </a:lvl8pPr>
-            <a:lvl9pPr indent="0" lvl="8" marL="3657600" marR="0" rtl="0" algn="l">
+            <a:lvl9pPr marL="3657600" marR="0" lvl="8" indent="0" algn="l" rtl="0">
               <a:lnSpc>
                 <a:spcPct val="115000"/>
               </a:lnSpc>
@@ -5344,7 +5798,7 @@
               </a:buClr>
               <a:buFont typeface="Open Sans"/>
               <a:buNone/>
-              <a:defRPr b="0" i="0" sz="1200" u="none" cap="none" strike="noStrike">
+              <a:defRPr sz="1200" b="0" i="0" u="none" strike="noStrike" cap="none">
                 <a:solidFill>
                   <a:schemeClr val="dk2"/>
                 </a:solidFill>
@@ -5355,15 +5809,19 @@
               </a:defRPr>
             </a:lvl9pPr>
           </a:lstStyle>
-          <a:p/>
+          <a:p>
+            <a:endParaRPr/>
+          </a:p>
         </p:txBody>
       </p:sp>
       <p:sp>
         <p:nvSpPr>
           <p:cNvPr id="33" name="Shape 33"/>
-          <p:cNvSpPr txBox="1"/>
+          <p:cNvSpPr txBox="1">
+            <a:spLocks noGrp="1"/>
+          </p:cNvSpPr>
           <p:nvPr>
-            <p:ph idx="2" type="body"/>
+            <p:ph type="body" idx="2"/>
           </p:nvPr>
         </p:nvSpPr>
         <p:spPr>
@@ -5380,9 +5838,9 @@
           </a:ln>
         </p:spPr>
         <p:txBody>
-          <a:bodyPr anchorCtr="0" anchor="t" bIns="91425" lIns="91425" rIns="91425" tIns="91425"/>
+          <a:bodyPr lIns="91425" tIns="91425" rIns="91425" bIns="91425" anchor="t" anchorCtr="0"/>
           <a:lstStyle>
-            <a:lvl1pPr indent="0" lvl="0" marL="0" marR="0" rtl="0" algn="l">
+            <a:lvl1pPr marL="0" marR="0" lvl="0" indent="0" algn="l" rtl="0">
               <a:lnSpc>
                 <a:spcPct val="115000"/>
               </a:lnSpc>
@@ -5397,7 +5855,7 @@
               </a:buClr>
               <a:buFont typeface="Open Sans"/>
               <a:buNone/>
-              <a:defRPr b="0" i="0" sz="1400" u="none" cap="none" strike="noStrike">
+              <a:defRPr sz="1400" b="0" i="0" u="none" strike="noStrike" cap="none">
                 <a:solidFill>
                   <a:schemeClr val="dk2"/>
                 </a:solidFill>
@@ -5407,7 +5865,7 @@
                 <a:sym typeface="Open Sans"/>
               </a:defRPr>
             </a:lvl1pPr>
-            <a:lvl2pPr indent="0" lvl="1" marL="457200" marR="0" rtl="0" algn="l">
+            <a:lvl2pPr marL="457200" marR="0" lvl="1" indent="0" algn="l" rtl="0">
               <a:lnSpc>
                 <a:spcPct val="115000"/>
               </a:lnSpc>
@@ -5422,7 +5880,7 @@
               </a:buClr>
               <a:buFont typeface="Open Sans"/>
               <a:buNone/>
-              <a:defRPr b="0" i="0" sz="1200" u="none" cap="none" strike="noStrike">
+              <a:defRPr sz="1200" b="0" i="0" u="none" strike="noStrike" cap="none">
                 <a:solidFill>
                   <a:schemeClr val="dk2"/>
                 </a:solidFill>
@@ -5432,7 +5890,7 @@
                 <a:sym typeface="Open Sans"/>
               </a:defRPr>
             </a:lvl2pPr>
-            <a:lvl3pPr indent="0" lvl="2" marL="914400" marR="0" rtl="0" algn="l">
+            <a:lvl3pPr marL="914400" marR="0" lvl="2" indent="0" algn="l" rtl="0">
               <a:lnSpc>
                 <a:spcPct val="115000"/>
               </a:lnSpc>
@@ -5447,7 +5905,7 @@
               </a:buClr>
               <a:buFont typeface="Open Sans"/>
               <a:buNone/>
-              <a:defRPr b="0" i="0" sz="1200" u="none" cap="none" strike="noStrike">
+              <a:defRPr sz="1200" b="0" i="0" u="none" strike="noStrike" cap="none">
                 <a:solidFill>
                   <a:schemeClr val="dk2"/>
                 </a:solidFill>
@@ -5457,7 +5915,7 @@
                 <a:sym typeface="Open Sans"/>
               </a:defRPr>
             </a:lvl3pPr>
-            <a:lvl4pPr indent="0" lvl="3" marL="1371600" marR="0" rtl="0" algn="l">
+            <a:lvl4pPr marL="1371600" marR="0" lvl="3" indent="0" algn="l" rtl="0">
               <a:lnSpc>
                 <a:spcPct val="115000"/>
               </a:lnSpc>
@@ -5472,7 +5930,7 @@
               </a:buClr>
               <a:buFont typeface="Open Sans"/>
               <a:buNone/>
-              <a:defRPr b="0" i="0" sz="1200" u="none" cap="none" strike="noStrike">
+              <a:defRPr sz="1200" b="0" i="0" u="none" strike="noStrike" cap="none">
                 <a:solidFill>
                   <a:schemeClr val="dk2"/>
                 </a:solidFill>
@@ -5482,7 +5940,7 @@
                 <a:sym typeface="Open Sans"/>
               </a:defRPr>
             </a:lvl4pPr>
-            <a:lvl5pPr indent="0" lvl="4" marL="1828800" marR="0" rtl="0" algn="l">
+            <a:lvl5pPr marL="1828800" marR="0" lvl="4" indent="0" algn="l" rtl="0">
               <a:lnSpc>
                 <a:spcPct val="115000"/>
               </a:lnSpc>
@@ -5497,7 +5955,7 @@
               </a:buClr>
               <a:buFont typeface="Open Sans"/>
               <a:buNone/>
-              <a:defRPr b="0" i="0" sz="1200" u="none" cap="none" strike="noStrike">
+              <a:defRPr sz="1200" b="0" i="0" u="none" strike="noStrike" cap="none">
                 <a:solidFill>
                   <a:schemeClr val="dk2"/>
                 </a:solidFill>
@@ -5507,7 +5965,7 @@
                 <a:sym typeface="Open Sans"/>
               </a:defRPr>
             </a:lvl5pPr>
-            <a:lvl6pPr indent="0" lvl="5" marL="2286000" marR="0" rtl="0" algn="l">
+            <a:lvl6pPr marL="2286000" marR="0" lvl="5" indent="0" algn="l" rtl="0">
               <a:lnSpc>
                 <a:spcPct val="115000"/>
               </a:lnSpc>
@@ -5522,7 +5980,7 @@
               </a:buClr>
               <a:buFont typeface="Open Sans"/>
               <a:buNone/>
-              <a:defRPr b="0" i="0" sz="1200" u="none" cap="none" strike="noStrike">
+              <a:defRPr sz="1200" b="0" i="0" u="none" strike="noStrike" cap="none">
                 <a:solidFill>
                   <a:schemeClr val="dk2"/>
                 </a:solidFill>
@@ -5532,7 +5990,7 @@
                 <a:sym typeface="Open Sans"/>
               </a:defRPr>
             </a:lvl6pPr>
-            <a:lvl7pPr indent="0" lvl="6" marL="2743200" marR="0" rtl="0" algn="l">
+            <a:lvl7pPr marL="2743200" marR="0" lvl="6" indent="0" algn="l" rtl="0">
               <a:lnSpc>
                 <a:spcPct val="115000"/>
               </a:lnSpc>
@@ -5547,7 +6005,7 @@
               </a:buClr>
               <a:buFont typeface="Open Sans"/>
               <a:buNone/>
-              <a:defRPr b="0" i="0" sz="1200" u="none" cap="none" strike="noStrike">
+              <a:defRPr sz="1200" b="0" i="0" u="none" strike="noStrike" cap="none">
                 <a:solidFill>
                   <a:schemeClr val="dk2"/>
                 </a:solidFill>
@@ -5557,7 +6015,7 @@
                 <a:sym typeface="Open Sans"/>
               </a:defRPr>
             </a:lvl7pPr>
-            <a:lvl8pPr indent="0" lvl="7" marL="3200400" marR="0" rtl="0" algn="l">
+            <a:lvl8pPr marL="3200400" marR="0" lvl="7" indent="0" algn="l" rtl="0">
               <a:lnSpc>
                 <a:spcPct val="115000"/>
               </a:lnSpc>
@@ -5572,7 +6030,7 @@
               </a:buClr>
               <a:buFont typeface="Open Sans"/>
               <a:buNone/>
-              <a:defRPr b="0" i="0" sz="1200" u="none" cap="none" strike="noStrike">
+              <a:defRPr sz="1200" b="0" i="0" u="none" strike="noStrike" cap="none">
                 <a:solidFill>
                   <a:schemeClr val="dk2"/>
                 </a:solidFill>
@@ -5582,7 +6040,7 @@
                 <a:sym typeface="Open Sans"/>
               </a:defRPr>
             </a:lvl8pPr>
-            <a:lvl9pPr indent="0" lvl="8" marL="3657600" marR="0" rtl="0" algn="l">
+            <a:lvl9pPr marL="3657600" marR="0" lvl="8" indent="0" algn="l" rtl="0">
               <a:lnSpc>
                 <a:spcPct val="115000"/>
               </a:lnSpc>
@@ -5597,7 +6055,7 @@
               </a:buClr>
               <a:buFont typeface="Open Sans"/>
               <a:buNone/>
-              <a:defRPr b="0" i="0" sz="1200" u="none" cap="none" strike="noStrike">
+              <a:defRPr sz="1200" b="0" i="0" u="none" strike="noStrike" cap="none">
                 <a:solidFill>
                   <a:schemeClr val="dk2"/>
                 </a:solidFill>
@@ -5608,15 +6066,19 @@
               </a:defRPr>
             </a:lvl9pPr>
           </a:lstStyle>
-          <a:p/>
+          <a:p>
+            <a:endParaRPr/>
+          </a:p>
         </p:txBody>
       </p:sp>
       <p:sp>
         <p:nvSpPr>
           <p:cNvPr id="34" name="Shape 34"/>
-          <p:cNvSpPr txBox="1"/>
+          <p:cNvSpPr txBox="1">
+            <a:spLocks noGrp="1"/>
+          </p:cNvSpPr>
           <p:nvPr>
-            <p:ph idx="12" type="sldNum"/>
+            <p:ph type="sldNum" idx="12"/>
           </p:nvPr>
         </p:nvSpPr>
         <p:spPr>
@@ -5633,12 +6095,12 @@
           </a:ln>
         </p:spPr>
         <p:txBody>
-          <a:bodyPr anchorCtr="0" anchor="ctr" bIns="91425" lIns="91425" rIns="91425" tIns="91425">
+          <a:bodyPr lIns="91425" tIns="91425" rIns="91425" bIns="91425" anchor="ctr" anchorCtr="0">
             <a:noAutofit/>
           </a:bodyPr>
           <a:lstStyle/>
           <a:p>
-            <a:pPr indent="0" lvl="0" marL="0" marR="0" rtl="0" algn="l">
+            <a:pPr marL="0" marR="0" lvl="0" indent="0" algn="l" rtl="0">
               <a:lnSpc>
                 <a:spcPct val="100000"/>
               </a:lnSpc>
@@ -5656,7 +6118,7 @@
               <a:buNone/>
             </a:pPr>
             <a:fld id="{00000000-1234-1234-1234-123412341234}" type="slidenum">
-              <a:rPr b="0" i="0" lang="en-US" sz="1400" u="none" cap="none" strike="noStrike">
+              <a:rPr lang="en-US" sz="1400" b="0" i="0" u="none" strike="noStrike" cap="none">
                 <a:solidFill>
                   <a:srgbClr val="000000"/>
                 </a:solidFill>
@@ -5667,6 +6129,15 @@
               </a:rPr>
               <a:t>‹#›</a:t>
             </a:fld>
+            <a:endParaRPr lang="en-US" sz="1400" b="0" i="0" u="none" strike="noStrike" cap="none">
+              <a:solidFill>
+                <a:srgbClr val="000000"/>
+              </a:solidFill>
+              <a:latin typeface="Arial"/>
+              <a:ea typeface="Arial"/>
+              <a:cs typeface="Arial"/>
+              <a:sym typeface="Arial"/>
+            </a:endParaRPr>
           </a:p>
         </p:txBody>
       </p:sp>
@@ -5679,11 +6150,11 @@
 </file>
 
 <file path=ppt/slideLayouts/slideLayout5.xml><?xml version="1.0" encoding="utf-8"?>
-<p:sldLayout xmlns:a="http://schemas.openxmlformats.org/drawingml/2006/main" xmlns:r="http://schemas.openxmlformats.org/officeDocument/2006/relationships" xmlns:mc="http://schemas.openxmlformats.org/markup-compatibility/2006" xmlns:mv="urn:schemas-microsoft-com:mac:vml" xmlns:p="http://schemas.openxmlformats.org/presentationml/2006/main" xmlns:c="http://schemas.openxmlformats.org/drawingml/2006/chart" xmlns:dgm="http://schemas.openxmlformats.org/drawingml/2006/diagram" xmlns:o="urn:schemas-microsoft-com:office:office" xmlns:v="urn:schemas-microsoft-com:vml" xmlns:pvml="urn:schemas-microsoft-com:office:powerpoint" xmlns:com="http://schemas.openxmlformats.org/drawingml/2006/compatibility" xmlns:p14="http://schemas.microsoft.com/office/powerpoint/2010/main" type="titleOnly">
+<p:sldLayout xmlns:a="http://schemas.openxmlformats.org/drawingml/2006/main" xmlns:r="http://schemas.openxmlformats.org/officeDocument/2006/relationships" xmlns:p="http://schemas.openxmlformats.org/presentationml/2006/main" type="titleOnly">
   <p:cSld name="Title only">
     <p:spTree>
       <p:nvGrpSpPr>
-        <p:cNvPr id="35" name="Shape 35"/>
+        <p:cNvPr id="1" name="Shape 35"/>
         <p:cNvGrpSpPr/>
         <p:nvPr/>
       </p:nvGrpSpPr>
@@ -5698,7 +6169,9 @@
       <p:sp>
         <p:nvSpPr>
           <p:cNvPr id="36" name="Shape 36"/>
-          <p:cNvSpPr txBox="1"/>
+          <p:cNvSpPr txBox="1">
+            <a:spLocks noGrp="1"/>
+          </p:cNvSpPr>
           <p:nvPr>
             <p:ph type="title"/>
           </p:nvPr>
@@ -5717,9 +6190,9 @@
           </a:ln>
         </p:spPr>
         <p:txBody>
-          <a:bodyPr anchorCtr="0" anchor="t" bIns="91425" lIns="91425" rIns="91425" tIns="91425"/>
+          <a:bodyPr lIns="91425" tIns="91425" rIns="91425" bIns="91425" anchor="t" anchorCtr="0"/>
           <a:lstStyle>
-            <a:lvl1pPr indent="0" lvl="0" marL="0" marR="0" rtl="0" algn="l">
+            <a:lvl1pPr marL="0" marR="0" lvl="0" indent="0" algn="l" rtl="0">
               <a:lnSpc>
                 <a:spcPct val="100000"/>
               </a:lnSpc>
@@ -5734,7 +6207,7 @@
               </a:buClr>
               <a:buFont typeface="PT Sans Narrow"/>
               <a:buNone/>
-              <a:defRPr b="1" i="0" sz="3600" u="none" cap="none" strike="noStrike">
+              <a:defRPr sz="3600" b="1" i="0" u="none" strike="noStrike" cap="none">
                 <a:solidFill>
                   <a:schemeClr val="accent1"/>
                 </a:solidFill>
@@ -5744,7 +6217,7 @@
                 <a:sym typeface="PT Sans Narrow"/>
               </a:defRPr>
             </a:lvl1pPr>
-            <a:lvl2pPr indent="0" lvl="1">
+            <a:lvl2pPr lvl="1" indent="0">
               <a:spcBef>
                 <a:spcPts val="0"/>
               </a:spcBef>
@@ -5753,7 +6226,7 @@
               </a:buClr>
               <a:buFont typeface="PT Sans Narrow"/>
               <a:buNone/>
-              <a:defRPr b="1" sz="3600">
+              <a:defRPr sz="3600" b="1">
                 <a:solidFill>
                   <a:schemeClr val="accent1"/>
                 </a:solidFill>
@@ -5763,7 +6236,7 @@
                 <a:sym typeface="PT Sans Narrow"/>
               </a:defRPr>
             </a:lvl2pPr>
-            <a:lvl3pPr indent="0" lvl="2">
+            <a:lvl3pPr lvl="2" indent="0">
               <a:spcBef>
                 <a:spcPts val="0"/>
               </a:spcBef>
@@ -5772,7 +6245,7 @@
               </a:buClr>
               <a:buFont typeface="PT Sans Narrow"/>
               <a:buNone/>
-              <a:defRPr b="1" sz="3600">
+              <a:defRPr sz="3600" b="1">
                 <a:solidFill>
                   <a:schemeClr val="accent1"/>
                 </a:solidFill>
@@ -5782,7 +6255,7 @@
                 <a:sym typeface="PT Sans Narrow"/>
               </a:defRPr>
             </a:lvl3pPr>
-            <a:lvl4pPr indent="0" lvl="3">
+            <a:lvl4pPr lvl="3" indent="0">
               <a:spcBef>
                 <a:spcPts val="0"/>
               </a:spcBef>
@@ -5791,7 +6264,7 @@
               </a:buClr>
               <a:buFont typeface="PT Sans Narrow"/>
               <a:buNone/>
-              <a:defRPr b="1" sz="3600">
+              <a:defRPr sz="3600" b="1">
                 <a:solidFill>
                   <a:schemeClr val="accent1"/>
                 </a:solidFill>
@@ -5801,7 +6274,7 @@
                 <a:sym typeface="PT Sans Narrow"/>
               </a:defRPr>
             </a:lvl4pPr>
-            <a:lvl5pPr indent="0" lvl="4">
+            <a:lvl5pPr lvl="4" indent="0">
               <a:spcBef>
                 <a:spcPts val="0"/>
               </a:spcBef>
@@ -5810,7 +6283,7 @@
               </a:buClr>
               <a:buFont typeface="PT Sans Narrow"/>
               <a:buNone/>
-              <a:defRPr b="1" sz="3600">
+              <a:defRPr sz="3600" b="1">
                 <a:solidFill>
                   <a:schemeClr val="accent1"/>
                 </a:solidFill>
@@ -5820,7 +6293,7 @@
                 <a:sym typeface="PT Sans Narrow"/>
               </a:defRPr>
             </a:lvl5pPr>
-            <a:lvl6pPr indent="0" lvl="5">
+            <a:lvl6pPr lvl="5" indent="0">
               <a:spcBef>
                 <a:spcPts val="0"/>
               </a:spcBef>
@@ -5829,7 +6302,7 @@
               </a:buClr>
               <a:buFont typeface="PT Sans Narrow"/>
               <a:buNone/>
-              <a:defRPr b="1" sz="3600">
+              <a:defRPr sz="3600" b="1">
                 <a:solidFill>
                   <a:schemeClr val="accent1"/>
                 </a:solidFill>
@@ -5839,7 +6312,7 @@
                 <a:sym typeface="PT Sans Narrow"/>
               </a:defRPr>
             </a:lvl6pPr>
-            <a:lvl7pPr indent="0" lvl="6">
+            <a:lvl7pPr lvl="6" indent="0">
               <a:spcBef>
                 <a:spcPts val="0"/>
               </a:spcBef>
@@ -5848,7 +6321,7 @@
               </a:buClr>
               <a:buFont typeface="PT Sans Narrow"/>
               <a:buNone/>
-              <a:defRPr b="1" sz="3600">
+              <a:defRPr sz="3600" b="1">
                 <a:solidFill>
                   <a:schemeClr val="accent1"/>
                 </a:solidFill>
@@ -5858,7 +6331,7 @@
                 <a:sym typeface="PT Sans Narrow"/>
               </a:defRPr>
             </a:lvl7pPr>
-            <a:lvl8pPr indent="0" lvl="7">
+            <a:lvl8pPr lvl="7" indent="0">
               <a:spcBef>
                 <a:spcPts val="0"/>
               </a:spcBef>
@@ -5867,7 +6340,7 @@
               </a:buClr>
               <a:buFont typeface="PT Sans Narrow"/>
               <a:buNone/>
-              <a:defRPr b="1" sz="3600">
+              <a:defRPr sz="3600" b="1">
                 <a:solidFill>
                   <a:schemeClr val="accent1"/>
                 </a:solidFill>
@@ -5877,7 +6350,7 @@
                 <a:sym typeface="PT Sans Narrow"/>
               </a:defRPr>
             </a:lvl8pPr>
-            <a:lvl9pPr indent="0" lvl="8">
+            <a:lvl9pPr lvl="8" indent="0">
               <a:spcBef>
                 <a:spcPts val="0"/>
               </a:spcBef>
@@ -5886,7 +6359,7 @@
               </a:buClr>
               <a:buFont typeface="PT Sans Narrow"/>
               <a:buNone/>
-              <a:defRPr b="1" sz="3600">
+              <a:defRPr sz="3600" b="1">
                 <a:solidFill>
                   <a:schemeClr val="accent1"/>
                 </a:solidFill>
@@ -5897,15 +6370,19 @@
               </a:defRPr>
             </a:lvl9pPr>
           </a:lstStyle>
-          <a:p/>
+          <a:p>
+            <a:endParaRPr/>
+          </a:p>
         </p:txBody>
       </p:sp>
       <p:sp>
         <p:nvSpPr>
           <p:cNvPr id="37" name="Shape 37"/>
-          <p:cNvSpPr txBox="1"/>
+          <p:cNvSpPr txBox="1">
+            <a:spLocks noGrp="1"/>
+          </p:cNvSpPr>
           <p:nvPr>
-            <p:ph idx="12" type="sldNum"/>
+            <p:ph type="sldNum" idx="12"/>
           </p:nvPr>
         </p:nvSpPr>
         <p:spPr>
@@ -5922,12 +6399,12 @@
           </a:ln>
         </p:spPr>
         <p:txBody>
-          <a:bodyPr anchorCtr="0" anchor="ctr" bIns="91425" lIns="91425" rIns="91425" tIns="91425">
+          <a:bodyPr lIns="91425" tIns="91425" rIns="91425" bIns="91425" anchor="ctr" anchorCtr="0">
             <a:noAutofit/>
           </a:bodyPr>
           <a:lstStyle/>
           <a:p>
-            <a:pPr indent="0" lvl="0" marL="0" marR="0" rtl="0" algn="l">
+            <a:pPr marL="0" marR="0" lvl="0" indent="0" algn="l" rtl="0">
               <a:lnSpc>
                 <a:spcPct val="100000"/>
               </a:lnSpc>
@@ -5945,7 +6422,7 @@
               <a:buNone/>
             </a:pPr>
             <a:fld id="{00000000-1234-1234-1234-123412341234}" type="slidenum">
-              <a:rPr b="0" i="0" lang="en-US" sz="1400" u="none" cap="none" strike="noStrike">
+              <a:rPr lang="en-US" sz="1400" b="0" i="0" u="none" strike="noStrike" cap="none">
                 <a:solidFill>
                   <a:srgbClr val="000000"/>
                 </a:solidFill>
@@ -5956,6 +6433,15 @@
               </a:rPr>
               <a:t>‹#›</a:t>
             </a:fld>
+            <a:endParaRPr lang="en-US" sz="1400" b="0" i="0" u="none" strike="noStrike" cap="none">
+              <a:solidFill>
+                <a:srgbClr val="000000"/>
+              </a:solidFill>
+              <a:latin typeface="Arial"/>
+              <a:ea typeface="Arial"/>
+              <a:cs typeface="Arial"/>
+              <a:sym typeface="Arial"/>
+            </a:endParaRPr>
           </a:p>
         </p:txBody>
       </p:sp>
@@ -5968,11 +6454,11 @@
 </file>
 
 <file path=ppt/slideLayouts/slideLayout6.xml><?xml version="1.0" encoding="utf-8"?>
-<p:sldLayout xmlns:a="http://schemas.openxmlformats.org/drawingml/2006/main" xmlns:r="http://schemas.openxmlformats.org/officeDocument/2006/relationships" xmlns:mc="http://schemas.openxmlformats.org/markup-compatibility/2006" xmlns:mv="urn:schemas-microsoft-com:mac:vml" xmlns:p="http://schemas.openxmlformats.org/presentationml/2006/main" xmlns:c="http://schemas.openxmlformats.org/drawingml/2006/chart" xmlns:dgm="http://schemas.openxmlformats.org/drawingml/2006/diagram" xmlns:o="urn:schemas-microsoft-com:office:office" xmlns:v="urn:schemas-microsoft-com:vml" xmlns:pvml="urn:schemas-microsoft-com:office:powerpoint" xmlns:com="http://schemas.openxmlformats.org/drawingml/2006/compatibility" xmlns:p14="http://schemas.microsoft.com/office/powerpoint/2010/main">
+<p:sldLayout xmlns:a="http://schemas.openxmlformats.org/drawingml/2006/main" xmlns:r="http://schemas.openxmlformats.org/officeDocument/2006/relationships" xmlns:p="http://schemas.openxmlformats.org/presentationml/2006/main">
   <p:cSld name="One column text">
     <p:spTree>
       <p:nvGrpSpPr>
-        <p:cNvPr id="38" name="Shape 38"/>
+        <p:cNvPr id="1" name="Shape 38"/>
         <p:cNvGrpSpPr/>
         <p:nvPr/>
       </p:nvGrpSpPr>
@@ -5987,7 +6473,9 @@
       <p:sp>
         <p:nvSpPr>
           <p:cNvPr id="39" name="Shape 39"/>
-          <p:cNvSpPr txBox="1"/>
+          <p:cNvSpPr txBox="1">
+            <a:spLocks noGrp="1"/>
+          </p:cNvSpPr>
           <p:nvPr>
             <p:ph type="title"/>
           </p:nvPr>
@@ -6006,9 +6494,9 @@
           </a:ln>
         </p:spPr>
         <p:txBody>
-          <a:bodyPr anchorCtr="0" anchor="b" bIns="91425" lIns="91425" rIns="91425" tIns="91425"/>
+          <a:bodyPr lIns="91425" tIns="91425" rIns="91425" bIns="91425" anchor="b" anchorCtr="0"/>
           <a:lstStyle>
-            <a:lvl1pPr indent="0" lvl="0" marL="0" marR="0" rtl="0" algn="l">
+            <a:lvl1pPr marL="0" marR="0" lvl="0" indent="0" algn="l" rtl="0">
               <a:lnSpc>
                 <a:spcPct val="100000"/>
               </a:lnSpc>
@@ -6023,7 +6511,7 @@
               </a:buClr>
               <a:buFont typeface="PT Sans Narrow"/>
               <a:buNone/>
-              <a:defRPr b="1" i="0" sz="2400" u="none" cap="none" strike="noStrike">
+              <a:defRPr sz="2400" b="1" i="0" u="none" strike="noStrike" cap="none">
                 <a:solidFill>
                   <a:schemeClr val="accent1"/>
                 </a:solidFill>
@@ -6033,7 +6521,7 @@
                 <a:sym typeface="PT Sans Narrow"/>
               </a:defRPr>
             </a:lvl1pPr>
-            <a:lvl2pPr indent="0" lvl="1">
+            <a:lvl2pPr lvl="1" indent="0">
               <a:spcBef>
                 <a:spcPts val="0"/>
               </a:spcBef>
@@ -6042,7 +6530,7 @@
               </a:buClr>
               <a:buFont typeface="PT Sans Narrow"/>
               <a:buNone/>
-              <a:defRPr b="1" sz="2400">
+              <a:defRPr sz="2400" b="1">
                 <a:solidFill>
                   <a:schemeClr val="accent1"/>
                 </a:solidFill>
@@ -6052,7 +6540,7 @@
                 <a:sym typeface="PT Sans Narrow"/>
               </a:defRPr>
             </a:lvl2pPr>
-            <a:lvl3pPr indent="0" lvl="2">
+            <a:lvl3pPr lvl="2" indent="0">
               <a:spcBef>
                 <a:spcPts val="0"/>
               </a:spcBef>
@@ -6061,7 +6549,7 @@
               </a:buClr>
               <a:buFont typeface="PT Sans Narrow"/>
               <a:buNone/>
-              <a:defRPr b="1" sz="2400">
+              <a:defRPr sz="2400" b="1">
                 <a:solidFill>
                   <a:schemeClr val="accent1"/>
                 </a:solidFill>
@@ -6071,7 +6559,7 @@
                 <a:sym typeface="PT Sans Narrow"/>
               </a:defRPr>
             </a:lvl3pPr>
-            <a:lvl4pPr indent="0" lvl="3">
+            <a:lvl4pPr lvl="3" indent="0">
               <a:spcBef>
                 <a:spcPts val="0"/>
               </a:spcBef>
@@ -6080,7 +6568,7 @@
               </a:buClr>
               <a:buFont typeface="PT Sans Narrow"/>
               <a:buNone/>
-              <a:defRPr b="1" sz="2400">
+              <a:defRPr sz="2400" b="1">
                 <a:solidFill>
                   <a:schemeClr val="accent1"/>
                 </a:solidFill>
@@ -6090,7 +6578,7 @@
                 <a:sym typeface="PT Sans Narrow"/>
               </a:defRPr>
             </a:lvl4pPr>
-            <a:lvl5pPr indent="0" lvl="4">
+            <a:lvl5pPr lvl="4" indent="0">
               <a:spcBef>
                 <a:spcPts val="0"/>
               </a:spcBef>
@@ -6099,7 +6587,7 @@
               </a:buClr>
               <a:buFont typeface="PT Sans Narrow"/>
               <a:buNone/>
-              <a:defRPr b="1" sz="2400">
+              <a:defRPr sz="2400" b="1">
                 <a:solidFill>
                   <a:schemeClr val="accent1"/>
                 </a:solidFill>
@@ -6109,7 +6597,7 @@
                 <a:sym typeface="PT Sans Narrow"/>
               </a:defRPr>
             </a:lvl5pPr>
-            <a:lvl6pPr indent="0" lvl="5">
+            <a:lvl6pPr lvl="5" indent="0">
               <a:spcBef>
                 <a:spcPts val="0"/>
               </a:spcBef>
@@ -6118,7 +6606,7 @@
               </a:buClr>
               <a:buFont typeface="PT Sans Narrow"/>
               <a:buNone/>
-              <a:defRPr b="1" sz="2400">
+              <a:defRPr sz="2400" b="1">
                 <a:solidFill>
                   <a:schemeClr val="accent1"/>
                 </a:solidFill>
@@ -6128,7 +6616,7 @@
                 <a:sym typeface="PT Sans Narrow"/>
               </a:defRPr>
             </a:lvl6pPr>
-            <a:lvl7pPr indent="0" lvl="6">
+            <a:lvl7pPr lvl="6" indent="0">
               <a:spcBef>
                 <a:spcPts val="0"/>
               </a:spcBef>
@@ -6137,7 +6625,7 @@
               </a:buClr>
               <a:buFont typeface="PT Sans Narrow"/>
               <a:buNone/>
-              <a:defRPr b="1" sz="2400">
+              <a:defRPr sz="2400" b="1">
                 <a:solidFill>
                   <a:schemeClr val="accent1"/>
                 </a:solidFill>
@@ -6147,7 +6635,7 @@
                 <a:sym typeface="PT Sans Narrow"/>
               </a:defRPr>
             </a:lvl7pPr>
-            <a:lvl8pPr indent="0" lvl="7">
+            <a:lvl8pPr lvl="7" indent="0">
               <a:spcBef>
                 <a:spcPts val="0"/>
               </a:spcBef>
@@ -6156,7 +6644,7 @@
               </a:buClr>
               <a:buFont typeface="PT Sans Narrow"/>
               <a:buNone/>
-              <a:defRPr b="1" sz="2400">
+              <a:defRPr sz="2400" b="1">
                 <a:solidFill>
                   <a:schemeClr val="accent1"/>
                 </a:solidFill>
@@ -6166,7 +6654,7 @@
                 <a:sym typeface="PT Sans Narrow"/>
               </a:defRPr>
             </a:lvl8pPr>
-            <a:lvl9pPr indent="0" lvl="8">
+            <a:lvl9pPr lvl="8" indent="0">
               <a:spcBef>
                 <a:spcPts val="0"/>
               </a:spcBef>
@@ -6175,7 +6663,7 @@
               </a:buClr>
               <a:buFont typeface="PT Sans Narrow"/>
               <a:buNone/>
-              <a:defRPr b="1" sz="2400">
+              <a:defRPr sz="2400" b="1">
                 <a:solidFill>
                   <a:schemeClr val="accent1"/>
                 </a:solidFill>
@@ -6186,15 +6674,19 @@
               </a:defRPr>
             </a:lvl9pPr>
           </a:lstStyle>
-          <a:p/>
+          <a:p>
+            <a:endParaRPr/>
+          </a:p>
         </p:txBody>
       </p:sp>
       <p:sp>
         <p:nvSpPr>
           <p:cNvPr id="40" name="Shape 40"/>
-          <p:cNvSpPr txBox="1"/>
+          <p:cNvSpPr txBox="1">
+            <a:spLocks noGrp="1"/>
+          </p:cNvSpPr>
           <p:nvPr>
-            <p:ph idx="1" type="body"/>
+            <p:ph type="body" idx="1"/>
           </p:nvPr>
         </p:nvSpPr>
         <p:spPr>
@@ -6211,9 +6703,9 @@
           </a:ln>
         </p:spPr>
         <p:txBody>
-          <a:bodyPr anchorCtr="0" anchor="t" bIns="91425" lIns="91425" rIns="91425" tIns="91425"/>
+          <a:bodyPr lIns="91425" tIns="91425" rIns="91425" bIns="91425" anchor="t" anchorCtr="0"/>
           <a:lstStyle>
-            <a:lvl1pPr indent="0" lvl="0" marL="0" marR="0" rtl="0" algn="l">
+            <a:lvl1pPr marL="0" marR="0" lvl="0" indent="0" algn="l" rtl="0">
               <a:lnSpc>
                 <a:spcPct val="115000"/>
               </a:lnSpc>
@@ -6228,7 +6720,7 @@
               </a:buClr>
               <a:buFont typeface="Open Sans"/>
               <a:buNone/>
-              <a:defRPr b="0" i="0" sz="1200" u="none" cap="none" strike="noStrike">
+              <a:defRPr sz="1200" b="0" i="0" u="none" strike="noStrike" cap="none">
                 <a:solidFill>
                   <a:schemeClr val="dk2"/>
                 </a:solidFill>
@@ -6238,7 +6730,7 @@
                 <a:sym typeface="Open Sans"/>
               </a:defRPr>
             </a:lvl1pPr>
-            <a:lvl2pPr indent="0" lvl="1" marL="457200" marR="0" rtl="0" algn="l">
+            <a:lvl2pPr marL="457200" marR="0" lvl="1" indent="0" algn="l" rtl="0">
               <a:lnSpc>
                 <a:spcPct val="115000"/>
               </a:lnSpc>
@@ -6253,7 +6745,7 @@
               </a:buClr>
               <a:buFont typeface="Open Sans"/>
               <a:buNone/>
-              <a:defRPr b="0" i="0" sz="1200" u="none" cap="none" strike="noStrike">
+              <a:defRPr sz="1200" b="0" i="0" u="none" strike="noStrike" cap="none">
                 <a:solidFill>
                   <a:schemeClr val="dk2"/>
                 </a:solidFill>
@@ -6263,7 +6755,7 @@
                 <a:sym typeface="Open Sans"/>
               </a:defRPr>
             </a:lvl2pPr>
-            <a:lvl3pPr indent="0" lvl="2" marL="914400" marR="0" rtl="0" algn="l">
+            <a:lvl3pPr marL="914400" marR="0" lvl="2" indent="0" algn="l" rtl="0">
               <a:lnSpc>
                 <a:spcPct val="115000"/>
               </a:lnSpc>
@@ -6278,7 +6770,7 @@
               </a:buClr>
               <a:buFont typeface="Open Sans"/>
               <a:buNone/>
-              <a:defRPr b="0" i="0" sz="1200" u="none" cap="none" strike="noStrike">
+              <a:defRPr sz="1200" b="0" i="0" u="none" strike="noStrike" cap="none">
                 <a:solidFill>
                   <a:schemeClr val="dk2"/>
                 </a:solidFill>
@@ -6288,7 +6780,7 @@
                 <a:sym typeface="Open Sans"/>
               </a:defRPr>
             </a:lvl3pPr>
-            <a:lvl4pPr indent="0" lvl="3" marL="1371600" marR="0" rtl="0" algn="l">
+            <a:lvl4pPr marL="1371600" marR="0" lvl="3" indent="0" algn="l" rtl="0">
               <a:lnSpc>
                 <a:spcPct val="115000"/>
               </a:lnSpc>
@@ -6303,7 +6795,7 @@
               </a:buClr>
               <a:buFont typeface="Open Sans"/>
               <a:buNone/>
-              <a:defRPr b="0" i="0" sz="1200" u="none" cap="none" strike="noStrike">
+              <a:defRPr sz="1200" b="0" i="0" u="none" strike="noStrike" cap="none">
                 <a:solidFill>
                   <a:schemeClr val="dk2"/>
                 </a:solidFill>
@@ -6313,7 +6805,7 @@
                 <a:sym typeface="Open Sans"/>
               </a:defRPr>
             </a:lvl4pPr>
-            <a:lvl5pPr indent="0" lvl="4" marL="1828800" marR="0" rtl="0" algn="l">
+            <a:lvl5pPr marL="1828800" marR="0" lvl="4" indent="0" algn="l" rtl="0">
               <a:lnSpc>
                 <a:spcPct val="115000"/>
               </a:lnSpc>
@@ -6328,7 +6820,7 @@
               </a:buClr>
               <a:buFont typeface="Open Sans"/>
               <a:buNone/>
-              <a:defRPr b="0" i="0" sz="1200" u="none" cap="none" strike="noStrike">
+              <a:defRPr sz="1200" b="0" i="0" u="none" strike="noStrike" cap="none">
                 <a:solidFill>
                   <a:schemeClr val="dk2"/>
                 </a:solidFill>
@@ -6338,7 +6830,7 @@
                 <a:sym typeface="Open Sans"/>
               </a:defRPr>
             </a:lvl5pPr>
-            <a:lvl6pPr indent="0" lvl="5" marL="2286000" marR="0" rtl="0" algn="l">
+            <a:lvl6pPr marL="2286000" marR="0" lvl="5" indent="0" algn="l" rtl="0">
               <a:lnSpc>
                 <a:spcPct val="115000"/>
               </a:lnSpc>
@@ -6353,7 +6845,7 @@
               </a:buClr>
               <a:buFont typeface="Open Sans"/>
               <a:buNone/>
-              <a:defRPr b="0" i="0" sz="1200" u="none" cap="none" strike="noStrike">
+              <a:defRPr sz="1200" b="0" i="0" u="none" strike="noStrike" cap="none">
                 <a:solidFill>
                   <a:schemeClr val="dk2"/>
                 </a:solidFill>
@@ -6363,7 +6855,7 @@
                 <a:sym typeface="Open Sans"/>
               </a:defRPr>
             </a:lvl6pPr>
-            <a:lvl7pPr indent="0" lvl="6" marL="2743200" marR="0" rtl="0" algn="l">
+            <a:lvl7pPr marL="2743200" marR="0" lvl="6" indent="0" algn="l" rtl="0">
               <a:lnSpc>
                 <a:spcPct val="115000"/>
               </a:lnSpc>
@@ -6378,7 +6870,7 @@
               </a:buClr>
               <a:buFont typeface="Open Sans"/>
               <a:buNone/>
-              <a:defRPr b="0" i="0" sz="1200" u="none" cap="none" strike="noStrike">
+              <a:defRPr sz="1200" b="0" i="0" u="none" strike="noStrike" cap="none">
                 <a:solidFill>
                   <a:schemeClr val="dk2"/>
                 </a:solidFill>
@@ -6388,7 +6880,7 @@
                 <a:sym typeface="Open Sans"/>
               </a:defRPr>
             </a:lvl7pPr>
-            <a:lvl8pPr indent="0" lvl="7" marL="3200400" marR="0" rtl="0" algn="l">
+            <a:lvl8pPr marL="3200400" marR="0" lvl="7" indent="0" algn="l" rtl="0">
               <a:lnSpc>
                 <a:spcPct val="115000"/>
               </a:lnSpc>
@@ -6403,7 +6895,7 @@
               </a:buClr>
               <a:buFont typeface="Open Sans"/>
               <a:buNone/>
-              <a:defRPr b="0" i="0" sz="1200" u="none" cap="none" strike="noStrike">
+              <a:defRPr sz="1200" b="0" i="0" u="none" strike="noStrike" cap="none">
                 <a:solidFill>
                   <a:schemeClr val="dk2"/>
                 </a:solidFill>
@@ -6413,7 +6905,7 @@
                 <a:sym typeface="Open Sans"/>
               </a:defRPr>
             </a:lvl8pPr>
-            <a:lvl9pPr indent="0" lvl="8" marL="3657600" marR="0" rtl="0" algn="l">
+            <a:lvl9pPr marL="3657600" marR="0" lvl="8" indent="0" algn="l" rtl="0">
               <a:lnSpc>
                 <a:spcPct val="115000"/>
               </a:lnSpc>
@@ -6428,7 +6920,7 @@
               </a:buClr>
               <a:buFont typeface="Open Sans"/>
               <a:buNone/>
-              <a:defRPr b="0" i="0" sz="1200" u="none" cap="none" strike="noStrike">
+              <a:defRPr sz="1200" b="0" i="0" u="none" strike="noStrike" cap="none">
                 <a:solidFill>
                   <a:schemeClr val="dk2"/>
                 </a:solidFill>
@@ -6439,15 +6931,19 @@
               </a:defRPr>
             </a:lvl9pPr>
           </a:lstStyle>
-          <a:p/>
+          <a:p>
+            <a:endParaRPr/>
+          </a:p>
         </p:txBody>
       </p:sp>
       <p:sp>
         <p:nvSpPr>
           <p:cNvPr id="41" name="Shape 41"/>
-          <p:cNvSpPr txBox="1"/>
+          <p:cNvSpPr txBox="1">
+            <a:spLocks noGrp="1"/>
+          </p:cNvSpPr>
           <p:nvPr>
-            <p:ph idx="12" type="sldNum"/>
+            <p:ph type="sldNum" idx="12"/>
           </p:nvPr>
         </p:nvSpPr>
         <p:spPr>
@@ -6464,12 +6960,12 @@
           </a:ln>
         </p:spPr>
         <p:txBody>
-          <a:bodyPr anchorCtr="0" anchor="ctr" bIns="91425" lIns="91425" rIns="91425" tIns="91425">
+          <a:bodyPr lIns="91425" tIns="91425" rIns="91425" bIns="91425" anchor="ctr" anchorCtr="0">
             <a:noAutofit/>
           </a:bodyPr>
           <a:lstStyle/>
           <a:p>
-            <a:pPr indent="0" lvl="0" marL="0" marR="0" rtl="0" algn="l">
+            <a:pPr marL="0" marR="0" lvl="0" indent="0" algn="l" rtl="0">
               <a:lnSpc>
                 <a:spcPct val="100000"/>
               </a:lnSpc>
@@ -6487,7 +6983,7 @@
               <a:buNone/>
             </a:pPr>
             <a:fld id="{00000000-1234-1234-1234-123412341234}" type="slidenum">
-              <a:rPr b="0" i="0" lang="en-US" sz="1400" u="none" cap="none" strike="noStrike">
+              <a:rPr lang="en-US" sz="1400" b="0" i="0" u="none" strike="noStrike" cap="none">
                 <a:solidFill>
                   <a:srgbClr val="000000"/>
                 </a:solidFill>
@@ -6498,6 +6994,15 @@
               </a:rPr>
               <a:t>‹#›</a:t>
             </a:fld>
+            <a:endParaRPr lang="en-US" sz="1400" b="0" i="0" u="none" strike="noStrike" cap="none">
+              <a:solidFill>
+                <a:srgbClr val="000000"/>
+              </a:solidFill>
+              <a:latin typeface="Arial"/>
+              <a:ea typeface="Arial"/>
+              <a:cs typeface="Arial"/>
+              <a:sym typeface="Arial"/>
+            </a:endParaRPr>
           </a:p>
         </p:txBody>
       </p:sp>
@@ -6510,18 +7015,19 @@
 </file>
 
 <file path=ppt/slideLayouts/slideLayout7.xml><?xml version="1.0" encoding="utf-8"?>
-<p:sldLayout xmlns:a="http://schemas.openxmlformats.org/drawingml/2006/main" xmlns:r="http://schemas.openxmlformats.org/officeDocument/2006/relationships" xmlns:mc="http://schemas.openxmlformats.org/markup-compatibility/2006" xmlns:mv="urn:schemas-microsoft-com:mac:vml" xmlns:p="http://schemas.openxmlformats.org/presentationml/2006/main" xmlns:c="http://schemas.openxmlformats.org/drawingml/2006/chart" xmlns:dgm="http://schemas.openxmlformats.org/drawingml/2006/diagram" xmlns:o="urn:schemas-microsoft-com:office:office" xmlns:v="urn:schemas-microsoft-com:vml" xmlns:pvml="urn:schemas-microsoft-com:office:powerpoint" xmlns:com="http://schemas.openxmlformats.org/drawingml/2006/compatibility" xmlns:p14="http://schemas.microsoft.com/office/powerpoint/2010/main">
+<p:sldLayout xmlns:a="http://schemas.openxmlformats.org/drawingml/2006/main" xmlns:r="http://schemas.openxmlformats.org/officeDocument/2006/relationships" xmlns:p="http://schemas.openxmlformats.org/presentationml/2006/main">
   <p:cSld name="Main point">
     <p:bg>
       <p:bgPr>
         <a:solidFill>
           <a:schemeClr val="accent6"/>
         </a:solidFill>
+        <a:effectLst/>
       </p:bgPr>
     </p:bg>
     <p:spTree>
       <p:nvGrpSpPr>
-        <p:cNvPr id="42" name="Shape 42"/>
+        <p:cNvPr id="1" name="Shape 42"/>
         <p:cNvGrpSpPr/>
         <p:nvPr/>
       </p:nvGrpSpPr>
@@ -6536,7 +7042,9 @@
       <p:sp>
         <p:nvSpPr>
           <p:cNvPr id="43" name="Shape 43"/>
-          <p:cNvSpPr txBox="1"/>
+          <p:cNvSpPr txBox="1">
+            <a:spLocks noGrp="1"/>
+          </p:cNvSpPr>
           <p:nvPr>
             <p:ph type="title"/>
           </p:nvPr>
@@ -6555,9 +7063,9 @@
           </a:ln>
         </p:spPr>
         <p:txBody>
-          <a:bodyPr anchorCtr="0" anchor="ctr" bIns="91425" lIns="91425" rIns="91425" tIns="91425"/>
+          <a:bodyPr lIns="91425" tIns="91425" rIns="91425" bIns="91425" anchor="ctr" anchorCtr="0"/>
           <a:lstStyle>
-            <a:lvl1pPr indent="0" lvl="0" marL="0" marR="0" rtl="0" algn="l">
+            <a:lvl1pPr marL="0" marR="0" lvl="0" indent="0" algn="l" rtl="0">
               <a:lnSpc>
                 <a:spcPct val="100000"/>
               </a:lnSpc>
@@ -6572,7 +7080,7 @@
               </a:buClr>
               <a:buFont typeface="PT Sans Narrow"/>
               <a:buNone/>
-              <a:defRPr b="0" i="0" sz="5400" u="none" cap="none" strike="noStrike">
+              <a:defRPr sz="5400" b="0" i="0" u="none" strike="noStrike" cap="none">
                 <a:solidFill>
                   <a:schemeClr val="dk2"/>
                 </a:solidFill>
@@ -6582,7 +7090,7 @@
                 <a:sym typeface="PT Sans Narrow"/>
               </a:defRPr>
             </a:lvl1pPr>
-            <a:lvl2pPr indent="0" lvl="1">
+            <a:lvl2pPr lvl="1" indent="0">
               <a:spcBef>
                 <a:spcPts val="0"/>
               </a:spcBef>
@@ -6591,7 +7099,7 @@
               </a:buClr>
               <a:buFont typeface="PT Sans Narrow"/>
               <a:buNone/>
-              <a:defRPr b="0" sz="5400">
+              <a:defRPr sz="5400" b="0">
                 <a:solidFill>
                   <a:schemeClr val="dk2"/>
                 </a:solidFill>
@@ -6601,7 +7109,7 @@
                 <a:sym typeface="PT Sans Narrow"/>
               </a:defRPr>
             </a:lvl2pPr>
-            <a:lvl3pPr indent="0" lvl="2">
+            <a:lvl3pPr lvl="2" indent="0">
               <a:spcBef>
                 <a:spcPts val="0"/>
               </a:spcBef>
@@ -6610,7 +7118,7 @@
               </a:buClr>
               <a:buFont typeface="PT Sans Narrow"/>
               <a:buNone/>
-              <a:defRPr b="0" sz="5400">
+              <a:defRPr sz="5400" b="0">
                 <a:solidFill>
                   <a:schemeClr val="dk2"/>
                 </a:solidFill>
@@ -6620,7 +7128,7 @@
                 <a:sym typeface="PT Sans Narrow"/>
               </a:defRPr>
             </a:lvl3pPr>
-            <a:lvl4pPr indent="0" lvl="3">
+            <a:lvl4pPr lvl="3" indent="0">
               <a:spcBef>
                 <a:spcPts val="0"/>
               </a:spcBef>
@@ -6629,7 +7137,7 @@
               </a:buClr>
               <a:buFont typeface="PT Sans Narrow"/>
               <a:buNone/>
-              <a:defRPr b="0" sz="5400">
+              <a:defRPr sz="5400" b="0">
                 <a:solidFill>
                   <a:schemeClr val="dk2"/>
                 </a:solidFill>
@@ -6639,7 +7147,7 @@
                 <a:sym typeface="PT Sans Narrow"/>
               </a:defRPr>
             </a:lvl4pPr>
-            <a:lvl5pPr indent="0" lvl="4">
+            <a:lvl5pPr lvl="4" indent="0">
               <a:spcBef>
                 <a:spcPts val="0"/>
               </a:spcBef>
@@ -6648,7 +7156,7 @@
               </a:buClr>
               <a:buFont typeface="PT Sans Narrow"/>
               <a:buNone/>
-              <a:defRPr b="0" sz="5400">
+              <a:defRPr sz="5400" b="0">
                 <a:solidFill>
                   <a:schemeClr val="dk2"/>
                 </a:solidFill>
@@ -6658,7 +7166,7 @@
                 <a:sym typeface="PT Sans Narrow"/>
               </a:defRPr>
             </a:lvl5pPr>
-            <a:lvl6pPr indent="0" lvl="5">
+            <a:lvl6pPr lvl="5" indent="0">
               <a:spcBef>
                 <a:spcPts val="0"/>
               </a:spcBef>
@@ -6667,7 +7175,7 @@
               </a:buClr>
               <a:buFont typeface="PT Sans Narrow"/>
               <a:buNone/>
-              <a:defRPr b="0" sz="5400">
+              <a:defRPr sz="5400" b="0">
                 <a:solidFill>
                   <a:schemeClr val="dk2"/>
                 </a:solidFill>
@@ -6677,7 +7185,7 @@
                 <a:sym typeface="PT Sans Narrow"/>
               </a:defRPr>
             </a:lvl6pPr>
-            <a:lvl7pPr indent="0" lvl="6">
+            <a:lvl7pPr lvl="6" indent="0">
               <a:spcBef>
                 <a:spcPts val="0"/>
               </a:spcBef>
@@ -6686,7 +7194,7 @@
               </a:buClr>
               <a:buFont typeface="PT Sans Narrow"/>
               <a:buNone/>
-              <a:defRPr b="0" sz="5400">
+              <a:defRPr sz="5400" b="0">
                 <a:solidFill>
                   <a:schemeClr val="dk2"/>
                 </a:solidFill>
@@ -6696,7 +7204,7 @@
                 <a:sym typeface="PT Sans Narrow"/>
               </a:defRPr>
             </a:lvl7pPr>
-            <a:lvl8pPr indent="0" lvl="7">
+            <a:lvl8pPr lvl="7" indent="0">
               <a:spcBef>
                 <a:spcPts val="0"/>
               </a:spcBef>
@@ -6705,7 +7213,7 @@
               </a:buClr>
               <a:buFont typeface="PT Sans Narrow"/>
               <a:buNone/>
-              <a:defRPr b="0" sz="5400">
+              <a:defRPr sz="5400" b="0">
                 <a:solidFill>
                   <a:schemeClr val="dk2"/>
                 </a:solidFill>
@@ -6715,7 +7223,7 @@
                 <a:sym typeface="PT Sans Narrow"/>
               </a:defRPr>
             </a:lvl8pPr>
-            <a:lvl9pPr indent="0" lvl="8">
+            <a:lvl9pPr lvl="8" indent="0">
               <a:spcBef>
                 <a:spcPts val="0"/>
               </a:spcBef>
@@ -6724,7 +7232,7 @@
               </a:buClr>
               <a:buFont typeface="PT Sans Narrow"/>
               <a:buNone/>
-              <a:defRPr b="0" sz="5400">
+              <a:defRPr sz="5400" b="0">
                 <a:solidFill>
                   <a:schemeClr val="dk2"/>
                 </a:solidFill>
@@ -6735,15 +7243,19 @@
               </a:defRPr>
             </a:lvl9pPr>
           </a:lstStyle>
-          <a:p/>
+          <a:p>
+            <a:endParaRPr/>
+          </a:p>
         </p:txBody>
       </p:sp>
       <p:sp>
         <p:nvSpPr>
           <p:cNvPr id="44" name="Shape 44"/>
-          <p:cNvSpPr txBox="1"/>
+          <p:cNvSpPr txBox="1">
+            <a:spLocks noGrp="1"/>
+          </p:cNvSpPr>
           <p:nvPr>
-            <p:ph idx="12" type="sldNum"/>
+            <p:ph type="sldNum" idx="12"/>
           </p:nvPr>
         </p:nvSpPr>
         <p:spPr>
@@ -6760,12 +7272,12 @@
           </a:ln>
         </p:spPr>
         <p:txBody>
-          <a:bodyPr anchorCtr="0" anchor="ctr" bIns="91425" lIns="91425" rIns="91425" tIns="91425">
+          <a:bodyPr lIns="91425" tIns="91425" rIns="91425" bIns="91425" anchor="ctr" anchorCtr="0">
             <a:noAutofit/>
           </a:bodyPr>
           <a:lstStyle/>
           <a:p>
-            <a:pPr indent="0" lvl="0" marL="0" marR="0" rtl="0" algn="l">
+            <a:pPr marL="0" marR="0" lvl="0" indent="0" algn="l" rtl="0">
               <a:lnSpc>
                 <a:spcPct val="100000"/>
               </a:lnSpc>
@@ -6783,7 +7295,7 @@
               <a:buNone/>
             </a:pPr>
             <a:fld id="{00000000-1234-1234-1234-123412341234}" type="slidenum">
-              <a:rPr b="0" i="0" lang="en-US" sz="1400" u="none" cap="none" strike="noStrike">
+              <a:rPr lang="en-US" sz="1400" b="0" i="0" u="none" strike="noStrike" cap="none">
                 <a:solidFill>
                   <a:srgbClr val="000000"/>
                 </a:solidFill>
@@ -6794,6 +7306,15 @@
               </a:rPr>
               <a:t>‹#›</a:t>
             </a:fld>
+            <a:endParaRPr lang="en-US" sz="1400" b="0" i="0" u="none" strike="noStrike" cap="none">
+              <a:solidFill>
+                <a:srgbClr val="000000"/>
+              </a:solidFill>
+              <a:latin typeface="Arial"/>
+              <a:ea typeface="Arial"/>
+              <a:cs typeface="Arial"/>
+              <a:sym typeface="Arial"/>
+            </a:endParaRPr>
           </a:p>
         </p:txBody>
       </p:sp>
@@ -6806,11 +7327,11 @@
 </file>
 
 <file path=ppt/slideLayouts/slideLayout8.xml><?xml version="1.0" encoding="utf-8"?>
-<p:sldLayout xmlns:a="http://schemas.openxmlformats.org/drawingml/2006/main" xmlns:r="http://schemas.openxmlformats.org/officeDocument/2006/relationships" xmlns:mc="http://schemas.openxmlformats.org/markup-compatibility/2006" xmlns:mv="urn:schemas-microsoft-com:mac:vml" xmlns:p="http://schemas.openxmlformats.org/presentationml/2006/main" xmlns:c="http://schemas.openxmlformats.org/drawingml/2006/chart" xmlns:dgm="http://schemas.openxmlformats.org/drawingml/2006/diagram" xmlns:o="urn:schemas-microsoft-com:office:office" xmlns:v="urn:schemas-microsoft-com:vml" xmlns:pvml="urn:schemas-microsoft-com:office:powerpoint" xmlns:com="http://schemas.openxmlformats.org/drawingml/2006/compatibility" xmlns:p14="http://schemas.microsoft.com/office/powerpoint/2010/main">
+<p:sldLayout xmlns:a="http://schemas.openxmlformats.org/drawingml/2006/main" xmlns:r="http://schemas.openxmlformats.org/officeDocument/2006/relationships" xmlns:p="http://schemas.openxmlformats.org/presentationml/2006/main">
   <p:cSld name="Section title and description">
     <p:spTree>
       <p:nvGrpSpPr>
-        <p:cNvPr id="45" name="Shape 45"/>
+        <p:cNvPr id="1" name="Shape 45"/>
         <p:cNvGrpSpPr/>
         <p:nvPr/>
       </p:nvGrpSpPr>
@@ -6844,12 +7365,12 @@
           </a:ln>
         </p:spPr>
         <p:txBody>
-          <a:bodyPr anchorCtr="0" anchor="ctr" bIns="91425" lIns="91425" rIns="91425" tIns="91425">
+          <a:bodyPr lIns="91425" tIns="91425" rIns="91425" bIns="91425" anchor="ctr" anchorCtr="0">
             <a:noAutofit/>
           </a:bodyPr>
           <a:lstStyle/>
           <a:p>
-            <a:pPr indent="0" lvl="0" marL="0" marR="0" rtl="0" algn="l">
+            <a:pPr marL="0" marR="0" lvl="0" indent="0" algn="l" rtl="0">
               <a:lnSpc>
                 <a:spcPct val="100000"/>
               </a:lnSpc>
@@ -6865,10 +7386,7 @@
               <a:buFont typeface="Arial"/>
               <a:buNone/>
             </a:pPr>
-            <a:r>
-              <a:t/>
-            </a:r>
-            <a:endParaRPr b="0" i="0" sz="1400" u="none" cap="none" strike="noStrike">
+            <a:endParaRPr sz="1400" b="0" i="0" u="none" strike="noStrike" cap="none">
               <a:solidFill>
                 <a:srgbClr val="000000"/>
               </a:solidFill>
@@ -6895,21 +7413,23 @@
             <a:avLst/>
           </a:prstGeom>
           <a:noFill/>
-          <a:ln cap="flat" cmpd="sng" w="19050">
+          <a:ln w="19050" cap="flat" cmpd="sng">
             <a:solidFill>
               <a:schemeClr val="lt1"/>
             </a:solidFill>
             <a:prstDash val="solid"/>
             <a:round/>
-            <a:headEnd len="med" w="med" type="none"/>
-            <a:tailEnd len="med" w="med" type="none"/>
+            <a:headEnd type="none" w="med" len="med"/>
+            <a:tailEnd type="none" w="med" len="med"/>
           </a:ln>
         </p:spPr>
       </p:cxnSp>
       <p:sp>
         <p:nvSpPr>
           <p:cNvPr id="48" name="Shape 48"/>
-          <p:cNvSpPr txBox="1"/>
+          <p:cNvSpPr txBox="1">
+            <a:spLocks noGrp="1"/>
+          </p:cNvSpPr>
           <p:nvPr>
             <p:ph type="title"/>
           </p:nvPr>
@@ -6928,9 +7448,9 @@
           </a:ln>
         </p:spPr>
         <p:txBody>
-          <a:bodyPr anchorCtr="0" anchor="b" bIns="91425" lIns="91425" rIns="91425" tIns="91425"/>
+          <a:bodyPr lIns="91425" tIns="91425" rIns="91425" bIns="91425" anchor="b" anchorCtr="0"/>
           <a:lstStyle>
-            <a:lvl1pPr indent="0" lvl="0" marL="0" marR="0" rtl="0" algn="ctr">
+            <a:lvl1pPr marL="0" marR="0" lvl="0" indent="0" algn="ctr" rtl="0">
               <a:lnSpc>
                 <a:spcPct val="100000"/>
               </a:lnSpc>
@@ -6945,7 +7465,7 @@
               </a:buClr>
               <a:buFont typeface="PT Sans Narrow"/>
               <a:buNone/>
-              <a:defRPr b="1" i="0" sz="4200" u="none" cap="none" strike="noStrike">
+              <a:defRPr sz="4200" b="1" i="0" u="none" strike="noStrike" cap="none">
                 <a:solidFill>
                   <a:schemeClr val="accent1"/>
                 </a:solidFill>
@@ -6955,7 +7475,7 @@
                 <a:sym typeface="PT Sans Narrow"/>
               </a:defRPr>
             </a:lvl1pPr>
-            <a:lvl2pPr indent="0" lvl="1" algn="ctr">
+            <a:lvl2pPr lvl="1" indent="0" algn="ctr">
               <a:spcBef>
                 <a:spcPts val="0"/>
               </a:spcBef>
@@ -6964,7 +7484,7 @@
               </a:buClr>
               <a:buFont typeface="PT Sans Narrow"/>
               <a:buNone/>
-              <a:defRPr b="1" sz="4200">
+              <a:defRPr sz="4200" b="1">
                 <a:solidFill>
                   <a:schemeClr val="accent1"/>
                 </a:solidFill>
@@ -6974,7 +7494,7 @@
                 <a:sym typeface="PT Sans Narrow"/>
               </a:defRPr>
             </a:lvl2pPr>
-            <a:lvl3pPr indent="0" lvl="2" algn="ctr">
+            <a:lvl3pPr lvl="2" indent="0" algn="ctr">
               <a:spcBef>
                 <a:spcPts val="0"/>
               </a:spcBef>
@@ -6983,7 +7503,7 @@
               </a:buClr>
               <a:buFont typeface="PT Sans Narrow"/>
               <a:buNone/>
-              <a:defRPr b="1" sz="4200">
+              <a:defRPr sz="4200" b="1">
                 <a:solidFill>
                   <a:schemeClr val="accent1"/>
                 </a:solidFill>
@@ -6993,7 +7513,7 @@
                 <a:sym typeface="PT Sans Narrow"/>
               </a:defRPr>
             </a:lvl3pPr>
-            <a:lvl4pPr indent="0" lvl="3" algn="ctr">
+            <a:lvl4pPr lvl="3" indent="0" algn="ctr">
               <a:spcBef>
                 <a:spcPts val="0"/>
               </a:spcBef>
@@ -7002,7 +7522,7 @@
               </a:buClr>
               <a:buFont typeface="PT Sans Narrow"/>
               <a:buNone/>
-              <a:defRPr b="1" sz="4200">
+              <a:defRPr sz="4200" b="1">
                 <a:solidFill>
                   <a:schemeClr val="accent1"/>
                 </a:solidFill>
@@ -7012,7 +7532,7 @@
                 <a:sym typeface="PT Sans Narrow"/>
               </a:defRPr>
             </a:lvl4pPr>
-            <a:lvl5pPr indent="0" lvl="4" algn="ctr">
+            <a:lvl5pPr lvl="4" indent="0" algn="ctr">
               <a:spcBef>
                 <a:spcPts val="0"/>
               </a:spcBef>
@@ -7021,7 +7541,7 @@
               </a:buClr>
               <a:buFont typeface="PT Sans Narrow"/>
               <a:buNone/>
-              <a:defRPr b="1" sz="4200">
+              <a:defRPr sz="4200" b="1">
                 <a:solidFill>
                   <a:schemeClr val="accent1"/>
                 </a:solidFill>
@@ -7031,7 +7551,7 @@
                 <a:sym typeface="PT Sans Narrow"/>
               </a:defRPr>
             </a:lvl5pPr>
-            <a:lvl6pPr indent="0" lvl="5" algn="ctr">
+            <a:lvl6pPr lvl="5" indent="0" algn="ctr">
               <a:spcBef>
                 <a:spcPts val="0"/>
               </a:spcBef>
@@ -7040,7 +7560,7 @@
               </a:buClr>
               <a:buFont typeface="PT Sans Narrow"/>
               <a:buNone/>
-              <a:defRPr b="1" sz="4200">
+              <a:defRPr sz="4200" b="1">
                 <a:solidFill>
                   <a:schemeClr val="accent1"/>
                 </a:solidFill>
@@ -7050,7 +7570,7 @@
                 <a:sym typeface="PT Sans Narrow"/>
               </a:defRPr>
             </a:lvl6pPr>
-            <a:lvl7pPr indent="0" lvl="6" algn="ctr">
+            <a:lvl7pPr lvl="6" indent="0" algn="ctr">
               <a:spcBef>
                 <a:spcPts val="0"/>
               </a:spcBef>
@@ -7059,7 +7579,7 @@
               </a:buClr>
               <a:buFont typeface="PT Sans Narrow"/>
               <a:buNone/>
-              <a:defRPr b="1" sz="4200">
+              <a:defRPr sz="4200" b="1">
                 <a:solidFill>
                   <a:schemeClr val="accent1"/>
                 </a:solidFill>
@@ -7069,7 +7589,7 @@
                 <a:sym typeface="PT Sans Narrow"/>
               </a:defRPr>
             </a:lvl7pPr>
-            <a:lvl8pPr indent="0" lvl="7" algn="ctr">
+            <a:lvl8pPr lvl="7" indent="0" algn="ctr">
               <a:spcBef>
                 <a:spcPts val="0"/>
               </a:spcBef>
@@ -7078,7 +7598,7 @@
               </a:buClr>
               <a:buFont typeface="PT Sans Narrow"/>
               <a:buNone/>
-              <a:defRPr b="1" sz="4200">
+              <a:defRPr sz="4200" b="1">
                 <a:solidFill>
                   <a:schemeClr val="accent1"/>
                 </a:solidFill>
@@ -7088,7 +7608,7 @@
                 <a:sym typeface="PT Sans Narrow"/>
               </a:defRPr>
             </a:lvl8pPr>
-            <a:lvl9pPr indent="0" lvl="8" algn="ctr">
+            <a:lvl9pPr lvl="8" indent="0" algn="ctr">
               <a:spcBef>
                 <a:spcPts val="0"/>
               </a:spcBef>
@@ -7097,7 +7617,7 @@
               </a:buClr>
               <a:buFont typeface="PT Sans Narrow"/>
               <a:buNone/>
-              <a:defRPr b="1" sz="4200">
+              <a:defRPr sz="4200" b="1">
                 <a:solidFill>
                   <a:schemeClr val="accent1"/>
                 </a:solidFill>
@@ -7108,15 +7628,19 @@
               </a:defRPr>
             </a:lvl9pPr>
           </a:lstStyle>
-          <a:p/>
+          <a:p>
+            <a:endParaRPr/>
+          </a:p>
         </p:txBody>
       </p:sp>
       <p:sp>
         <p:nvSpPr>
           <p:cNvPr id="49" name="Shape 49"/>
-          <p:cNvSpPr txBox="1"/>
+          <p:cNvSpPr txBox="1">
+            <a:spLocks noGrp="1"/>
+          </p:cNvSpPr>
           <p:nvPr>
-            <p:ph idx="1" type="subTitle"/>
+            <p:ph type="subTitle" idx="1"/>
           </p:nvPr>
         </p:nvSpPr>
         <p:spPr>
@@ -7133,9 +7657,9 @@
           </a:ln>
         </p:spPr>
         <p:txBody>
-          <a:bodyPr anchorCtr="0" anchor="t" bIns="91425" lIns="91425" rIns="91425" tIns="91425"/>
+          <a:bodyPr lIns="91425" tIns="91425" rIns="91425" bIns="91425" anchor="t" anchorCtr="0"/>
           <a:lstStyle>
-            <a:lvl1pPr indent="0" lvl="0" marL="0" marR="0" rtl="0" algn="ctr">
+            <a:lvl1pPr marL="0" marR="0" lvl="0" indent="0" algn="ctr" rtl="0">
               <a:lnSpc>
                 <a:spcPct val="100000"/>
               </a:lnSpc>
@@ -7150,7 +7674,7 @@
               </a:buClr>
               <a:buFont typeface="Open Sans"/>
               <a:buNone/>
-              <a:defRPr b="0" i="0" sz="2100" u="none" cap="none" strike="noStrike">
+              <a:defRPr sz="2100" b="0" i="0" u="none" strike="noStrike" cap="none">
                 <a:solidFill>
                   <a:schemeClr val="dk2"/>
                 </a:solidFill>
@@ -7160,7 +7684,7 @@
                 <a:sym typeface="Open Sans"/>
               </a:defRPr>
             </a:lvl1pPr>
-            <a:lvl2pPr indent="0" lvl="1" marL="457200" marR="0" rtl="0" algn="ctr">
+            <a:lvl2pPr marL="457200" marR="0" lvl="1" indent="0" algn="ctr" rtl="0">
               <a:lnSpc>
                 <a:spcPct val="100000"/>
               </a:lnSpc>
@@ -7175,7 +7699,7 @@
               </a:buClr>
               <a:buFont typeface="Open Sans"/>
               <a:buNone/>
-              <a:defRPr b="0" i="0" sz="2100" u="none" cap="none" strike="noStrike">
+              <a:defRPr sz="2100" b="0" i="0" u="none" strike="noStrike" cap="none">
                 <a:solidFill>
                   <a:schemeClr val="dk2"/>
                 </a:solidFill>
@@ -7185,7 +7709,7 @@
                 <a:sym typeface="Open Sans"/>
               </a:defRPr>
             </a:lvl2pPr>
-            <a:lvl3pPr indent="0" lvl="2" marL="914400" marR="0" rtl="0" algn="ctr">
+            <a:lvl3pPr marL="914400" marR="0" lvl="2" indent="0" algn="ctr" rtl="0">
               <a:lnSpc>
                 <a:spcPct val="100000"/>
               </a:lnSpc>
@@ -7200,7 +7724,7 @@
               </a:buClr>
               <a:buFont typeface="Open Sans"/>
               <a:buNone/>
-              <a:defRPr b="0" i="0" sz="2100" u="none" cap="none" strike="noStrike">
+              <a:defRPr sz="2100" b="0" i="0" u="none" strike="noStrike" cap="none">
                 <a:solidFill>
                   <a:schemeClr val="dk2"/>
                 </a:solidFill>
@@ -7210,7 +7734,7 @@
                 <a:sym typeface="Open Sans"/>
               </a:defRPr>
             </a:lvl3pPr>
-            <a:lvl4pPr indent="0" lvl="3" marL="1371600" marR="0" rtl="0" algn="ctr">
+            <a:lvl4pPr marL="1371600" marR="0" lvl="3" indent="0" algn="ctr" rtl="0">
               <a:lnSpc>
                 <a:spcPct val="100000"/>
               </a:lnSpc>
@@ -7225,7 +7749,7 @@
               </a:buClr>
               <a:buFont typeface="Open Sans"/>
               <a:buNone/>
-              <a:defRPr b="0" i="0" sz="2100" u="none" cap="none" strike="noStrike">
+              <a:defRPr sz="2100" b="0" i="0" u="none" strike="noStrike" cap="none">
                 <a:solidFill>
                   <a:schemeClr val="dk2"/>
                 </a:solidFill>
@@ -7235,7 +7759,7 @@
                 <a:sym typeface="Open Sans"/>
               </a:defRPr>
             </a:lvl4pPr>
-            <a:lvl5pPr indent="0" lvl="4" marL="1828800" marR="0" rtl="0" algn="ctr">
+            <a:lvl5pPr marL="1828800" marR="0" lvl="4" indent="0" algn="ctr" rtl="0">
               <a:lnSpc>
                 <a:spcPct val="100000"/>
               </a:lnSpc>
@@ -7250,7 +7774,7 @@
               </a:buClr>
               <a:buFont typeface="Open Sans"/>
               <a:buNone/>
-              <a:defRPr b="0" i="0" sz="2100" u="none" cap="none" strike="noStrike">
+              <a:defRPr sz="2100" b="0" i="0" u="none" strike="noStrike" cap="none">
                 <a:solidFill>
                   <a:schemeClr val="dk2"/>
                 </a:solidFill>
@@ -7260,7 +7784,7 @@
                 <a:sym typeface="Open Sans"/>
               </a:defRPr>
             </a:lvl5pPr>
-            <a:lvl6pPr indent="0" lvl="5" marL="2286000" marR="0" rtl="0" algn="ctr">
+            <a:lvl6pPr marL="2286000" marR="0" lvl="5" indent="0" algn="ctr" rtl="0">
               <a:lnSpc>
                 <a:spcPct val="100000"/>
               </a:lnSpc>
@@ -7275,7 +7799,7 @@
               </a:buClr>
               <a:buFont typeface="Open Sans"/>
               <a:buNone/>
-              <a:defRPr b="0" i="0" sz="2100" u="none" cap="none" strike="noStrike">
+              <a:defRPr sz="2100" b="0" i="0" u="none" strike="noStrike" cap="none">
                 <a:solidFill>
                   <a:schemeClr val="dk2"/>
                 </a:solidFill>
@@ -7285,7 +7809,7 @@
                 <a:sym typeface="Open Sans"/>
               </a:defRPr>
             </a:lvl6pPr>
-            <a:lvl7pPr indent="0" lvl="6" marL="2743200" marR="0" rtl="0" algn="ctr">
+            <a:lvl7pPr marL="2743200" marR="0" lvl="6" indent="0" algn="ctr" rtl="0">
               <a:lnSpc>
                 <a:spcPct val="100000"/>
               </a:lnSpc>
@@ -7300,7 +7824,7 @@
               </a:buClr>
               <a:buFont typeface="Open Sans"/>
               <a:buNone/>
-              <a:defRPr b="0" i="0" sz="2100" u="none" cap="none" strike="noStrike">
+              <a:defRPr sz="2100" b="0" i="0" u="none" strike="noStrike" cap="none">
                 <a:solidFill>
                   <a:schemeClr val="dk2"/>
                 </a:solidFill>
@@ -7310,7 +7834,7 @@
                 <a:sym typeface="Open Sans"/>
               </a:defRPr>
             </a:lvl7pPr>
-            <a:lvl8pPr indent="0" lvl="7" marL="3200400" marR="0" rtl="0" algn="ctr">
+            <a:lvl8pPr marL="3200400" marR="0" lvl="7" indent="0" algn="ctr" rtl="0">
               <a:lnSpc>
                 <a:spcPct val="100000"/>
               </a:lnSpc>
@@ -7325,7 +7849,7 @@
               </a:buClr>
               <a:buFont typeface="Open Sans"/>
               <a:buNone/>
-              <a:defRPr b="0" i="0" sz="2100" u="none" cap="none" strike="noStrike">
+              <a:defRPr sz="2100" b="0" i="0" u="none" strike="noStrike" cap="none">
                 <a:solidFill>
                   <a:schemeClr val="dk2"/>
                 </a:solidFill>
@@ -7335,7 +7859,7 @@
                 <a:sym typeface="Open Sans"/>
               </a:defRPr>
             </a:lvl8pPr>
-            <a:lvl9pPr indent="0" lvl="8" marL="3657600" marR="0" rtl="0" algn="ctr">
+            <a:lvl9pPr marL="3657600" marR="0" lvl="8" indent="0" algn="ctr" rtl="0">
               <a:lnSpc>
                 <a:spcPct val="100000"/>
               </a:lnSpc>
@@ -7350,7 +7874,7 @@
               </a:buClr>
               <a:buFont typeface="Open Sans"/>
               <a:buNone/>
-              <a:defRPr b="0" i="0" sz="2100" u="none" cap="none" strike="noStrike">
+              <a:defRPr sz="2100" b="0" i="0" u="none" strike="noStrike" cap="none">
                 <a:solidFill>
                   <a:schemeClr val="dk2"/>
                 </a:solidFill>
@@ -7361,15 +7885,19 @@
               </a:defRPr>
             </a:lvl9pPr>
           </a:lstStyle>
-          <a:p/>
+          <a:p>
+            <a:endParaRPr/>
+          </a:p>
         </p:txBody>
       </p:sp>
       <p:sp>
         <p:nvSpPr>
           <p:cNvPr id="50" name="Shape 50"/>
-          <p:cNvSpPr txBox="1"/>
+          <p:cNvSpPr txBox="1">
+            <a:spLocks noGrp="1"/>
+          </p:cNvSpPr>
           <p:nvPr>
-            <p:ph idx="2" type="body"/>
+            <p:ph type="body" idx="2"/>
           </p:nvPr>
         </p:nvSpPr>
         <p:spPr>
@@ -7386,9 +7914,9 @@
           </a:ln>
         </p:spPr>
         <p:txBody>
-          <a:bodyPr anchorCtr="0" anchor="ctr" bIns="91425" lIns="91425" rIns="91425" tIns="91425"/>
+          <a:bodyPr lIns="91425" tIns="91425" rIns="91425" bIns="91425" anchor="ctr" anchorCtr="0"/>
           <a:lstStyle>
-            <a:lvl1pPr indent="0" lvl="0" marL="0" marR="0" rtl="0" algn="l">
+            <a:lvl1pPr marL="0" marR="0" lvl="0" indent="0" algn="l" rtl="0">
               <a:lnSpc>
                 <a:spcPct val="115000"/>
               </a:lnSpc>
@@ -7403,7 +7931,7 @@
               </a:buClr>
               <a:buFont typeface="Open Sans"/>
               <a:buNone/>
-              <a:defRPr b="0" i="0" sz="1800" u="none" cap="none" strike="noStrike">
+              <a:defRPr sz="1800" b="0" i="0" u="none" strike="noStrike" cap="none">
                 <a:solidFill>
                   <a:schemeClr val="lt1"/>
                 </a:solidFill>
@@ -7413,7 +7941,7 @@
                 <a:sym typeface="Open Sans"/>
               </a:defRPr>
             </a:lvl1pPr>
-            <a:lvl2pPr indent="0" lvl="1" marL="457200" marR="0" rtl="0" algn="l">
+            <a:lvl2pPr marL="457200" marR="0" lvl="1" indent="0" algn="l" rtl="0">
               <a:lnSpc>
                 <a:spcPct val="115000"/>
               </a:lnSpc>
@@ -7428,7 +7956,7 @@
               </a:buClr>
               <a:buFont typeface="Open Sans"/>
               <a:buNone/>
-              <a:defRPr b="0" i="0" sz="1400" u="none" cap="none" strike="noStrike">
+              <a:defRPr sz="1400" b="0" i="0" u="none" strike="noStrike" cap="none">
                 <a:solidFill>
                   <a:schemeClr val="lt1"/>
                 </a:solidFill>
@@ -7438,7 +7966,7 @@
                 <a:sym typeface="Open Sans"/>
               </a:defRPr>
             </a:lvl2pPr>
-            <a:lvl3pPr indent="0" lvl="2" marL="914400" marR="0" rtl="0" algn="l">
+            <a:lvl3pPr marL="914400" marR="0" lvl="2" indent="0" algn="l" rtl="0">
               <a:lnSpc>
                 <a:spcPct val="115000"/>
               </a:lnSpc>
@@ -7453,7 +7981,7 @@
               </a:buClr>
               <a:buFont typeface="Open Sans"/>
               <a:buNone/>
-              <a:defRPr b="0" i="0" sz="1400" u="none" cap="none" strike="noStrike">
+              <a:defRPr sz="1400" b="0" i="0" u="none" strike="noStrike" cap="none">
                 <a:solidFill>
                   <a:schemeClr val="lt1"/>
                 </a:solidFill>
@@ -7463,7 +7991,7 @@
                 <a:sym typeface="Open Sans"/>
               </a:defRPr>
             </a:lvl3pPr>
-            <a:lvl4pPr indent="0" lvl="3" marL="1371600" marR="0" rtl="0" algn="l">
+            <a:lvl4pPr marL="1371600" marR="0" lvl="3" indent="0" algn="l" rtl="0">
               <a:lnSpc>
                 <a:spcPct val="115000"/>
               </a:lnSpc>
@@ -7478,7 +8006,7 @@
               </a:buClr>
               <a:buFont typeface="Open Sans"/>
               <a:buNone/>
-              <a:defRPr b="0" i="0" sz="1400" u="none" cap="none" strike="noStrike">
+              <a:defRPr sz="1400" b="0" i="0" u="none" strike="noStrike" cap="none">
                 <a:solidFill>
                   <a:schemeClr val="lt1"/>
                 </a:solidFill>
@@ -7488,7 +8016,7 @@
                 <a:sym typeface="Open Sans"/>
               </a:defRPr>
             </a:lvl4pPr>
-            <a:lvl5pPr indent="0" lvl="4" marL="1828800" marR="0" rtl="0" algn="l">
+            <a:lvl5pPr marL="1828800" marR="0" lvl="4" indent="0" algn="l" rtl="0">
               <a:lnSpc>
                 <a:spcPct val="115000"/>
               </a:lnSpc>
@@ -7503,7 +8031,7 @@
               </a:buClr>
               <a:buFont typeface="Open Sans"/>
               <a:buNone/>
-              <a:defRPr b="0" i="0" sz="1400" u="none" cap="none" strike="noStrike">
+              <a:defRPr sz="1400" b="0" i="0" u="none" strike="noStrike" cap="none">
                 <a:solidFill>
                   <a:schemeClr val="lt1"/>
                 </a:solidFill>
@@ -7513,7 +8041,7 @@
                 <a:sym typeface="Open Sans"/>
               </a:defRPr>
             </a:lvl5pPr>
-            <a:lvl6pPr indent="0" lvl="5" marL="2286000" marR="0" rtl="0" algn="l">
+            <a:lvl6pPr marL="2286000" marR="0" lvl="5" indent="0" algn="l" rtl="0">
               <a:lnSpc>
                 <a:spcPct val="115000"/>
               </a:lnSpc>
@@ -7528,7 +8056,7 @@
               </a:buClr>
               <a:buFont typeface="Open Sans"/>
               <a:buNone/>
-              <a:defRPr b="0" i="0" sz="1400" u="none" cap="none" strike="noStrike">
+              <a:defRPr sz="1400" b="0" i="0" u="none" strike="noStrike" cap="none">
                 <a:solidFill>
                   <a:schemeClr val="lt1"/>
                 </a:solidFill>
@@ -7538,7 +8066,7 @@
                 <a:sym typeface="Open Sans"/>
               </a:defRPr>
             </a:lvl6pPr>
-            <a:lvl7pPr indent="0" lvl="6" marL="2743200" marR="0" rtl="0" algn="l">
+            <a:lvl7pPr marL="2743200" marR="0" lvl="6" indent="0" algn="l" rtl="0">
               <a:lnSpc>
                 <a:spcPct val="115000"/>
               </a:lnSpc>
@@ -7553,7 +8081,7 @@
               </a:buClr>
               <a:buFont typeface="Open Sans"/>
               <a:buNone/>
-              <a:defRPr b="0" i="0" sz="1400" u="none" cap="none" strike="noStrike">
+              <a:defRPr sz="1400" b="0" i="0" u="none" strike="noStrike" cap="none">
                 <a:solidFill>
                   <a:schemeClr val="lt1"/>
                 </a:solidFill>
@@ -7563,7 +8091,7 @@
                 <a:sym typeface="Open Sans"/>
               </a:defRPr>
             </a:lvl7pPr>
-            <a:lvl8pPr indent="0" lvl="7" marL="3200400" marR="0" rtl="0" algn="l">
+            <a:lvl8pPr marL="3200400" marR="0" lvl="7" indent="0" algn="l" rtl="0">
               <a:lnSpc>
                 <a:spcPct val="115000"/>
               </a:lnSpc>
@@ -7578,7 +8106,7 @@
               </a:buClr>
               <a:buFont typeface="Open Sans"/>
               <a:buNone/>
-              <a:defRPr b="0" i="0" sz="1400" u="none" cap="none" strike="noStrike">
+              <a:defRPr sz="1400" b="0" i="0" u="none" strike="noStrike" cap="none">
                 <a:solidFill>
                   <a:schemeClr val="lt1"/>
                 </a:solidFill>
@@ -7588,7 +8116,7 @@
                 <a:sym typeface="Open Sans"/>
               </a:defRPr>
             </a:lvl8pPr>
-            <a:lvl9pPr indent="0" lvl="8" marL="3657600" marR="0" rtl="0" algn="l">
+            <a:lvl9pPr marL="3657600" marR="0" lvl="8" indent="0" algn="l" rtl="0">
               <a:lnSpc>
                 <a:spcPct val="115000"/>
               </a:lnSpc>
@@ -7603,7 +8131,7 @@
               </a:buClr>
               <a:buFont typeface="Open Sans"/>
               <a:buNone/>
-              <a:defRPr b="0" i="0" sz="1400" u="none" cap="none" strike="noStrike">
+              <a:defRPr sz="1400" b="0" i="0" u="none" strike="noStrike" cap="none">
                 <a:solidFill>
                   <a:schemeClr val="lt1"/>
                 </a:solidFill>
@@ -7614,15 +8142,19 @@
               </a:defRPr>
             </a:lvl9pPr>
           </a:lstStyle>
-          <a:p/>
+          <a:p>
+            <a:endParaRPr/>
+          </a:p>
         </p:txBody>
       </p:sp>
       <p:sp>
         <p:nvSpPr>
           <p:cNvPr id="51" name="Shape 51"/>
-          <p:cNvSpPr txBox="1"/>
+          <p:cNvSpPr txBox="1">
+            <a:spLocks noGrp="1"/>
+          </p:cNvSpPr>
           <p:nvPr>
-            <p:ph idx="12" type="sldNum"/>
+            <p:ph type="sldNum" idx="12"/>
           </p:nvPr>
         </p:nvSpPr>
         <p:spPr>
@@ -7639,12 +8171,12 @@
           </a:ln>
         </p:spPr>
         <p:txBody>
-          <a:bodyPr anchorCtr="0" anchor="ctr" bIns="91425" lIns="91425" rIns="91425" tIns="91425">
+          <a:bodyPr lIns="91425" tIns="91425" rIns="91425" bIns="91425" anchor="ctr" anchorCtr="0">
             <a:noAutofit/>
           </a:bodyPr>
           <a:lstStyle/>
           <a:p>
-            <a:pPr indent="0" lvl="0" marL="0" marR="0" rtl="0" algn="l">
+            <a:pPr marL="0" marR="0" lvl="0" indent="0" algn="l" rtl="0">
               <a:lnSpc>
                 <a:spcPct val="100000"/>
               </a:lnSpc>
@@ -7662,7 +8194,7 @@
               <a:buNone/>
             </a:pPr>
             <a:fld id="{00000000-1234-1234-1234-123412341234}" type="slidenum">
-              <a:rPr b="0" i="0" lang="en-US" sz="1400" u="none" cap="none" strike="noStrike">
+              <a:rPr lang="en-US" sz="1400" b="0" i="0" u="none" strike="noStrike" cap="none">
                 <a:solidFill>
                   <a:schemeClr val="lt1"/>
                 </a:solidFill>
@@ -7673,6 +8205,15 @@
               </a:rPr>
               <a:t>‹#›</a:t>
             </a:fld>
+            <a:endParaRPr lang="en-US" sz="1400" b="0" i="0" u="none" strike="noStrike" cap="none">
+              <a:solidFill>
+                <a:schemeClr val="lt1"/>
+              </a:solidFill>
+              <a:latin typeface="Arial"/>
+              <a:ea typeface="Arial"/>
+              <a:cs typeface="Arial"/>
+              <a:sym typeface="Arial"/>
+            </a:endParaRPr>
           </a:p>
         </p:txBody>
       </p:sp>
@@ -7685,11 +8226,11 @@
 </file>
 
 <file path=ppt/slideLayouts/slideLayout9.xml><?xml version="1.0" encoding="utf-8"?>
-<p:sldLayout xmlns:a="http://schemas.openxmlformats.org/drawingml/2006/main" xmlns:r="http://schemas.openxmlformats.org/officeDocument/2006/relationships" xmlns:mc="http://schemas.openxmlformats.org/markup-compatibility/2006" xmlns:mv="urn:schemas-microsoft-com:mac:vml" xmlns:p="http://schemas.openxmlformats.org/presentationml/2006/main" xmlns:c="http://schemas.openxmlformats.org/drawingml/2006/chart" xmlns:dgm="http://schemas.openxmlformats.org/drawingml/2006/diagram" xmlns:o="urn:schemas-microsoft-com:office:office" xmlns:v="urn:schemas-microsoft-com:vml" xmlns:pvml="urn:schemas-microsoft-com:office:powerpoint" xmlns:com="http://schemas.openxmlformats.org/drawingml/2006/compatibility" xmlns:p14="http://schemas.microsoft.com/office/powerpoint/2010/main">
+<p:sldLayout xmlns:a="http://schemas.openxmlformats.org/drawingml/2006/main" xmlns:r="http://schemas.openxmlformats.org/officeDocument/2006/relationships" xmlns:p="http://schemas.openxmlformats.org/presentationml/2006/main">
   <p:cSld name="Caption">
     <p:spTree>
       <p:nvGrpSpPr>
-        <p:cNvPr id="52" name="Shape 52"/>
+        <p:cNvPr id="1" name="Shape 52"/>
         <p:cNvGrpSpPr/>
         <p:nvPr/>
       </p:nvGrpSpPr>
@@ -7704,9 +8245,11 @@
       <p:sp>
         <p:nvSpPr>
           <p:cNvPr id="53" name="Shape 53"/>
-          <p:cNvSpPr txBox="1"/>
+          <p:cNvSpPr txBox="1">
+            <a:spLocks noGrp="1"/>
+          </p:cNvSpPr>
           <p:nvPr>
-            <p:ph idx="1" type="body"/>
+            <p:ph type="body" idx="1"/>
           </p:nvPr>
         </p:nvSpPr>
         <p:spPr>
@@ -7723,9 +8266,9 @@
           </a:ln>
         </p:spPr>
         <p:txBody>
-          <a:bodyPr anchorCtr="0" anchor="ctr" bIns="91425" lIns="91425" rIns="91425" tIns="91425"/>
+          <a:bodyPr lIns="91425" tIns="91425" rIns="91425" bIns="91425" anchor="ctr" anchorCtr="0"/>
           <a:lstStyle>
-            <a:lvl1pPr indent="0" lvl="0" marL="0" marR="0" rtl="0" algn="l">
+            <a:lvl1pPr marL="0" marR="0" lvl="0" indent="0" algn="l" rtl="0">
               <a:lnSpc>
                 <a:spcPct val="100000"/>
               </a:lnSpc>
@@ -7740,7 +8283,7 @@
               </a:buClr>
               <a:buFont typeface="PT Sans Narrow"/>
               <a:buNone/>
-              <a:defRPr b="0" i="0" sz="2400" u="none" cap="none" strike="noStrike">
+              <a:defRPr sz="2400" b="0" i="0" u="none" strike="noStrike" cap="none">
                 <a:solidFill>
                   <a:schemeClr val="dk2"/>
                 </a:solidFill>
@@ -7750,7 +8293,7 @@
                 <a:sym typeface="PT Sans Narrow"/>
               </a:defRPr>
             </a:lvl1pPr>
-            <a:lvl2pPr indent="0" lvl="1" marL="457200" marR="0" rtl="0" algn="l">
+            <a:lvl2pPr marL="457200" marR="0" lvl="1" indent="0" algn="l" rtl="0">
               <a:lnSpc>
                 <a:spcPct val="115000"/>
               </a:lnSpc>
@@ -7765,7 +8308,7 @@
               </a:buClr>
               <a:buFont typeface="Open Sans"/>
               <a:buNone/>
-              <a:defRPr b="0" i="0" sz="1400" u="none" cap="none" strike="noStrike">
+              <a:defRPr sz="1400" b="0" i="0" u="none" strike="noStrike" cap="none">
                 <a:solidFill>
                   <a:schemeClr val="dk2"/>
                 </a:solidFill>
@@ -7775,7 +8318,7 @@
                 <a:sym typeface="Open Sans"/>
               </a:defRPr>
             </a:lvl2pPr>
-            <a:lvl3pPr indent="0" lvl="2" marL="914400" marR="0" rtl="0" algn="l">
+            <a:lvl3pPr marL="914400" marR="0" lvl="2" indent="0" algn="l" rtl="0">
               <a:lnSpc>
                 <a:spcPct val="115000"/>
               </a:lnSpc>
@@ -7790,7 +8333,7 @@
               </a:buClr>
               <a:buFont typeface="Open Sans"/>
               <a:buNone/>
-              <a:defRPr b="0" i="0" sz="1400" u="none" cap="none" strike="noStrike">
+              <a:defRPr sz="1400" b="0" i="0" u="none" strike="noStrike" cap="none">
                 <a:solidFill>
                   <a:schemeClr val="dk2"/>
                 </a:solidFill>
@@ -7800,7 +8343,7 @@
                 <a:sym typeface="Open Sans"/>
               </a:defRPr>
             </a:lvl3pPr>
-            <a:lvl4pPr indent="0" lvl="3" marL="1371600" marR="0" rtl="0" algn="l">
+            <a:lvl4pPr marL="1371600" marR="0" lvl="3" indent="0" algn="l" rtl="0">
               <a:lnSpc>
                 <a:spcPct val="115000"/>
               </a:lnSpc>
@@ -7815,7 +8358,7 @@
               </a:buClr>
               <a:buFont typeface="Open Sans"/>
               <a:buNone/>
-              <a:defRPr b="0" i="0" sz="1400" u="none" cap="none" strike="noStrike">
+              <a:defRPr sz="1400" b="0" i="0" u="none" strike="noStrike" cap="none">
                 <a:solidFill>
                   <a:schemeClr val="dk2"/>
                 </a:solidFill>
@@ -7825,7 +8368,7 @@
                 <a:sym typeface="Open Sans"/>
               </a:defRPr>
             </a:lvl4pPr>
-            <a:lvl5pPr indent="0" lvl="4" marL="1828800" marR="0" rtl="0" algn="l">
+            <a:lvl5pPr marL="1828800" marR="0" lvl="4" indent="0" algn="l" rtl="0">
               <a:lnSpc>
                 <a:spcPct val="115000"/>
               </a:lnSpc>
@@ -7840,7 +8383,7 @@
               </a:buClr>
               <a:buFont typeface="Open Sans"/>
               <a:buNone/>
-              <a:defRPr b="0" i="0" sz="1400" u="none" cap="none" strike="noStrike">
+              <a:defRPr sz="1400" b="0" i="0" u="none" strike="noStrike" cap="none">
                 <a:solidFill>
                   <a:schemeClr val="dk2"/>
                 </a:solidFill>
@@ -7850,7 +8393,7 @@
                 <a:sym typeface="Open Sans"/>
               </a:defRPr>
             </a:lvl5pPr>
-            <a:lvl6pPr indent="0" lvl="5" marL="2286000" marR="0" rtl="0" algn="l">
+            <a:lvl6pPr marL="2286000" marR="0" lvl="5" indent="0" algn="l" rtl="0">
               <a:lnSpc>
                 <a:spcPct val="115000"/>
               </a:lnSpc>
@@ -7865,7 +8408,7 @@
               </a:buClr>
               <a:buFont typeface="Open Sans"/>
               <a:buNone/>
-              <a:defRPr b="0" i="0" sz="1400" u="none" cap="none" strike="noStrike">
+              <a:defRPr sz="1400" b="0" i="0" u="none" strike="noStrike" cap="none">
                 <a:solidFill>
                   <a:schemeClr val="dk2"/>
                 </a:solidFill>
@@ -7875,7 +8418,7 @@
                 <a:sym typeface="Open Sans"/>
               </a:defRPr>
             </a:lvl6pPr>
-            <a:lvl7pPr indent="0" lvl="6" marL="2743200" marR="0" rtl="0" algn="l">
+            <a:lvl7pPr marL="2743200" marR="0" lvl="6" indent="0" algn="l" rtl="0">
               <a:lnSpc>
                 <a:spcPct val="115000"/>
               </a:lnSpc>
@@ -7890,7 +8433,7 @@
               </a:buClr>
               <a:buFont typeface="Open Sans"/>
               <a:buNone/>
-              <a:defRPr b="0" i="0" sz="1400" u="none" cap="none" strike="noStrike">
+              <a:defRPr sz="1400" b="0" i="0" u="none" strike="noStrike" cap="none">
                 <a:solidFill>
                   <a:schemeClr val="dk2"/>
                 </a:solidFill>
@@ -7900,7 +8443,7 @@
                 <a:sym typeface="Open Sans"/>
               </a:defRPr>
             </a:lvl7pPr>
-            <a:lvl8pPr indent="0" lvl="7" marL="3200400" marR="0" rtl="0" algn="l">
+            <a:lvl8pPr marL="3200400" marR="0" lvl="7" indent="0" algn="l" rtl="0">
               <a:lnSpc>
                 <a:spcPct val="115000"/>
               </a:lnSpc>
@@ -7915,7 +8458,7 @@
               </a:buClr>
               <a:buFont typeface="Open Sans"/>
               <a:buNone/>
-              <a:defRPr b="0" i="0" sz="1400" u="none" cap="none" strike="noStrike">
+              <a:defRPr sz="1400" b="0" i="0" u="none" strike="noStrike" cap="none">
                 <a:solidFill>
                   <a:schemeClr val="dk2"/>
                 </a:solidFill>
@@ -7925,7 +8468,7 @@
                 <a:sym typeface="Open Sans"/>
               </a:defRPr>
             </a:lvl8pPr>
-            <a:lvl9pPr indent="0" lvl="8" marL="3657600" marR="0" rtl="0" algn="l">
+            <a:lvl9pPr marL="3657600" marR="0" lvl="8" indent="0" algn="l" rtl="0">
               <a:lnSpc>
                 <a:spcPct val="115000"/>
               </a:lnSpc>
@@ -7940,7 +8483,7 @@
               </a:buClr>
               <a:buFont typeface="Open Sans"/>
               <a:buNone/>
-              <a:defRPr b="0" i="0" sz="1400" u="none" cap="none" strike="noStrike">
+              <a:defRPr sz="1400" b="0" i="0" u="none" strike="noStrike" cap="none">
                 <a:solidFill>
                   <a:schemeClr val="dk2"/>
                 </a:solidFill>
@@ -7951,15 +8494,19 @@
               </a:defRPr>
             </a:lvl9pPr>
           </a:lstStyle>
-          <a:p/>
+          <a:p>
+            <a:endParaRPr/>
+          </a:p>
         </p:txBody>
       </p:sp>
       <p:sp>
         <p:nvSpPr>
           <p:cNvPr id="54" name="Shape 54"/>
-          <p:cNvSpPr txBox="1"/>
+          <p:cNvSpPr txBox="1">
+            <a:spLocks noGrp="1"/>
+          </p:cNvSpPr>
           <p:nvPr>
-            <p:ph idx="12" type="sldNum"/>
+            <p:ph type="sldNum" idx="12"/>
           </p:nvPr>
         </p:nvSpPr>
         <p:spPr>
@@ -7976,12 +8523,12 @@
           </a:ln>
         </p:spPr>
         <p:txBody>
-          <a:bodyPr anchorCtr="0" anchor="ctr" bIns="91425" lIns="91425" rIns="91425" tIns="91425">
+          <a:bodyPr lIns="91425" tIns="91425" rIns="91425" bIns="91425" anchor="ctr" anchorCtr="0">
             <a:noAutofit/>
           </a:bodyPr>
           <a:lstStyle/>
           <a:p>
-            <a:pPr indent="0" lvl="0" marL="0" marR="0" rtl="0" algn="l">
+            <a:pPr marL="0" marR="0" lvl="0" indent="0" algn="l" rtl="0">
               <a:lnSpc>
                 <a:spcPct val="100000"/>
               </a:lnSpc>
@@ -7999,7 +8546,7 @@
               <a:buNone/>
             </a:pPr>
             <a:fld id="{00000000-1234-1234-1234-123412341234}" type="slidenum">
-              <a:rPr b="0" i="0" lang="en-US" sz="1400" u="none" cap="none" strike="noStrike">
+              <a:rPr lang="en-US" sz="1400" b="0" i="0" u="none" strike="noStrike" cap="none">
                 <a:solidFill>
                   <a:srgbClr val="000000"/>
                 </a:solidFill>
@@ -8010,6 +8557,15 @@
               </a:rPr>
               <a:t>‹#›</a:t>
             </a:fld>
+            <a:endParaRPr lang="en-US" sz="1400" b="0" i="0" u="none" strike="noStrike" cap="none">
+              <a:solidFill>
+                <a:srgbClr val="000000"/>
+              </a:solidFill>
+              <a:latin typeface="Arial"/>
+              <a:ea typeface="Arial"/>
+              <a:cs typeface="Arial"/>
+              <a:sym typeface="Arial"/>
+            </a:endParaRPr>
           </a:p>
         </p:txBody>
       </p:sp>
@@ -8022,18 +8578,19 @@
 </file>
 
 <file path=ppt/slideMasters/slideMaster1.xml><?xml version="1.0" encoding="utf-8"?>
-<p:sldMaster xmlns:a="http://schemas.openxmlformats.org/drawingml/2006/main" xmlns:r="http://schemas.openxmlformats.org/officeDocument/2006/relationships" xmlns:mc="http://schemas.openxmlformats.org/markup-compatibility/2006" xmlns:mv="urn:schemas-microsoft-com:mac:vml" xmlns:p="http://schemas.openxmlformats.org/presentationml/2006/main" xmlns:c="http://schemas.openxmlformats.org/drawingml/2006/chart" xmlns:dgm="http://schemas.openxmlformats.org/drawingml/2006/diagram" xmlns:o="urn:schemas-microsoft-com:office:office" xmlns:v="urn:schemas-microsoft-com:vml" xmlns:pvml="urn:schemas-microsoft-com:office:powerpoint" xmlns:com="http://schemas.openxmlformats.org/drawingml/2006/compatibility" xmlns:p14="http://schemas.microsoft.com/office/powerpoint/2010/main">
+<p:sldMaster xmlns:a="http://schemas.openxmlformats.org/drawingml/2006/main" xmlns:r="http://schemas.openxmlformats.org/officeDocument/2006/relationships" xmlns:p="http://schemas.openxmlformats.org/presentationml/2006/main">
   <p:cSld>
     <p:bg>
       <p:bgPr>
         <a:solidFill>
           <a:schemeClr val="lt1"/>
         </a:solidFill>
+        <a:effectLst/>
       </p:bgPr>
     </p:bg>
     <p:spTree>
       <p:nvGrpSpPr>
-        <p:cNvPr id="5" name="Shape 5"/>
+        <p:cNvPr id="1" name="Shape 5"/>
         <p:cNvGrpSpPr/>
         <p:nvPr/>
       </p:nvGrpSpPr>
@@ -8048,7 +8605,9 @@
       <p:sp>
         <p:nvSpPr>
           <p:cNvPr id="6" name="Shape 6"/>
-          <p:cNvSpPr txBox="1"/>
+          <p:cNvSpPr txBox="1">
+            <a:spLocks noGrp="1"/>
+          </p:cNvSpPr>
           <p:nvPr>
             <p:ph type="title"/>
           </p:nvPr>
@@ -8067,9 +8626,9 @@
           </a:ln>
         </p:spPr>
         <p:txBody>
-          <a:bodyPr anchorCtr="0" anchor="t" bIns="91425" lIns="91425" rIns="91425" tIns="91425"/>
+          <a:bodyPr lIns="91425" tIns="91425" rIns="91425" bIns="91425" anchor="t" anchorCtr="0"/>
           <a:lstStyle>
-            <a:lvl1pPr indent="0" lvl="0" marL="0" marR="0" rtl="0" algn="l">
+            <a:lvl1pPr marL="0" marR="0" lvl="0" indent="0" algn="l" rtl="0">
               <a:lnSpc>
                 <a:spcPct val="100000"/>
               </a:lnSpc>
@@ -8084,7 +8643,7 @@
               </a:buClr>
               <a:buFont typeface="PT Sans Narrow"/>
               <a:buNone/>
-              <a:defRPr b="1" i="0" sz="3600" u="none" cap="none" strike="noStrike">
+              <a:defRPr sz="3600" b="1" i="0" u="none" strike="noStrike" cap="none">
                 <a:solidFill>
                   <a:schemeClr val="accent1"/>
                 </a:solidFill>
@@ -8094,7 +8653,7 @@
                 <a:sym typeface="PT Sans Narrow"/>
               </a:defRPr>
             </a:lvl1pPr>
-            <a:lvl2pPr indent="0" lvl="1">
+            <a:lvl2pPr lvl="1" indent="0">
               <a:spcBef>
                 <a:spcPts val="0"/>
               </a:spcBef>
@@ -8103,7 +8662,7 @@
               </a:buClr>
               <a:buFont typeface="PT Sans Narrow"/>
               <a:buNone/>
-              <a:defRPr b="1" sz="3600">
+              <a:defRPr sz="3600" b="1">
                 <a:solidFill>
                   <a:schemeClr val="accent1"/>
                 </a:solidFill>
@@ -8113,7 +8672,7 @@
                 <a:sym typeface="PT Sans Narrow"/>
               </a:defRPr>
             </a:lvl2pPr>
-            <a:lvl3pPr indent="0" lvl="2">
+            <a:lvl3pPr lvl="2" indent="0">
               <a:spcBef>
                 <a:spcPts val="0"/>
               </a:spcBef>
@@ -8122,7 +8681,7 @@
               </a:buClr>
               <a:buFont typeface="PT Sans Narrow"/>
               <a:buNone/>
-              <a:defRPr b="1" sz="3600">
+              <a:defRPr sz="3600" b="1">
                 <a:solidFill>
                   <a:schemeClr val="accent1"/>
                 </a:solidFill>
@@ -8132,7 +8691,7 @@
                 <a:sym typeface="PT Sans Narrow"/>
               </a:defRPr>
             </a:lvl3pPr>
-            <a:lvl4pPr indent="0" lvl="3">
+            <a:lvl4pPr lvl="3" indent="0">
               <a:spcBef>
                 <a:spcPts val="0"/>
               </a:spcBef>
@@ -8141,7 +8700,7 @@
               </a:buClr>
               <a:buFont typeface="PT Sans Narrow"/>
               <a:buNone/>
-              <a:defRPr b="1" sz="3600">
+              <a:defRPr sz="3600" b="1">
                 <a:solidFill>
                   <a:schemeClr val="accent1"/>
                 </a:solidFill>
@@ -8151,7 +8710,7 @@
                 <a:sym typeface="PT Sans Narrow"/>
               </a:defRPr>
             </a:lvl4pPr>
-            <a:lvl5pPr indent="0" lvl="4">
+            <a:lvl5pPr lvl="4" indent="0">
               <a:spcBef>
                 <a:spcPts val="0"/>
               </a:spcBef>
@@ -8160,7 +8719,7 @@
               </a:buClr>
               <a:buFont typeface="PT Sans Narrow"/>
               <a:buNone/>
-              <a:defRPr b="1" sz="3600">
+              <a:defRPr sz="3600" b="1">
                 <a:solidFill>
                   <a:schemeClr val="accent1"/>
                 </a:solidFill>
@@ -8170,7 +8729,7 @@
                 <a:sym typeface="PT Sans Narrow"/>
               </a:defRPr>
             </a:lvl5pPr>
-            <a:lvl6pPr indent="0" lvl="5">
+            <a:lvl6pPr lvl="5" indent="0">
               <a:spcBef>
                 <a:spcPts val="0"/>
               </a:spcBef>
@@ -8179,7 +8738,7 @@
               </a:buClr>
               <a:buFont typeface="PT Sans Narrow"/>
               <a:buNone/>
-              <a:defRPr b="1" sz="3600">
+              <a:defRPr sz="3600" b="1">
                 <a:solidFill>
                   <a:schemeClr val="accent1"/>
                 </a:solidFill>
@@ -8189,7 +8748,7 @@
                 <a:sym typeface="PT Sans Narrow"/>
               </a:defRPr>
             </a:lvl6pPr>
-            <a:lvl7pPr indent="0" lvl="6">
+            <a:lvl7pPr lvl="6" indent="0">
               <a:spcBef>
                 <a:spcPts val="0"/>
               </a:spcBef>
@@ -8198,7 +8757,7 @@
               </a:buClr>
               <a:buFont typeface="PT Sans Narrow"/>
               <a:buNone/>
-              <a:defRPr b="1" sz="3600">
+              <a:defRPr sz="3600" b="1">
                 <a:solidFill>
                   <a:schemeClr val="accent1"/>
                 </a:solidFill>
@@ -8208,7 +8767,7 @@
                 <a:sym typeface="PT Sans Narrow"/>
               </a:defRPr>
             </a:lvl7pPr>
-            <a:lvl8pPr indent="0" lvl="7">
+            <a:lvl8pPr lvl="7" indent="0">
               <a:spcBef>
                 <a:spcPts val="0"/>
               </a:spcBef>
@@ -8217,7 +8776,7 @@
               </a:buClr>
               <a:buFont typeface="PT Sans Narrow"/>
               <a:buNone/>
-              <a:defRPr b="1" sz="3600">
+              <a:defRPr sz="3600" b="1">
                 <a:solidFill>
                   <a:schemeClr val="accent1"/>
                 </a:solidFill>
@@ -8227,7 +8786,7 @@
                 <a:sym typeface="PT Sans Narrow"/>
               </a:defRPr>
             </a:lvl8pPr>
-            <a:lvl9pPr indent="0" lvl="8">
+            <a:lvl9pPr lvl="8" indent="0">
               <a:spcBef>
                 <a:spcPts val="0"/>
               </a:spcBef>
@@ -8236,7 +8795,7 @@
               </a:buClr>
               <a:buFont typeface="PT Sans Narrow"/>
               <a:buNone/>
-              <a:defRPr b="1" sz="3600">
+              <a:defRPr sz="3600" b="1">
                 <a:solidFill>
                   <a:schemeClr val="accent1"/>
                 </a:solidFill>
@@ -8247,15 +8806,19 @@
               </a:defRPr>
             </a:lvl9pPr>
           </a:lstStyle>
-          <a:p/>
+          <a:p>
+            <a:endParaRPr/>
+          </a:p>
         </p:txBody>
       </p:sp>
       <p:sp>
         <p:nvSpPr>
           <p:cNvPr id="7" name="Shape 7"/>
-          <p:cNvSpPr txBox="1"/>
+          <p:cNvSpPr txBox="1">
+            <a:spLocks noGrp="1"/>
+          </p:cNvSpPr>
           <p:nvPr>
-            <p:ph idx="1" type="body"/>
+            <p:ph type="body" idx="1"/>
           </p:nvPr>
         </p:nvSpPr>
         <p:spPr>
@@ -8272,9 +8835,9 @@
           </a:ln>
         </p:spPr>
         <p:txBody>
-          <a:bodyPr anchorCtr="0" anchor="t" bIns="91425" lIns="91425" rIns="91425" tIns="91425"/>
+          <a:bodyPr lIns="91425" tIns="91425" rIns="91425" bIns="91425" anchor="t" anchorCtr="0"/>
           <a:lstStyle>
-            <a:lvl1pPr indent="0" lvl="0" marL="0" marR="0" rtl="0" algn="l">
+            <a:lvl1pPr marL="0" marR="0" lvl="0" indent="0" algn="l" rtl="0">
               <a:lnSpc>
                 <a:spcPct val="115000"/>
               </a:lnSpc>
@@ -8289,7 +8852,7 @@
               </a:buClr>
               <a:buFont typeface="Open Sans"/>
               <a:buNone/>
-              <a:defRPr b="0" i="0" sz="1800" u="none" cap="none" strike="noStrike">
+              <a:defRPr sz="1800" b="0" i="0" u="none" strike="noStrike" cap="none">
                 <a:solidFill>
                   <a:schemeClr val="dk2"/>
                 </a:solidFill>
@@ -8299,7 +8862,7 @@
                 <a:sym typeface="Open Sans"/>
               </a:defRPr>
             </a:lvl1pPr>
-            <a:lvl2pPr indent="0" lvl="1" marL="457200" marR="0" rtl="0" algn="l">
+            <a:lvl2pPr marL="457200" marR="0" lvl="1" indent="0" algn="l" rtl="0">
               <a:lnSpc>
                 <a:spcPct val="115000"/>
               </a:lnSpc>
@@ -8314,7 +8877,7 @@
               </a:buClr>
               <a:buFont typeface="Open Sans"/>
               <a:buNone/>
-              <a:defRPr b="0" i="0" sz="1400" u="none" cap="none" strike="noStrike">
+              <a:defRPr sz="1400" b="0" i="0" u="none" strike="noStrike" cap="none">
                 <a:solidFill>
                   <a:schemeClr val="dk2"/>
                 </a:solidFill>
@@ -8324,7 +8887,7 @@
                 <a:sym typeface="Open Sans"/>
               </a:defRPr>
             </a:lvl2pPr>
-            <a:lvl3pPr indent="0" lvl="2" marL="914400" marR="0" rtl="0" algn="l">
+            <a:lvl3pPr marL="914400" marR="0" lvl="2" indent="0" algn="l" rtl="0">
               <a:lnSpc>
                 <a:spcPct val="115000"/>
               </a:lnSpc>
@@ -8339,7 +8902,7 @@
               </a:buClr>
               <a:buFont typeface="Open Sans"/>
               <a:buNone/>
-              <a:defRPr b="0" i="0" sz="1400" u="none" cap="none" strike="noStrike">
+              <a:defRPr sz="1400" b="0" i="0" u="none" strike="noStrike" cap="none">
                 <a:solidFill>
                   <a:schemeClr val="dk2"/>
                 </a:solidFill>
@@ -8349,7 +8912,7 @@
                 <a:sym typeface="Open Sans"/>
               </a:defRPr>
             </a:lvl3pPr>
-            <a:lvl4pPr indent="0" lvl="3" marL="1371600" marR="0" rtl="0" algn="l">
+            <a:lvl4pPr marL="1371600" marR="0" lvl="3" indent="0" algn="l" rtl="0">
               <a:lnSpc>
                 <a:spcPct val="115000"/>
               </a:lnSpc>
@@ -8364,7 +8927,7 @@
               </a:buClr>
               <a:buFont typeface="Open Sans"/>
               <a:buNone/>
-              <a:defRPr b="0" i="0" sz="1400" u="none" cap="none" strike="noStrike">
+              <a:defRPr sz="1400" b="0" i="0" u="none" strike="noStrike" cap="none">
                 <a:solidFill>
                   <a:schemeClr val="dk2"/>
                 </a:solidFill>
@@ -8374,7 +8937,7 @@
                 <a:sym typeface="Open Sans"/>
               </a:defRPr>
             </a:lvl4pPr>
-            <a:lvl5pPr indent="0" lvl="4" marL="1828800" marR="0" rtl="0" algn="l">
+            <a:lvl5pPr marL="1828800" marR="0" lvl="4" indent="0" algn="l" rtl="0">
               <a:lnSpc>
                 <a:spcPct val="115000"/>
               </a:lnSpc>
@@ -8389,7 +8952,7 @@
               </a:buClr>
               <a:buFont typeface="Open Sans"/>
               <a:buNone/>
-              <a:defRPr b="0" i="0" sz="1400" u="none" cap="none" strike="noStrike">
+              <a:defRPr sz="1400" b="0" i="0" u="none" strike="noStrike" cap="none">
                 <a:solidFill>
                   <a:schemeClr val="dk2"/>
                 </a:solidFill>
@@ -8399,7 +8962,7 @@
                 <a:sym typeface="Open Sans"/>
               </a:defRPr>
             </a:lvl5pPr>
-            <a:lvl6pPr indent="0" lvl="5" marL="2286000" marR="0" rtl="0" algn="l">
+            <a:lvl6pPr marL="2286000" marR="0" lvl="5" indent="0" algn="l" rtl="0">
               <a:lnSpc>
                 <a:spcPct val="115000"/>
               </a:lnSpc>
@@ -8414,7 +8977,7 @@
               </a:buClr>
               <a:buFont typeface="Open Sans"/>
               <a:buNone/>
-              <a:defRPr b="0" i="0" sz="1400" u="none" cap="none" strike="noStrike">
+              <a:defRPr sz="1400" b="0" i="0" u="none" strike="noStrike" cap="none">
                 <a:solidFill>
                   <a:schemeClr val="dk2"/>
                 </a:solidFill>
@@ -8424,7 +8987,7 @@
                 <a:sym typeface="Open Sans"/>
               </a:defRPr>
             </a:lvl6pPr>
-            <a:lvl7pPr indent="0" lvl="6" marL="2743200" marR="0" rtl="0" algn="l">
+            <a:lvl7pPr marL="2743200" marR="0" lvl="6" indent="0" algn="l" rtl="0">
               <a:lnSpc>
                 <a:spcPct val="115000"/>
               </a:lnSpc>
@@ -8439,7 +9002,7 @@
               </a:buClr>
               <a:buFont typeface="Open Sans"/>
               <a:buNone/>
-              <a:defRPr b="0" i="0" sz="1400" u="none" cap="none" strike="noStrike">
+              <a:defRPr sz="1400" b="0" i="0" u="none" strike="noStrike" cap="none">
                 <a:solidFill>
                   <a:schemeClr val="dk2"/>
                 </a:solidFill>
@@ -8449,7 +9012,7 @@
                 <a:sym typeface="Open Sans"/>
               </a:defRPr>
             </a:lvl7pPr>
-            <a:lvl8pPr indent="0" lvl="7" marL="3200400" marR="0" rtl="0" algn="l">
+            <a:lvl8pPr marL="3200400" marR="0" lvl="7" indent="0" algn="l" rtl="0">
               <a:lnSpc>
                 <a:spcPct val="115000"/>
               </a:lnSpc>
@@ -8464,7 +9027,7 @@
               </a:buClr>
               <a:buFont typeface="Open Sans"/>
               <a:buNone/>
-              <a:defRPr b="0" i="0" sz="1400" u="none" cap="none" strike="noStrike">
+              <a:defRPr sz="1400" b="0" i="0" u="none" strike="noStrike" cap="none">
                 <a:solidFill>
                   <a:schemeClr val="dk2"/>
                 </a:solidFill>
@@ -8474,7 +9037,7 @@
                 <a:sym typeface="Open Sans"/>
               </a:defRPr>
             </a:lvl8pPr>
-            <a:lvl9pPr indent="0" lvl="8" marL="3657600" marR="0" rtl="0" algn="l">
+            <a:lvl9pPr marL="3657600" marR="0" lvl="8" indent="0" algn="l" rtl="0">
               <a:lnSpc>
                 <a:spcPct val="115000"/>
               </a:lnSpc>
@@ -8489,7 +9052,7 @@
               </a:buClr>
               <a:buFont typeface="Open Sans"/>
               <a:buNone/>
-              <a:defRPr b="0" i="0" sz="1400" u="none" cap="none" strike="noStrike">
+              <a:defRPr sz="1400" b="0" i="0" u="none" strike="noStrike" cap="none">
                 <a:solidFill>
                   <a:schemeClr val="dk2"/>
                 </a:solidFill>
@@ -8500,15 +9063,19 @@
               </a:defRPr>
             </a:lvl9pPr>
           </a:lstStyle>
-          <a:p/>
+          <a:p>
+            <a:endParaRPr/>
+          </a:p>
         </p:txBody>
       </p:sp>
       <p:sp>
         <p:nvSpPr>
           <p:cNvPr id="8" name="Shape 8"/>
-          <p:cNvSpPr txBox="1"/>
+          <p:cNvSpPr txBox="1">
+            <a:spLocks noGrp="1"/>
+          </p:cNvSpPr>
           <p:nvPr>
-            <p:ph idx="12" type="sldNum"/>
+            <p:ph type="sldNum" idx="12"/>
           </p:nvPr>
         </p:nvSpPr>
         <p:spPr>
@@ -8525,12 +9092,12 @@
           </a:ln>
         </p:spPr>
         <p:txBody>
-          <a:bodyPr anchorCtr="0" anchor="ctr" bIns="91425" lIns="91425" rIns="91425" tIns="91425">
+          <a:bodyPr lIns="91425" tIns="91425" rIns="91425" bIns="91425" anchor="ctr" anchorCtr="0">
             <a:noAutofit/>
           </a:bodyPr>
           <a:lstStyle/>
           <a:p>
-            <a:pPr indent="0" lvl="0" marL="0" marR="0" rtl="0" algn="r">
+            <a:pPr marL="0" marR="0" lvl="0" indent="0" algn="r" rtl="0">
               <a:lnSpc>
                 <a:spcPct val="100000"/>
               </a:lnSpc>
@@ -8548,7 +9115,7 @@
               <a:buNone/>
             </a:pPr>
             <a:fld id="{00000000-1234-1234-1234-123412341234}" type="slidenum">
-              <a:rPr b="0" i="0" lang="en-US" sz="1000" u="none" cap="none" strike="noStrike">
+              <a:rPr lang="en-US" sz="1000" b="0" i="0" u="none" strike="noStrike" cap="none">
                 <a:solidFill>
                   <a:schemeClr val="dk2"/>
                 </a:solidFill>
@@ -8559,12 +9126,21 @@
               </a:rPr>
               <a:t>‹#›</a:t>
             </a:fld>
+            <a:endParaRPr lang="en-US" sz="1000" b="0" i="0" u="none" strike="noStrike" cap="none">
+              <a:solidFill>
+                <a:schemeClr val="dk2"/>
+              </a:solidFill>
+              <a:latin typeface="Open Sans"/>
+              <a:ea typeface="Open Sans"/>
+              <a:cs typeface="Open Sans"/>
+              <a:sym typeface="Open Sans"/>
+            </a:endParaRPr>
           </a:p>
         </p:txBody>
       </p:sp>
     </p:spTree>
   </p:cSld>
-  <p:clrMap accent1="accent1" accent2="accent2" accent3="accent3" accent4="accent4" accent5="accent5" accent6="accent6" bg1="lt1" bg2="dk2" tx1="dk1" tx2="lt2" folHlink="folHlink" hlink="hlink"/>
+  <p:clrMap bg1="lt1" tx1="dk1" bg2="dk2" tx2="lt2" accent1="accent1" accent2="accent2" accent3="accent3" accent4="accent4" accent5="accent5" accent6="accent6" hlink="hlink" folHlink="folHlink"/>
   <p:sldLayoutIdLst>
     <p:sldLayoutId id="2147483648" r:id="rId1"/>
     <p:sldLayoutId id="2147483649" r:id="rId2"/>
@@ -8578,10 +9154,10 @@
     <p:sldLayoutId id="2147483657" r:id="rId10"/>
     <p:sldLayoutId id="2147483658" r:id="rId11"/>
   </p:sldLayoutIdLst>
-  <p:hf dt="0" ftr="0" hdr="0" sldNum="0"/>
+  <p:hf sldNum="0" hdr="0" ftr="0" dt="0"/>
   <p:txStyles>
     <p:titleStyle>
-      <a:defPPr lvl="0" marR="0" rtl="0" algn="l">
+      <a:defPPr marR="0" lvl="0" algn="l" rtl="0">
         <a:lnSpc>
           <a:spcPct val="100000"/>
         </a:lnSpc>
@@ -8592,7 +9168,7 @@
           <a:spcPts val="0"/>
         </a:spcAft>
       </a:defPPr>
-      <a:lvl1pPr lvl="0" marR="0" rtl="0" algn="l">
+      <a:lvl1pPr marR="0" lvl="0" algn="l" rtl="0">
         <a:lnSpc>
           <a:spcPct val="100000"/>
         </a:lnSpc>
@@ -8603,7 +9179,7 @@
           <a:spcPts val="0"/>
         </a:spcAft>
         <a:buNone/>
-        <a:defRPr b="0" i="0" sz="1400" u="none" cap="none" strike="noStrike">
+        <a:defRPr sz="1400" b="0" i="0" u="none" strike="noStrike" cap="none">
           <a:solidFill>
             <a:srgbClr val="000000"/>
           </a:solidFill>
@@ -8615,7 +9191,7 @@
       </a:lvl1pPr>
     </p:titleStyle>
     <p:bodyStyle>
-      <a:defPPr lvl="0" marR="0" rtl="0" algn="l">
+      <a:defPPr marR="0" lvl="0" algn="l" rtl="0">
         <a:lnSpc>
           <a:spcPct val="100000"/>
         </a:lnSpc>
@@ -8626,7 +9202,7 @@
           <a:spcPts val="0"/>
         </a:spcAft>
       </a:defPPr>
-      <a:lvl1pPr lvl="0" marR="0" rtl="0" algn="l">
+      <a:lvl1pPr marR="0" lvl="0" algn="l" rtl="0">
         <a:lnSpc>
           <a:spcPct val="100000"/>
         </a:lnSpc>
@@ -8637,7 +9213,7 @@
           <a:spcPts val="0"/>
         </a:spcAft>
         <a:buNone/>
-        <a:defRPr b="0" i="0" sz="1400" u="none" cap="none" strike="noStrike">
+        <a:defRPr sz="1400" b="0" i="0" u="none" strike="noStrike" cap="none">
           <a:solidFill>
             <a:srgbClr val="000000"/>
           </a:solidFill>
@@ -8647,7 +9223,7 @@
           <a:sym typeface="Arial"/>
         </a:defRPr>
       </a:lvl1pPr>
-      <a:lvl2pPr lvl="1" marR="0" rtl="0" algn="l">
+      <a:lvl2pPr marR="0" lvl="1" algn="l" rtl="0">
         <a:lnSpc>
           <a:spcPct val="100000"/>
         </a:lnSpc>
@@ -8658,7 +9234,7 @@
           <a:spcPts val="0"/>
         </a:spcAft>
         <a:buNone/>
-        <a:defRPr b="0" i="0" sz="1400" u="none" cap="none" strike="noStrike">
+        <a:defRPr sz="1400" b="0" i="0" u="none" strike="noStrike" cap="none">
           <a:solidFill>
             <a:srgbClr val="000000"/>
           </a:solidFill>
@@ -8668,7 +9244,7 @@
           <a:sym typeface="Arial"/>
         </a:defRPr>
       </a:lvl2pPr>
-      <a:lvl3pPr lvl="2" marR="0" rtl="0" algn="l">
+      <a:lvl3pPr marR="0" lvl="2" algn="l" rtl="0">
         <a:lnSpc>
           <a:spcPct val="100000"/>
         </a:lnSpc>
@@ -8679,7 +9255,7 @@
           <a:spcPts val="0"/>
         </a:spcAft>
         <a:buNone/>
-        <a:defRPr b="0" i="0" sz="1400" u="none" cap="none" strike="noStrike">
+        <a:defRPr sz="1400" b="0" i="0" u="none" strike="noStrike" cap="none">
           <a:solidFill>
             <a:srgbClr val="000000"/>
           </a:solidFill>
@@ -8689,7 +9265,7 @@
           <a:sym typeface="Arial"/>
         </a:defRPr>
       </a:lvl3pPr>
-      <a:lvl4pPr lvl="3" marR="0" rtl="0" algn="l">
+      <a:lvl4pPr marR="0" lvl="3" algn="l" rtl="0">
         <a:lnSpc>
           <a:spcPct val="100000"/>
         </a:lnSpc>
@@ -8700,7 +9276,7 @@
           <a:spcPts val="0"/>
         </a:spcAft>
         <a:buNone/>
-        <a:defRPr b="0" i="0" sz="1400" u="none" cap="none" strike="noStrike">
+        <a:defRPr sz="1400" b="0" i="0" u="none" strike="noStrike" cap="none">
           <a:solidFill>
             <a:srgbClr val="000000"/>
           </a:solidFill>
@@ -8710,7 +9286,7 @@
           <a:sym typeface="Arial"/>
         </a:defRPr>
       </a:lvl4pPr>
-      <a:lvl5pPr lvl="4" marR="0" rtl="0" algn="l">
+      <a:lvl5pPr marR="0" lvl="4" algn="l" rtl="0">
         <a:lnSpc>
           <a:spcPct val="100000"/>
         </a:lnSpc>
@@ -8721,7 +9297,7 @@
           <a:spcPts val="0"/>
         </a:spcAft>
         <a:buNone/>
-        <a:defRPr b="0" i="0" sz="1400" u="none" cap="none" strike="noStrike">
+        <a:defRPr sz="1400" b="0" i="0" u="none" strike="noStrike" cap="none">
           <a:solidFill>
             <a:srgbClr val="000000"/>
           </a:solidFill>
@@ -8731,7 +9307,7 @@
           <a:sym typeface="Arial"/>
         </a:defRPr>
       </a:lvl5pPr>
-      <a:lvl6pPr lvl="5" marR="0" rtl="0" algn="l">
+      <a:lvl6pPr marR="0" lvl="5" algn="l" rtl="0">
         <a:lnSpc>
           <a:spcPct val="100000"/>
         </a:lnSpc>
@@ -8742,7 +9318,7 @@
           <a:spcPts val="0"/>
         </a:spcAft>
         <a:buNone/>
-        <a:defRPr b="0" i="0" sz="1400" u="none" cap="none" strike="noStrike">
+        <a:defRPr sz="1400" b="0" i="0" u="none" strike="noStrike" cap="none">
           <a:solidFill>
             <a:srgbClr val="000000"/>
           </a:solidFill>
@@ -8752,7 +9328,7 @@
           <a:sym typeface="Arial"/>
         </a:defRPr>
       </a:lvl6pPr>
-      <a:lvl7pPr lvl="6" marR="0" rtl="0" algn="l">
+      <a:lvl7pPr marR="0" lvl="6" algn="l" rtl="0">
         <a:lnSpc>
           <a:spcPct val="100000"/>
         </a:lnSpc>
@@ -8763,7 +9339,7 @@
           <a:spcPts val="0"/>
         </a:spcAft>
         <a:buNone/>
-        <a:defRPr b="0" i="0" sz="1400" u="none" cap="none" strike="noStrike">
+        <a:defRPr sz="1400" b="0" i="0" u="none" strike="noStrike" cap="none">
           <a:solidFill>
             <a:srgbClr val="000000"/>
           </a:solidFill>
@@ -8773,7 +9349,7 @@
           <a:sym typeface="Arial"/>
         </a:defRPr>
       </a:lvl7pPr>
-      <a:lvl8pPr lvl="7" marR="0" rtl="0" algn="l">
+      <a:lvl8pPr marR="0" lvl="7" algn="l" rtl="0">
         <a:lnSpc>
           <a:spcPct val="100000"/>
         </a:lnSpc>
@@ -8784,7 +9360,7 @@
           <a:spcPts val="0"/>
         </a:spcAft>
         <a:buNone/>
-        <a:defRPr b="0" i="0" sz="1400" u="none" cap="none" strike="noStrike">
+        <a:defRPr sz="1400" b="0" i="0" u="none" strike="noStrike" cap="none">
           <a:solidFill>
             <a:srgbClr val="000000"/>
           </a:solidFill>
@@ -8794,7 +9370,7 @@
           <a:sym typeface="Arial"/>
         </a:defRPr>
       </a:lvl8pPr>
-      <a:lvl9pPr lvl="8" marR="0" rtl="0" algn="l">
+      <a:lvl9pPr marR="0" lvl="8" algn="l" rtl="0">
         <a:lnSpc>
           <a:spcPct val="100000"/>
         </a:lnSpc>
@@ -8805,7 +9381,7 @@
           <a:spcPts val="0"/>
         </a:spcAft>
         <a:buNone/>
-        <a:defRPr b="0" i="0" sz="1400" u="none" cap="none" strike="noStrike">
+        <a:defRPr sz="1400" b="0" i="0" u="none" strike="noStrike" cap="none">
           <a:solidFill>
             <a:srgbClr val="000000"/>
           </a:solidFill>
@@ -8817,7 +9393,7 @@
       </a:lvl9pPr>
     </p:bodyStyle>
     <p:otherStyle>
-      <a:defPPr lvl="0" marR="0" rtl="0" algn="l">
+      <a:defPPr marR="0" lvl="0" algn="l" rtl="0">
         <a:lnSpc>
           <a:spcPct val="100000"/>
         </a:lnSpc>
@@ -8828,7 +9404,7 @@
           <a:spcPts val="0"/>
         </a:spcAft>
       </a:defPPr>
-      <a:lvl1pPr lvl="0" marR="0" rtl="0" algn="l">
+      <a:lvl1pPr marR="0" lvl="0" algn="l" rtl="0">
         <a:lnSpc>
           <a:spcPct val="100000"/>
         </a:lnSpc>
@@ -8839,7 +9415,7 @@
           <a:spcPts val="0"/>
         </a:spcAft>
         <a:buNone/>
-        <a:defRPr b="0" i="0" sz="1400" u="none" cap="none" strike="noStrike">
+        <a:defRPr sz="1400" b="0" i="0" u="none" strike="noStrike" cap="none">
           <a:solidFill>
             <a:srgbClr val="000000"/>
           </a:solidFill>
@@ -8849,7 +9425,7 @@
           <a:sym typeface="Arial"/>
         </a:defRPr>
       </a:lvl1pPr>
-      <a:lvl2pPr lvl="1" marR="0" rtl="0" algn="l">
+      <a:lvl2pPr marR="0" lvl="1" algn="l" rtl="0">
         <a:lnSpc>
           <a:spcPct val="100000"/>
         </a:lnSpc>
@@ -8860,7 +9436,7 @@
           <a:spcPts val="0"/>
         </a:spcAft>
         <a:buNone/>
-        <a:defRPr b="0" i="0" sz="1400" u="none" cap="none" strike="noStrike">
+        <a:defRPr sz="1400" b="0" i="0" u="none" strike="noStrike" cap="none">
           <a:solidFill>
             <a:srgbClr val="000000"/>
           </a:solidFill>
@@ -8870,7 +9446,7 @@
           <a:sym typeface="Arial"/>
         </a:defRPr>
       </a:lvl2pPr>
-      <a:lvl3pPr lvl="2" marR="0" rtl="0" algn="l">
+      <a:lvl3pPr marR="0" lvl="2" algn="l" rtl="0">
         <a:lnSpc>
           <a:spcPct val="100000"/>
         </a:lnSpc>
@@ -8881,7 +9457,7 @@
           <a:spcPts val="0"/>
         </a:spcAft>
         <a:buNone/>
-        <a:defRPr b="0" i="0" sz="1400" u="none" cap="none" strike="noStrike">
+        <a:defRPr sz="1400" b="0" i="0" u="none" strike="noStrike" cap="none">
           <a:solidFill>
             <a:srgbClr val="000000"/>
           </a:solidFill>
@@ -8891,7 +9467,7 @@
           <a:sym typeface="Arial"/>
         </a:defRPr>
       </a:lvl3pPr>
-      <a:lvl4pPr lvl="3" marR="0" rtl="0" algn="l">
+      <a:lvl4pPr marR="0" lvl="3" algn="l" rtl="0">
         <a:lnSpc>
           <a:spcPct val="100000"/>
         </a:lnSpc>
@@ -8902,7 +9478,7 @@
           <a:spcPts val="0"/>
         </a:spcAft>
         <a:buNone/>
-        <a:defRPr b="0" i="0" sz="1400" u="none" cap="none" strike="noStrike">
+        <a:defRPr sz="1400" b="0" i="0" u="none" strike="noStrike" cap="none">
           <a:solidFill>
             <a:srgbClr val="000000"/>
           </a:solidFill>
@@ -8912,7 +9488,7 @@
           <a:sym typeface="Arial"/>
         </a:defRPr>
       </a:lvl4pPr>
-      <a:lvl5pPr lvl="4" marR="0" rtl="0" algn="l">
+      <a:lvl5pPr marR="0" lvl="4" algn="l" rtl="0">
         <a:lnSpc>
           <a:spcPct val="100000"/>
         </a:lnSpc>
@@ -8923,7 +9499,7 @@
           <a:spcPts val="0"/>
         </a:spcAft>
         <a:buNone/>
-        <a:defRPr b="0" i="0" sz="1400" u="none" cap="none" strike="noStrike">
+        <a:defRPr sz="1400" b="0" i="0" u="none" strike="noStrike" cap="none">
           <a:solidFill>
             <a:srgbClr val="000000"/>
           </a:solidFill>
@@ -8933,7 +9509,7 @@
           <a:sym typeface="Arial"/>
         </a:defRPr>
       </a:lvl5pPr>
-      <a:lvl6pPr lvl="5" marR="0" rtl="0" algn="l">
+      <a:lvl6pPr marR="0" lvl="5" algn="l" rtl="0">
         <a:lnSpc>
           <a:spcPct val="100000"/>
         </a:lnSpc>
@@ -8944,7 +9520,7 @@
           <a:spcPts val="0"/>
         </a:spcAft>
         <a:buNone/>
-        <a:defRPr b="0" i="0" sz="1400" u="none" cap="none" strike="noStrike">
+        <a:defRPr sz="1400" b="0" i="0" u="none" strike="noStrike" cap="none">
           <a:solidFill>
             <a:srgbClr val="000000"/>
           </a:solidFill>
@@ -8954,7 +9530,7 @@
           <a:sym typeface="Arial"/>
         </a:defRPr>
       </a:lvl6pPr>
-      <a:lvl7pPr lvl="6" marR="0" rtl="0" algn="l">
+      <a:lvl7pPr marR="0" lvl="6" algn="l" rtl="0">
         <a:lnSpc>
           <a:spcPct val="100000"/>
         </a:lnSpc>
@@ -8965,7 +9541,7 @@
           <a:spcPts val="0"/>
         </a:spcAft>
         <a:buNone/>
-        <a:defRPr b="0" i="0" sz="1400" u="none" cap="none" strike="noStrike">
+        <a:defRPr sz="1400" b="0" i="0" u="none" strike="noStrike" cap="none">
           <a:solidFill>
             <a:srgbClr val="000000"/>
           </a:solidFill>
@@ -8975,7 +9551,7 @@
           <a:sym typeface="Arial"/>
         </a:defRPr>
       </a:lvl7pPr>
-      <a:lvl8pPr lvl="7" marR="0" rtl="0" algn="l">
+      <a:lvl8pPr marR="0" lvl="7" algn="l" rtl="0">
         <a:lnSpc>
           <a:spcPct val="100000"/>
         </a:lnSpc>
@@ -8986,7 +9562,7 @@
           <a:spcPts val="0"/>
         </a:spcAft>
         <a:buNone/>
-        <a:defRPr b="0" i="0" sz="1400" u="none" cap="none" strike="noStrike">
+        <a:defRPr sz="1400" b="0" i="0" u="none" strike="noStrike" cap="none">
           <a:solidFill>
             <a:srgbClr val="000000"/>
           </a:solidFill>
@@ -8996,7 +9572,7 @@
           <a:sym typeface="Arial"/>
         </a:defRPr>
       </a:lvl8pPr>
-      <a:lvl9pPr lvl="8" marR="0" rtl="0" algn="l">
+      <a:lvl9pPr marR="0" lvl="8" algn="l" rtl="0">
         <a:lnSpc>
           <a:spcPct val="100000"/>
         </a:lnSpc>
@@ -9007,7 +9583,7 @@
           <a:spcPts val="0"/>
         </a:spcAft>
         <a:buNone/>
-        <a:defRPr b="0" i="0" sz="1400" u="none" cap="none" strike="noStrike">
+        <a:defRPr sz="1400" b="0" i="0" u="none" strike="noStrike" cap="none">
           <a:solidFill>
             <a:srgbClr val="000000"/>
           </a:solidFill>
@@ -9023,11 +9599,11 @@
 </file>
 
 <file path=ppt/slides/slide1.xml><?xml version="1.0" encoding="utf-8"?>
-<p:sld xmlns:a="http://schemas.openxmlformats.org/drawingml/2006/main" xmlns:r="http://schemas.openxmlformats.org/officeDocument/2006/relationships" xmlns:mc="http://schemas.openxmlformats.org/markup-compatibility/2006" xmlns:mv="urn:schemas-microsoft-com:mac:vml" xmlns:p="http://schemas.openxmlformats.org/presentationml/2006/main" xmlns:c="http://schemas.openxmlformats.org/drawingml/2006/chart" xmlns:dgm="http://schemas.openxmlformats.org/drawingml/2006/diagram" xmlns:o="urn:schemas-microsoft-com:office:office" xmlns:v="urn:schemas-microsoft-com:vml" xmlns:pvml="urn:schemas-microsoft-com:office:powerpoint" xmlns:com="http://schemas.openxmlformats.org/drawingml/2006/compatibility" xmlns:p14="http://schemas.microsoft.com/office/powerpoint/2010/main">
+<p:sld xmlns:a="http://schemas.openxmlformats.org/drawingml/2006/main" xmlns:r="http://schemas.openxmlformats.org/officeDocument/2006/relationships" xmlns:p="http://schemas.openxmlformats.org/presentationml/2006/main">
   <p:cSld>
     <p:spTree>
       <p:nvGrpSpPr>
-        <p:cNvPr id="65" name="Shape 65"/>
+        <p:cNvPr id="1" name="Shape 65"/>
         <p:cNvGrpSpPr/>
         <p:nvPr/>
       </p:nvGrpSpPr>
@@ -9042,7 +9618,9 @@
       <p:sp>
         <p:nvSpPr>
           <p:cNvPr id="66" name="Shape 66"/>
-          <p:cNvSpPr txBox="1"/>
+          <p:cNvSpPr txBox="1">
+            <a:spLocks noGrp="1"/>
+          </p:cNvSpPr>
           <p:nvPr>
             <p:ph type="ctrTitle"/>
           </p:nvPr>
@@ -9061,12 +9639,12 @@
           </a:ln>
         </p:spPr>
         <p:txBody>
-          <a:bodyPr anchorCtr="0" anchor="b" bIns="91425" lIns="91425" rIns="91425" tIns="91425">
+          <a:bodyPr lIns="91425" tIns="91425" rIns="91425" bIns="91425" anchor="b" anchorCtr="0">
             <a:noAutofit/>
           </a:bodyPr>
           <a:lstStyle/>
           <a:p>
-            <a:pPr indent="0" lvl="0" marL="0" marR="0" rtl="0" algn="ctr">
+            <a:pPr marL="0" marR="0" lvl="0" indent="0" algn="ctr" rtl="0">
               <a:lnSpc>
                 <a:spcPct val="100000"/>
               </a:lnSpc>
@@ -9084,7 +9662,7 @@
               <a:buNone/>
             </a:pPr>
             <a:r>
-              <a:rPr b="1" i="0" lang="en-US" sz="5400" u="none" cap="none" strike="noStrike">
+              <a:rPr lang="en-US" sz="5400" b="1" i="0" u="none" strike="noStrike" cap="none">
                 <a:solidFill>
                   <a:schemeClr val="accent1"/>
                 </a:solidFill>
@@ -9101,9 +9679,11 @@
       <p:sp>
         <p:nvSpPr>
           <p:cNvPr id="67" name="Shape 67"/>
-          <p:cNvSpPr txBox="1"/>
+          <p:cNvSpPr txBox="1">
+            <a:spLocks noGrp="1"/>
+          </p:cNvSpPr>
           <p:nvPr>
-            <p:ph idx="1" type="subTitle"/>
+            <p:ph type="subTitle" idx="1"/>
           </p:nvPr>
         </p:nvSpPr>
         <p:spPr>
@@ -9120,12 +9700,12 @@
           </a:ln>
         </p:spPr>
         <p:txBody>
-          <a:bodyPr anchorCtr="0" anchor="t" bIns="91425" lIns="91425" rIns="91425" tIns="91425">
+          <a:bodyPr lIns="91425" tIns="91425" rIns="91425" bIns="91425" anchor="t" anchorCtr="0">
             <a:noAutofit/>
           </a:bodyPr>
           <a:lstStyle/>
           <a:p>
-            <a:pPr indent="0" lvl="0" marL="0" marR="0" rtl="0" algn="ctr">
+            <a:pPr marL="0" marR="0" lvl="0" indent="0" algn="ctr" rtl="0">
               <a:lnSpc>
                 <a:spcPct val="100000"/>
               </a:lnSpc>
@@ -9142,10 +9722,7 @@
               <a:buFont typeface="Open Sans"/>
               <a:buNone/>
             </a:pPr>
-            <a:r>
-              <a:t/>
-            </a:r>
-            <a:endParaRPr b="0" i="0" sz="2400" u="none" cap="none" strike="noStrike">
+            <a:endParaRPr sz="2400" b="0" i="0" u="none" strike="noStrike" cap="none">
               <a:solidFill>
                 <a:schemeClr val="dk2"/>
               </a:solidFill>
@@ -9162,15 +9739,22 @@
   <p:clrMapOvr>
     <a:masterClrMapping/>
   </p:clrMapOvr>
+  <p:timing>
+    <p:tnLst>
+      <p:par>
+        <p:cTn xmlns:p14="http://schemas.microsoft.com/office/powerpoint/2010/main" id="1" dur="indefinite" restart="never" nodeType="tmRoot"/>
+      </p:par>
+    </p:tnLst>
+  </p:timing>
 </p:sld>
 </file>
 
 <file path=ppt/slides/slide10.xml><?xml version="1.0" encoding="utf-8"?>
-<p:sld xmlns:a="http://schemas.openxmlformats.org/drawingml/2006/main" xmlns:r="http://schemas.openxmlformats.org/officeDocument/2006/relationships" xmlns:mc="http://schemas.openxmlformats.org/markup-compatibility/2006" xmlns:mv="urn:schemas-microsoft-com:mac:vml" xmlns:p="http://schemas.openxmlformats.org/presentationml/2006/main" xmlns:c="http://schemas.openxmlformats.org/drawingml/2006/chart" xmlns:dgm="http://schemas.openxmlformats.org/drawingml/2006/diagram" xmlns:o="urn:schemas-microsoft-com:office:office" xmlns:v="urn:schemas-microsoft-com:vml" xmlns:pvml="urn:schemas-microsoft-com:office:powerpoint" xmlns:com="http://schemas.openxmlformats.org/drawingml/2006/compatibility" xmlns:p14="http://schemas.microsoft.com/office/powerpoint/2010/main">
+<p:sld xmlns:a="http://schemas.openxmlformats.org/drawingml/2006/main" xmlns:r="http://schemas.openxmlformats.org/officeDocument/2006/relationships" xmlns:p="http://schemas.openxmlformats.org/presentationml/2006/main">
   <p:cSld>
     <p:spTree>
       <p:nvGrpSpPr>
-        <p:cNvPr id="119" name="Shape 119"/>
+        <p:cNvPr id="1" name="Shape 119"/>
         <p:cNvGrpSpPr/>
         <p:nvPr/>
       </p:nvGrpSpPr>
@@ -9184,7 +9768,7 @@
       </p:grpSpPr>
       <p:pic>
         <p:nvPicPr>
-          <p:cNvPr descr="diffviewer.png" id="120" name="Shape 120"/>
+          <p:cNvPr id="120" name="Shape 120" descr="diffviewer.png"/>
           <p:cNvPicPr preferRelativeResize="0"/>
           <p:nvPr/>
         </p:nvPicPr>
@@ -9192,13 +9776,13 @@
           <a:blip r:embed="rId3">
             <a:alphaModFix/>
           </a:blip>
-          <a:srcRect b="0" l="0" r="0" t="0"/>
+          <a:srcRect/>
           <a:stretch/>
         </p:blipFill>
         <p:spPr>
           <a:xfrm>
-            <a:off x="1206500" y="0"/>
-            <a:ext cx="6715689" cy="5143499"/>
+            <a:off x="1206501" y="78752"/>
+            <a:ext cx="6413910" cy="4912369"/>
           </a:xfrm>
           <a:prstGeom prst="rect">
             <a:avLst/>
@@ -9214,15 +9798,22 @@
   <p:clrMapOvr>
     <a:masterClrMapping/>
   </p:clrMapOvr>
+  <p:timing>
+    <p:tnLst>
+      <p:par>
+        <p:cTn xmlns:p14="http://schemas.microsoft.com/office/powerpoint/2010/main" id="1" dur="indefinite" restart="never" nodeType="tmRoot"/>
+      </p:par>
+    </p:tnLst>
+  </p:timing>
 </p:sld>
 </file>
 
 <file path=ppt/slides/slide11.xml><?xml version="1.0" encoding="utf-8"?>
-<p:sld xmlns:a="http://schemas.openxmlformats.org/drawingml/2006/main" xmlns:r="http://schemas.openxmlformats.org/officeDocument/2006/relationships" xmlns:mc="http://schemas.openxmlformats.org/markup-compatibility/2006" xmlns:mv="urn:schemas-microsoft-com:mac:vml" xmlns:p="http://schemas.openxmlformats.org/presentationml/2006/main" xmlns:c="http://schemas.openxmlformats.org/drawingml/2006/chart" xmlns:dgm="http://schemas.openxmlformats.org/drawingml/2006/diagram" xmlns:o="urn:schemas-microsoft-com:office:office" xmlns:v="urn:schemas-microsoft-com:vml" xmlns:pvml="urn:schemas-microsoft-com:office:powerpoint" xmlns:com="http://schemas.openxmlformats.org/drawingml/2006/compatibility" xmlns:p14="http://schemas.microsoft.com/office/powerpoint/2010/main">
+<p:sld xmlns:a="http://schemas.openxmlformats.org/drawingml/2006/main" xmlns:r="http://schemas.openxmlformats.org/officeDocument/2006/relationships" xmlns:p="http://schemas.openxmlformats.org/presentationml/2006/main">
   <p:cSld>
     <p:spTree>
       <p:nvGrpSpPr>
-        <p:cNvPr id="125" name="Shape 125"/>
+        <p:cNvPr id="1" name="Shape 125"/>
         <p:cNvGrpSpPr/>
         <p:nvPr/>
       </p:nvGrpSpPr>
@@ -9237,7 +9828,9 @@
       <p:sp>
         <p:nvSpPr>
           <p:cNvPr id="126" name="Shape 126"/>
-          <p:cNvSpPr txBox="1"/>
+          <p:cNvSpPr txBox="1">
+            <a:spLocks noGrp="1"/>
+          </p:cNvSpPr>
           <p:nvPr>
             <p:ph type="title"/>
           </p:nvPr>
@@ -9256,12 +9849,12 @@
           </a:ln>
         </p:spPr>
         <p:txBody>
-          <a:bodyPr anchorCtr="0" anchor="ctr" bIns="91425" lIns="91425" rIns="91425" tIns="91425">
+          <a:bodyPr lIns="91425" tIns="91425" rIns="91425" bIns="91425" anchor="ctr" anchorCtr="0">
             <a:noAutofit/>
           </a:bodyPr>
           <a:lstStyle/>
           <a:p>
-            <a:pPr indent="0" lvl="0" marL="0" marR="0" rtl="0" algn="ctr">
+            <a:pPr marL="0" marR="0" lvl="0" indent="0" algn="ctr" rtl="0">
               <a:lnSpc>
                 <a:spcPct val="100000"/>
               </a:lnSpc>
@@ -9279,7 +9872,7 @@
               <a:buNone/>
             </a:pPr>
             <a:r>
-              <a:rPr b="1" i="0" lang="en-US" sz="3600" u="none" cap="none" strike="noStrike">
+              <a:rPr lang="en-US" sz="3600" b="1" i="0" u="none" strike="noStrike" cap="none">
                 <a:solidFill>
                   <a:schemeClr val="accent1"/>
                 </a:solidFill>
@@ -9295,7 +9888,7 @@
               <a:t>er</a:t>
             </a:r>
             <a:r>
-              <a:rPr b="1" i="0" lang="en-US" sz="3600" u="none" cap="none" strike="noStrike">
+              <a:rPr lang="en-US" sz="3600" b="1" i="0" u="none" strike="noStrike" cap="none">
                 <a:solidFill>
                   <a:schemeClr val="accent1"/>
                 </a:solidFill>
@@ -9311,7 +9904,7 @@
               <a:t>workflow</a:t>
             </a:r>
             <a:r>
-              <a:rPr b="1" i="0" lang="en-US" sz="3600" u="none" cap="none" strike="noStrike">
+              <a:rPr lang="en-US" sz="3600" b="1" i="0" u="none" strike="noStrike" cap="none">
                 <a:solidFill>
                   <a:schemeClr val="accent1"/>
                 </a:solidFill>
@@ -9345,12 +9938,12 @@
           </a:ln>
         </p:spPr>
         <p:txBody>
-          <a:bodyPr anchorCtr="0" anchor="t" bIns="91425" lIns="91425" rIns="91425" tIns="91425">
+          <a:bodyPr lIns="91425" tIns="91425" rIns="91425" bIns="91425" anchor="t" anchorCtr="0">
             <a:noAutofit/>
           </a:bodyPr>
           <a:lstStyle/>
           <a:p>
-            <a:pPr indent="0" lvl="0" marL="0" marR="0" rtl="0" algn="l">
+            <a:pPr marL="0" marR="0" lvl="0" indent="0" algn="l" rtl="0">
               <a:lnSpc>
                 <a:spcPct val="100000"/>
               </a:lnSpc>
@@ -9368,7 +9961,7 @@
               <a:buNone/>
             </a:pPr>
             <a:r>
-              <a:rPr b="0" i="0" lang="en-US" sz="1800" u="none" cap="none" strike="noStrike">
+              <a:rPr lang="en-US" sz="1800" b="0" i="0" u="none" strike="noStrike" cap="none">
                 <a:solidFill>
                   <a:srgbClr val="FFFFFF"/>
                 </a:solidFill>
@@ -9387,15 +9980,22 @@
   <p:clrMapOvr>
     <a:masterClrMapping/>
   </p:clrMapOvr>
+  <p:timing>
+    <p:tnLst>
+      <p:par>
+        <p:cTn xmlns:p14="http://schemas.microsoft.com/office/powerpoint/2010/main" id="1" dur="indefinite" restart="never" nodeType="tmRoot"/>
+      </p:par>
+    </p:tnLst>
+  </p:timing>
 </p:sld>
 </file>
 
 <file path=ppt/slides/slide2.xml><?xml version="1.0" encoding="utf-8"?>
-<p:sld xmlns:a="http://schemas.openxmlformats.org/drawingml/2006/main" xmlns:r="http://schemas.openxmlformats.org/officeDocument/2006/relationships" xmlns:mc="http://schemas.openxmlformats.org/markup-compatibility/2006" xmlns:mv="urn:schemas-microsoft-com:mac:vml" xmlns:p="http://schemas.openxmlformats.org/presentationml/2006/main" xmlns:c="http://schemas.openxmlformats.org/drawingml/2006/chart" xmlns:dgm="http://schemas.openxmlformats.org/drawingml/2006/diagram" xmlns:o="urn:schemas-microsoft-com:office:office" xmlns:v="urn:schemas-microsoft-com:vml" xmlns:pvml="urn:schemas-microsoft-com:office:powerpoint" xmlns:com="http://schemas.openxmlformats.org/drawingml/2006/compatibility" xmlns:p14="http://schemas.microsoft.com/office/powerpoint/2010/main">
+<p:sld xmlns:a="http://schemas.openxmlformats.org/drawingml/2006/main" xmlns:r="http://schemas.openxmlformats.org/officeDocument/2006/relationships" xmlns:p="http://schemas.openxmlformats.org/presentationml/2006/main">
   <p:cSld>
     <p:spTree>
       <p:nvGrpSpPr>
-        <p:cNvPr id="71" name="Shape 71"/>
+        <p:cNvPr id="1" name="Shape 71"/>
         <p:cNvGrpSpPr/>
         <p:nvPr/>
       </p:nvGrpSpPr>
@@ -9410,7 +10010,9 @@
       <p:sp>
         <p:nvSpPr>
           <p:cNvPr id="72" name="Shape 72"/>
-          <p:cNvSpPr txBox="1"/>
+          <p:cNvSpPr txBox="1">
+            <a:spLocks noGrp="1"/>
+          </p:cNvSpPr>
           <p:nvPr>
             <p:ph type="title"/>
           </p:nvPr>
@@ -9429,12 +10031,12 @@
           </a:ln>
         </p:spPr>
         <p:txBody>
-          <a:bodyPr anchorCtr="0" anchor="t" bIns="91425" lIns="91425" rIns="91425" tIns="91425">
+          <a:bodyPr lIns="91425" tIns="91425" rIns="91425" bIns="91425" anchor="t" anchorCtr="0">
             <a:noAutofit/>
           </a:bodyPr>
           <a:lstStyle/>
           <a:p>
-            <a:pPr indent="0" lvl="0" marL="0" marR="0" rtl="0" algn="l">
+            <a:pPr marL="0" marR="0" lvl="0" indent="0" algn="l" rtl="0">
               <a:lnSpc>
                 <a:spcPct val="100000"/>
               </a:lnSpc>
@@ -9452,7 +10054,7 @@
               <a:buNone/>
             </a:pPr>
             <a:r>
-              <a:rPr b="1" i="0" lang="en-US" sz="3600" u="none" cap="none" strike="noStrike">
+              <a:rPr lang="en-US" sz="3600" b="1" i="0" u="none" strike="noStrike" cap="none">
                 <a:solidFill>
                   <a:schemeClr val="accent1"/>
                 </a:solidFill>
@@ -9469,9 +10071,11 @@
       <p:sp>
         <p:nvSpPr>
           <p:cNvPr id="73" name="Shape 73"/>
-          <p:cNvSpPr txBox="1"/>
+          <p:cNvSpPr txBox="1">
+            <a:spLocks noGrp="1"/>
+          </p:cNvSpPr>
           <p:nvPr>
-            <p:ph idx="1" type="body"/>
+            <p:ph type="body" idx="1"/>
           </p:nvPr>
         </p:nvSpPr>
         <p:spPr>
@@ -9488,164 +10092,102 @@
           </a:ln>
         </p:spPr>
         <p:txBody>
-          <a:bodyPr anchorCtr="0" anchor="t" bIns="91425" lIns="91425" rIns="91425" tIns="91425">
+          <a:bodyPr lIns="91425" tIns="91425" rIns="91425" bIns="91425" anchor="t" anchorCtr="0">
             <a:noAutofit/>
           </a:bodyPr>
           <a:lstStyle/>
           <a:p>
-            <a:pPr indent="-228600" lvl="0" marL="457200" marR="0" rtl="0" algn="l">
-              <a:lnSpc>
-                <a:spcPct val="115000"/>
-              </a:lnSpc>
-              <a:spcBef>
-                <a:spcPts val="0"/>
-              </a:spcBef>
-              <a:spcAft>
-                <a:spcPts val="0"/>
-              </a:spcAft>
-              <a:buClr>
-                <a:schemeClr val="dk2"/>
-              </a:buClr>
-              <a:buSzPct val="25000"/>
+            <a:pPr marL="457200" indent="-317500">
+              <a:spcBef>
+                <a:spcPts val="400"/>
+              </a:spcBef>
+              <a:spcAft>
+                <a:spcPts val="0"/>
+              </a:spcAft>
+              <a:buSzPct val="100000"/>
               <a:buFont typeface="Open Sans"/>
-              <a:buNone/>
+              <a:buChar char="●"/>
             </a:pPr>
             <a:r>
-              <a:rPr b="0" i="0" lang="en-US" sz="1800" u="none" cap="none" strike="noStrike">
-                <a:solidFill>
-                  <a:schemeClr val="dk2"/>
-                </a:solidFill>
-                <a:latin typeface="Open Sans"/>
-                <a:ea typeface="Open Sans"/>
-                <a:cs typeface="Open Sans"/>
-                <a:sym typeface="Open Sans"/>
-              </a:rPr>
-              <a:t>Agile is a process formed in response to the “waterfall process.” In the waterfall process, developers would receive clear requirements up front, be left alone to work for X months, then be expected to deliver the final product to users.</a:t>
+              <a:rPr lang="en-US" dirty="0" smtClean="0"/>
+              <a:t>Agile </a:t>
+            </a:r>
+            <a:r>
+              <a:rPr lang="en-US" dirty="0"/>
+              <a:t>is a process formed in response to the “waterfall process.” In the waterfall process, developers would receive clear requirements up front, be left alone to work for X months, then be expected to deliver the final product to </a:t>
+            </a:r>
+            <a:r>
+              <a:rPr lang="en-US" dirty="0" smtClean="0"/>
+              <a:t>users.</a:t>
             </a:r>
           </a:p>
           <a:p>
-            <a:pPr indent="-228600" lvl="0" marL="457200" marR="0" rtl="0" algn="l">
-              <a:lnSpc>
-                <a:spcPct val="115000"/>
-              </a:lnSpc>
-              <a:spcBef>
-                <a:spcPts val="1600"/>
-              </a:spcBef>
-              <a:spcAft>
-                <a:spcPts val="0"/>
-              </a:spcAft>
-              <a:buClr>
-                <a:schemeClr val="dk2"/>
-              </a:buClr>
-              <a:buSzPct val="25000"/>
+            <a:pPr marL="457200" indent="-317500">
+              <a:spcBef>
+                <a:spcPts val="400"/>
+              </a:spcBef>
+              <a:spcAft>
+                <a:spcPts val="0"/>
+              </a:spcAft>
+              <a:buSzPct val="100000"/>
               <a:buFont typeface="Open Sans"/>
-              <a:buNone/>
+              <a:buChar char="●"/>
             </a:pPr>
             <a:r>
-              <a:rPr b="0" i="0" lang="en-US" sz="1800" u="none" cap="none" strike="noStrike">
-                <a:solidFill>
-                  <a:schemeClr val="dk2"/>
-                </a:solidFill>
-                <a:latin typeface="Open Sans"/>
-                <a:ea typeface="Open Sans"/>
-                <a:cs typeface="Open Sans"/>
-                <a:sym typeface="Open Sans"/>
-              </a:rPr>
-              <a:t>Agile centers around user feedback and quick, responsive iterations.</a:t>
+              <a:rPr lang="en-US" dirty="0" smtClean="0"/>
+              <a:t>Agile </a:t>
+            </a:r>
+            <a:r>
+              <a:rPr lang="en-US" dirty="0"/>
+              <a:t>centers around user feedback and quick, responsive iterations</a:t>
+            </a:r>
+            <a:r>
+              <a:rPr lang="en-US" dirty="0" smtClean="0"/>
+              <a:t>.</a:t>
             </a:r>
           </a:p>
           <a:p>
-            <a:pPr indent="-228600" lvl="0" marL="457200" marR="0" rtl="0" algn="l">
-              <a:lnSpc>
-                <a:spcPct val="115000"/>
-              </a:lnSpc>
-              <a:spcBef>
-                <a:spcPts val="1600"/>
-              </a:spcBef>
-              <a:spcAft>
-                <a:spcPts val="0"/>
-              </a:spcAft>
-              <a:buClr>
-                <a:schemeClr val="dk2"/>
-              </a:buClr>
-              <a:buSzPct val="25000"/>
+            <a:pPr marL="457200" lvl="0" indent="-317500">
+              <a:spcBef>
+                <a:spcPts val="400"/>
+              </a:spcBef>
+              <a:spcAft>
+                <a:spcPts val="0"/>
+              </a:spcAft>
+              <a:buSzPct val="100000"/>
               <a:buFont typeface="Open Sans"/>
-              <a:buNone/>
+              <a:buChar char="●"/>
             </a:pPr>
             <a:r>
-              <a:rPr b="0" i="0" lang="en-US" sz="1800" u="none" cap="none" strike="noStrike">
-                <a:solidFill>
-                  <a:schemeClr val="dk2"/>
-                </a:solidFill>
-                <a:latin typeface="Open Sans"/>
-                <a:ea typeface="Open Sans"/>
-                <a:cs typeface="Open Sans"/>
-                <a:sym typeface="Open Sans"/>
-              </a:rPr>
-              <a:t>Many engineering teams in tech companies use the Agile process to organize and drive development.</a:t>
+              <a:rPr lang="en-US" dirty="0"/>
+              <a:t>Many engineering teams in tech companies use the Agile process to organize and drive development</a:t>
+            </a:r>
+            <a:r>
+              <a:rPr lang="en-US" dirty="0" smtClean="0"/>
+              <a:t>.</a:t>
             </a:r>
           </a:p>
           <a:p>
-            <a:pPr indent="-228600" lvl="0" marL="457200" marR="0" rtl="0" algn="l">
-              <a:lnSpc>
-                <a:spcPct val="115000"/>
-              </a:lnSpc>
-              <a:spcBef>
-                <a:spcPts val="1600"/>
-              </a:spcBef>
-              <a:spcAft>
-                <a:spcPts val="0"/>
-              </a:spcAft>
-              <a:buClr>
-                <a:schemeClr val="dk2"/>
-              </a:buClr>
-              <a:buSzPct val="25000"/>
+            <a:pPr marL="457200" indent="-317500">
+              <a:spcBef>
+                <a:spcPts val="400"/>
+              </a:spcBef>
+              <a:spcAft>
+                <a:spcPts val="0"/>
+              </a:spcAft>
+              <a:buSzPct val="100000"/>
               <a:buFont typeface="Open Sans"/>
-              <a:buNone/>
+              <a:buChar char="●"/>
             </a:pPr>
             <a:r>
-              <a:rPr b="0" i="0" lang="en-US" sz="1800" u="none" cap="none" strike="noStrike">
-                <a:solidFill>
-                  <a:schemeClr val="dk2"/>
-                </a:solidFill>
-                <a:latin typeface="Open Sans"/>
-                <a:ea typeface="Open Sans"/>
-                <a:cs typeface="Open Sans"/>
-                <a:sym typeface="Open Sans"/>
-              </a:rPr>
-              <a:t>Example: making a wedding cake vs. baking cookies</a:t>
+              <a:rPr lang="en-US" dirty="0"/>
+              <a:t>Example: making a wedding cake vs. baking </a:t>
             </a:r>
-          </a:p>
-          <a:p>
-            <a:pPr indent="0" lvl="0" marL="0" marR="0" rtl="0" algn="l">
-              <a:lnSpc>
-                <a:spcPct val="115000"/>
-              </a:lnSpc>
-              <a:spcBef>
-                <a:spcPts val="1600"/>
-              </a:spcBef>
-              <a:spcAft>
-                <a:spcPts val="0"/>
-              </a:spcAft>
-              <a:buClr>
-                <a:schemeClr val="dk2"/>
-              </a:buClr>
-              <a:buSzPct val="25000"/>
-              <a:buFont typeface="Open Sans"/>
-              <a:buNone/>
-            </a:pPr>
             <a:r>
-              <a:t/>
+              <a:rPr lang="en-US" dirty="0" smtClean="0"/>
+              <a:t>cookies</a:t>
             </a:r>
-            <a:endParaRPr b="0" i="0" sz="1800" u="none" cap="none" strike="noStrike">
-              <a:solidFill>
-                <a:schemeClr val="dk2"/>
-              </a:solidFill>
-              <a:latin typeface="Open Sans"/>
-              <a:ea typeface="Open Sans"/>
-              <a:cs typeface="Open Sans"/>
-              <a:sym typeface="Open Sans"/>
-            </a:endParaRPr>
+            <a:endParaRPr lang="en-US" dirty="0"/>
           </a:p>
         </p:txBody>
       </p:sp>
@@ -9654,15 +10196,22 @@
   <p:clrMapOvr>
     <a:masterClrMapping/>
   </p:clrMapOvr>
+  <p:timing>
+    <p:tnLst>
+      <p:par>
+        <p:cTn xmlns:p14="http://schemas.microsoft.com/office/powerpoint/2010/main" id="1" dur="indefinite" restart="never" nodeType="tmRoot"/>
+      </p:par>
+    </p:tnLst>
+  </p:timing>
 </p:sld>
 </file>
 
 <file path=ppt/slides/slide3.xml><?xml version="1.0" encoding="utf-8"?>
-<p:sld xmlns:a="http://schemas.openxmlformats.org/drawingml/2006/main" xmlns:r="http://schemas.openxmlformats.org/officeDocument/2006/relationships" xmlns:mc="http://schemas.openxmlformats.org/markup-compatibility/2006" xmlns:mv="urn:schemas-microsoft-com:mac:vml" xmlns:p="http://schemas.openxmlformats.org/presentationml/2006/main" xmlns:c="http://schemas.openxmlformats.org/drawingml/2006/chart" xmlns:dgm="http://schemas.openxmlformats.org/drawingml/2006/diagram" xmlns:o="urn:schemas-microsoft-com:office:office" xmlns:v="urn:schemas-microsoft-com:vml" xmlns:pvml="urn:schemas-microsoft-com:office:powerpoint" xmlns:com="http://schemas.openxmlformats.org/drawingml/2006/compatibility" xmlns:p14="http://schemas.microsoft.com/office/powerpoint/2010/main">
+<p:sld xmlns:a="http://schemas.openxmlformats.org/drawingml/2006/main" xmlns:r="http://schemas.openxmlformats.org/officeDocument/2006/relationships" xmlns:p="http://schemas.openxmlformats.org/presentationml/2006/main">
   <p:cSld>
     <p:spTree>
       <p:nvGrpSpPr>
-        <p:cNvPr id="77" name="Shape 77"/>
+        <p:cNvPr id="1" name="Shape 77"/>
         <p:cNvGrpSpPr/>
         <p:nvPr/>
       </p:nvGrpSpPr>
@@ -9677,7 +10226,9 @@
       <p:sp>
         <p:nvSpPr>
           <p:cNvPr id="78" name="Shape 78"/>
-          <p:cNvSpPr txBox="1"/>
+          <p:cNvSpPr txBox="1">
+            <a:spLocks noGrp="1"/>
+          </p:cNvSpPr>
           <p:nvPr>
             <p:ph type="title"/>
           </p:nvPr>
@@ -9696,12 +10247,12 @@
           </a:ln>
         </p:spPr>
         <p:txBody>
-          <a:bodyPr anchorCtr="0" anchor="t" bIns="91425" lIns="91425" rIns="91425" tIns="91425">
+          <a:bodyPr lIns="91425" tIns="91425" rIns="91425" bIns="91425" anchor="t" anchorCtr="0">
             <a:noAutofit/>
           </a:bodyPr>
           <a:lstStyle/>
           <a:p>
-            <a:pPr indent="0" lvl="0" marL="0" marR="0" rtl="0" algn="l">
+            <a:pPr marL="0" marR="0" lvl="0" indent="0" algn="l" rtl="0">
               <a:lnSpc>
                 <a:spcPct val="100000"/>
               </a:lnSpc>
@@ -9719,7 +10270,7 @@
               <a:buNone/>
             </a:pPr>
             <a:r>
-              <a:rPr b="1" i="0" lang="en-US" sz="3600" u="none" cap="none" strike="noStrike">
+              <a:rPr lang="en-US" sz="3600" b="1" i="0" u="none" strike="noStrike" cap="none">
                 <a:solidFill>
                   <a:schemeClr val="accent1"/>
                 </a:solidFill>
@@ -9735,7 +10286,7 @@
       </p:sp>
       <p:pic>
         <p:nvPicPr>
-          <p:cNvPr descr="Screen Shot 2016-06-12 at 1.05.19 PM.png" id="79" name="Shape 79"/>
+          <p:cNvPr id="79" name="Shape 79" descr="Screen Shot 2016-06-12 at 1.05.19 PM.png"/>
           <p:cNvPicPr preferRelativeResize="0"/>
           <p:nvPr/>
         </p:nvPicPr>
@@ -9743,7 +10294,7 @@
           <a:blip r:embed="rId3">
             <a:alphaModFix/>
           </a:blip>
-          <a:srcRect b="0" l="0" r="0" t="0"/>
+          <a:srcRect/>
           <a:stretch/>
         </p:blipFill>
         <p:spPr>
@@ -9780,12 +10331,12 @@
           </a:ln>
         </p:spPr>
         <p:txBody>
-          <a:bodyPr anchorCtr="0" anchor="t" bIns="91425" lIns="91425" rIns="91425" tIns="91425">
+          <a:bodyPr lIns="91425" tIns="91425" rIns="91425" bIns="91425" anchor="t" anchorCtr="0">
             <a:noAutofit/>
           </a:bodyPr>
           <a:lstStyle/>
           <a:p>
-            <a:pPr indent="0" lvl="0" marL="0" marR="0" rtl="0" algn="l">
+            <a:pPr marL="0" marR="0" lvl="0" indent="0" algn="l" rtl="0">
               <a:lnSpc>
                 <a:spcPct val="100000"/>
               </a:lnSpc>
@@ -9803,7 +10354,7 @@
               <a:buNone/>
             </a:pPr>
             <a:r>
-              <a:rPr b="0" i="0" lang="en-US" sz="1000" u="none" cap="none" strike="noStrike">
+              <a:rPr lang="en-US" sz="1000" b="0" i="0" u="none" strike="noStrike" cap="none">
                 <a:solidFill>
                   <a:srgbClr val="000000"/>
                 </a:solidFill>
@@ -9822,15 +10373,22 @@
   <p:clrMapOvr>
     <a:masterClrMapping/>
   </p:clrMapOvr>
+  <p:timing>
+    <p:tnLst>
+      <p:par>
+        <p:cTn xmlns:p14="http://schemas.microsoft.com/office/powerpoint/2010/main" id="1" dur="indefinite" restart="never" nodeType="tmRoot"/>
+      </p:par>
+    </p:tnLst>
+  </p:timing>
 </p:sld>
 </file>
 
 <file path=ppt/slides/slide4.xml><?xml version="1.0" encoding="utf-8"?>
-<p:sld xmlns:a="http://schemas.openxmlformats.org/drawingml/2006/main" xmlns:r="http://schemas.openxmlformats.org/officeDocument/2006/relationships" xmlns:mc="http://schemas.openxmlformats.org/markup-compatibility/2006" xmlns:mv="urn:schemas-microsoft-com:mac:vml" xmlns:p="http://schemas.openxmlformats.org/presentationml/2006/main" xmlns:c="http://schemas.openxmlformats.org/drawingml/2006/chart" xmlns:dgm="http://schemas.openxmlformats.org/drawingml/2006/diagram" xmlns:o="urn:schemas-microsoft-com:office:office" xmlns:v="urn:schemas-microsoft-com:vml" xmlns:pvml="urn:schemas-microsoft-com:office:powerpoint" xmlns:com="http://schemas.openxmlformats.org/drawingml/2006/compatibility" xmlns:p14="http://schemas.microsoft.com/office/powerpoint/2010/main">
+<p:sld xmlns:a="http://schemas.openxmlformats.org/drawingml/2006/main" xmlns:r="http://schemas.openxmlformats.org/officeDocument/2006/relationships" xmlns:p="http://schemas.openxmlformats.org/presentationml/2006/main">
   <p:cSld>
     <p:spTree>
       <p:nvGrpSpPr>
-        <p:cNvPr id="84" name="Shape 84"/>
+        <p:cNvPr id="1" name="Shape 84"/>
         <p:cNvGrpSpPr/>
         <p:nvPr/>
       </p:nvGrpSpPr>
@@ -9845,7 +10403,9 @@
       <p:sp>
         <p:nvSpPr>
           <p:cNvPr id="85" name="Shape 85"/>
-          <p:cNvSpPr txBox="1"/>
+          <p:cNvSpPr txBox="1">
+            <a:spLocks noGrp="1"/>
+          </p:cNvSpPr>
           <p:nvPr>
             <p:ph type="title"/>
           </p:nvPr>
@@ -9864,12 +10424,12 @@
           </a:ln>
         </p:spPr>
         <p:txBody>
-          <a:bodyPr anchorCtr="0" anchor="t" bIns="91425" lIns="91425" rIns="91425" tIns="91425">
+          <a:bodyPr lIns="91425" tIns="91425" rIns="91425" bIns="91425" anchor="t" anchorCtr="0">
             <a:noAutofit/>
           </a:bodyPr>
           <a:lstStyle/>
           <a:p>
-            <a:pPr indent="0" lvl="0" marL="0" marR="0" rtl="0" algn="l">
+            <a:pPr marL="0" marR="0" lvl="0" indent="0" algn="l" rtl="0">
               <a:lnSpc>
                 <a:spcPct val="100000"/>
               </a:lnSpc>
@@ -9887,7 +10447,7 @@
               <a:buNone/>
             </a:pPr>
             <a:r>
-              <a:rPr b="1" i="0" lang="en-US" sz="3600" u="none" cap="none" strike="noStrike">
+              <a:rPr lang="en-US" sz="3600" b="1" i="0" u="none" strike="noStrike" cap="none">
                 <a:solidFill>
                   <a:schemeClr val="accent1"/>
                 </a:solidFill>
@@ -9904,9 +10464,11 @@
       <p:sp>
         <p:nvSpPr>
           <p:cNvPr id="86" name="Shape 86"/>
-          <p:cNvSpPr txBox="1"/>
+          <p:cNvSpPr txBox="1">
+            <a:spLocks noGrp="1"/>
+          </p:cNvSpPr>
           <p:nvPr>
-            <p:ph idx="1" type="body"/>
+            <p:ph type="body" idx="1"/>
           </p:nvPr>
         </p:nvSpPr>
         <p:spPr>
@@ -9923,12 +10485,12 @@
           </a:ln>
         </p:spPr>
         <p:txBody>
-          <a:bodyPr anchorCtr="0" anchor="t" bIns="91425" lIns="91425" rIns="91425" tIns="91425">
+          <a:bodyPr lIns="91425" tIns="91425" rIns="91425" bIns="91425" anchor="t" anchorCtr="0">
             <a:noAutofit/>
           </a:bodyPr>
           <a:lstStyle/>
           <a:p>
-            <a:pPr indent="-228600" lvl="0" marL="457200" marR="0" rtl="0" algn="l">
+            <a:pPr marL="457200" marR="0" lvl="0" indent="-228600" algn="l" rtl="0">
               <a:lnSpc>
                 <a:spcPct val="100000"/>
               </a:lnSpc>
@@ -9946,7 +10508,7 @@
               <a:buNone/>
             </a:pPr>
             <a:r>
-              <a:rPr b="0" i="0" lang="en-US" sz="1800" u="none" cap="none" strike="noStrike">
+              <a:rPr lang="en-US" sz="1800" b="0" i="0" u="none" strike="noStrike" cap="none" dirty="0">
                 <a:solidFill>
                   <a:schemeClr val="dk2"/>
                 </a:solidFill>
@@ -9959,7 +10521,7 @@
             </a:r>
           </a:p>
           <a:p>
-            <a:pPr indent="-317500" lvl="0" marL="457200" marR="0" rtl="0" algn="l">
+            <a:pPr marL="457200" marR="0" lvl="0" indent="-317500" algn="l" rtl="0">
               <a:lnSpc>
                 <a:spcPct val="115000"/>
               </a:lnSpc>
@@ -9977,7 +10539,7 @@
               <a:buChar char="●"/>
             </a:pPr>
             <a:r>
-              <a:rPr b="1" i="0" lang="en-US" sz="1400" u="none" cap="none" strike="noStrike">
+              <a:rPr lang="en-US" sz="1400" b="1" i="0" u="none" strike="noStrike" cap="none" dirty="0">
                 <a:solidFill>
                   <a:schemeClr val="dk2"/>
                 </a:solidFill>
@@ -9989,7 +10551,7 @@
               <a:t>User story</a:t>
             </a:r>
             <a:r>
-              <a:rPr b="0" i="0" lang="en-US" sz="1400" u="none" cap="none" strike="noStrike">
+              <a:rPr lang="en-US" sz="1400" b="0" i="0" u="none" strike="noStrike" cap="none" dirty="0">
                 <a:solidFill>
                   <a:schemeClr val="dk2"/>
                 </a:solidFill>
@@ -10002,7 +10564,7 @@
             </a:r>
           </a:p>
           <a:p>
-            <a:pPr indent="-317500" lvl="0" marL="457200" marR="0" rtl="0" algn="l">
+            <a:pPr marL="457200" marR="0" lvl="0" indent="-317500" algn="l" rtl="0">
               <a:lnSpc>
                 <a:spcPct val="115000"/>
               </a:lnSpc>
@@ -10020,7 +10582,7 @@
               <a:buChar char="●"/>
             </a:pPr>
             <a:r>
-              <a:rPr b="1" i="0" lang="en-US" sz="1400" u="none" cap="none" strike="noStrike">
+              <a:rPr lang="en-US" sz="1400" b="1" i="0" u="none" strike="noStrike" cap="none" dirty="0">
                 <a:solidFill>
                   <a:schemeClr val="dk2"/>
                 </a:solidFill>
@@ -10032,7 +10594,7 @@
               <a:t>Epic</a:t>
             </a:r>
             <a:r>
-              <a:rPr b="0" i="0" lang="en-US" sz="1400" u="none" cap="none" strike="noStrike">
+              <a:rPr lang="en-US" sz="1400" b="0" i="0" u="none" strike="noStrike" cap="none" dirty="0">
                 <a:solidFill>
                   <a:schemeClr val="dk2"/>
                 </a:solidFill>
@@ -10045,7 +10607,7 @@
             </a:r>
           </a:p>
           <a:p>
-            <a:pPr indent="-317500" lvl="0" marL="457200" marR="0" rtl="0" algn="l">
+            <a:pPr marL="457200" marR="0" lvl="0" indent="-317500" algn="l" rtl="0">
               <a:lnSpc>
                 <a:spcPct val="115000"/>
               </a:lnSpc>
@@ -10063,7 +10625,7 @@
               <a:buChar char="●"/>
             </a:pPr>
             <a:r>
-              <a:rPr b="1" i="0" lang="en-US" sz="1400" u="none" cap="none" strike="noStrike">
+              <a:rPr lang="en-US" sz="1400" b="1" i="0" u="none" strike="noStrike" cap="none" dirty="0">
                 <a:solidFill>
                   <a:schemeClr val="dk2"/>
                 </a:solidFill>
@@ -10075,7 +10637,7 @@
               <a:t>Acceptance criteria</a:t>
             </a:r>
             <a:r>
-              <a:rPr b="0" i="0" lang="en-US" sz="1400" u="none" cap="none" strike="noStrike">
+              <a:rPr lang="en-US" sz="1400" b="0" i="0" u="none" strike="noStrike" cap="none" dirty="0">
                 <a:solidFill>
                   <a:schemeClr val="dk2"/>
                 </a:solidFill>
@@ -10088,7 +10650,7 @@
             </a:r>
           </a:p>
           <a:p>
-            <a:pPr indent="-317500" lvl="0" marL="457200" marR="0" rtl="0" algn="l">
+            <a:pPr marL="457200" marR="0" lvl="0" indent="-317500" algn="l" rtl="0">
               <a:lnSpc>
                 <a:spcPct val="100000"/>
               </a:lnSpc>
@@ -10106,7 +10668,7 @@
               <a:buChar char="●"/>
             </a:pPr>
             <a:r>
-              <a:rPr b="1" i="0" lang="en-US" sz="1400" u="none" cap="none" strike="noStrike">
+              <a:rPr lang="en-US" sz="1400" b="1" i="0" u="none" strike="noStrike" cap="none" dirty="0">
                 <a:solidFill>
                   <a:schemeClr val="dk2"/>
                 </a:solidFill>
@@ -10118,7 +10680,7 @@
               <a:t>Product backlog</a:t>
             </a:r>
             <a:r>
-              <a:rPr b="0" i="0" lang="en-US" sz="1400" u="none" cap="none" strike="noStrike">
+              <a:rPr lang="en-US" sz="1400" b="0" i="0" u="none" strike="noStrike" cap="none" dirty="0">
                 <a:solidFill>
                   <a:schemeClr val="dk2"/>
                 </a:solidFill>
@@ -10131,7 +10693,7 @@
             </a:r>
           </a:p>
           <a:p>
-            <a:pPr indent="-317500" lvl="0" marL="457200" marR="0" rtl="0" algn="l">
+            <a:pPr marL="457200" marR="0" lvl="0" indent="-317500" algn="l" rtl="0">
               <a:lnSpc>
                 <a:spcPct val="100000"/>
               </a:lnSpc>
@@ -10149,7 +10711,7 @@
               <a:buChar char="●"/>
             </a:pPr>
             <a:r>
-              <a:rPr b="1" i="0" lang="en-US" sz="1400" u="none" cap="none" strike="noStrike">
+              <a:rPr lang="en-US" sz="1400" b="1" i="0" u="none" strike="noStrike" cap="none" dirty="0">
                 <a:solidFill>
                   <a:schemeClr val="dk2"/>
                 </a:solidFill>
@@ -10161,7 +10723,7 @@
               <a:t>Product owne</a:t>
             </a:r>
             <a:r>
-              <a:rPr b="0" i="0" lang="en-US" sz="1400" u="none" cap="none" strike="noStrike">
+              <a:rPr lang="en-US" sz="1400" b="0" i="0" u="none" strike="noStrike" cap="none" dirty="0">
                 <a:solidFill>
                   <a:schemeClr val="dk2"/>
                 </a:solidFill>
@@ -10174,7 +10736,7 @@
             </a:r>
           </a:p>
           <a:p>
-            <a:pPr indent="-317500" lvl="0" marL="457200" marR="0" rtl="0" algn="l">
+            <a:pPr marL="457200" marR="0" lvl="0" indent="-317500" algn="l" rtl="0">
               <a:lnSpc>
                 <a:spcPct val="115000"/>
               </a:lnSpc>
@@ -10192,7 +10754,7 @@
               <a:buChar char="●"/>
             </a:pPr>
             <a:r>
-              <a:rPr b="1" i="0" lang="en-US" sz="1400" u="none" cap="none" strike="noStrike">
+              <a:rPr lang="en-US" sz="1400" b="1" i="0" u="none" strike="noStrike" cap="none" dirty="0">
                 <a:solidFill>
                   <a:schemeClr val="dk2"/>
                 </a:solidFill>
@@ -10204,7 +10766,7 @@
               <a:t>Story points</a:t>
             </a:r>
             <a:r>
-              <a:rPr b="0" i="0" lang="en-US" sz="1400" u="none" cap="none" strike="noStrike">
+              <a:rPr lang="en-US" sz="1400" b="0" i="0" u="none" strike="noStrike" cap="none" dirty="0">
                 <a:solidFill>
                   <a:schemeClr val="dk2"/>
                 </a:solidFill>
@@ -10217,7 +10779,7 @@
             </a:r>
           </a:p>
           <a:p>
-            <a:pPr indent="-317500" lvl="0" marL="457200" marR="0" rtl="0" algn="l">
+            <a:pPr marL="457200" marR="0" lvl="0" indent="-317500" algn="l" rtl="0">
               <a:lnSpc>
                 <a:spcPct val="100000"/>
               </a:lnSpc>
@@ -10235,7 +10797,7 @@
               <a:buChar char="●"/>
             </a:pPr>
             <a:r>
-              <a:rPr b="1" i="0" lang="en-US" sz="1400" u="none" cap="none" strike="noStrike">
+              <a:rPr lang="en-US" sz="1400" b="1" i="0" u="none" strike="noStrike" cap="none" dirty="0">
                 <a:solidFill>
                   <a:schemeClr val="dk2"/>
                 </a:solidFill>
@@ -10247,7 +10809,7 @@
               <a:t>Sprint</a:t>
             </a:r>
             <a:r>
-              <a:rPr b="0" i="0" lang="en-US" sz="1400" u="none" cap="none" strike="noStrike">
+              <a:rPr lang="en-US" sz="1400" b="0" i="0" u="none" strike="noStrike" cap="none" dirty="0">
                 <a:solidFill>
                   <a:schemeClr val="dk2"/>
                 </a:solidFill>
@@ -10256,11 +10818,35 @@
                 <a:cs typeface="Open Sans"/>
                 <a:sym typeface="Open Sans"/>
               </a:rPr>
-              <a:t>: a 2-4 week chunk of dev time where certain user stories are “promised.” Begins with sprint planning and ends with sprint demos.</a:t>
+              <a:t>: a 2-4 week chunk of </a:t>
+            </a:r>
+            <a:r>
+              <a:rPr lang="en-US" sz="1400" b="0" i="0" u="none" strike="noStrike" cap="none" dirty="0" err="1">
+                <a:solidFill>
+                  <a:schemeClr val="dk2"/>
+                </a:solidFill>
+                <a:latin typeface="Open Sans"/>
+                <a:ea typeface="Open Sans"/>
+                <a:cs typeface="Open Sans"/>
+                <a:sym typeface="Open Sans"/>
+              </a:rPr>
+              <a:t>dev</a:t>
+            </a:r>
+            <a:r>
+              <a:rPr lang="en-US" sz="1400" b="0" i="0" u="none" strike="noStrike" cap="none" dirty="0">
+                <a:solidFill>
+                  <a:schemeClr val="dk2"/>
+                </a:solidFill>
+                <a:latin typeface="Open Sans"/>
+                <a:ea typeface="Open Sans"/>
+                <a:cs typeface="Open Sans"/>
+                <a:sym typeface="Open Sans"/>
+              </a:rPr>
+              <a:t> time where certain user stories are “promised.” Begins with sprint planning and ends with sprint demos.</a:t>
             </a:r>
           </a:p>
           <a:p>
-            <a:pPr indent="-317500" lvl="0" marL="457200" marR="0" rtl="0" algn="l">
+            <a:pPr marL="457200" marR="0" lvl="0" indent="-317500" algn="l" rtl="0">
               <a:lnSpc>
                 <a:spcPct val="115000"/>
               </a:lnSpc>
@@ -10278,7 +10864,7 @@
               <a:buChar char="●"/>
             </a:pPr>
             <a:r>
-              <a:rPr b="1" i="0" lang="en-US" sz="1400" u="none" cap="none" strike="noStrike">
+              <a:rPr lang="en-US" sz="1400" b="1" i="0" u="none" strike="noStrike" cap="none" dirty="0">
                 <a:solidFill>
                   <a:schemeClr val="dk2"/>
                 </a:solidFill>
@@ -10290,7 +10876,7 @@
               <a:t>Sprint backlog</a:t>
             </a:r>
             <a:r>
-              <a:rPr b="0" i="0" lang="en-US" sz="1400" u="none" cap="none" strike="noStrike">
+              <a:rPr lang="en-US" sz="1400" b="0" i="0" u="none" strike="noStrike" cap="none" dirty="0">
                 <a:solidFill>
                   <a:schemeClr val="dk2"/>
                 </a:solidFill>
@@ -10303,7 +10889,7 @@
             </a:r>
           </a:p>
           <a:p>
-            <a:pPr indent="-317500" lvl="0" marL="457200" marR="0" rtl="0" algn="l">
+            <a:pPr marL="457200" marR="0" lvl="0" indent="-317500" algn="l" rtl="0">
               <a:lnSpc>
                 <a:spcPct val="100000"/>
               </a:lnSpc>
@@ -10321,7 +10907,7 @@
               <a:buChar char="●"/>
             </a:pPr>
             <a:r>
-              <a:rPr b="1" i="0" lang="en-US" sz="1400" u="none" cap="none" strike="noStrike">
+              <a:rPr lang="en-US" sz="1400" b="1" i="0" u="none" strike="noStrike" cap="none" dirty="0">
                 <a:solidFill>
                   <a:schemeClr val="dk2"/>
                 </a:solidFill>
@@ -10333,7 +10919,7 @@
               <a:t>Daily scrum meeting</a:t>
             </a:r>
             <a:r>
-              <a:rPr b="0" i="0" lang="en-US" sz="1400" u="none" cap="none" strike="noStrike">
+              <a:rPr lang="en-US" sz="1400" b="0" i="0" u="none" strike="noStrike" cap="none" dirty="0">
                 <a:solidFill>
                   <a:schemeClr val="dk2"/>
                 </a:solidFill>
@@ -10342,11 +10928,35 @@
                 <a:cs typeface="Open Sans"/>
                 <a:sym typeface="Open Sans"/>
               </a:rPr>
-              <a:t> (aka “stand-up”): a meeting where each person on the dev team describes what they worked on yesterday, what they will work on today, and any blockers</a:t>
+              <a:t> (aka “stand-up”): a meeting where each person on the </a:t>
+            </a:r>
+            <a:r>
+              <a:rPr lang="en-US" sz="1400" b="0" i="0" u="none" strike="noStrike" cap="none" dirty="0" err="1">
+                <a:solidFill>
+                  <a:schemeClr val="dk2"/>
+                </a:solidFill>
+                <a:latin typeface="Open Sans"/>
+                <a:ea typeface="Open Sans"/>
+                <a:cs typeface="Open Sans"/>
+                <a:sym typeface="Open Sans"/>
+              </a:rPr>
+              <a:t>dev</a:t>
+            </a:r>
+            <a:r>
+              <a:rPr lang="en-US" sz="1400" b="0" i="0" u="none" strike="noStrike" cap="none" dirty="0">
+                <a:solidFill>
+                  <a:schemeClr val="dk2"/>
+                </a:solidFill>
+                <a:latin typeface="Open Sans"/>
+                <a:ea typeface="Open Sans"/>
+                <a:cs typeface="Open Sans"/>
+                <a:sym typeface="Open Sans"/>
+              </a:rPr>
+              <a:t> team describes what they worked on yesterday, what they will work on today, and any blockers</a:t>
             </a:r>
           </a:p>
           <a:p>
-            <a:pPr indent="0" lvl="0" marL="0" marR="0" rtl="0" algn="l">
+            <a:pPr marL="0" marR="0" lvl="0" indent="0" algn="l" rtl="0">
               <a:lnSpc>
                 <a:spcPct val="115000"/>
               </a:lnSpc>
@@ -10363,10 +10973,7 @@
               <a:buFont typeface="Open Sans"/>
               <a:buNone/>
             </a:pPr>
-            <a:r>
-              <a:t/>
-            </a:r>
-            <a:endParaRPr b="0" i="0" sz="1800" u="none" cap="none" strike="noStrike">
+            <a:endParaRPr sz="1800" b="0" i="0" u="none" strike="noStrike" cap="none" dirty="0">
               <a:solidFill>
                 <a:schemeClr val="dk2"/>
               </a:solidFill>
@@ -10383,15 +10990,22 @@
   <p:clrMapOvr>
     <a:masterClrMapping/>
   </p:clrMapOvr>
+  <p:timing>
+    <p:tnLst>
+      <p:par>
+        <p:cTn xmlns:p14="http://schemas.microsoft.com/office/powerpoint/2010/main" id="1" dur="indefinite" restart="never" nodeType="tmRoot"/>
+      </p:par>
+    </p:tnLst>
+  </p:timing>
 </p:sld>
 </file>
 
 <file path=ppt/slides/slide5.xml><?xml version="1.0" encoding="utf-8"?>
-<p:sld xmlns:a="http://schemas.openxmlformats.org/drawingml/2006/main" xmlns:r="http://schemas.openxmlformats.org/officeDocument/2006/relationships" xmlns:mc="http://schemas.openxmlformats.org/markup-compatibility/2006" xmlns:mv="urn:schemas-microsoft-com:mac:vml" xmlns:p="http://schemas.openxmlformats.org/presentationml/2006/main" xmlns:c="http://schemas.openxmlformats.org/drawingml/2006/chart" xmlns:dgm="http://schemas.openxmlformats.org/drawingml/2006/diagram" xmlns:o="urn:schemas-microsoft-com:office:office" xmlns:v="urn:schemas-microsoft-com:vml" xmlns:pvml="urn:schemas-microsoft-com:office:powerpoint" xmlns:com="http://schemas.openxmlformats.org/drawingml/2006/compatibility" xmlns:p14="http://schemas.microsoft.com/office/powerpoint/2010/main">
+<p:sld xmlns:a="http://schemas.openxmlformats.org/drawingml/2006/main" xmlns:r="http://schemas.openxmlformats.org/officeDocument/2006/relationships" xmlns:p="http://schemas.openxmlformats.org/presentationml/2006/main">
   <p:cSld>
     <p:spTree>
       <p:nvGrpSpPr>
-        <p:cNvPr id="90" name="Shape 90"/>
+        <p:cNvPr id="1" name="Shape 90"/>
         <p:cNvGrpSpPr/>
         <p:nvPr/>
       </p:nvGrpSpPr>
@@ -10405,7 +11019,7 @@
       </p:grpSpPr>
       <p:pic>
         <p:nvPicPr>
-          <p:cNvPr descr="Screen Shot 2016-06-12 at 1.17.59 PM.png" id="91" name="Shape 91"/>
+          <p:cNvPr id="91" name="Shape 91" descr="Screen Shot 2016-06-12 at 1.17.59 PM.png"/>
           <p:cNvPicPr preferRelativeResize="0"/>
           <p:nvPr/>
         </p:nvPicPr>
@@ -10413,7 +11027,7 @@
           <a:blip r:embed="rId3">
             <a:alphaModFix/>
           </a:blip>
-          <a:srcRect b="0" l="0" r="0" t="0"/>
+          <a:srcRect/>
           <a:stretch/>
         </p:blipFill>
         <p:spPr>
@@ -10435,15 +11049,22 @@
   <p:clrMapOvr>
     <a:masterClrMapping/>
   </p:clrMapOvr>
+  <p:timing>
+    <p:tnLst>
+      <p:par>
+        <p:cTn xmlns:p14="http://schemas.microsoft.com/office/powerpoint/2010/main" id="1" dur="indefinite" restart="never" nodeType="tmRoot"/>
+      </p:par>
+    </p:tnLst>
+  </p:timing>
 </p:sld>
 </file>
 
 <file path=ppt/slides/slide6.xml><?xml version="1.0" encoding="utf-8"?>
-<p:sld xmlns:a="http://schemas.openxmlformats.org/drawingml/2006/main" xmlns:r="http://schemas.openxmlformats.org/officeDocument/2006/relationships" xmlns:mc="http://schemas.openxmlformats.org/markup-compatibility/2006" xmlns:mv="urn:schemas-microsoft-com:mac:vml" xmlns:p="http://schemas.openxmlformats.org/presentationml/2006/main" xmlns:c="http://schemas.openxmlformats.org/drawingml/2006/chart" xmlns:dgm="http://schemas.openxmlformats.org/drawingml/2006/diagram" xmlns:o="urn:schemas-microsoft-com:office:office" xmlns:v="urn:schemas-microsoft-com:vml" xmlns:pvml="urn:schemas-microsoft-com:office:powerpoint" xmlns:com="http://schemas.openxmlformats.org/drawingml/2006/compatibility" xmlns:p14="http://schemas.microsoft.com/office/powerpoint/2010/main">
+<p:sld xmlns:a="http://schemas.openxmlformats.org/drawingml/2006/main" xmlns:r="http://schemas.openxmlformats.org/officeDocument/2006/relationships" xmlns:p="http://schemas.openxmlformats.org/presentationml/2006/main">
   <p:cSld>
     <p:spTree>
       <p:nvGrpSpPr>
-        <p:cNvPr id="96" name="Shape 96"/>
+        <p:cNvPr id="1" name="Shape 96"/>
         <p:cNvGrpSpPr/>
         <p:nvPr/>
       </p:nvGrpSpPr>
@@ -10458,7 +11079,9 @@
       <p:sp>
         <p:nvSpPr>
           <p:cNvPr id="97" name="Shape 97"/>
-          <p:cNvSpPr txBox="1"/>
+          <p:cNvSpPr txBox="1">
+            <a:spLocks noGrp="1"/>
+          </p:cNvSpPr>
           <p:nvPr>
             <p:ph type="title"/>
           </p:nvPr>
@@ -10477,12 +11100,12 @@
           </a:ln>
         </p:spPr>
         <p:txBody>
-          <a:bodyPr anchorCtr="0" anchor="ctr" bIns="91425" lIns="91425" rIns="91425" tIns="91425">
+          <a:bodyPr lIns="91425" tIns="91425" rIns="91425" bIns="91425" anchor="ctr" anchorCtr="0">
             <a:noAutofit/>
           </a:bodyPr>
           <a:lstStyle/>
           <a:p>
-            <a:pPr indent="0" lvl="0" marL="0" marR="0" rtl="0" algn="ctr">
+            <a:pPr marL="0" marR="0" lvl="0" indent="0" algn="ctr" rtl="0">
               <a:lnSpc>
                 <a:spcPct val="100000"/>
               </a:lnSpc>
@@ -10500,7 +11123,7 @@
               <a:buNone/>
             </a:pPr>
             <a:r>
-              <a:rPr b="1" i="0" lang="en-US" sz="3600" u="none" cap="none" strike="noStrike">
+              <a:rPr lang="en-US" sz="3600" b="1" i="0" u="none" strike="noStrike" cap="none">
                 <a:solidFill>
                   <a:schemeClr val="accent1"/>
                 </a:solidFill>
@@ -10534,12 +11157,12 @@
           </a:ln>
         </p:spPr>
         <p:txBody>
-          <a:bodyPr anchorCtr="0" anchor="t" bIns="91425" lIns="91425" rIns="91425" tIns="91425">
+          <a:bodyPr lIns="91425" tIns="91425" rIns="91425" bIns="91425" anchor="t" anchorCtr="0">
             <a:noAutofit/>
           </a:bodyPr>
           <a:lstStyle/>
           <a:p>
-            <a:pPr indent="0" lvl="0" marL="0" marR="0" rtl="0" algn="l">
+            <a:pPr marL="0" marR="0" lvl="0" indent="0" algn="l" rtl="0">
               <a:lnSpc>
                 <a:spcPct val="100000"/>
               </a:lnSpc>
@@ -10557,7 +11180,7 @@
               <a:buNone/>
             </a:pPr>
             <a:r>
-              <a:rPr b="0" i="0" lang="en-US" sz="1800" u="none" cap="none" strike="noStrike">
+              <a:rPr lang="en-US" sz="1800" b="0" i="0" u="none" strike="noStrike" cap="none">
                 <a:solidFill>
                   <a:srgbClr val="FFFFFF"/>
                 </a:solidFill>
@@ -10576,15 +11199,22 @@
   <p:clrMapOvr>
     <a:masterClrMapping/>
   </p:clrMapOvr>
+  <p:timing>
+    <p:tnLst>
+      <p:par>
+        <p:cTn xmlns:p14="http://schemas.microsoft.com/office/powerpoint/2010/main" id="1" dur="indefinite" restart="never" nodeType="tmRoot"/>
+      </p:par>
+    </p:tnLst>
+  </p:timing>
 </p:sld>
 </file>
 
 <file path=ppt/slides/slide7.xml><?xml version="1.0" encoding="utf-8"?>
-<p:sld xmlns:a="http://schemas.openxmlformats.org/drawingml/2006/main" xmlns:r="http://schemas.openxmlformats.org/officeDocument/2006/relationships" xmlns:mc="http://schemas.openxmlformats.org/markup-compatibility/2006" xmlns:mv="urn:schemas-microsoft-com:mac:vml" xmlns:p="http://schemas.openxmlformats.org/presentationml/2006/main" xmlns:c="http://schemas.openxmlformats.org/drawingml/2006/chart" xmlns:dgm="http://schemas.openxmlformats.org/drawingml/2006/diagram" xmlns:o="urn:schemas-microsoft-com:office:office" xmlns:v="urn:schemas-microsoft-com:vml" xmlns:pvml="urn:schemas-microsoft-com:office:powerpoint" xmlns:com="http://schemas.openxmlformats.org/drawingml/2006/compatibility" xmlns:p14="http://schemas.microsoft.com/office/powerpoint/2010/main">
+<p:sld xmlns:a="http://schemas.openxmlformats.org/drawingml/2006/main" xmlns:r="http://schemas.openxmlformats.org/officeDocument/2006/relationships" xmlns:p="http://schemas.openxmlformats.org/presentationml/2006/main">
   <p:cSld>
     <p:spTree>
       <p:nvGrpSpPr>
-        <p:cNvPr id="102" name="Shape 102"/>
+        <p:cNvPr id="1" name="Shape 102"/>
         <p:cNvGrpSpPr/>
         <p:nvPr/>
       </p:nvGrpSpPr>
@@ -10599,7 +11229,9 @@
       <p:sp>
         <p:nvSpPr>
           <p:cNvPr id="103" name="Shape 103"/>
-          <p:cNvSpPr txBox="1"/>
+          <p:cNvSpPr txBox="1">
+            <a:spLocks noGrp="1"/>
+          </p:cNvSpPr>
           <p:nvPr>
             <p:ph type="title"/>
           </p:nvPr>
@@ -10618,12 +11250,12 @@
           </a:ln>
         </p:spPr>
         <p:txBody>
-          <a:bodyPr anchorCtr="0" anchor="t" bIns="91425" lIns="91425" rIns="91425" tIns="91425">
+          <a:bodyPr lIns="91425" tIns="91425" rIns="91425" bIns="91425" anchor="t" anchorCtr="0">
             <a:noAutofit/>
           </a:bodyPr>
           <a:lstStyle/>
           <a:p>
-            <a:pPr indent="0" lvl="0" marL="0" marR="0" rtl="0" algn="l">
+            <a:pPr marL="0" marR="0" lvl="0" indent="0" algn="l" rtl="0">
               <a:lnSpc>
                 <a:spcPct val="100000"/>
               </a:lnSpc>
@@ -10641,7 +11273,7 @@
               <a:buNone/>
             </a:pPr>
             <a:r>
-              <a:rPr b="1" i="0" lang="en-US" sz="3600" u="none" cap="none" strike="noStrike">
+              <a:rPr lang="en-US" sz="3600" b="1" i="0" u="none" strike="noStrike" cap="none">
                 <a:solidFill>
                   <a:schemeClr val="accent1"/>
                 </a:solidFill>
@@ -10658,9 +11290,11 @@
       <p:sp>
         <p:nvSpPr>
           <p:cNvPr id="104" name="Shape 104"/>
-          <p:cNvSpPr txBox="1"/>
+          <p:cNvSpPr txBox="1">
+            <a:spLocks noGrp="1"/>
+          </p:cNvSpPr>
           <p:nvPr>
-            <p:ph idx="1" type="body"/>
+            <p:ph type="body" idx="1"/>
           </p:nvPr>
         </p:nvSpPr>
         <p:spPr>
@@ -10677,12 +11311,12 @@
           </a:ln>
         </p:spPr>
         <p:txBody>
-          <a:bodyPr anchorCtr="0" anchor="t" bIns="91425" lIns="91425" rIns="91425" tIns="91425">
+          <a:bodyPr lIns="91425" tIns="91425" rIns="91425" bIns="91425" anchor="t" anchorCtr="0">
             <a:noAutofit/>
           </a:bodyPr>
           <a:lstStyle/>
           <a:p>
-            <a:pPr indent="0" lvl="0" marL="0" marR="0" rtl="0" algn="l">
+            <a:pPr marL="0" marR="0" lvl="0" indent="0" algn="l" rtl="0">
               <a:lnSpc>
                 <a:spcPct val="115000"/>
               </a:lnSpc>
@@ -10700,7 +11334,7 @@
               <a:buNone/>
             </a:pPr>
             <a:r>
-              <a:rPr b="0" i="0" lang="en-US" sz="1400" u="none" cap="none" strike="noStrike">
+              <a:rPr lang="en-US" sz="1400" b="0" i="0" u="none" strike="noStrike" cap="none">
                 <a:solidFill>
                   <a:schemeClr val="dk2"/>
                 </a:solidFill>
@@ -10719,15 +11353,22 @@
   <p:clrMapOvr>
     <a:masterClrMapping/>
   </p:clrMapOvr>
+  <p:timing>
+    <p:tnLst>
+      <p:par>
+        <p:cTn xmlns:p14="http://schemas.microsoft.com/office/powerpoint/2010/main" id="1" dur="indefinite" restart="never" nodeType="tmRoot"/>
+      </p:par>
+    </p:tnLst>
+  </p:timing>
 </p:sld>
 </file>
 
 <file path=ppt/slides/slide8.xml><?xml version="1.0" encoding="utf-8"?>
-<p:sld xmlns:a="http://schemas.openxmlformats.org/drawingml/2006/main" xmlns:r="http://schemas.openxmlformats.org/officeDocument/2006/relationships" xmlns:mc="http://schemas.openxmlformats.org/markup-compatibility/2006" xmlns:mv="urn:schemas-microsoft-com:mac:vml" xmlns:p="http://schemas.openxmlformats.org/presentationml/2006/main" xmlns:c="http://schemas.openxmlformats.org/drawingml/2006/chart" xmlns:dgm="http://schemas.openxmlformats.org/drawingml/2006/diagram" xmlns:o="urn:schemas-microsoft-com:office:office" xmlns:v="urn:schemas-microsoft-com:vml" xmlns:pvml="urn:schemas-microsoft-com:office:powerpoint" xmlns:com="http://schemas.openxmlformats.org/drawingml/2006/compatibility" xmlns:p14="http://schemas.microsoft.com/office/powerpoint/2010/main">
+<p:sld xmlns:a="http://schemas.openxmlformats.org/drawingml/2006/main" xmlns:r="http://schemas.openxmlformats.org/officeDocument/2006/relationships" xmlns:p="http://schemas.openxmlformats.org/presentationml/2006/main">
   <p:cSld>
     <p:spTree>
       <p:nvGrpSpPr>
-        <p:cNvPr id="108" name="Shape 108"/>
+        <p:cNvPr id="1" name="Shape 108"/>
         <p:cNvGrpSpPr/>
         <p:nvPr/>
       </p:nvGrpSpPr>
@@ -10742,7 +11383,9 @@
       <p:sp>
         <p:nvSpPr>
           <p:cNvPr id="109" name="Shape 109"/>
-          <p:cNvSpPr txBox="1"/>
+          <p:cNvSpPr txBox="1">
+            <a:spLocks noGrp="1"/>
+          </p:cNvSpPr>
           <p:nvPr>
             <p:ph type="title"/>
           </p:nvPr>
@@ -10761,12 +11404,12 @@
           </a:ln>
         </p:spPr>
         <p:txBody>
-          <a:bodyPr anchorCtr="0" anchor="t" bIns="91425" lIns="91425" rIns="91425" tIns="91425">
+          <a:bodyPr lIns="91425" tIns="91425" rIns="91425" bIns="91425" anchor="t" anchorCtr="0">
             <a:noAutofit/>
           </a:bodyPr>
           <a:lstStyle/>
           <a:p>
-            <a:pPr indent="0" lvl="0" marL="0" marR="0" rtl="0" algn="l">
+            <a:pPr marL="0" marR="0" lvl="0" indent="0" algn="l" rtl="0">
               <a:lnSpc>
                 <a:spcPct val="100000"/>
               </a:lnSpc>
@@ -10784,7 +11427,7 @@
               <a:buNone/>
             </a:pPr>
             <a:r>
-              <a:rPr b="1" i="0" lang="en-US" sz="3600" u="none" cap="none" strike="noStrike">
+              <a:rPr lang="en-US" sz="3600" b="1" i="0" u="none" strike="noStrike" cap="none">
                 <a:solidFill>
                   <a:schemeClr val="accent1"/>
                 </a:solidFill>
@@ -10801,9 +11444,11 @@
       <p:sp>
         <p:nvSpPr>
           <p:cNvPr id="110" name="Shape 110"/>
-          <p:cNvSpPr txBox="1"/>
+          <p:cNvSpPr txBox="1">
+            <a:spLocks noGrp="1"/>
+          </p:cNvSpPr>
           <p:nvPr>
-            <p:ph idx="1" type="body"/>
+            <p:ph type="body" idx="1"/>
           </p:nvPr>
         </p:nvSpPr>
         <p:spPr>
@@ -10820,12 +11465,12 @@
           </a:ln>
         </p:spPr>
         <p:txBody>
-          <a:bodyPr anchorCtr="0" anchor="t" bIns="91425" lIns="91425" rIns="91425" tIns="91425">
+          <a:bodyPr lIns="91425" tIns="91425" rIns="91425" bIns="91425" anchor="t" anchorCtr="0">
             <a:noAutofit/>
           </a:bodyPr>
           <a:lstStyle/>
           <a:p>
-            <a:pPr indent="-203200" lvl="0" marL="457200" marR="0" rtl="0" algn="l">
+            <a:pPr marL="457200" marR="0" lvl="0" indent="-203200" algn="l" rtl="0">
               <a:lnSpc>
                 <a:spcPct val="150000"/>
               </a:lnSpc>
@@ -10843,7 +11488,7 @@
               <a:buAutoNum type="arabicPeriod"/>
             </a:pPr>
             <a:r>
-              <a:rPr b="0" i="0" lang="en-US" sz="1400" u="none" cap="none" strike="noStrike">
+              <a:rPr lang="en-US" sz="1400" b="0" i="0" u="none" strike="noStrike" cap="none">
                 <a:solidFill>
                   <a:schemeClr val="dk2"/>
                 </a:solidFill>
@@ -10856,7 +11501,7 @@
             </a:r>
           </a:p>
           <a:p>
-            <a:pPr indent="-203200" lvl="0" marL="457200" marR="0" rtl="0" algn="l">
+            <a:pPr marL="457200" marR="0" lvl="0" indent="-203200" algn="l" rtl="0">
               <a:lnSpc>
                 <a:spcPct val="150000"/>
               </a:lnSpc>
@@ -10874,7 +11519,7 @@
               <a:buAutoNum type="arabicPeriod"/>
             </a:pPr>
             <a:r>
-              <a:rPr b="0" i="0" lang="en-US" sz="1400" u="none" cap="none" strike="noStrike">
+              <a:rPr lang="en-US" sz="1400" b="0" i="0" u="none" strike="noStrike" cap="none">
                 <a:solidFill>
                   <a:schemeClr val="dk2"/>
                 </a:solidFill>
@@ -10887,7 +11532,7 @@
             </a:r>
           </a:p>
           <a:p>
-            <a:pPr indent="-203200" lvl="0" marL="457200" marR="0" rtl="0" algn="l">
+            <a:pPr marL="457200" marR="0" lvl="0" indent="-203200" algn="l" rtl="0">
               <a:lnSpc>
                 <a:spcPct val="150000"/>
               </a:lnSpc>
@@ -10905,7 +11550,7 @@
               <a:buAutoNum type="arabicPeriod"/>
             </a:pPr>
             <a:r>
-              <a:rPr b="0" i="0" lang="en-US" sz="1400" u="none" cap="none" strike="noStrike">
+              <a:rPr lang="en-US" sz="1400" b="0" i="0" u="none" strike="noStrike" cap="none">
                 <a:solidFill>
                   <a:schemeClr val="dk2"/>
                 </a:solidFill>
@@ -10918,7 +11563,7 @@
             </a:r>
           </a:p>
           <a:p>
-            <a:pPr indent="-203200" lvl="0" marL="457200" marR="0" rtl="0" algn="l">
+            <a:pPr marL="457200" marR="0" lvl="0" indent="-203200" algn="l" rtl="0">
               <a:lnSpc>
                 <a:spcPct val="150000"/>
               </a:lnSpc>
@@ -10936,7 +11581,7 @@
               <a:buAutoNum type="arabicPeriod"/>
             </a:pPr>
             <a:r>
-              <a:rPr b="0" i="0" lang="en-US" sz="1400" u="none" cap="none" strike="noStrike">
+              <a:rPr lang="en-US" sz="1400" b="0" i="0" u="none" strike="noStrike" cap="none">
                 <a:solidFill>
                   <a:schemeClr val="dk2"/>
                 </a:solidFill>
@@ -10949,7 +11594,7 @@
             </a:r>
           </a:p>
           <a:p>
-            <a:pPr indent="-203200" lvl="0" marL="457200" marR="0" rtl="0" algn="l">
+            <a:pPr marL="457200" marR="0" lvl="0" indent="-203200" algn="l" rtl="0">
               <a:lnSpc>
                 <a:spcPct val="150000"/>
               </a:lnSpc>
@@ -10967,7 +11612,7 @@
               <a:buAutoNum type="arabicPeriod"/>
             </a:pPr>
             <a:r>
-              <a:rPr b="0" i="0" lang="en-US" sz="1400" u="none" cap="none" strike="noStrike">
+              <a:rPr lang="en-US" sz="1400" b="0" i="0" u="none" strike="noStrike" cap="none">
                 <a:solidFill>
                   <a:schemeClr val="dk2"/>
                 </a:solidFill>
@@ -10980,7 +11625,7 @@
             </a:r>
           </a:p>
           <a:p>
-            <a:pPr indent="-203200" lvl="0" marL="457200" marR="0" rtl="0" algn="l">
+            <a:pPr marL="457200" marR="0" lvl="0" indent="-203200" algn="l" rtl="0">
               <a:lnSpc>
                 <a:spcPct val="150000"/>
               </a:lnSpc>
@@ -10998,7 +11643,7 @@
               <a:buAutoNum type="arabicPeriod"/>
             </a:pPr>
             <a:r>
-              <a:rPr b="0" i="0" lang="en-US" sz="1400" u="none" cap="none" strike="noStrike">
+              <a:rPr lang="en-US" sz="1400" b="0" i="0" u="none" strike="noStrike" cap="none">
                 <a:solidFill>
                   <a:schemeClr val="dk2"/>
                 </a:solidFill>
@@ -11011,7 +11656,7 @@
             </a:r>
           </a:p>
           <a:p>
-            <a:pPr indent="-203200" lvl="0" marL="457200" marR="0" rtl="0" algn="l">
+            <a:pPr marL="457200" marR="0" lvl="0" indent="-203200" algn="l" rtl="0">
               <a:lnSpc>
                 <a:spcPct val="150000"/>
               </a:lnSpc>
@@ -11029,7 +11674,7 @@
               <a:buAutoNum type="arabicPeriod"/>
             </a:pPr>
             <a:r>
-              <a:rPr b="0" i="0" lang="en-US" sz="1400" u="none" cap="none" strike="noStrike">
+              <a:rPr lang="en-US" sz="1400" b="0" i="0" u="none" strike="noStrike" cap="none">
                 <a:solidFill>
                   <a:schemeClr val="dk2"/>
                 </a:solidFill>
@@ -11042,7 +11687,7 @@
             </a:r>
           </a:p>
           <a:p>
-            <a:pPr indent="-203200" lvl="0" marL="457200" marR="0" rtl="0" algn="l">
+            <a:pPr marL="457200" marR="0" lvl="0" indent="-203200" algn="l" rtl="0">
               <a:lnSpc>
                 <a:spcPct val="150000"/>
               </a:lnSpc>
@@ -11060,7 +11705,7 @@
               <a:buAutoNum type="arabicPeriod"/>
             </a:pPr>
             <a:r>
-              <a:rPr b="0" i="0" lang="en-US" sz="1400" u="none" cap="none" strike="noStrike">
+              <a:rPr lang="en-US" sz="1400" b="0" i="0" u="none" strike="noStrike" cap="none">
                 <a:solidFill>
                   <a:schemeClr val="dk2"/>
                 </a:solidFill>
@@ -11073,7 +11718,7 @@
             </a:r>
           </a:p>
           <a:p>
-            <a:pPr indent="-203200" lvl="0" marL="457200" marR="0" rtl="0" algn="l">
+            <a:pPr marL="457200" marR="0" lvl="0" indent="-203200" algn="l" rtl="0">
               <a:lnSpc>
                 <a:spcPct val="150000"/>
               </a:lnSpc>
@@ -11091,7 +11736,7 @@
               <a:buAutoNum type="arabicPeriod"/>
             </a:pPr>
             <a:r>
-              <a:rPr b="0" i="0" lang="en-US" sz="1400" u="none" cap="none" strike="noStrike">
+              <a:rPr lang="en-US" sz="1400" b="0" i="0" u="none" strike="noStrike" cap="none">
                 <a:solidFill>
                   <a:schemeClr val="dk2"/>
                 </a:solidFill>
@@ -11104,7 +11749,7 @@
             </a:r>
           </a:p>
           <a:p>
-            <a:pPr indent="-203200" lvl="0" marL="457200" marR="0" rtl="0" algn="l">
+            <a:pPr marL="457200" marR="0" lvl="0" indent="-203200" algn="l" rtl="0">
               <a:lnSpc>
                 <a:spcPct val="150000"/>
               </a:lnSpc>
@@ -11122,7 +11767,7 @@
               <a:buAutoNum type="arabicPeriod"/>
             </a:pPr>
             <a:r>
-              <a:rPr b="0" i="0" lang="en-US" sz="1400" u="none" cap="none" strike="noStrike">
+              <a:rPr lang="en-US" sz="1400" b="0" i="0" u="none" strike="noStrike" cap="none">
                 <a:solidFill>
                   <a:schemeClr val="dk2"/>
                 </a:solidFill>
@@ -11141,15 +11786,22 @@
   <p:clrMapOvr>
     <a:masterClrMapping/>
   </p:clrMapOvr>
+  <p:timing>
+    <p:tnLst>
+      <p:par>
+        <p:cTn xmlns:p14="http://schemas.microsoft.com/office/powerpoint/2010/main" id="1" dur="indefinite" restart="never" nodeType="tmRoot"/>
+      </p:par>
+    </p:tnLst>
+  </p:timing>
 </p:sld>
 </file>
 
 <file path=ppt/slides/slide9.xml><?xml version="1.0" encoding="utf-8"?>
-<p:sld xmlns:a="http://schemas.openxmlformats.org/drawingml/2006/main" xmlns:r="http://schemas.openxmlformats.org/officeDocument/2006/relationships" xmlns:mc="http://schemas.openxmlformats.org/markup-compatibility/2006" xmlns:mv="urn:schemas-microsoft-com:mac:vml" xmlns:p="http://schemas.openxmlformats.org/presentationml/2006/main" xmlns:c="http://schemas.openxmlformats.org/drawingml/2006/chart" xmlns:dgm="http://schemas.openxmlformats.org/drawingml/2006/diagram" xmlns:o="urn:schemas-microsoft-com:office:office" xmlns:v="urn:schemas-microsoft-com:vml" xmlns:pvml="urn:schemas-microsoft-com:office:powerpoint" xmlns:com="http://schemas.openxmlformats.org/drawingml/2006/compatibility" xmlns:p14="http://schemas.microsoft.com/office/powerpoint/2010/main">
+<p:sld xmlns:a="http://schemas.openxmlformats.org/drawingml/2006/main" xmlns:r="http://schemas.openxmlformats.org/officeDocument/2006/relationships" xmlns:p="http://schemas.openxmlformats.org/presentationml/2006/main">
   <p:cSld>
     <p:spTree>
       <p:nvGrpSpPr>
-        <p:cNvPr id="114" name="Shape 114"/>
+        <p:cNvPr id="1" name="Shape 114"/>
         <p:cNvGrpSpPr/>
         <p:nvPr/>
       </p:nvGrpSpPr>
@@ -11163,29 +11815,32 @@
       </p:grpSpPr>
       <p:pic>
         <p:nvPicPr>
-          <p:cNvPr descr="feattour_new_hero_614x378-jira-pt-hero.png" id="115" name="Shape 115"/>
-          <p:cNvPicPr preferRelativeResize="0"/>
+          <p:cNvPr id="2" name="Picture 1" descr="Screen Shot 2017-05-22 at 11.38.57 PM.png"/>
+          <p:cNvPicPr>
+            <a:picLocks noChangeAspect="1"/>
+          </p:cNvPicPr>
           <p:nvPr/>
         </p:nvPicPr>
-        <p:blipFill rotWithShape="1">
+        <p:blipFill>
           <a:blip r:embed="rId3">
-            <a:alphaModFix/>
+            <a:extLst>
+              <a:ext uri="{28A0092B-C50C-407E-A947-70E740481C1C}">
+                <a14:useLocalDpi xmlns:a14="http://schemas.microsoft.com/office/drawing/2010/main" val="0"/>
+              </a:ext>
+            </a:extLst>
           </a:blip>
-          <a:srcRect b="0" l="0" r="0" t="0"/>
-          <a:stretch/>
+          <a:stretch>
+            <a:fillRect/>
+          </a:stretch>
         </p:blipFill>
         <p:spPr>
           <a:xfrm>
-            <a:off x="673100" y="165100"/>
-            <a:ext cx="7797800" cy="4800600"/>
+            <a:off x="143559" y="519043"/>
+            <a:ext cx="8867538" cy="4185478"/>
           </a:xfrm>
           <a:prstGeom prst="rect">
             <a:avLst/>
           </a:prstGeom>
-          <a:noFill/>
-          <a:ln>
-            <a:noFill/>
-          </a:ln>
         </p:spPr>
       </p:pic>
     </p:spTree>
@@ -11193,11 +11848,18 @@
   <p:clrMapOvr>
     <a:masterClrMapping/>
   </p:clrMapOvr>
+  <p:timing>
+    <p:tnLst>
+      <p:par>
+        <p:cTn xmlns:p14="http://schemas.microsoft.com/office/powerpoint/2010/main" id="1" dur="indefinite" restart="never" nodeType="tmRoot"/>
+      </p:par>
+    </p:tnLst>
+  </p:timing>
 </p:sld>
 </file>
 
 <file path=ppt/theme/theme1.xml><?xml version="1.0" encoding="utf-8"?>
-<a:theme xmlns:a="http://schemas.openxmlformats.org/drawingml/2006/main" xmlns:r="http://schemas.openxmlformats.org/officeDocument/2006/relationships" name="tropic">
+<a:theme xmlns:a="http://schemas.openxmlformats.org/drawingml/2006/main" name="tropic">
   <a:themeElements>
     <a:clrScheme name="Tropic">
       <a:dk1>
@@ -11472,11 +12134,13 @@
       </a:bgFillStyleLst>
     </a:fmtScheme>
   </a:themeElements>
+  <a:objectDefaults/>
+  <a:extraClrSchemeLst/>
 </a:theme>
 </file>
 
 <file path=ppt/theme/theme2.xml><?xml version="1.0" encoding="utf-8"?>
-<a:theme xmlns:a="http://schemas.openxmlformats.org/drawingml/2006/main" xmlns:r="http://schemas.openxmlformats.org/officeDocument/2006/relationships" name="Custom Theme">
+<a:theme xmlns:a="http://schemas.openxmlformats.org/drawingml/2006/main" name="Custom Theme">
   <a:themeElements>
     <a:clrScheme name="Default">
       <a:dk1>
@@ -11751,5 +12415,7 @@
       </a:bgFillStyleLst>
     </a:fmtScheme>
   </a:themeElements>
+  <a:objectDefaults/>
+  <a:extraClrSchemeLst/>
 </a:theme>
 </file>